--- a/Final_ppt.pptx
+++ b/Final_ppt.pptx
@@ -1,27 +1,27 @@
 
 <file path=ppt/presentation.xml><?xml version="1.0" encoding="utf-8"?>
-<p:presentation xmlns:a="http://schemas.openxmlformats.org/drawingml/2006/main" xmlns:r="http://schemas.openxmlformats.org/officeDocument/2006/relationships" xmlns:mc="http://schemas.openxmlformats.org/markup-compatibility/2006" xmlns:mv="urn:schemas-microsoft-com:mac:vml" xmlns:p="http://schemas.openxmlformats.org/presentationml/2006/main" xmlns:c="http://schemas.openxmlformats.org/drawingml/2006/chart" xmlns:dgm="http://schemas.openxmlformats.org/drawingml/2006/diagram" xmlns:o="urn:schemas-microsoft-com:office:office" xmlns:v="urn:schemas-microsoft-com:vml" xmlns:pvml="urn:schemas-microsoft-com:office:powerpoint" xmlns:com="http://schemas.openxmlformats.org/drawingml/2006/compatibility" xmlns:p14="http://schemas.microsoft.com/office/powerpoint/2010/main" xmlns:p15="http://schemas.microsoft.com/office/powerpoint/2012/main" xmlns:ahyp="http://schemas.microsoft.com/office/drawing/2018/hyperlinkcolor" autoCompressPictures="0" strictFirstAndLastChars="0" saveSubsetFonts="1">
+<p:presentation xmlns:a="http://schemas.openxmlformats.org/drawingml/2006/main" xmlns:r="http://schemas.openxmlformats.org/officeDocument/2006/relationships" xmlns:p="http://schemas.openxmlformats.org/presentationml/2006/main" strictFirstAndLastChars="0" saveSubsetFonts="1" autoCompressPictures="0">
   <p:sldMasterIdLst>
-    <p:sldMasterId id="2147483648" r:id="rId4"/>
+    <p:sldMasterId id="2147483648" r:id="rId1"/>
   </p:sldMasterIdLst>
   <p:notesMasterIdLst>
-    <p:notesMasterId r:id="rId5"/>
+    <p:notesMasterId r:id="rId11"/>
   </p:notesMasterIdLst>
   <p:sldIdLst>
-    <p:sldId id="256" r:id="rId6"/>
-    <p:sldId id="257" r:id="rId7"/>
-    <p:sldId id="258" r:id="rId8"/>
-    <p:sldId id="259" r:id="rId9"/>
-    <p:sldId id="260" r:id="rId10"/>
-    <p:sldId id="261" r:id="rId11"/>
-    <p:sldId id="262" r:id="rId12"/>
-    <p:sldId id="263" r:id="rId13"/>
-    <p:sldId id="264" r:id="rId14"/>
+    <p:sldId id="256" r:id="rId2"/>
+    <p:sldId id="257" r:id="rId3"/>
+    <p:sldId id="258" r:id="rId4"/>
+    <p:sldId id="259" r:id="rId5"/>
+    <p:sldId id="260" r:id="rId6"/>
+    <p:sldId id="261" r:id="rId7"/>
+    <p:sldId id="262" r:id="rId8"/>
+    <p:sldId id="263" r:id="rId9"/>
+    <p:sldId id="264" r:id="rId10"/>
   </p:sldIdLst>
-  <p:sldSz cy="6858000" cx="12192000"/>
+  <p:sldSz cx="12192000" cy="6858000"/>
   <p:notesSz cx="6858000" cy="9144000"/>
   <p:defaultTextStyle>
-    <a:defPPr lvl="0" marR="0" rtl="0" algn="l">
+    <a:defPPr marR="0" lvl="0" algn="l" rtl="0">
       <a:lnSpc>
         <a:spcPct val="100000"/>
       </a:lnSpc>
@@ -32,7 +32,7 @@
         <a:spcPts val="0"/>
       </a:spcAft>
     </a:defPPr>
-    <a:lvl1pPr lvl="0" marR="0" rtl="0" algn="l">
+    <a:lvl1pPr marR="0" lvl="0" algn="l" rtl="0">
       <a:lnSpc>
         <a:spcPct val="100000"/>
       </a:lnSpc>
@@ -46,7 +46,7 @@
         <a:srgbClr val="000000"/>
       </a:buClr>
       <a:buFont typeface="Arial"/>
-      <a:defRPr b="0" i="0" sz="1400" u="none" cap="none" strike="noStrike">
+      <a:defRPr sz="1400" b="0" i="0" u="none" strike="noStrike" cap="none">
         <a:solidFill>
           <a:srgbClr val="000000"/>
         </a:solidFill>
@@ -56,7 +56,7 @@
         <a:sym typeface="Arial"/>
       </a:defRPr>
     </a:lvl1pPr>
-    <a:lvl2pPr lvl="1" marR="0" rtl="0" algn="l">
+    <a:lvl2pPr marR="0" lvl="1" algn="l" rtl="0">
       <a:lnSpc>
         <a:spcPct val="100000"/>
       </a:lnSpc>
@@ -70,7 +70,7 @@
         <a:srgbClr val="000000"/>
       </a:buClr>
       <a:buFont typeface="Arial"/>
-      <a:defRPr b="0" i="0" sz="1400" u="none" cap="none" strike="noStrike">
+      <a:defRPr sz="1400" b="0" i="0" u="none" strike="noStrike" cap="none">
         <a:solidFill>
           <a:srgbClr val="000000"/>
         </a:solidFill>
@@ -80,7 +80,7 @@
         <a:sym typeface="Arial"/>
       </a:defRPr>
     </a:lvl2pPr>
-    <a:lvl3pPr lvl="2" marR="0" rtl="0" algn="l">
+    <a:lvl3pPr marR="0" lvl="2" algn="l" rtl="0">
       <a:lnSpc>
         <a:spcPct val="100000"/>
       </a:lnSpc>
@@ -94,7 +94,7 @@
         <a:srgbClr val="000000"/>
       </a:buClr>
       <a:buFont typeface="Arial"/>
-      <a:defRPr b="0" i="0" sz="1400" u="none" cap="none" strike="noStrike">
+      <a:defRPr sz="1400" b="0" i="0" u="none" strike="noStrike" cap="none">
         <a:solidFill>
           <a:srgbClr val="000000"/>
         </a:solidFill>
@@ -104,7 +104,7 @@
         <a:sym typeface="Arial"/>
       </a:defRPr>
     </a:lvl3pPr>
-    <a:lvl4pPr lvl="3" marR="0" rtl="0" algn="l">
+    <a:lvl4pPr marR="0" lvl="3" algn="l" rtl="0">
       <a:lnSpc>
         <a:spcPct val="100000"/>
       </a:lnSpc>
@@ -118,7 +118,7 @@
         <a:srgbClr val="000000"/>
       </a:buClr>
       <a:buFont typeface="Arial"/>
-      <a:defRPr b="0" i="0" sz="1400" u="none" cap="none" strike="noStrike">
+      <a:defRPr sz="1400" b="0" i="0" u="none" strike="noStrike" cap="none">
         <a:solidFill>
           <a:srgbClr val="000000"/>
         </a:solidFill>
@@ -128,7 +128,7 @@
         <a:sym typeface="Arial"/>
       </a:defRPr>
     </a:lvl4pPr>
-    <a:lvl5pPr lvl="4" marR="0" rtl="0" algn="l">
+    <a:lvl5pPr marR="0" lvl="4" algn="l" rtl="0">
       <a:lnSpc>
         <a:spcPct val="100000"/>
       </a:lnSpc>
@@ -142,7 +142,7 @@
         <a:srgbClr val="000000"/>
       </a:buClr>
       <a:buFont typeface="Arial"/>
-      <a:defRPr b="0" i="0" sz="1400" u="none" cap="none" strike="noStrike">
+      <a:defRPr sz="1400" b="0" i="0" u="none" strike="noStrike" cap="none">
         <a:solidFill>
           <a:srgbClr val="000000"/>
         </a:solidFill>
@@ -152,7 +152,7 @@
         <a:sym typeface="Arial"/>
       </a:defRPr>
     </a:lvl5pPr>
-    <a:lvl6pPr lvl="5" marR="0" rtl="0" algn="l">
+    <a:lvl6pPr marR="0" lvl="5" algn="l" rtl="0">
       <a:lnSpc>
         <a:spcPct val="100000"/>
       </a:lnSpc>
@@ -166,7 +166,7 @@
         <a:srgbClr val="000000"/>
       </a:buClr>
       <a:buFont typeface="Arial"/>
-      <a:defRPr b="0" i="0" sz="1400" u="none" cap="none" strike="noStrike">
+      <a:defRPr sz="1400" b="0" i="0" u="none" strike="noStrike" cap="none">
         <a:solidFill>
           <a:srgbClr val="000000"/>
         </a:solidFill>
@@ -176,7 +176,7 @@
         <a:sym typeface="Arial"/>
       </a:defRPr>
     </a:lvl6pPr>
-    <a:lvl7pPr lvl="6" marR="0" rtl="0" algn="l">
+    <a:lvl7pPr marR="0" lvl="6" algn="l" rtl="0">
       <a:lnSpc>
         <a:spcPct val="100000"/>
       </a:lnSpc>
@@ -190,7 +190,7 @@
         <a:srgbClr val="000000"/>
       </a:buClr>
       <a:buFont typeface="Arial"/>
-      <a:defRPr b="0" i="0" sz="1400" u="none" cap="none" strike="noStrike">
+      <a:defRPr sz="1400" b="0" i="0" u="none" strike="noStrike" cap="none">
         <a:solidFill>
           <a:srgbClr val="000000"/>
         </a:solidFill>
@@ -200,7 +200,7 @@
         <a:sym typeface="Arial"/>
       </a:defRPr>
     </a:lvl7pPr>
-    <a:lvl8pPr lvl="7" marR="0" rtl="0" algn="l">
+    <a:lvl8pPr marR="0" lvl="7" algn="l" rtl="0">
       <a:lnSpc>
         <a:spcPct val="100000"/>
       </a:lnSpc>
@@ -214,7 +214,7 @@
         <a:srgbClr val="000000"/>
       </a:buClr>
       <a:buFont typeface="Arial"/>
-      <a:defRPr b="0" i="0" sz="1400" u="none" cap="none" strike="noStrike">
+      <a:defRPr sz="1400" b="0" i="0" u="none" strike="noStrike" cap="none">
         <a:solidFill>
           <a:srgbClr val="000000"/>
         </a:solidFill>
@@ -224,7 +224,7 @@
         <a:sym typeface="Arial"/>
       </a:defRPr>
     </a:lvl8pPr>
-    <a:lvl9pPr lvl="8" marR="0" rtl="0" algn="l">
+    <a:lvl9pPr marR="0" lvl="8" algn="l" rtl="0">
       <a:lnSpc>
         <a:spcPct val="100000"/>
       </a:lnSpc>
@@ -238,7 +238,7 @@
         <a:srgbClr val="000000"/>
       </a:buClr>
       <a:buFont typeface="Arial"/>
-      <a:defRPr b="0" i="0" sz="1400" u="none" cap="none" strike="noStrike">
+      <a:defRPr sz="1400" b="0" i="0" u="none" strike="noStrike" cap="none">
         <a:solidFill>
           <a:srgbClr val="000000"/>
         </a:solidFill>
@@ -251,18 +251,23 @@
   </p:defaultTextStyle>
   <p:extLst>
     <p:ext uri="http://customooxmlschemas.google.com/">
-      <go:slidesCustomData xmlns:go="http://customooxmlschemas.google.com/" r:id="rId15" roundtripDataSignature="AMtx7mhl8T+yHi5vcgJ0r4q/QVqz22gFmg=="/>
+      <go:slidesCustomData xmlns:go="http://customooxmlschemas.google.com/" xmlns:ahyp="http://schemas.microsoft.com/office/drawing/2018/hyperlinkcolor" xmlns:p15="http://schemas.microsoft.com/office/powerpoint/2012/main" xmlns:p14="http://schemas.microsoft.com/office/powerpoint/2010/main" xmlns:com="http://schemas.openxmlformats.org/drawingml/2006/compatibility" xmlns:pvml="urn:schemas-microsoft-com:office:powerpoint" xmlns:v="urn:schemas-microsoft-com:vml" xmlns:o="urn:schemas-microsoft-com:office:office" xmlns:dgm="http://schemas.openxmlformats.org/drawingml/2006/diagram" xmlns:c="http://schemas.openxmlformats.org/drawingml/2006/chart" xmlns:mv="urn:schemas-microsoft-com:mac:vml" xmlns:mc="http://schemas.openxmlformats.org/markup-compatibility/2006" xmlns="" r:id="rId15" roundtripDataSignature="AMtx7mhl8T+yHi5vcgJ0r4q/QVqz22gFmg=="/>
     </p:ext>
   </p:extLst>
 </p:presentation>
 </file>
 
 <file path=ppt/notesMasters/notesMaster1.xml><?xml version="1.0" encoding="utf-8"?>
-<p:notesMaster xmlns:a="http://schemas.openxmlformats.org/drawingml/2006/main" xmlns:r="http://schemas.openxmlformats.org/officeDocument/2006/relationships" xmlns:mc="http://schemas.openxmlformats.org/markup-compatibility/2006" xmlns:mv="urn:schemas-microsoft-com:mac:vml" xmlns:p="http://schemas.openxmlformats.org/presentationml/2006/main" xmlns:c="http://schemas.openxmlformats.org/drawingml/2006/chart" xmlns:dgm="http://schemas.openxmlformats.org/drawingml/2006/diagram" xmlns:o="urn:schemas-microsoft-com:office:office" xmlns:v="urn:schemas-microsoft-com:vml" xmlns:pvml="urn:schemas-microsoft-com:office:powerpoint" xmlns:com="http://schemas.openxmlformats.org/drawingml/2006/compatibility" xmlns:p14="http://schemas.microsoft.com/office/powerpoint/2010/main" xmlns:p15="http://schemas.microsoft.com/office/powerpoint/2012/main" xmlns:ahyp="http://schemas.microsoft.com/office/drawing/2018/hyperlinkcolor">
+<p:notesMaster xmlns:a="http://schemas.openxmlformats.org/drawingml/2006/main" xmlns:r="http://schemas.openxmlformats.org/officeDocument/2006/relationships" xmlns:p="http://schemas.openxmlformats.org/presentationml/2006/main">
   <p:cSld>
+    <p:bg>
+      <p:bgRef idx="1001">
+        <a:schemeClr val="bg1"/>
+      </p:bgRef>
+    </p:bg>
     <p:spTree>
       <p:nvGrpSpPr>
-        <p:cNvPr id="2" name="Shape 2"/>
+        <p:cNvPr id="1" name="Shape 2"/>
         <p:cNvGrpSpPr/>
         <p:nvPr/>
       </p:nvGrpSpPr>
@@ -277,9 +282,11 @@
       <p:sp>
         <p:nvSpPr>
           <p:cNvPr id="3" name="Google Shape;3;n"/>
-          <p:cNvSpPr/>
+          <p:cNvSpPr>
+            <a:spLocks noGrp="1" noRot="1" noChangeAspect="1"/>
+          </p:cNvSpPr>
           <p:nvPr>
-            <p:ph idx="2" type="sldImg"/>
+            <p:ph type="sldImg" idx="2"/>
           </p:nvPr>
         </p:nvSpPr>
         <p:spPr>
@@ -288,9 +295,13 @@
             <a:ext cx="4572225" cy="3429000"/>
           </a:xfrm>
           <a:custGeom>
-            <a:rect b="b" l="l" r="r" t="t"/>
+            <a:avLst/>
+            <a:gdLst/>
+            <a:ahLst/>
+            <a:cxnLst/>
+            <a:rect l="l" t="t" r="r" b="b"/>
             <a:pathLst>
-              <a:path extrusionOk="0" h="120000" w="120000">
+              <a:path w="120000" h="120000" extrusionOk="0">
                 <a:moveTo>
                   <a:pt x="0" y="0"/>
                 </a:moveTo>
@@ -308,23 +319,25 @@
             </a:pathLst>
           </a:custGeom>
           <a:noFill/>
-          <a:ln cap="flat" cmpd="sng" w="9525">
+          <a:ln w="9525" cap="flat" cmpd="sng">
             <a:solidFill>
               <a:srgbClr val="000000"/>
             </a:solidFill>
             <a:prstDash val="solid"/>
             <a:round/>
-            <a:headEnd len="sm" w="sm" type="none"/>
-            <a:tailEnd len="sm" w="sm" type="none"/>
+            <a:headEnd type="none" w="sm" len="sm"/>
+            <a:tailEnd type="none" w="sm" len="sm"/>
           </a:ln>
         </p:spPr>
       </p:sp>
       <p:sp>
         <p:nvSpPr>
           <p:cNvPr id="4" name="Google Shape;4;n"/>
-          <p:cNvSpPr txBox="1"/>
+          <p:cNvSpPr txBox="1">
+            <a:spLocks noGrp="1"/>
+          </p:cNvSpPr>
           <p:nvPr>
-            <p:ph idx="1" type="body"/>
+            <p:ph type="body" idx="1"/>
           </p:nvPr>
         </p:nvSpPr>
         <p:spPr>
@@ -341,11 +354,11 @@
           </a:ln>
         </p:spPr>
         <p:txBody>
-          <a:bodyPr anchorCtr="0" anchor="t" bIns="91425" lIns="91425" spcFirstLastPara="1" rIns="91425" wrap="square" tIns="91425">
+          <a:bodyPr spcFirstLastPara="1" wrap="square" lIns="91425" tIns="91425" rIns="91425" bIns="91425" anchor="t" anchorCtr="0">
             <a:noAutofit/>
           </a:bodyPr>
           <a:lstStyle>
-            <a:lvl1pPr indent="-298450" lvl="0" marL="457200">
+            <a:lvl1pPr marL="457200" lvl="0" indent="-298450">
               <a:spcBef>
                 <a:spcPts val="0"/>
               </a:spcBef>
@@ -356,7 +369,7 @@
               <a:buChar char="●"/>
               <a:defRPr sz="1100"/>
             </a:lvl1pPr>
-            <a:lvl2pPr indent="-298450" lvl="1" marL="914400">
+            <a:lvl2pPr marL="914400" lvl="1" indent="-298450">
               <a:spcBef>
                 <a:spcPts val="0"/>
               </a:spcBef>
@@ -367,7 +380,7 @@
               <a:buChar char="○"/>
               <a:defRPr sz="1100"/>
             </a:lvl2pPr>
-            <a:lvl3pPr indent="-298450" lvl="2" marL="1371600">
+            <a:lvl3pPr marL="1371600" lvl="2" indent="-298450">
               <a:spcBef>
                 <a:spcPts val="0"/>
               </a:spcBef>
@@ -378,7 +391,7 @@
               <a:buChar char="■"/>
               <a:defRPr sz="1100"/>
             </a:lvl3pPr>
-            <a:lvl4pPr indent="-298450" lvl="3" marL="1828800">
+            <a:lvl4pPr marL="1828800" lvl="3" indent="-298450">
               <a:spcBef>
                 <a:spcPts val="0"/>
               </a:spcBef>
@@ -389,7 +402,7 @@
               <a:buChar char="●"/>
               <a:defRPr sz="1100"/>
             </a:lvl4pPr>
-            <a:lvl5pPr indent="-298450" lvl="4" marL="2286000">
+            <a:lvl5pPr marL="2286000" lvl="4" indent="-298450">
               <a:spcBef>
                 <a:spcPts val="0"/>
               </a:spcBef>
@@ -400,7 +413,7 @@
               <a:buChar char="○"/>
               <a:defRPr sz="1100"/>
             </a:lvl5pPr>
-            <a:lvl6pPr indent="-298450" lvl="5" marL="2743200">
+            <a:lvl6pPr marL="2743200" lvl="5" indent="-298450">
               <a:spcBef>
                 <a:spcPts val="0"/>
               </a:spcBef>
@@ -411,7 +424,7 @@
               <a:buChar char="■"/>
               <a:defRPr sz="1100"/>
             </a:lvl6pPr>
-            <a:lvl7pPr indent="-298450" lvl="6" marL="3200400">
+            <a:lvl7pPr marL="3200400" lvl="6" indent="-298450">
               <a:spcBef>
                 <a:spcPts val="0"/>
               </a:spcBef>
@@ -422,7 +435,7 @@
               <a:buChar char="●"/>
               <a:defRPr sz="1100"/>
             </a:lvl7pPr>
-            <a:lvl8pPr indent="-298450" lvl="7" marL="3657600">
+            <a:lvl8pPr marL="3657600" lvl="7" indent="-298450">
               <a:spcBef>
                 <a:spcPts val="0"/>
               </a:spcBef>
@@ -433,7 +446,7 @@
               <a:buChar char="○"/>
               <a:defRPr sz="1100"/>
             </a:lvl8pPr>
-            <a:lvl9pPr indent="-298450" lvl="8" marL="4114800">
+            <a:lvl9pPr marL="4114800" lvl="8" indent="-298450">
               <a:spcBef>
                 <a:spcPts val="0"/>
               </a:spcBef>
@@ -445,14 +458,16 @@
               <a:defRPr sz="1100"/>
             </a:lvl9pPr>
           </a:lstStyle>
-          <a:p/>
+          <a:p>
+            <a:endParaRPr/>
+          </a:p>
         </p:txBody>
       </p:sp>
     </p:spTree>
   </p:cSld>
-  <p:clrMap accent1="accent1" accent2="accent2" accent3="accent3" accent4="accent4" accent5="accent5" accent6="accent6" bg1="lt1" bg2="dk2" tx1="dk1" tx2="lt2" folHlink="folHlink" hlink="hlink"/>
+  <p:clrMap bg1="lt1" tx1="dk1" bg2="dk2" tx2="lt2" accent1="accent1" accent2="accent2" accent3="accent3" accent4="accent4" accent5="accent5" accent6="accent6" hlink="hlink" folHlink="folHlink"/>
   <p:notesStyle>
-    <a:defPPr lvl="0" marR="0" rtl="0" algn="l">
+    <a:defPPr marR="0" lvl="0" algn="l" rtl="0">
       <a:lnSpc>
         <a:spcPct val="100000"/>
       </a:lnSpc>
@@ -463,7 +478,7 @@
         <a:spcPts val="0"/>
       </a:spcAft>
     </a:defPPr>
-    <a:lvl1pPr lvl="0" marR="0" rtl="0" algn="l">
+    <a:lvl1pPr marR="0" lvl="0" algn="l" rtl="0">
       <a:lnSpc>
         <a:spcPct val="100000"/>
       </a:lnSpc>
@@ -477,7 +492,7 @@
         <a:srgbClr val="000000"/>
       </a:buClr>
       <a:buFont typeface="Arial"/>
-      <a:defRPr b="0" i="0" sz="1400" u="none" cap="none" strike="noStrike">
+      <a:defRPr sz="1400" b="0" i="0" u="none" strike="noStrike" cap="none">
         <a:solidFill>
           <a:srgbClr val="000000"/>
         </a:solidFill>
@@ -487,7 +502,7 @@
         <a:sym typeface="Arial"/>
       </a:defRPr>
     </a:lvl1pPr>
-    <a:lvl2pPr lvl="1" marR="0" rtl="0" algn="l">
+    <a:lvl2pPr marR="0" lvl="1" algn="l" rtl="0">
       <a:lnSpc>
         <a:spcPct val="100000"/>
       </a:lnSpc>
@@ -501,7 +516,7 @@
         <a:srgbClr val="000000"/>
       </a:buClr>
       <a:buFont typeface="Arial"/>
-      <a:defRPr b="0" i="0" sz="1400" u="none" cap="none" strike="noStrike">
+      <a:defRPr sz="1400" b="0" i="0" u="none" strike="noStrike" cap="none">
         <a:solidFill>
           <a:srgbClr val="000000"/>
         </a:solidFill>
@@ -511,7 +526,7 @@
         <a:sym typeface="Arial"/>
       </a:defRPr>
     </a:lvl2pPr>
-    <a:lvl3pPr lvl="2" marR="0" rtl="0" algn="l">
+    <a:lvl3pPr marR="0" lvl="2" algn="l" rtl="0">
       <a:lnSpc>
         <a:spcPct val="100000"/>
       </a:lnSpc>
@@ -525,7 +540,7 @@
         <a:srgbClr val="000000"/>
       </a:buClr>
       <a:buFont typeface="Arial"/>
-      <a:defRPr b="0" i="0" sz="1400" u="none" cap="none" strike="noStrike">
+      <a:defRPr sz="1400" b="0" i="0" u="none" strike="noStrike" cap="none">
         <a:solidFill>
           <a:srgbClr val="000000"/>
         </a:solidFill>
@@ -535,7 +550,7 @@
         <a:sym typeface="Arial"/>
       </a:defRPr>
     </a:lvl3pPr>
-    <a:lvl4pPr lvl="3" marR="0" rtl="0" algn="l">
+    <a:lvl4pPr marR="0" lvl="3" algn="l" rtl="0">
       <a:lnSpc>
         <a:spcPct val="100000"/>
       </a:lnSpc>
@@ -549,7 +564,7 @@
         <a:srgbClr val="000000"/>
       </a:buClr>
       <a:buFont typeface="Arial"/>
-      <a:defRPr b="0" i="0" sz="1400" u="none" cap="none" strike="noStrike">
+      <a:defRPr sz="1400" b="0" i="0" u="none" strike="noStrike" cap="none">
         <a:solidFill>
           <a:srgbClr val="000000"/>
         </a:solidFill>
@@ -559,7 +574,7 @@
         <a:sym typeface="Arial"/>
       </a:defRPr>
     </a:lvl4pPr>
-    <a:lvl5pPr lvl="4" marR="0" rtl="0" algn="l">
+    <a:lvl5pPr marR="0" lvl="4" algn="l" rtl="0">
       <a:lnSpc>
         <a:spcPct val="100000"/>
       </a:lnSpc>
@@ -573,7 +588,7 @@
         <a:srgbClr val="000000"/>
       </a:buClr>
       <a:buFont typeface="Arial"/>
-      <a:defRPr b="0" i="0" sz="1400" u="none" cap="none" strike="noStrike">
+      <a:defRPr sz="1400" b="0" i="0" u="none" strike="noStrike" cap="none">
         <a:solidFill>
           <a:srgbClr val="000000"/>
         </a:solidFill>
@@ -583,7 +598,7 @@
         <a:sym typeface="Arial"/>
       </a:defRPr>
     </a:lvl5pPr>
-    <a:lvl6pPr lvl="5" marR="0" rtl="0" algn="l">
+    <a:lvl6pPr marR="0" lvl="5" algn="l" rtl="0">
       <a:lnSpc>
         <a:spcPct val="100000"/>
       </a:lnSpc>
@@ -597,7 +612,7 @@
         <a:srgbClr val="000000"/>
       </a:buClr>
       <a:buFont typeface="Arial"/>
-      <a:defRPr b="0" i="0" sz="1400" u="none" cap="none" strike="noStrike">
+      <a:defRPr sz="1400" b="0" i="0" u="none" strike="noStrike" cap="none">
         <a:solidFill>
           <a:srgbClr val="000000"/>
         </a:solidFill>
@@ -607,7 +622,7 @@
         <a:sym typeface="Arial"/>
       </a:defRPr>
     </a:lvl6pPr>
-    <a:lvl7pPr lvl="6" marR="0" rtl="0" algn="l">
+    <a:lvl7pPr marR="0" lvl="6" algn="l" rtl="0">
       <a:lnSpc>
         <a:spcPct val="100000"/>
       </a:lnSpc>
@@ -621,7 +636,7 @@
         <a:srgbClr val="000000"/>
       </a:buClr>
       <a:buFont typeface="Arial"/>
-      <a:defRPr b="0" i="0" sz="1400" u="none" cap="none" strike="noStrike">
+      <a:defRPr sz="1400" b="0" i="0" u="none" strike="noStrike" cap="none">
         <a:solidFill>
           <a:srgbClr val="000000"/>
         </a:solidFill>
@@ -631,7 +646,7 @@
         <a:sym typeface="Arial"/>
       </a:defRPr>
     </a:lvl7pPr>
-    <a:lvl8pPr lvl="7" marR="0" rtl="0" algn="l">
+    <a:lvl8pPr marR="0" lvl="7" algn="l" rtl="0">
       <a:lnSpc>
         <a:spcPct val="100000"/>
       </a:lnSpc>
@@ -645,7 +660,7 @@
         <a:srgbClr val="000000"/>
       </a:buClr>
       <a:buFont typeface="Arial"/>
-      <a:defRPr b="0" i="0" sz="1400" u="none" cap="none" strike="noStrike">
+      <a:defRPr sz="1400" b="0" i="0" u="none" strike="noStrike" cap="none">
         <a:solidFill>
           <a:srgbClr val="000000"/>
         </a:solidFill>
@@ -655,7 +670,7 @@
         <a:sym typeface="Arial"/>
       </a:defRPr>
     </a:lvl8pPr>
-    <a:lvl9pPr lvl="8" marR="0" rtl="0" algn="l">
+    <a:lvl9pPr marR="0" lvl="8" algn="l" rtl="0">
       <a:lnSpc>
         <a:spcPct val="100000"/>
       </a:lnSpc>
@@ -669,7 +684,7 @@
         <a:srgbClr val="000000"/>
       </a:buClr>
       <a:buFont typeface="Arial"/>
-      <a:defRPr b="0" i="0" sz="1400" u="none" cap="none" strike="noStrike">
+      <a:defRPr sz="1400" b="0" i="0" u="none" strike="noStrike" cap="none">
         <a:solidFill>
           <a:srgbClr val="000000"/>
         </a:solidFill>
@@ -684,11 +699,11 @@
 </file>
 
 <file path=ppt/notesSlides/notesSlide1.xml><?xml version="1.0" encoding="utf-8"?>
-<p:notes xmlns:a="http://schemas.openxmlformats.org/drawingml/2006/main" xmlns:r="http://schemas.openxmlformats.org/officeDocument/2006/relationships" xmlns:mc="http://schemas.openxmlformats.org/markup-compatibility/2006" xmlns:mv="urn:schemas-microsoft-com:mac:vml" xmlns:p="http://schemas.openxmlformats.org/presentationml/2006/main" xmlns:c="http://schemas.openxmlformats.org/drawingml/2006/chart" xmlns:dgm="http://schemas.openxmlformats.org/drawingml/2006/diagram" xmlns:o="urn:schemas-microsoft-com:office:office" xmlns:v="urn:schemas-microsoft-com:vml" xmlns:pvml="urn:schemas-microsoft-com:office:powerpoint" xmlns:com="http://schemas.openxmlformats.org/drawingml/2006/compatibility" xmlns:p14="http://schemas.microsoft.com/office/powerpoint/2010/main" xmlns:p15="http://schemas.microsoft.com/office/powerpoint/2012/main" xmlns:ahyp="http://schemas.microsoft.com/office/drawing/2018/hyperlinkcolor" showMasterPhAnim="0" showMasterSp="0">
+<p:notes xmlns:a="http://schemas.openxmlformats.org/drawingml/2006/main" xmlns:r="http://schemas.openxmlformats.org/officeDocument/2006/relationships" xmlns:p="http://schemas.openxmlformats.org/presentationml/2006/main" showMasterSp="0" showMasterPhAnim="0">
   <p:cSld>
     <p:spTree>
       <p:nvGrpSpPr>
-        <p:cNvPr id="80" name="Shape 80"/>
+        <p:cNvPr id="1" name="Shape 80"/>
         <p:cNvGrpSpPr/>
         <p:nvPr/>
       </p:nvGrpSpPr>
@@ -703,9 +718,11 @@
       <p:sp>
         <p:nvSpPr>
           <p:cNvPr id="81" name="Google Shape;81;p1:notes"/>
-          <p:cNvSpPr txBox="1"/>
+          <p:cNvSpPr txBox="1">
+            <a:spLocks noGrp="1"/>
+          </p:cNvSpPr>
           <p:nvPr>
-            <p:ph idx="1" type="body"/>
+            <p:ph type="body" idx="1"/>
           </p:nvPr>
         </p:nvSpPr>
         <p:spPr>
@@ -718,12 +735,12 @@
           </a:prstGeom>
         </p:spPr>
         <p:txBody>
-          <a:bodyPr anchorCtr="0" anchor="t" bIns="91425" lIns="91425" spcFirstLastPara="1" rIns="91425" wrap="square" tIns="91425">
+          <a:bodyPr spcFirstLastPara="1" wrap="square" lIns="91425" tIns="91425" rIns="91425" bIns="91425" anchor="t" anchorCtr="0">
             <a:noAutofit/>
           </a:bodyPr>
           <a:lstStyle/>
           <a:p>
-            <a:pPr indent="0" lvl="0" marL="0" rtl="0" algn="l">
+            <a:pPr marL="0" lvl="0" indent="0" algn="l" rtl="0">
               <a:spcBef>
                 <a:spcPts val="0"/>
               </a:spcBef>
@@ -732,9 +749,6 @@
               </a:spcAft>
               <a:buNone/>
             </a:pPr>
-            <a:r>
-              <a:t/>
-            </a:r>
             <a:endParaRPr/>
           </a:p>
         </p:txBody>
@@ -742,20 +756,26 @@
       <p:sp>
         <p:nvSpPr>
           <p:cNvPr id="82" name="Google Shape;82;p1:notes"/>
-          <p:cNvSpPr/>
+          <p:cNvSpPr>
+            <a:spLocks noGrp="1" noRot="1" noChangeAspect="1"/>
+          </p:cNvSpPr>
           <p:nvPr>
-            <p:ph idx="2" type="sldImg"/>
+            <p:ph type="sldImg" idx="2"/>
           </p:nvPr>
         </p:nvSpPr>
         <p:spPr>
           <a:xfrm>
-            <a:off x="1143225" y="685800"/>
-            <a:ext cx="4572225" cy="3429000"/>
+            <a:off x="381000" y="685800"/>
+            <a:ext cx="6096000" cy="3429000"/>
           </a:xfrm>
           <a:custGeom>
-            <a:rect b="b" l="l" r="r" t="t"/>
+            <a:avLst/>
+            <a:gdLst/>
+            <a:ahLst/>
+            <a:cxnLst/>
+            <a:rect l="l" t="t" r="r" b="b"/>
             <a:pathLst>
-              <a:path extrusionOk="0" h="120000" w="120000">
+              <a:path w="120000" h="120000" extrusionOk="0">
                 <a:moveTo>
                   <a:pt x="0" y="0"/>
                 </a:moveTo>
@@ -783,11 +803,11 @@
 </file>
 
 <file path=ppt/notesSlides/notesSlide2.xml><?xml version="1.0" encoding="utf-8"?>
-<p:notes xmlns:a="http://schemas.openxmlformats.org/drawingml/2006/main" xmlns:r="http://schemas.openxmlformats.org/officeDocument/2006/relationships" xmlns:mc="http://schemas.openxmlformats.org/markup-compatibility/2006" xmlns:mv="urn:schemas-microsoft-com:mac:vml" xmlns:p="http://schemas.openxmlformats.org/presentationml/2006/main" xmlns:c="http://schemas.openxmlformats.org/drawingml/2006/chart" xmlns:dgm="http://schemas.openxmlformats.org/drawingml/2006/diagram" xmlns:o="urn:schemas-microsoft-com:office:office" xmlns:v="urn:schemas-microsoft-com:vml" xmlns:pvml="urn:schemas-microsoft-com:office:powerpoint" xmlns:com="http://schemas.openxmlformats.org/drawingml/2006/compatibility" xmlns:p14="http://schemas.microsoft.com/office/powerpoint/2010/main" xmlns:p15="http://schemas.microsoft.com/office/powerpoint/2012/main" xmlns:ahyp="http://schemas.microsoft.com/office/drawing/2018/hyperlinkcolor" showMasterPhAnim="0" showMasterSp="0">
+<p:notes xmlns:a="http://schemas.openxmlformats.org/drawingml/2006/main" xmlns:r="http://schemas.openxmlformats.org/officeDocument/2006/relationships" xmlns:p="http://schemas.openxmlformats.org/presentationml/2006/main" showMasterSp="0" showMasterPhAnim="0">
   <p:cSld>
     <p:spTree>
       <p:nvGrpSpPr>
-        <p:cNvPr id="87" name="Shape 87"/>
+        <p:cNvPr id="1" name="Shape 87"/>
         <p:cNvGrpSpPr/>
         <p:nvPr/>
       </p:nvGrpSpPr>
@@ -802,9 +822,11 @@
       <p:sp>
         <p:nvSpPr>
           <p:cNvPr id="88" name="Google Shape;88;p2:notes"/>
-          <p:cNvSpPr txBox="1"/>
+          <p:cNvSpPr txBox="1">
+            <a:spLocks noGrp="1"/>
+          </p:cNvSpPr>
           <p:nvPr>
-            <p:ph idx="1" type="body"/>
+            <p:ph type="body" idx="1"/>
           </p:nvPr>
         </p:nvSpPr>
         <p:spPr>
@@ -817,12 +839,12 @@
           </a:prstGeom>
         </p:spPr>
         <p:txBody>
-          <a:bodyPr anchorCtr="0" anchor="t" bIns="91425" lIns="91425" spcFirstLastPara="1" rIns="91425" wrap="square" tIns="91425">
+          <a:bodyPr spcFirstLastPara="1" wrap="square" lIns="91425" tIns="91425" rIns="91425" bIns="91425" anchor="t" anchorCtr="0">
             <a:noAutofit/>
           </a:bodyPr>
           <a:lstStyle/>
           <a:p>
-            <a:pPr indent="0" lvl="0" marL="0" rtl="0" algn="l">
+            <a:pPr marL="0" lvl="0" indent="0" algn="l" rtl="0">
               <a:spcBef>
                 <a:spcPts val="0"/>
               </a:spcBef>
@@ -831,9 +853,6 @@
               </a:spcAft>
               <a:buNone/>
             </a:pPr>
-            <a:r>
-              <a:t/>
-            </a:r>
             <a:endParaRPr/>
           </a:p>
         </p:txBody>
@@ -841,9 +860,11 @@
       <p:sp>
         <p:nvSpPr>
           <p:cNvPr id="89" name="Google Shape;89;p2:notes"/>
-          <p:cNvSpPr/>
+          <p:cNvSpPr>
+            <a:spLocks noGrp="1" noRot="1" noChangeAspect="1"/>
+          </p:cNvSpPr>
           <p:nvPr>
-            <p:ph idx="2" type="sldImg"/>
+            <p:ph type="sldImg" idx="2"/>
           </p:nvPr>
         </p:nvSpPr>
         <p:spPr>
@@ -852,9 +873,13 @@
             <a:ext cx="4572225" cy="3429000"/>
           </a:xfrm>
           <a:custGeom>
-            <a:rect b="b" l="l" r="r" t="t"/>
+            <a:avLst/>
+            <a:gdLst/>
+            <a:ahLst/>
+            <a:cxnLst/>
+            <a:rect l="l" t="t" r="r" b="b"/>
             <a:pathLst>
-              <a:path extrusionOk="0" h="120000" w="120000">
+              <a:path w="120000" h="120000" extrusionOk="0">
                 <a:moveTo>
                   <a:pt x="0" y="0"/>
                 </a:moveTo>
@@ -882,11 +907,11 @@
 </file>
 
 <file path=ppt/notesSlides/notesSlide3.xml><?xml version="1.0" encoding="utf-8"?>
-<p:notes xmlns:a="http://schemas.openxmlformats.org/drawingml/2006/main" xmlns:r="http://schemas.openxmlformats.org/officeDocument/2006/relationships" xmlns:mc="http://schemas.openxmlformats.org/markup-compatibility/2006" xmlns:mv="urn:schemas-microsoft-com:mac:vml" xmlns:p="http://schemas.openxmlformats.org/presentationml/2006/main" xmlns:c="http://schemas.openxmlformats.org/drawingml/2006/chart" xmlns:dgm="http://schemas.openxmlformats.org/drawingml/2006/diagram" xmlns:o="urn:schemas-microsoft-com:office:office" xmlns:v="urn:schemas-microsoft-com:vml" xmlns:pvml="urn:schemas-microsoft-com:office:powerpoint" xmlns:com="http://schemas.openxmlformats.org/drawingml/2006/compatibility" xmlns:p14="http://schemas.microsoft.com/office/powerpoint/2010/main" xmlns:p15="http://schemas.microsoft.com/office/powerpoint/2012/main" xmlns:ahyp="http://schemas.microsoft.com/office/drawing/2018/hyperlinkcolor" showMasterPhAnim="0" showMasterSp="0">
+<p:notes xmlns:a="http://schemas.openxmlformats.org/drawingml/2006/main" xmlns:r="http://schemas.openxmlformats.org/officeDocument/2006/relationships" xmlns:p="http://schemas.openxmlformats.org/presentationml/2006/main" showMasterSp="0" showMasterPhAnim="0">
   <p:cSld>
     <p:spTree>
       <p:nvGrpSpPr>
-        <p:cNvPr id="93" name="Shape 93"/>
+        <p:cNvPr id="1" name="Shape 93"/>
         <p:cNvGrpSpPr/>
         <p:nvPr/>
       </p:nvGrpSpPr>
@@ -901,9 +926,11 @@
       <p:sp>
         <p:nvSpPr>
           <p:cNvPr id="94" name="Google Shape;94;p4:notes"/>
-          <p:cNvSpPr txBox="1"/>
+          <p:cNvSpPr txBox="1">
+            <a:spLocks noGrp="1"/>
+          </p:cNvSpPr>
           <p:nvPr>
-            <p:ph idx="1" type="body"/>
+            <p:ph type="body" idx="1"/>
           </p:nvPr>
         </p:nvSpPr>
         <p:spPr>
@@ -916,12 +943,12 @@
           </a:prstGeom>
         </p:spPr>
         <p:txBody>
-          <a:bodyPr anchorCtr="0" anchor="t" bIns="91425" lIns="91425" spcFirstLastPara="1" rIns="91425" wrap="square" tIns="91425">
+          <a:bodyPr spcFirstLastPara="1" wrap="square" lIns="91425" tIns="91425" rIns="91425" bIns="91425" anchor="t" anchorCtr="0">
             <a:noAutofit/>
           </a:bodyPr>
           <a:lstStyle/>
           <a:p>
-            <a:pPr indent="0" lvl="0" marL="0" rtl="0" algn="l">
+            <a:pPr marL="0" lvl="0" indent="0" algn="l" rtl="0">
               <a:spcBef>
                 <a:spcPts val="0"/>
               </a:spcBef>
@@ -930,9 +957,6 @@
               </a:spcAft>
               <a:buNone/>
             </a:pPr>
-            <a:r>
-              <a:t/>
-            </a:r>
             <a:endParaRPr/>
           </a:p>
         </p:txBody>
@@ -940,9 +964,11 @@
       <p:sp>
         <p:nvSpPr>
           <p:cNvPr id="95" name="Google Shape;95;p4:notes"/>
-          <p:cNvSpPr/>
+          <p:cNvSpPr>
+            <a:spLocks noGrp="1" noRot="1" noChangeAspect="1"/>
+          </p:cNvSpPr>
           <p:nvPr>
-            <p:ph idx="2" type="sldImg"/>
+            <p:ph type="sldImg" idx="2"/>
           </p:nvPr>
         </p:nvSpPr>
         <p:spPr>
@@ -951,9 +977,13 @@
             <a:ext cx="4572225" cy="3429000"/>
           </a:xfrm>
           <a:custGeom>
-            <a:rect b="b" l="l" r="r" t="t"/>
+            <a:avLst/>
+            <a:gdLst/>
+            <a:ahLst/>
+            <a:cxnLst/>
+            <a:rect l="l" t="t" r="r" b="b"/>
             <a:pathLst>
-              <a:path extrusionOk="0" h="120000" w="120000">
+              <a:path w="120000" h="120000" extrusionOk="0">
                 <a:moveTo>
                   <a:pt x="0" y="0"/>
                 </a:moveTo>
@@ -981,11 +1011,11 @@
 </file>
 
 <file path=ppt/notesSlides/notesSlide4.xml><?xml version="1.0" encoding="utf-8"?>
-<p:notes xmlns:a="http://schemas.openxmlformats.org/drawingml/2006/main" xmlns:r="http://schemas.openxmlformats.org/officeDocument/2006/relationships" xmlns:mc="http://schemas.openxmlformats.org/markup-compatibility/2006" xmlns:mv="urn:schemas-microsoft-com:mac:vml" xmlns:p="http://schemas.openxmlformats.org/presentationml/2006/main" xmlns:c="http://schemas.openxmlformats.org/drawingml/2006/chart" xmlns:dgm="http://schemas.openxmlformats.org/drawingml/2006/diagram" xmlns:o="urn:schemas-microsoft-com:office:office" xmlns:v="urn:schemas-microsoft-com:vml" xmlns:pvml="urn:schemas-microsoft-com:office:powerpoint" xmlns:com="http://schemas.openxmlformats.org/drawingml/2006/compatibility" xmlns:p14="http://schemas.microsoft.com/office/powerpoint/2010/main" xmlns:p15="http://schemas.microsoft.com/office/powerpoint/2012/main" xmlns:ahyp="http://schemas.microsoft.com/office/drawing/2018/hyperlinkcolor" showMasterPhAnim="0" showMasterSp="0">
+<p:notes xmlns:a="http://schemas.openxmlformats.org/drawingml/2006/main" xmlns:r="http://schemas.openxmlformats.org/officeDocument/2006/relationships" xmlns:p="http://schemas.openxmlformats.org/presentationml/2006/main" showMasterSp="0" showMasterPhAnim="0">
   <p:cSld>
     <p:spTree>
       <p:nvGrpSpPr>
-        <p:cNvPr id="99" name="Shape 99"/>
+        <p:cNvPr id="1" name="Shape 99"/>
         <p:cNvGrpSpPr/>
         <p:nvPr/>
       </p:nvGrpSpPr>
@@ -1000,9 +1030,11 @@
       <p:sp>
         <p:nvSpPr>
           <p:cNvPr id="100" name="Google Shape;100;p3:notes"/>
-          <p:cNvSpPr txBox="1"/>
+          <p:cNvSpPr txBox="1">
+            <a:spLocks noGrp="1"/>
+          </p:cNvSpPr>
           <p:nvPr>
-            <p:ph idx="1" type="body"/>
+            <p:ph type="body" idx="1"/>
           </p:nvPr>
         </p:nvSpPr>
         <p:spPr>
@@ -1015,12 +1047,12 @@
           </a:prstGeom>
         </p:spPr>
         <p:txBody>
-          <a:bodyPr anchorCtr="0" anchor="t" bIns="91425" lIns="91425" spcFirstLastPara="1" rIns="91425" wrap="square" tIns="91425">
+          <a:bodyPr spcFirstLastPara="1" wrap="square" lIns="91425" tIns="91425" rIns="91425" bIns="91425" anchor="t" anchorCtr="0">
             <a:noAutofit/>
           </a:bodyPr>
           <a:lstStyle/>
           <a:p>
-            <a:pPr indent="0" lvl="0" marL="0" rtl="0" algn="l">
+            <a:pPr marL="0" lvl="0" indent="0" algn="l" rtl="0">
               <a:spcBef>
                 <a:spcPts val="0"/>
               </a:spcBef>
@@ -1029,9 +1061,6 @@
               </a:spcAft>
               <a:buNone/>
             </a:pPr>
-            <a:r>
-              <a:t/>
-            </a:r>
             <a:endParaRPr/>
           </a:p>
         </p:txBody>
@@ -1039,9 +1068,11 @@
       <p:sp>
         <p:nvSpPr>
           <p:cNvPr id="101" name="Google Shape;101;p3:notes"/>
-          <p:cNvSpPr/>
+          <p:cNvSpPr>
+            <a:spLocks noGrp="1" noRot="1" noChangeAspect="1"/>
+          </p:cNvSpPr>
           <p:nvPr>
-            <p:ph idx="2" type="sldImg"/>
+            <p:ph type="sldImg" idx="2"/>
           </p:nvPr>
         </p:nvSpPr>
         <p:spPr>
@@ -1050,9 +1081,13 @@
             <a:ext cx="4572225" cy="3429000"/>
           </a:xfrm>
           <a:custGeom>
-            <a:rect b="b" l="l" r="r" t="t"/>
+            <a:avLst/>
+            <a:gdLst/>
+            <a:ahLst/>
+            <a:cxnLst/>
+            <a:rect l="l" t="t" r="r" b="b"/>
             <a:pathLst>
-              <a:path extrusionOk="0" h="120000" w="120000">
+              <a:path w="120000" h="120000" extrusionOk="0">
                 <a:moveTo>
                   <a:pt x="0" y="0"/>
                 </a:moveTo>
@@ -1080,11 +1115,11 @@
 </file>
 
 <file path=ppt/notesSlides/notesSlide5.xml><?xml version="1.0" encoding="utf-8"?>
-<p:notes xmlns:a="http://schemas.openxmlformats.org/drawingml/2006/main" xmlns:r="http://schemas.openxmlformats.org/officeDocument/2006/relationships" xmlns:mc="http://schemas.openxmlformats.org/markup-compatibility/2006" xmlns:mv="urn:schemas-microsoft-com:mac:vml" xmlns:p="http://schemas.openxmlformats.org/presentationml/2006/main" xmlns:c="http://schemas.openxmlformats.org/drawingml/2006/chart" xmlns:dgm="http://schemas.openxmlformats.org/drawingml/2006/diagram" xmlns:o="urn:schemas-microsoft-com:office:office" xmlns:v="urn:schemas-microsoft-com:vml" xmlns:pvml="urn:schemas-microsoft-com:office:powerpoint" xmlns:com="http://schemas.openxmlformats.org/drawingml/2006/compatibility" xmlns:p14="http://schemas.microsoft.com/office/powerpoint/2010/main" xmlns:p15="http://schemas.microsoft.com/office/powerpoint/2012/main" xmlns:ahyp="http://schemas.microsoft.com/office/drawing/2018/hyperlinkcolor" showMasterPhAnim="0" showMasterSp="0">
+<p:notes xmlns:a="http://schemas.openxmlformats.org/drawingml/2006/main" xmlns:r="http://schemas.openxmlformats.org/officeDocument/2006/relationships" xmlns:p="http://schemas.openxmlformats.org/presentationml/2006/main" showMasterSp="0" showMasterPhAnim="0">
   <p:cSld>
     <p:spTree>
       <p:nvGrpSpPr>
-        <p:cNvPr id="105" name="Shape 105"/>
+        <p:cNvPr id="1" name="Shape 105"/>
         <p:cNvGrpSpPr/>
         <p:nvPr/>
       </p:nvGrpSpPr>
@@ -1099,9 +1134,11 @@
       <p:sp>
         <p:nvSpPr>
           <p:cNvPr id="106" name="Google Shape;106;p5:notes"/>
-          <p:cNvSpPr txBox="1"/>
+          <p:cNvSpPr txBox="1">
+            <a:spLocks noGrp="1"/>
+          </p:cNvSpPr>
           <p:nvPr>
-            <p:ph idx="1" type="body"/>
+            <p:ph type="body" idx="1"/>
           </p:nvPr>
         </p:nvSpPr>
         <p:spPr>
@@ -1114,12 +1151,12 @@
           </a:prstGeom>
         </p:spPr>
         <p:txBody>
-          <a:bodyPr anchorCtr="0" anchor="t" bIns="91425" lIns="91425" spcFirstLastPara="1" rIns="91425" wrap="square" tIns="91425">
+          <a:bodyPr spcFirstLastPara="1" wrap="square" lIns="91425" tIns="91425" rIns="91425" bIns="91425" anchor="t" anchorCtr="0">
             <a:noAutofit/>
           </a:bodyPr>
           <a:lstStyle/>
           <a:p>
-            <a:pPr indent="0" lvl="0" marL="0" rtl="0" algn="l">
+            <a:pPr marL="0" lvl="0" indent="0" algn="l" rtl="0">
               <a:spcBef>
                 <a:spcPts val="0"/>
               </a:spcBef>
@@ -1128,9 +1165,6 @@
               </a:spcAft>
               <a:buNone/>
             </a:pPr>
-            <a:r>
-              <a:t/>
-            </a:r>
             <a:endParaRPr/>
           </a:p>
         </p:txBody>
@@ -1138,9 +1172,11 @@
       <p:sp>
         <p:nvSpPr>
           <p:cNvPr id="107" name="Google Shape;107;p5:notes"/>
-          <p:cNvSpPr/>
+          <p:cNvSpPr>
+            <a:spLocks noGrp="1" noRot="1" noChangeAspect="1"/>
+          </p:cNvSpPr>
           <p:nvPr>
-            <p:ph idx="2" type="sldImg"/>
+            <p:ph type="sldImg" idx="2"/>
           </p:nvPr>
         </p:nvSpPr>
         <p:spPr>
@@ -1149,9 +1185,13 @@
             <a:ext cx="4572225" cy="3429000"/>
           </a:xfrm>
           <a:custGeom>
-            <a:rect b="b" l="l" r="r" t="t"/>
+            <a:avLst/>
+            <a:gdLst/>
+            <a:ahLst/>
+            <a:cxnLst/>
+            <a:rect l="l" t="t" r="r" b="b"/>
             <a:pathLst>
-              <a:path extrusionOk="0" h="120000" w="120000">
+              <a:path w="120000" h="120000" extrusionOk="0">
                 <a:moveTo>
                   <a:pt x="0" y="0"/>
                 </a:moveTo>
@@ -1179,11 +1219,11 @@
 </file>
 
 <file path=ppt/notesSlides/notesSlide6.xml><?xml version="1.0" encoding="utf-8"?>
-<p:notes xmlns:a="http://schemas.openxmlformats.org/drawingml/2006/main" xmlns:r="http://schemas.openxmlformats.org/officeDocument/2006/relationships" xmlns:mc="http://schemas.openxmlformats.org/markup-compatibility/2006" xmlns:mv="urn:schemas-microsoft-com:mac:vml" xmlns:p="http://schemas.openxmlformats.org/presentationml/2006/main" xmlns:c="http://schemas.openxmlformats.org/drawingml/2006/chart" xmlns:dgm="http://schemas.openxmlformats.org/drawingml/2006/diagram" xmlns:o="urn:schemas-microsoft-com:office:office" xmlns:v="urn:schemas-microsoft-com:vml" xmlns:pvml="urn:schemas-microsoft-com:office:powerpoint" xmlns:com="http://schemas.openxmlformats.org/drawingml/2006/compatibility" xmlns:p14="http://schemas.microsoft.com/office/powerpoint/2010/main" xmlns:p15="http://schemas.microsoft.com/office/powerpoint/2012/main" xmlns:ahyp="http://schemas.microsoft.com/office/drawing/2018/hyperlinkcolor" showMasterPhAnim="0" showMasterSp="0">
+<p:notes xmlns:a="http://schemas.openxmlformats.org/drawingml/2006/main" xmlns:r="http://schemas.openxmlformats.org/officeDocument/2006/relationships" xmlns:p="http://schemas.openxmlformats.org/presentationml/2006/main" showMasterSp="0" showMasterPhAnim="0">
   <p:cSld>
     <p:spTree>
       <p:nvGrpSpPr>
-        <p:cNvPr id="111" name="Shape 111"/>
+        <p:cNvPr id="1" name="Shape 111"/>
         <p:cNvGrpSpPr/>
         <p:nvPr/>
       </p:nvGrpSpPr>
@@ -1198,9 +1238,11 @@
       <p:sp>
         <p:nvSpPr>
           <p:cNvPr id="112" name="Google Shape;112;p6:notes"/>
-          <p:cNvSpPr txBox="1"/>
+          <p:cNvSpPr txBox="1">
+            <a:spLocks noGrp="1"/>
+          </p:cNvSpPr>
           <p:nvPr>
-            <p:ph idx="1" type="body"/>
+            <p:ph type="body" idx="1"/>
           </p:nvPr>
         </p:nvSpPr>
         <p:spPr>
@@ -1213,12 +1255,12 @@
           </a:prstGeom>
         </p:spPr>
         <p:txBody>
-          <a:bodyPr anchorCtr="0" anchor="t" bIns="91425" lIns="91425" spcFirstLastPara="1" rIns="91425" wrap="square" tIns="91425">
+          <a:bodyPr spcFirstLastPara="1" wrap="square" lIns="91425" tIns="91425" rIns="91425" bIns="91425" anchor="t" anchorCtr="0">
             <a:noAutofit/>
           </a:bodyPr>
           <a:lstStyle/>
           <a:p>
-            <a:pPr indent="0" lvl="0" marL="0" rtl="0" algn="l">
+            <a:pPr marL="0" lvl="0" indent="0" algn="l" rtl="0">
               <a:spcBef>
                 <a:spcPts val="0"/>
               </a:spcBef>
@@ -1227,9 +1269,6 @@
               </a:spcAft>
               <a:buNone/>
             </a:pPr>
-            <a:r>
-              <a:t/>
-            </a:r>
             <a:endParaRPr/>
           </a:p>
         </p:txBody>
@@ -1237,20 +1276,26 @@
       <p:sp>
         <p:nvSpPr>
           <p:cNvPr id="113" name="Google Shape;113;p6:notes"/>
-          <p:cNvSpPr/>
+          <p:cNvSpPr>
+            <a:spLocks noGrp="1" noRot="1" noChangeAspect="1"/>
+          </p:cNvSpPr>
           <p:nvPr>
-            <p:ph idx="2" type="sldImg"/>
+            <p:ph type="sldImg" idx="2"/>
           </p:nvPr>
         </p:nvSpPr>
         <p:spPr>
           <a:xfrm>
-            <a:off x="1143225" y="685800"/>
-            <a:ext cx="4572225" cy="3429000"/>
+            <a:off x="381000" y="685800"/>
+            <a:ext cx="6096000" cy="3429000"/>
           </a:xfrm>
           <a:custGeom>
-            <a:rect b="b" l="l" r="r" t="t"/>
+            <a:avLst/>
+            <a:gdLst/>
+            <a:ahLst/>
+            <a:cxnLst/>
+            <a:rect l="l" t="t" r="r" b="b"/>
             <a:pathLst>
-              <a:path extrusionOk="0" h="120000" w="120000">
+              <a:path w="120000" h="120000" extrusionOk="0">
                 <a:moveTo>
                   <a:pt x="0" y="0"/>
                 </a:moveTo>
@@ -1278,11 +1323,11 @@
 </file>
 
 <file path=ppt/notesSlides/notesSlide7.xml><?xml version="1.0" encoding="utf-8"?>
-<p:notes xmlns:a="http://schemas.openxmlformats.org/drawingml/2006/main" xmlns:r="http://schemas.openxmlformats.org/officeDocument/2006/relationships" xmlns:mc="http://schemas.openxmlformats.org/markup-compatibility/2006" xmlns:mv="urn:schemas-microsoft-com:mac:vml" xmlns:p="http://schemas.openxmlformats.org/presentationml/2006/main" xmlns:c="http://schemas.openxmlformats.org/drawingml/2006/chart" xmlns:dgm="http://schemas.openxmlformats.org/drawingml/2006/diagram" xmlns:o="urn:schemas-microsoft-com:office:office" xmlns:v="urn:schemas-microsoft-com:vml" xmlns:pvml="urn:schemas-microsoft-com:office:powerpoint" xmlns:com="http://schemas.openxmlformats.org/drawingml/2006/compatibility" xmlns:p14="http://schemas.microsoft.com/office/powerpoint/2010/main" xmlns:p15="http://schemas.microsoft.com/office/powerpoint/2012/main" xmlns:ahyp="http://schemas.microsoft.com/office/drawing/2018/hyperlinkcolor" showMasterPhAnim="0" showMasterSp="0">
+<p:notes xmlns:a="http://schemas.openxmlformats.org/drawingml/2006/main" xmlns:r="http://schemas.openxmlformats.org/officeDocument/2006/relationships" xmlns:p="http://schemas.openxmlformats.org/presentationml/2006/main" showMasterSp="0" showMasterPhAnim="0">
   <p:cSld>
     <p:spTree>
       <p:nvGrpSpPr>
-        <p:cNvPr id="117" name="Shape 117"/>
+        <p:cNvPr id="1" name="Shape 117"/>
         <p:cNvGrpSpPr/>
         <p:nvPr/>
       </p:nvGrpSpPr>
@@ -1297,9 +1342,11 @@
       <p:sp>
         <p:nvSpPr>
           <p:cNvPr id="118" name="Google Shape;118;p7:notes"/>
-          <p:cNvSpPr txBox="1"/>
+          <p:cNvSpPr txBox="1">
+            <a:spLocks noGrp="1"/>
+          </p:cNvSpPr>
           <p:nvPr>
-            <p:ph idx="1" type="body"/>
+            <p:ph type="body" idx="1"/>
           </p:nvPr>
         </p:nvSpPr>
         <p:spPr>
@@ -1312,12 +1359,12 @@
           </a:prstGeom>
         </p:spPr>
         <p:txBody>
-          <a:bodyPr anchorCtr="0" anchor="t" bIns="91425" lIns="91425" spcFirstLastPara="1" rIns="91425" wrap="square" tIns="91425">
+          <a:bodyPr spcFirstLastPara="1" wrap="square" lIns="91425" tIns="91425" rIns="91425" bIns="91425" anchor="t" anchorCtr="0">
             <a:noAutofit/>
           </a:bodyPr>
           <a:lstStyle/>
           <a:p>
-            <a:pPr indent="0" lvl="0" marL="0" rtl="0" algn="l">
+            <a:pPr marL="0" lvl="0" indent="0" algn="l" rtl="0">
               <a:spcBef>
                 <a:spcPts val="0"/>
               </a:spcBef>
@@ -1326,9 +1373,6 @@
               </a:spcAft>
               <a:buNone/>
             </a:pPr>
-            <a:r>
-              <a:t/>
-            </a:r>
             <a:endParaRPr/>
           </a:p>
         </p:txBody>
@@ -1336,9 +1380,11 @@
       <p:sp>
         <p:nvSpPr>
           <p:cNvPr id="119" name="Google Shape;119;p7:notes"/>
-          <p:cNvSpPr/>
+          <p:cNvSpPr>
+            <a:spLocks noGrp="1" noRot="1" noChangeAspect="1"/>
+          </p:cNvSpPr>
           <p:nvPr>
-            <p:ph idx="2" type="sldImg"/>
+            <p:ph type="sldImg" idx="2"/>
           </p:nvPr>
         </p:nvSpPr>
         <p:spPr>
@@ -1347,9 +1393,13 @@
             <a:ext cx="4572225" cy="3429000"/>
           </a:xfrm>
           <a:custGeom>
-            <a:rect b="b" l="l" r="r" t="t"/>
+            <a:avLst/>
+            <a:gdLst/>
+            <a:ahLst/>
+            <a:cxnLst/>
+            <a:rect l="l" t="t" r="r" b="b"/>
             <a:pathLst>
-              <a:path extrusionOk="0" h="120000" w="120000">
+              <a:path w="120000" h="120000" extrusionOk="0">
                 <a:moveTo>
                   <a:pt x="0" y="0"/>
                 </a:moveTo>
@@ -1377,11 +1427,11 @@
 </file>
 
 <file path=ppt/notesSlides/notesSlide8.xml><?xml version="1.0" encoding="utf-8"?>
-<p:notes xmlns:a="http://schemas.openxmlformats.org/drawingml/2006/main" xmlns:r="http://schemas.openxmlformats.org/officeDocument/2006/relationships" xmlns:mc="http://schemas.openxmlformats.org/markup-compatibility/2006" xmlns:mv="urn:schemas-microsoft-com:mac:vml" xmlns:p="http://schemas.openxmlformats.org/presentationml/2006/main" xmlns:c="http://schemas.openxmlformats.org/drawingml/2006/chart" xmlns:dgm="http://schemas.openxmlformats.org/drawingml/2006/diagram" xmlns:o="urn:schemas-microsoft-com:office:office" xmlns:v="urn:schemas-microsoft-com:vml" xmlns:pvml="urn:schemas-microsoft-com:office:powerpoint" xmlns:com="http://schemas.openxmlformats.org/drawingml/2006/compatibility" xmlns:p14="http://schemas.microsoft.com/office/powerpoint/2010/main" xmlns:p15="http://schemas.microsoft.com/office/powerpoint/2012/main" xmlns:ahyp="http://schemas.microsoft.com/office/drawing/2018/hyperlinkcolor" showMasterPhAnim="0" showMasterSp="0">
+<p:notes xmlns:a="http://schemas.openxmlformats.org/drawingml/2006/main" xmlns:r="http://schemas.openxmlformats.org/officeDocument/2006/relationships" xmlns:p="http://schemas.openxmlformats.org/presentationml/2006/main" showMasterSp="0" showMasterPhAnim="0">
   <p:cSld>
     <p:spTree>
       <p:nvGrpSpPr>
-        <p:cNvPr id="124" name="Shape 124"/>
+        <p:cNvPr id="1" name="Shape 124"/>
         <p:cNvGrpSpPr/>
         <p:nvPr/>
       </p:nvGrpSpPr>
@@ -1396,9 +1446,11 @@
       <p:sp>
         <p:nvSpPr>
           <p:cNvPr id="125" name="Google Shape;125;gc93e7790f8_0_3:notes"/>
-          <p:cNvSpPr/>
+          <p:cNvSpPr>
+            <a:spLocks noGrp="1" noRot="1" noChangeAspect="1"/>
+          </p:cNvSpPr>
           <p:nvPr>
-            <p:ph idx="2" type="sldImg"/>
+            <p:ph type="sldImg" idx="2"/>
           </p:nvPr>
         </p:nvSpPr>
         <p:spPr>
@@ -1407,9 +1459,13 @@
             <a:ext cx="4572300" cy="3429000"/>
           </a:xfrm>
           <a:custGeom>
-            <a:rect b="b" l="l" r="r" t="t"/>
+            <a:avLst/>
+            <a:gdLst/>
+            <a:ahLst/>
+            <a:cxnLst/>
+            <a:rect l="l" t="t" r="r" b="b"/>
             <a:pathLst>
-              <a:path extrusionOk="0" h="120000" w="120000">
+              <a:path w="120000" h="120000" extrusionOk="0">
                 <a:moveTo>
                   <a:pt x="0" y="0"/>
                 </a:moveTo>
@@ -1431,9 +1487,11 @@
       <p:sp>
         <p:nvSpPr>
           <p:cNvPr id="126" name="Google Shape;126;gc93e7790f8_0_3:notes"/>
-          <p:cNvSpPr txBox="1"/>
+          <p:cNvSpPr txBox="1">
+            <a:spLocks noGrp="1"/>
+          </p:cNvSpPr>
           <p:nvPr>
-            <p:ph idx="1" type="body"/>
+            <p:ph type="body" idx="1"/>
           </p:nvPr>
         </p:nvSpPr>
         <p:spPr>
@@ -1446,12 +1504,12 @@
           </a:prstGeom>
         </p:spPr>
         <p:txBody>
-          <a:bodyPr anchorCtr="0" anchor="t" bIns="91425" lIns="91425" spcFirstLastPara="1" rIns="91425" wrap="square" tIns="91425">
+          <a:bodyPr spcFirstLastPara="1" wrap="square" lIns="91425" tIns="91425" rIns="91425" bIns="91425" anchor="t" anchorCtr="0">
             <a:noAutofit/>
           </a:bodyPr>
           <a:lstStyle/>
           <a:p>
-            <a:pPr indent="0" lvl="0" marL="0" rtl="0" algn="l">
+            <a:pPr marL="0" lvl="0" indent="0" algn="l" rtl="0">
               <a:spcBef>
                 <a:spcPts val="0"/>
               </a:spcBef>
@@ -1460,9 +1518,6 @@
               </a:spcAft>
               <a:buNone/>
             </a:pPr>
-            <a:r>
-              <a:t/>
-            </a:r>
             <a:endParaRPr/>
           </a:p>
         </p:txBody>
@@ -1476,11 +1531,11 @@
 </file>
 
 <file path=ppt/notesSlides/notesSlide9.xml><?xml version="1.0" encoding="utf-8"?>
-<p:notes xmlns:a="http://schemas.openxmlformats.org/drawingml/2006/main" xmlns:r="http://schemas.openxmlformats.org/officeDocument/2006/relationships" xmlns:mc="http://schemas.openxmlformats.org/markup-compatibility/2006" xmlns:mv="urn:schemas-microsoft-com:mac:vml" xmlns:p="http://schemas.openxmlformats.org/presentationml/2006/main" xmlns:c="http://schemas.openxmlformats.org/drawingml/2006/chart" xmlns:dgm="http://schemas.openxmlformats.org/drawingml/2006/diagram" xmlns:o="urn:schemas-microsoft-com:office:office" xmlns:v="urn:schemas-microsoft-com:vml" xmlns:pvml="urn:schemas-microsoft-com:office:powerpoint" xmlns:com="http://schemas.openxmlformats.org/drawingml/2006/compatibility" xmlns:p14="http://schemas.microsoft.com/office/powerpoint/2010/main" xmlns:p15="http://schemas.microsoft.com/office/powerpoint/2012/main" xmlns:ahyp="http://schemas.microsoft.com/office/drawing/2018/hyperlinkcolor" showMasterPhAnim="0" showMasterSp="0">
+<p:notes xmlns:a="http://schemas.openxmlformats.org/drawingml/2006/main" xmlns:r="http://schemas.openxmlformats.org/officeDocument/2006/relationships" xmlns:p="http://schemas.openxmlformats.org/presentationml/2006/main" showMasterSp="0" showMasterPhAnim="0">
   <p:cSld>
     <p:spTree>
       <p:nvGrpSpPr>
-        <p:cNvPr id="130" name="Shape 130"/>
+        <p:cNvPr id="1" name="Shape 130"/>
         <p:cNvGrpSpPr/>
         <p:nvPr/>
       </p:nvGrpSpPr>
@@ -1495,9 +1550,11 @@
       <p:sp>
         <p:nvSpPr>
           <p:cNvPr id="131" name="Google Shape;131;gc93e7790f8_0_8:notes"/>
-          <p:cNvSpPr/>
+          <p:cNvSpPr>
+            <a:spLocks noGrp="1" noRot="1" noChangeAspect="1"/>
+          </p:cNvSpPr>
           <p:nvPr>
-            <p:ph idx="2" type="sldImg"/>
+            <p:ph type="sldImg" idx="2"/>
           </p:nvPr>
         </p:nvSpPr>
         <p:spPr>
@@ -1506,9 +1563,13 @@
             <a:ext cx="4572300" cy="3429000"/>
           </a:xfrm>
           <a:custGeom>
-            <a:rect b="b" l="l" r="r" t="t"/>
+            <a:avLst/>
+            <a:gdLst/>
+            <a:ahLst/>
+            <a:cxnLst/>
+            <a:rect l="l" t="t" r="r" b="b"/>
             <a:pathLst>
-              <a:path extrusionOk="0" h="120000" w="120000">
+              <a:path w="120000" h="120000" extrusionOk="0">
                 <a:moveTo>
                   <a:pt x="0" y="0"/>
                 </a:moveTo>
@@ -1530,9 +1591,11 @@
       <p:sp>
         <p:nvSpPr>
           <p:cNvPr id="132" name="Google Shape;132;gc93e7790f8_0_8:notes"/>
-          <p:cNvSpPr txBox="1"/>
+          <p:cNvSpPr txBox="1">
+            <a:spLocks noGrp="1"/>
+          </p:cNvSpPr>
           <p:nvPr>
-            <p:ph idx="1" type="body"/>
+            <p:ph type="body" idx="1"/>
           </p:nvPr>
         </p:nvSpPr>
         <p:spPr>
@@ -1545,12 +1608,12 @@
           </a:prstGeom>
         </p:spPr>
         <p:txBody>
-          <a:bodyPr anchorCtr="0" anchor="t" bIns="91425" lIns="91425" spcFirstLastPara="1" rIns="91425" wrap="square" tIns="91425">
+          <a:bodyPr spcFirstLastPara="1" wrap="square" lIns="91425" tIns="91425" rIns="91425" bIns="91425" anchor="t" anchorCtr="0">
             <a:noAutofit/>
           </a:bodyPr>
           <a:lstStyle/>
           <a:p>
-            <a:pPr indent="0" lvl="0" marL="0" rtl="0" algn="l">
+            <a:pPr marL="0" lvl="0" indent="0" algn="l" rtl="0">
               <a:spcBef>
                 <a:spcPts val="0"/>
               </a:spcBef>
@@ -1559,9 +1622,6 @@
               </a:spcAft>
               <a:buNone/>
             </a:pPr>
-            <a:r>
-              <a:t/>
-            </a:r>
             <a:endParaRPr/>
           </a:p>
         </p:txBody>
@@ -1575,11 +1635,11 @@
 </file>
 
 <file path=ppt/slideLayouts/slideLayout1.xml><?xml version="1.0" encoding="utf-8"?>
-<p:sldLayout xmlns:a="http://schemas.openxmlformats.org/drawingml/2006/main" xmlns:r="http://schemas.openxmlformats.org/officeDocument/2006/relationships" xmlns:mc="http://schemas.openxmlformats.org/markup-compatibility/2006" xmlns:mv="urn:schemas-microsoft-com:mac:vml" xmlns:p="http://schemas.openxmlformats.org/presentationml/2006/main" xmlns:c="http://schemas.openxmlformats.org/drawingml/2006/chart" xmlns:dgm="http://schemas.openxmlformats.org/drawingml/2006/diagram" xmlns:o="urn:schemas-microsoft-com:office:office" xmlns:v="urn:schemas-microsoft-com:vml" xmlns:pvml="urn:schemas-microsoft-com:office:powerpoint" xmlns:com="http://schemas.openxmlformats.org/drawingml/2006/compatibility" xmlns:p14="http://schemas.microsoft.com/office/powerpoint/2010/main" xmlns:p15="http://schemas.microsoft.com/office/powerpoint/2012/main" xmlns:ahyp="http://schemas.microsoft.com/office/drawing/2018/hyperlinkcolor" matchingName="Title Slide" type="title">
+<p:sldLayout xmlns:a="http://schemas.openxmlformats.org/drawingml/2006/main" xmlns:r="http://schemas.openxmlformats.org/officeDocument/2006/relationships" xmlns:p="http://schemas.openxmlformats.org/presentationml/2006/main" matchingName="Title Slide" type="title">
   <p:cSld name="TITLE">
     <p:spTree>
       <p:nvGrpSpPr>
-        <p:cNvPr id="11" name="Shape 11"/>
+        <p:cNvPr id="1" name="Shape 11"/>
         <p:cNvGrpSpPr/>
         <p:nvPr/>
       </p:nvGrpSpPr>
@@ -1594,7 +1654,9 @@
       <p:sp>
         <p:nvSpPr>
           <p:cNvPr id="12" name="Google Shape;12;p9"/>
-          <p:cNvSpPr txBox="1"/>
+          <p:cNvSpPr txBox="1">
+            <a:spLocks noGrp="1"/>
+          </p:cNvSpPr>
           <p:nvPr>
             <p:ph type="ctrTitle"/>
           </p:nvPr>
@@ -1613,7 +1675,7 @@
           </a:ln>
         </p:spPr>
         <p:txBody>
-          <a:bodyPr anchorCtr="0" anchor="b" bIns="45700" lIns="91425" spcFirstLastPara="1" rIns="91425" wrap="square" tIns="45700">
+          <a:bodyPr spcFirstLastPara="1" wrap="square" lIns="91425" tIns="45700" rIns="91425" bIns="45700" anchor="b" anchorCtr="0">
             <a:normAutofit/>
           </a:bodyPr>
           <a:lstStyle>
@@ -1724,15 +1786,19 @@
               <a:defRPr/>
             </a:lvl9pPr>
           </a:lstStyle>
-          <a:p/>
+          <a:p>
+            <a:endParaRPr/>
+          </a:p>
         </p:txBody>
       </p:sp>
       <p:sp>
         <p:nvSpPr>
           <p:cNvPr id="13" name="Google Shape;13;p9"/>
-          <p:cNvSpPr txBox="1"/>
+          <p:cNvSpPr txBox="1">
+            <a:spLocks noGrp="1"/>
+          </p:cNvSpPr>
           <p:nvPr>
-            <p:ph idx="1" type="subTitle"/>
+            <p:ph type="subTitle" idx="1"/>
           </p:nvPr>
         </p:nvSpPr>
         <p:spPr>
@@ -1749,7 +1815,7 @@
           </a:ln>
         </p:spPr>
         <p:txBody>
-          <a:bodyPr anchorCtr="0" anchor="t" bIns="45700" lIns="91425" spcFirstLastPara="1" rIns="91425" wrap="square" tIns="45700">
+          <a:bodyPr spcFirstLastPara="1" wrap="square" lIns="91425" tIns="45700" rIns="91425" bIns="45700" anchor="t" anchorCtr="0">
             <a:normAutofit/>
           </a:bodyPr>
           <a:lstStyle>
@@ -1907,15 +1973,19 @@
               <a:defRPr sz="1600"/>
             </a:lvl9pPr>
           </a:lstStyle>
-          <a:p/>
+          <a:p>
+            <a:endParaRPr/>
+          </a:p>
         </p:txBody>
       </p:sp>
       <p:sp>
         <p:nvSpPr>
           <p:cNvPr id="14" name="Google Shape;14;p9"/>
-          <p:cNvSpPr txBox="1"/>
+          <p:cNvSpPr txBox="1">
+            <a:spLocks noGrp="1"/>
+          </p:cNvSpPr>
           <p:nvPr>
-            <p:ph idx="10" type="dt"/>
+            <p:ph type="dt" idx="10"/>
           </p:nvPr>
         </p:nvSpPr>
         <p:spPr>
@@ -1932,7 +2002,7 @@
           </a:ln>
         </p:spPr>
         <p:txBody>
-          <a:bodyPr anchorCtr="0" anchor="ctr" bIns="45700" lIns="91425" spcFirstLastPara="1" rIns="91425" wrap="square" tIns="45700">
+          <a:bodyPr spcFirstLastPara="1" wrap="square" lIns="91425" tIns="45700" rIns="91425" bIns="45700" anchor="ctr" anchorCtr="0">
             <a:noAutofit/>
           </a:bodyPr>
           <a:lstStyle>
@@ -2036,15 +2106,19 @@
               <a:defRPr/>
             </a:lvl9pPr>
           </a:lstStyle>
-          <a:p/>
+          <a:p>
+            <a:endParaRPr/>
+          </a:p>
         </p:txBody>
       </p:sp>
       <p:sp>
         <p:nvSpPr>
           <p:cNvPr id="15" name="Google Shape;15;p9"/>
-          <p:cNvSpPr txBox="1"/>
+          <p:cNvSpPr txBox="1">
+            <a:spLocks noGrp="1"/>
+          </p:cNvSpPr>
           <p:nvPr>
-            <p:ph idx="11" type="ftr"/>
+            <p:ph type="ftr" idx="11"/>
           </p:nvPr>
         </p:nvSpPr>
         <p:spPr>
@@ -2061,7 +2135,7 @@
           </a:ln>
         </p:spPr>
         <p:txBody>
-          <a:bodyPr anchorCtr="0" anchor="ctr" bIns="45700" lIns="91425" spcFirstLastPara="1" rIns="91425" wrap="square" tIns="45700">
+          <a:bodyPr spcFirstLastPara="1" wrap="square" lIns="91425" tIns="45700" rIns="91425" bIns="45700" anchor="ctr" anchorCtr="0">
             <a:noAutofit/>
           </a:bodyPr>
           <a:lstStyle>
@@ -2165,15 +2239,19 @@
               <a:defRPr/>
             </a:lvl9pPr>
           </a:lstStyle>
-          <a:p/>
+          <a:p>
+            <a:endParaRPr/>
+          </a:p>
         </p:txBody>
       </p:sp>
       <p:sp>
         <p:nvSpPr>
           <p:cNvPr id="16" name="Google Shape;16;p9"/>
-          <p:cNvSpPr txBox="1"/>
+          <p:cNvSpPr txBox="1">
+            <a:spLocks noGrp="1"/>
+          </p:cNvSpPr>
           <p:nvPr>
-            <p:ph idx="12" type="sldNum"/>
+            <p:ph type="sldNum" idx="12"/>
           </p:nvPr>
         </p:nvSpPr>
         <p:spPr>
@@ -2190,67 +2268,67 @@
           </a:ln>
         </p:spPr>
         <p:txBody>
-          <a:bodyPr anchorCtr="0" anchor="ctr" bIns="45700" lIns="91425" spcFirstLastPara="1" rIns="91425" wrap="square" tIns="45700">
+          <a:bodyPr spcFirstLastPara="1" wrap="square" lIns="91425" tIns="45700" rIns="91425" bIns="45700" anchor="ctr" anchorCtr="0">
             <a:noAutofit/>
           </a:bodyPr>
           <a:lstStyle>
-            <a:lvl1pPr indent="0" lvl="0" marL="0" algn="r">
+            <a:lvl1pPr marL="0" lvl="0" indent="0" algn="r">
               <a:spcBef>
                 <a:spcPts val="0"/>
               </a:spcBef>
               <a:buNone/>
               <a:defRPr/>
             </a:lvl1pPr>
-            <a:lvl2pPr indent="0" lvl="1" marL="0" algn="r">
+            <a:lvl2pPr marL="0" lvl="1" indent="0" algn="r">
               <a:spcBef>
                 <a:spcPts val="0"/>
               </a:spcBef>
               <a:buNone/>
               <a:defRPr/>
             </a:lvl2pPr>
-            <a:lvl3pPr indent="0" lvl="2" marL="0" algn="r">
+            <a:lvl3pPr marL="0" lvl="2" indent="0" algn="r">
               <a:spcBef>
                 <a:spcPts val="0"/>
               </a:spcBef>
               <a:buNone/>
               <a:defRPr/>
             </a:lvl3pPr>
-            <a:lvl4pPr indent="0" lvl="3" marL="0" algn="r">
+            <a:lvl4pPr marL="0" lvl="3" indent="0" algn="r">
               <a:spcBef>
                 <a:spcPts val="0"/>
               </a:spcBef>
               <a:buNone/>
               <a:defRPr/>
             </a:lvl4pPr>
-            <a:lvl5pPr indent="0" lvl="4" marL="0" algn="r">
+            <a:lvl5pPr marL="0" lvl="4" indent="0" algn="r">
               <a:spcBef>
                 <a:spcPts val="0"/>
               </a:spcBef>
               <a:buNone/>
               <a:defRPr/>
             </a:lvl5pPr>
-            <a:lvl6pPr indent="0" lvl="5" marL="0" algn="r">
+            <a:lvl6pPr marL="0" lvl="5" indent="0" algn="r">
               <a:spcBef>
                 <a:spcPts val="0"/>
               </a:spcBef>
               <a:buNone/>
               <a:defRPr/>
             </a:lvl6pPr>
-            <a:lvl7pPr indent="0" lvl="6" marL="0" algn="r">
+            <a:lvl7pPr marL="0" lvl="6" indent="0" algn="r">
               <a:spcBef>
                 <a:spcPts val="0"/>
               </a:spcBef>
               <a:buNone/>
               <a:defRPr/>
             </a:lvl7pPr>
-            <a:lvl8pPr indent="0" lvl="7" marL="0" algn="r">
+            <a:lvl8pPr marL="0" lvl="7" indent="0" algn="r">
               <a:spcBef>
                 <a:spcPts val="0"/>
               </a:spcBef>
               <a:buNone/>
               <a:defRPr/>
             </a:lvl8pPr>
-            <a:lvl9pPr indent="0" lvl="8" marL="0" algn="r">
+            <a:lvl9pPr marL="0" lvl="8" indent="0" algn="r">
               <a:spcBef>
                 <a:spcPts val="0"/>
               </a:spcBef>
@@ -2259,7 +2337,7 @@
             </a:lvl9pPr>
           </a:lstStyle>
           <a:p>
-            <a:pPr indent="0" lvl="0" marL="0" rtl="0" algn="r">
+            <a:pPr marL="0" lvl="0" indent="0" algn="r" rtl="0">
               <a:spcBef>
                 <a:spcPts val="0"/>
               </a:spcBef>
@@ -2285,11 +2363,11 @@
 </file>
 
 <file path=ppt/slideLayouts/slideLayout10.xml><?xml version="1.0" encoding="utf-8"?>
-<p:sldLayout xmlns:a="http://schemas.openxmlformats.org/drawingml/2006/main" xmlns:r="http://schemas.openxmlformats.org/officeDocument/2006/relationships" xmlns:mc="http://schemas.openxmlformats.org/markup-compatibility/2006" xmlns:mv="urn:schemas-microsoft-com:mac:vml" xmlns:p="http://schemas.openxmlformats.org/presentationml/2006/main" xmlns:c="http://schemas.openxmlformats.org/drawingml/2006/chart" xmlns:dgm="http://schemas.openxmlformats.org/drawingml/2006/diagram" xmlns:o="urn:schemas-microsoft-com:office:office" xmlns:v="urn:schemas-microsoft-com:vml" xmlns:pvml="urn:schemas-microsoft-com:office:powerpoint" xmlns:com="http://schemas.openxmlformats.org/drawingml/2006/compatibility" xmlns:p14="http://schemas.microsoft.com/office/powerpoint/2010/main" xmlns:p15="http://schemas.microsoft.com/office/powerpoint/2012/main" xmlns:ahyp="http://schemas.microsoft.com/office/drawing/2018/hyperlinkcolor" matchingName="Title and Vertical Text" type="vertTx">
+<p:sldLayout xmlns:a="http://schemas.openxmlformats.org/drawingml/2006/main" xmlns:r="http://schemas.openxmlformats.org/officeDocument/2006/relationships" xmlns:p="http://schemas.openxmlformats.org/presentationml/2006/main" matchingName="Title and Vertical Text" type="vertTx">
   <p:cSld name="VERTICAL_TEXT">
     <p:spTree>
       <p:nvGrpSpPr>
-        <p:cNvPr id="68" name="Shape 68"/>
+        <p:cNvPr id="1" name="Shape 68"/>
         <p:cNvGrpSpPr/>
         <p:nvPr/>
       </p:nvGrpSpPr>
@@ -2304,7 +2382,9 @@
       <p:sp>
         <p:nvSpPr>
           <p:cNvPr id="69" name="Google Shape;69;p18"/>
-          <p:cNvSpPr txBox="1"/>
+          <p:cNvSpPr txBox="1">
+            <a:spLocks noGrp="1"/>
+          </p:cNvSpPr>
           <p:nvPr>
             <p:ph type="title"/>
           </p:nvPr>
@@ -2323,7 +2403,7 @@
           </a:ln>
         </p:spPr>
         <p:txBody>
-          <a:bodyPr anchorCtr="0" anchor="ctr" bIns="45700" lIns="91425" spcFirstLastPara="1" rIns="91425" wrap="square" tIns="45700">
+          <a:bodyPr spcFirstLastPara="1" wrap="square" lIns="91425" tIns="45700" rIns="91425" bIns="45700" anchor="ctr" anchorCtr="0">
             <a:normAutofit/>
           </a:bodyPr>
           <a:lstStyle>
@@ -2433,15 +2513,19 @@
               <a:defRPr/>
             </a:lvl9pPr>
           </a:lstStyle>
-          <a:p/>
+          <a:p>
+            <a:endParaRPr/>
+          </a:p>
         </p:txBody>
       </p:sp>
       <p:sp>
         <p:nvSpPr>
           <p:cNvPr id="70" name="Google Shape;70;p18"/>
-          <p:cNvSpPr txBox="1"/>
+          <p:cNvSpPr txBox="1">
+            <a:spLocks noGrp="1"/>
+          </p:cNvSpPr>
           <p:nvPr>
-            <p:ph idx="1" type="body"/>
+            <p:ph type="body" idx="1"/>
           </p:nvPr>
         </p:nvSpPr>
         <p:spPr>
@@ -2458,11 +2542,11 @@
           </a:ln>
         </p:spPr>
         <p:txBody>
-          <a:bodyPr anchorCtr="0" anchor="t" bIns="45700" lIns="91425" spcFirstLastPara="1" rIns="91425" wrap="square" tIns="45700">
+          <a:bodyPr spcFirstLastPara="1" wrap="square" lIns="91425" tIns="45700" rIns="91425" bIns="45700" anchor="t" anchorCtr="0">
             <a:normAutofit/>
           </a:bodyPr>
           <a:lstStyle>
-            <a:lvl1pPr indent="-342900" lvl="0" marL="457200" algn="l">
+            <a:lvl1pPr marL="457200" lvl="0" indent="-342900" algn="l">
               <a:lnSpc>
                 <a:spcPct val="90000"/>
               </a:lnSpc>
@@ -2479,7 +2563,7 @@
               <a:buChar char="•"/>
               <a:defRPr/>
             </a:lvl1pPr>
-            <a:lvl2pPr indent="-342900" lvl="1" marL="914400" algn="l">
+            <a:lvl2pPr marL="914400" lvl="1" indent="-342900" algn="l">
               <a:lnSpc>
                 <a:spcPct val="90000"/>
               </a:lnSpc>
@@ -2496,7 +2580,7 @@
               <a:buChar char="•"/>
               <a:defRPr/>
             </a:lvl2pPr>
-            <a:lvl3pPr indent="-342900" lvl="2" marL="1371600" algn="l">
+            <a:lvl3pPr marL="1371600" lvl="2" indent="-342900" algn="l">
               <a:lnSpc>
                 <a:spcPct val="90000"/>
               </a:lnSpc>
@@ -2513,7 +2597,7 @@
               <a:buChar char="•"/>
               <a:defRPr/>
             </a:lvl3pPr>
-            <a:lvl4pPr indent="-342900" lvl="3" marL="1828800" algn="l">
+            <a:lvl4pPr marL="1828800" lvl="3" indent="-342900" algn="l">
               <a:lnSpc>
                 <a:spcPct val="90000"/>
               </a:lnSpc>
@@ -2530,7 +2614,7 @@
               <a:buChar char="•"/>
               <a:defRPr/>
             </a:lvl4pPr>
-            <a:lvl5pPr indent="-342900" lvl="4" marL="2286000" algn="l">
+            <a:lvl5pPr marL="2286000" lvl="4" indent="-342900" algn="l">
               <a:lnSpc>
                 <a:spcPct val="90000"/>
               </a:lnSpc>
@@ -2547,7 +2631,7 @@
               <a:buChar char="•"/>
               <a:defRPr/>
             </a:lvl5pPr>
-            <a:lvl6pPr indent="-342900" lvl="5" marL="2743200" algn="l">
+            <a:lvl6pPr marL="2743200" lvl="5" indent="-342900" algn="l">
               <a:lnSpc>
                 <a:spcPct val="90000"/>
               </a:lnSpc>
@@ -2564,7 +2648,7 @@
               <a:buChar char="•"/>
               <a:defRPr/>
             </a:lvl6pPr>
-            <a:lvl7pPr indent="-342900" lvl="6" marL="3200400" algn="l">
+            <a:lvl7pPr marL="3200400" lvl="6" indent="-342900" algn="l">
               <a:lnSpc>
                 <a:spcPct val="90000"/>
               </a:lnSpc>
@@ -2581,7 +2665,7 @@
               <a:buChar char="•"/>
               <a:defRPr/>
             </a:lvl7pPr>
-            <a:lvl8pPr indent="-342900" lvl="7" marL="3657600" algn="l">
+            <a:lvl8pPr marL="3657600" lvl="7" indent="-342900" algn="l">
               <a:lnSpc>
                 <a:spcPct val="90000"/>
               </a:lnSpc>
@@ -2598,7 +2682,7 @@
               <a:buChar char="•"/>
               <a:defRPr/>
             </a:lvl8pPr>
-            <a:lvl9pPr indent="-342900" lvl="8" marL="4114800" algn="l">
+            <a:lvl9pPr marL="4114800" lvl="8" indent="-342900" algn="l">
               <a:lnSpc>
                 <a:spcPct val="90000"/>
               </a:lnSpc>
@@ -2616,15 +2700,19 @@
               <a:defRPr/>
             </a:lvl9pPr>
           </a:lstStyle>
-          <a:p/>
+          <a:p>
+            <a:endParaRPr/>
+          </a:p>
         </p:txBody>
       </p:sp>
       <p:sp>
         <p:nvSpPr>
           <p:cNvPr id="71" name="Google Shape;71;p18"/>
-          <p:cNvSpPr txBox="1"/>
+          <p:cNvSpPr txBox="1">
+            <a:spLocks noGrp="1"/>
+          </p:cNvSpPr>
           <p:nvPr>
-            <p:ph idx="10" type="dt"/>
+            <p:ph type="dt" idx="10"/>
           </p:nvPr>
         </p:nvSpPr>
         <p:spPr>
@@ -2641,7 +2729,7 @@
           </a:ln>
         </p:spPr>
         <p:txBody>
-          <a:bodyPr anchorCtr="0" anchor="ctr" bIns="45700" lIns="91425" spcFirstLastPara="1" rIns="91425" wrap="square" tIns="45700">
+          <a:bodyPr spcFirstLastPara="1" wrap="square" lIns="91425" tIns="45700" rIns="91425" bIns="45700" anchor="ctr" anchorCtr="0">
             <a:noAutofit/>
           </a:bodyPr>
           <a:lstStyle>
@@ -2745,15 +2833,19 @@
               <a:defRPr/>
             </a:lvl9pPr>
           </a:lstStyle>
-          <a:p/>
+          <a:p>
+            <a:endParaRPr/>
+          </a:p>
         </p:txBody>
       </p:sp>
       <p:sp>
         <p:nvSpPr>
           <p:cNvPr id="72" name="Google Shape;72;p18"/>
-          <p:cNvSpPr txBox="1"/>
+          <p:cNvSpPr txBox="1">
+            <a:spLocks noGrp="1"/>
+          </p:cNvSpPr>
           <p:nvPr>
-            <p:ph idx="11" type="ftr"/>
+            <p:ph type="ftr" idx="11"/>
           </p:nvPr>
         </p:nvSpPr>
         <p:spPr>
@@ -2770,7 +2862,7 @@
           </a:ln>
         </p:spPr>
         <p:txBody>
-          <a:bodyPr anchorCtr="0" anchor="ctr" bIns="45700" lIns="91425" spcFirstLastPara="1" rIns="91425" wrap="square" tIns="45700">
+          <a:bodyPr spcFirstLastPara="1" wrap="square" lIns="91425" tIns="45700" rIns="91425" bIns="45700" anchor="ctr" anchorCtr="0">
             <a:noAutofit/>
           </a:bodyPr>
           <a:lstStyle>
@@ -2874,15 +2966,19 @@
               <a:defRPr/>
             </a:lvl9pPr>
           </a:lstStyle>
-          <a:p/>
+          <a:p>
+            <a:endParaRPr/>
+          </a:p>
         </p:txBody>
       </p:sp>
       <p:sp>
         <p:nvSpPr>
           <p:cNvPr id="73" name="Google Shape;73;p18"/>
-          <p:cNvSpPr txBox="1"/>
+          <p:cNvSpPr txBox="1">
+            <a:spLocks noGrp="1"/>
+          </p:cNvSpPr>
           <p:nvPr>
-            <p:ph idx="12" type="sldNum"/>
+            <p:ph type="sldNum" idx="12"/>
           </p:nvPr>
         </p:nvSpPr>
         <p:spPr>
@@ -2899,67 +2995,67 @@
           </a:ln>
         </p:spPr>
         <p:txBody>
-          <a:bodyPr anchorCtr="0" anchor="ctr" bIns="45700" lIns="91425" spcFirstLastPara="1" rIns="91425" wrap="square" tIns="45700">
+          <a:bodyPr spcFirstLastPara="1" wrap="square" lIns="91425" tIns="45700" rIns="91425" bIns="45700" anchor="ctr" anchorCtr="0">
             <a:noAutofit/>
           </a:bodyPr>
           <a:lstStyle>
-            <a:lvl1pPr indent="0" lvl="0" marL="0" algn="r">
+            <a:lvl1pPr marL="0" lvl="0" indent="0" algn="r">
               <a:spcBef>
                 <a:spcPts val="0"/>
               </a:spcBef>
               <a:buNone/>
               <a:defRPr/>
             </a:lvl1pPr>
-            <a:lvl2pPr indent="0" lvl="1" marL="0" algn="r">
+            <a:lvl2pPr marL="0" lvl="1" indent="0" algn="r">
               <a:spcBef>
                 <a:spcPts val="0"/>
               </a:spcBef>
               <a:buNone/>
               <a:defRPr/>
             </a:lvl2pPr>
-            <a:lvl3pPr indent="0" lvl="2" marL="0" algn="r">
+            <a:lvl3pPr marL="0" lvl="2" indent="0" algn="r">
               <a:spcBef>
                 <a:spcPts val="0"/>
               </a:spcBef>
               <a:buNone/>
               <a:defRPr/>
             </a:lvl3pPr>
-            <a:lvl4pPr indent="0" lvl="3" marL="0" algn="r">
+            <a:lvl4pPr marL="0" lvl="3" indent="0" algn="r">
               <a:spcBef>
                 <a:spcPts val="0"/>
               </a:spcBef>
               <a:buNone/>
               <a:defRPr/>
             </a:lvl4pPr>
-            <a:lvl5pPr indent="0" lvl="4" marL="0" algn="r">
+            <a:lvl5pPr marL="0" lvl="4" indent="0" algn="r">
               <a:spcBef>
                 <a:spcPts val="0"/>
               </a:spcBef>
               <a:buNone/>
               <a:defRPr/>
             </a:lvl5pPr>
-            <a:lvl6pPr indent="0" lvl="5" marL="0" algn="r">
+            <a:lvl6pPr marL="0" lvl="5" indent="0" algn="r">
               <a:spcBef>
                 <a:spcPts val="0"/>
               </a:spcBef>
               <a:buNone/>
               <a:defRPr/>
             </a:lvl6pPr>
-            <a:lvl7pPr indent="0" lvl="6" marL="0" algn="r">
+            <a:lvl7pPr marL="0" lvl="6" indent="0" algn="r">
               <a:spcBef>
                 <a:spcPts val="0"/>
               </a:spcBef>
               <a:buNone/>
               <a:defRPr/>
             </a:lvl7pPr>
-            <a:lvl8pPr indent="0" lvl="7" marL="0" algn="r">
+            <a:lvl8pPr marL="0" lvl="7" indent="0" algn="r">
               <a:spcBef>
                 <a:spcPts val="0"/>
               </a:spcBef>
               <a:buNone/>
               <a:defRPr/>
             </a:lvl8pPr>
-            <a:lvl9pPr indent="0" lvl="8" marL="0" algn="r">
+            <a:lvl9pPr marL="0" lvl="8" indent="0" algn="r">
               <a:spcBef>
                 <a:spcPts val="0"/>
               </a:spcBef>
@@ -2968,7 +3064,7 @@
             </a:lvl9pPr>
           </a:lstStyle>
           <a:p>
-            <a:pPr indent="0" lvl="0" marL="0" rtl="0" algn="r">
+            <a:pPr marL="0" lvl="0" indent="0" algn="r" rtl="0">
               <a:spcBef>
                 <a:spcPts val="0"/>
               </a:spcBef>
@@ -2994,11 +3090,11 @@
 </file>
 
 <file path=ppt/slideLayouts/slideLayout11.xml><?xml version="1.0" encoding="utf-8"?>
-<p:sldLayout xmlns:a="http://schemas.openxmlformats.org/drawingml/2006/main" xmlns:r="http://schemas.openxmlformats.org/officeDocument/2006/relationships" xmlns:mc="http://schemas.openxmlformats.org/markup-compatibility/2006" xmlns:mv="urn:schemas-microsoft-com:mac:vml" xmlns:p="http://schemas.openxmlformats.org/presentationml/2006/main" xmlns:c="http://schemas.openxmlformats.org/drawingml/2006/chart" xmlns:dgm="http://schemas.openxmlformats.org/drawingml/2006/diagram" xmlns:o="urn:schemas-microsoft-com:office:office" xmlns:v="urn:schemas-microsoft-com:vml" xmlns:pvml="urn:schemas-microsoft-com:office:powerpoint" xmlns:com="http://schemas.openxmlformats.org/drawingml/2006/compatibility" xmlns:p14="http://schemas.microsoft.com/office/powerpoint/2010/main" xmlns:p15="http://schemas.microsoft.com/office/powerpoint/2012/main" xmlns:ahyp="http://schemas.microsoft.com/office/drawing/2018/hyperlinkcolor" matchingName="Vertical Title and Text" type="vertTitleAndTx">
+<p:sldLayout xmlns:a="http://schemas.openxmlformats.org/drawingml/2006/main" xmlns:r="http://schemas.openxmlformats.org/officeDocument/2006/relationships" xmlns:p="http://schemas.openxmlformats.org/presentationml/2006/main" matchingName="Vertical Title and Text" type="vertTitleAndTx">
   <p:cSld name="VERTICAL_TITLE_AND_VERTICAL_TEXT">
     <p:spTree>
       <p:nvGrpSpPr>
-        <p:cNvPr id="74" name="Shape 74"/>
+        <p:cNvPr id="1" name="Shape 74"/>
         <p:cNvGrpSpPr/>
         <p:nvPr/>
       </p:nvGrpSpPr>
@@ -3013,7 +3109,9 @@
       <p:sp>
         <p:nvSpPr>
           <p:cNvPr id="75" name="Google Shape;75;p19"/>
-          <p:cNvSpPr txBox="1"/>
+          <p:cNvSpPr txBox="1">
+            <a:spLocks noGrp="1"/>
+          </p:cNvSpPr>
           <p:nvPr>
             <p:ph type="title"/>
           </p:nvPr>
@@ -3032,7 +3130,7 @@
           </a:ln>
         </p:spPr>
         <p:txBody>
-          <a:bodyPr anchorCtr="0" anchor="ctr" bIns="45700" lIns="91425" spcFirstLastPara="1" rIns="91425" wrap="square" tIns="45700">
+          <a:bodyPr spcFirstLastPara="1" wrap="square" lIns="91425" tIns="45700" rIns="91425" bIns="45700" anchor="ctr" anchorCtr="0">
             <a:normAutofit/>
           </a:bodyPr>
           <a:lstStyle>
@@ -3142,15 +3240,19 @@
               <a:defRPr/>
             </a:lvl9pPr>
           </a:lstStyle>
-          <a:p/>
+          <a:p>
+            <a:endParaRPr/>
+          </a:p>
         </p:txBody>
       </p:sp>
       <p:sp>
         <p:nvSpPr>
           <p:cNvPr id="76" name="Google Shape;76;p19"/>
-          <p:cNvSpPr txBox="1"/>
+          <p:cNvSpPr txBox="1">
+            <a:spLocks noGrp="1"/>
+          </p:cNvSpPr>
           <p:nvPr>
-            <p:ph idx="1" type="body"/>
+            <p:ph type="body" idx="1"/>
           </p:nvPr>
         </p:nvSpPr>
         <p:spPr>
@@ -3167,11 +3269,11 @@
           </a:ln>
         </p:spPr>
         <p:txBody>
-          <a:bodyPr anchorCtr="0" anchor="t" bIns="45700" lIns="91425" spcFirstLastPara="1" rIns="91425" wrap="square" tIns="45700">
+          <a:bodyPr spcFirstLastPara="1" wrap="square" lIns="91425" tIns="45700" rIns="91425" bIns="45700" anchor="t" anchorCtr="0">
             <a:normAutofit/>
           </a:bodyPr>
           <a:lstStyle>
-            <a:lvl1pPr indent="-342900" lvl="0" marL="457200" algn="l">
+            <a:lvl1pPr marL="457200" lvl="0" indent="-342900" algn="l">
               <a:lnSpc>
                 <a:spcPct val="90000"/>
               </a:lnSpc>
@@ -3188,7 +3290,7 @@
               <a:buChar char="•"/>
               <a:defRPr/>
             </a:lvl1pPr>
-            <a:lvl2pPr indent="-342900" lvl="1" marL="914400" algn="l">
+            <a:lvl2pPr marL="914400" lvl="1" indent="-342900" algn="l">
               <a:lnSpc>
                 <a:spcPct val="90000"/>
               </a:lnSpc>
@@ -3205,7 +3307,7 @@
               <a:buChar char="•"/>
               <a:defRPr/>
             </a:lvl2pPr>
-            <a:lvl3pPr indent="-342900" lvl="2" marL="1371600" algn="l">
+            <a:lvl3pPr marL="1371600" lvl="2" indent="-342900" algn="l">
               <a:lnSpc>
                 <a:spcPct val="90000"/>
               </a:lnSpc>
@@ -3222,7 +3324,7 @@
               <a:buChar char="•"/>
               <a:defRPr/>
             </a:lvl3pPr>
-            <a:lvl4pPr indent="-342900" lvl="3" marL="1828800" algn="l">
+            <a:lvl4pPr marL="1828800" lvl="3" indent="-342900" algn="l">
               <a:lnSpc>
                 <a:spcPct val="90000"/>
               </a:lnSpc>
@@ -3239,7 +3341,7 @@
               <a:buChar char="•"/>
               <a:defRPr/>
             </a:lvl4pPr>
-            <a:lvl5pPr indent="-342900" lvl="4" marL="2286000" algn="l">
+            <a:lvl5pPr marL="2286000" lvl="4" indent="-342900" algn="l">
               <a:lnSpc>
                 <a:spcPct val="90000"/>
               </a:lnSpc>
@@ -3256,7 +3358,7 @@
               <a:buChar char="•"/>
               <a:defRPr/>
             </a:lvl5pPr>
-            <a:lvl6pPr indent="-342900" lvl="5" marL="2743200" algn="l">
+            <a:lvl6pPr marL="2743200" lvl="5" indent="-342900" algn="l">
               <a:lnSpc>
                 <a:spcPct val="90000"/>
               </a:lnSpc>
@@ -3273,7 +3375,7 @@
               <a:buChar char="•"/>
               <a:defRPr/>
             </a:lvl6pPr>
-            <a:lvl7pPr indent="-342900" lvl="6" marL="3200400" algn="l">
+            <a:lvl7pPr marL="3200400" lvl="6" indent="-342900" algn="l">
               <a:lnSpc>
                 <a:spcPct val="90000"/>
               </a:lnSpc>
@@ -3290,7 +3392,7 @@
               <a:buChar char="•"/>
               <a:defRPr/>
             </a:lvl7pPr>
-            <a:lvl8pPr indent="-342900" lvl="7" marL="3657600" algn="l">
+            <a:lvl8pPr marL="3657600" lvl="7" indent="-342900" algn="l">
               <a:lnSpc>
                 <a:spcPct val="90000"/>
               </a:lnSpc>
@@ -3307,7 +3409,7 @@
               <a:buChar char="•"/>
               <a:defRPr/>
             </a:lvl8pPr>
-            <a:lvl9pPr indent="-342900" lvl="8" marL="4114800" algn="l">
+            <a:lvl9pPr marL="4114800" lvl="8" indent="-342900" algn="l">
               <a:lnSpc>
                 <a:spcPct val="90000"/>
               </a:lnSpc>
@@ -3325,15 +3427,19 @@
               <a:defRPr/>
             </a:lvl9pPr>
           </a:lstStyle>
-          <a:p/>
+          <a:p>
+            <a:endParaRPr/>
+          </a:p>
         </p:txBody>
       </p:sp>
       <p:sp>
         <p:nvSpPr>
           <p:cNvPr id="77" name="Google Shape;77;p19"/>
-          <p:cNvSpPr txBox="1"/>
+          <p:cNvSpPr txBox="1">
+            <a:spLocks noGrp="1"/>
+          </p:cNvSpPr>
           <p:nvPr>
-            <p:ph idx="10" type="dt"/>
+            <p:ph type="dt" idx="10"/>
           </p:nvPr>
         </p:nvSpPr>
         <p:spPr>
@@ -3350,7 +3456,7 @@
           </a:ln>
         </p:spPr>
         <p:txBody>
-          <a:bodyPr anchorCtr="0" anchor="ctr" bIns="45700" lIns="91425" spcFirstLastPara="1" rIns="91425" wrap="square" tIns="45700">
+          <a:bodyPr spcFirstLastPara="1" wrap="square" lIns="91425" tIns="45700" rIns="91425" bIns="45700" anchor="ctr" anchorCtr="0">
             <a:noAutofit/>
           </a:bodyPr>
           <a:lstStyle>
@@ -3454,15 +3560,19 @@
               <a:defRPr/>
             </a:lvl9pPr>
           </a:lstStyle>
-          <a:p/>
+          <a:p>
+            <a:endParaRPr/>
+          </a:p>
         </p:txBody>
       </p:sp>
       <p:sp>
         <p:nvSpPr>
           <p:cNvPr id="78" name="Google Shape;78;p19"/>
-          <p:cNvSpPr txBox="1"/>
+          <p:cNvSpPr txBox="1">
+            <a:spLocks noGrp="1"/>
+          </p:cNvSpPr>
           <p:nvPr>
-            <p:ph idx="11" type="ftr"/>
+            <p:ph type="ftr" idx="11"/>
           </p:nvPr>
         </p:nvSpPr>
         <p:spPr>
@@ -3479,7 +3589,7 @@
           </a:ln>
         </p:spPr>
         <p:txBody>
-          <a:bodyPr anchorCtr="0" anchor="ctr" bIns="45700" lIns="91425" spcFirstLastPara="1" rIns="91425" wrap="square" tIns="45700">
+          <a:bodyPr spcFirstLastPara="1" wrap="square" lIns="91425" tIns="45700" rIns="91425" bIns="45700" anchor="ctr" anchorCtr="0">
             <a:noAutofit/>
           </a:bodyPr>
           <a:lstStyle>
@@ -3583,15 +3693,19 @@
               <a:defRPr/>
             </a:lvl9pPr>
           </a:lstStyle>
-          <a:p/>
+          <a:p>
+            <a:endParaRPr/>
+          </a:p>
         </p:txBody>
       </p:sp>
       <p:sp>
         <p:nvSpPr>
           <p:cNvPr id="79" name="Google Shape;79;p19"/>
-          <p:cNvSpPr txBox="1"/>
+          <p:cNvSpPr txBox="1">
+            <a:spLocks noGrp="1"/>
+          </p:cNvSpPr>
           <p:nvPr>
-            <p:ph idx="12" type="sldNum"/>
+            <p:ph type="sldNum" idx="12"/>
           </p:nvPr>
         </p:nvSpPr>
         <p:spPr>
@@ -3608,67 +3722,67 @@
           </a:ln>
         </p:spPr>
         <p:txBody>
-          <a:bodyPr anchorCtr="0" anchor="ctr" bIns="45700" lIns="91425" spcFirstLastPara="1" rIns="91425" wrap="square" tIns="45700">
+          <a:bodyPr spcFirstLastPara="1" wrap="square" lIns="91425" tIns="45700" rIns="91425" bIns="45700" anchor="ctr" anchorCtr="0">
             <a:noAutofit/>
           </a:bodyPr>
           <a:lstStyle>
-            <a:lvl1pPr indent="0" lvl="0" marL="0" algn="r">
+            <a:lvl1pPr marL="0" lvl="0" indent="0" algn="r">
               <a:spcBef>
                 <a:spcPts val="0"/>
               </a:spcBef>
               <a:buNone/>
               <a:defRPr/>
             </a:lvl1pPr>
-            <a:lvl2pPr indent="0" lvl="1" marL="0" algn="r">
+            <a:lvl2pPr marL="0" lvl="1" indent="0" algn="r">
               <a:spcBef>
                 <a:spcPts val="0"/>
               </a:spcBef>
               <a:buNone/>
               <a:defRPr/>
             </a:lvl2pPr>
-            <a:lvl3pPr indent="0" lvl="2" marL="0" algn="r">
+            <a:lvl3pPr marL="0" lvl="2" indent="0" algn="r">
               <a:spcBef>
                 <a:spcPts val="0"/>
               </a:spcBef>
               <a:buNone/>
               <a:defRPr/>
             </a:lvl3pPr>
-            <a:lvl4pPr indent="0" lvl="3" marL="0" algn="r">
+            <a:lvl4pPr marL="0" lvl="3" indent="0" algn="r">
               <a:spcBef>
                 <a:spcPts val="0"/>
               </a:spcBef>
               <a:buNone/>
               <a:defRPr/>
             </a:lvl4pPr>
-            <a:lvl5pPr indent="0" lvl="4" marL="0" algn="r">
+            <a:lvl5pPr marL="0" lvl="4" indent="0" algn="r">
               <a:spcBef>
                 <a:spcPts val="0"/>
               </a:spcBef>
               <a:buNone/>
               <a:defRPr/>
             </a:lvl5pPr>
-            <a:lvl6pPr indent="0" lvl="5" marL="0" algn="r">
+            <a:lvl6pPr marL="0" lvl="5" indent="0" algn="r">
               <a:spcBef>
                 <a:spcPts val="0"/>
               </a:spcBef>
               <a:buNone/>
               <a:defRPr/>
             </a:lvl6pPr>
-            <a:lvl7pPr indent="0" lvl="6" marL="0" algn="r">
+            <a:lvl7pPr marL="0" lvl="6" indent="0" algn="r">
               <a:spcBef>
                 <a:spcPts val="0"/>
               </a:spcBef>
               <a:buNone/>
               <a:defRPr/>
             </a:lvl7pPr>
-            <a:lvl8pPr indent="0" lvl="7" marL="0" algn="r">
+            <a:lvl8pPr marL="0" lvl="7" indent="0" algn="r">
               <a:spcBef>
                 <a:spcPts val="0"/>
               </a:spcBef>
               <a:buNone/>
               <a:defRPr/>
             </a:lvl8pPr>
-            <a:lvl9pPr indent="0" lvl="8" marL="0" algn="r">
+            <a:lvl9pPr marL="0" lvl="8" indent="0" algn="r">
               <a:spcBef>
                 <a:spcPts val="0"/>
               </a:spcBef>
@@ -3677,7 +3791,7 @@
             </a:lvl9pPr>
           </a:lstStyle>
           <a:p>
-            <a:pPr indent="0" lvl="0" marL="0" rtl="0" algn="r">
+            <a:pPr marL="0" lvl="0" indent="0" algn="r" rtl="0">
               <a:spcBef>
                 <a:spcPts val="0"/>
               </a:spcBef>
@@ -3703,11 +3817,11 @@
 </file>
 
 <file path=ppt/slideLayouts/slideLayout2.xml><?xml version="1.0" encoding="utf-8"?>
-<p:sldLayout xmlns:a="http://schemas.openxmlformats.org/drawingml/2006/main" xmlns:r="http://schemas.openxmlformats.org/officeDocument/2006/relationships" xmlns:mc="http://schemas.openxmlformats.org/markup-compatibility/2006" xmlns:mv="urn:schemas-microsoft-com:mac:vml" xmlns:p="http://schemas.openxmlformats.org/presentationml/2006/main" xmlns:c="http://schemas.openxmlformats.org/drawingml/2006/chart" xmlns:dgm="http://schemas.openxmlformats.org/drawingml/2006/diagram" xmlns:o="urn:schemas-microsoft-com:office:office" xmlns:v="urn:schemas-microsoft-com:vml" xmlns:pvml="urn:schemas-microsoft-com:office:powerpoint" xmlns:com="http://schemas.openxmlformats.org/drawingml/2006/compatibility" xmlns:p14="http://schemas.microsoft.com/office/powerpoint/2010/main" xmlns:p15="http://schemas.microsoft.com/office/powerpoint/2012/main" xmlns:ahyp="http://schemas.microsoft.com/office/drawing/2018/hyperlinkcolor" matchingName="Title and Content" type="obj">
+<p:sldLayout xmlns:a="http://schemas.openxmlformats.org/drawingml/2006/main" xmlns:r="http://schemas.openxmlformats.org/officeDocument/2006/relationships" xmlns:p="http://schemas.openxmlformats.org/presentationml/2006/main" matchingName="Title and Content" type="obj">
   <p:cSld name="OBJECT">
     <p:spTree>
       <p:nvGrpSpPr>
-        <p:cNvPr id="17" name="Shape 17"/>
+        <p:cNvPr id="1" name="Shape 17"/>
         <p:cNvGrpSpPr/>
         <p:nvPr/>
       </p:nvGrpSpPr>
@@ -3722,7 +3836,9 @@
       <p:sp>
         <p:nvSpPr>
           <p:cNvPr id="18" name="Google Shape;18;p10"/>
-          <p:cNvSpPr txBox="1"/>
+          <p:cNvSpPr txBox="1">
+            <a:spLocks noGrp="1"/>
+          </p:cNvSpPr>
           <p:nvPr>
             <p:ph type="title"/>
           </p:nvPr>
@@ -3741,7 +3857,7 @@
           </a:ln>
         </p:spPr>
         <p:txBody>
-          <a:bodyPr anchorCtr="0" anchor="ctr" bIns="45700" lIns="91425" spcFirstLastPara="1" rIns="91425" wrap="square" tIns="45700">
+          <a:bodyPr spcFirstLastPara="1" wrap="square" lIns="91425" tIns="45700" rIns="91425" bIns="45700" anchor="ctr" anchorCtr="0">
             <a:normAutofit/>
           </a:bodyPr>
           <a:lstStyle>
@@ -3851,15 +3967,19 @@
               <a:defRPr/>
             </a:lvl9pPr>
           </a:lstStyle>
-          <a:p/>
+          <a:p>
+            <a:endParaRPr/>
+          </a:p>
         </p:txBody>
       </p:sp>
       <p:sp>
         <p:nvSpPr>
           <p:cNvPr id="19" name="Google Shape;19;p10"/>
-          <p:cNvSpPr txBox="1"/>
+          <p:cNvSpPr txBox="1">
+            <a:spLocks noGrp="1"/>
+          </p:cNvSpPr>
           <p:nvPr>
-            <p:ph idx="1" type="body"/>
+            <p:ph type="body" idx="1"/>
           </p:nvPr>
         </p:nvSpPr>
         <p:spPr>
@@ -3876,11 +3996,11 @@
           </a:ln>
         </p:spPr>
         <p:txBody>
-          <a:bodyPr anchorCtr="0" anchor="t" bIns="45700" lIns="91425" spcFirstLastPara="1" rIns="91425" wrap="square" tIns="45700">
+          <a:bodyPr spcFirstLastPara="1" wrap="square" lIns="91425" tIns="45700" rIns="91425" bIns="45700" anchor="t" anchorCtr="0">
             <a:normAutofit/>
           </a:bodyPr>
           <a:lstStyle>
-            <a:lvl1pPr indent="-342900" lvl="0" marL="457200" algn="l">
+            <a:lvl1pPr marL="457200" lvl="0" indent="-342900" algn="l">
               <a:lnSpc>
                 <a:spcPct val="90000"/>
               </a:lnSpc>
@@ -3897,7 +4017,7 @@
               <a:buChar char="•"/>
               <a:defRPr/>
             </a:lvl1pPr>
-            <a:lvl2pPr indent="-342900" lvl="1" marL="914400" algn="l">
+            <a:lvl2pPr marL="914400" lvl="1" indent="-342900" algn="l">
               <a:lnSpc>
                 <a:spcPct val="90000"/>
               </a:lnSpc>
@@ -3914,7 +4034,7 @@
               <a:buChar char="•"/>
               <a:defRPr/>
             </a:lvl2pPr>
-            <a:lvl3pPr indent="-342900" lvl="2" marL="1371600" algn="l">
+            <a:lvl3pPr marL="1371600" lvl="2" indent="-342900" algn="l">
               <a:lnSpc>
                 <a:spcPct val="90000"/>
               </a:lnSpc>
@@ -3931,7 +4051,7 @@
               <a:buChar char="•"/>
               <a:defRPr/>
             </a:lvl3pPr>
-            <a:lvl4pPr indent="-342900" lvl="3" marL="1828800" algn="l">
+            <a:lvl4pPr marL="1828800" lvl="3" indent="-342900" algn="l">
               <a:lnSpc>
                 <a:spcPct val="90000"/>
               </a:lnSpc>
@@ -3948,7 +4068,7 @@
               <a:buChar char="•"/>
               <a:defRPr/>
             </a:lvl4pPr>
-            <a:lvl5pPr indent="-342900" lvl="4" marL="2286000" algn="l">
+            <a:lvl5pPr marL="2286000" lvl="4" indent="-342900" algn="l">
               <a:lnSpc>
                 <a:spcPct val="90000"/>
               </a:lnSpc>
@@ -3965,7 +4085,7 @@
               <a:buChar char="•"/>
               <a:defRPr/>
             </a:lvl5pPr>
-            <a:lvl6pPr indent="-342900" lvl="5" marL="2743200" algn="l">
+            <a:lvl6pPr marL="2743200" lvl="5" indent="-342900" algn="l">
               <a:lnSpc>
                 <a:spcPct val="90000"/>
               </a:lnSpc>
@@ -3982,7 +4102,7 @@
               <a:buChar char="•"/>
               <a:defRPr/>
             </a:lvl6pPr>
-            <a:lvl7pPr indent="-342900" lvl="6" marL="3200400" algn="l">
+            <a:lvl7pPr marL="3200400" lvl="6" indent="-342900" algn="l">
               <a:lnSpc>
                 <a:spcPct val="90000"/>
               </a:lnSpc>
@@ -3999,7 +4119,7 @@
               <a:buChar char="•"/>
               <a:defRPr/>
             </a:lvl7pPr>
-            <a:lvl8pPr indent="-342900" lvl="7" marL="3657600" algn="l">
+            <a:lvl8pPr marL="3657600" lvl="7" indent="-342900" algn="l">
               <a:lnSpc>
                 <a:spcPct val="90000"/>
               </a:lnSpc>
@@ -4016,7 +4136,7 @@
               <a:buChar char="•"/>
               <a:defRPr/>
             </a:lvl8pPr>
-            <a:lvl9pPr indent="-342900" lvl="8" marL="4114800" algn="l">
+            <a:lvl9pPr marL="4114800" lvl="8" indent="-342900" algn="l">
               <a:lnSpc>
                 <a:spcPct val="90000"/>
               </a:lnSpc>
@@ -4034,15 +4154,19 @@
               <a:defRPr/>
             </a:lvl9pPr>
           </a:lstStyle>
-          <a:p/>
+          <a:p>
+            <a:endParaRPr/>
+          </a:p>
         </p:txBody>
       </p:sp>
       <p:sp>
         <p:nvSpPr>
           <p:cNvPr id="20" name="Google Shape;20;p10"/>
-          <p:cNvSpPr txBox="1"/>
+          <p:cNvSpPr txBox="1">
+            <a:spLocks noGrp="1"/>
+          </p:cNvSpPr>
           <p:nvPr>
-            <p:ph idx="10" type="dt"/>
+            <p:ph type="dt" idx="10"/>
           </p:nvPr>
         </p:nvSpPr>
         <p:spPr>
@@ -4059,7 +4183,7 @@
           </a:ln>
         </p:spPr>
         <p:txBody>
-          <a:bodyPr anchorCtr="0" anchor="ctr" bIns="45700" lIns="91425" spcFirstLastPara="1" rIns="91425" wrap="square" tIns="45700">
+          <a:bodyPr spcFirstLastPara="1" wrap="square" lIns="91425" tIns="45700" rIns="91425" bIns="45700" anchor="ctr" anchorCtr="0">
             <a:noAutofit/>
           </a:bodyPr>
           <a:lstStyle>
@@ -4163,15 +4287,19 @@
               <a:defRPr/>
             </a:lvl9pPr>
           </a:lstStyle>
-          <a:p/>
+          <a:p>
+            <a:endParaRPr/>
+          </a:p>
         </p:txBody>
       </p:sp>
       <p:sp>
         <p:nvSpPr>
           <p:cNvPr id="21" name="Google Shape;21;p10"/>
-          <p:cNvSpPr txBox="1"/>
+          <p:cNvSpPr txBox="1">
+            <a:spLocks noGrp="1"/>
+          </p:cNvSpPr>
           <p:nvPr>
-            <p:ph idx="11" type="ftr"/>
+            <p:ph type="ftr" idx="11"/>
           </p:nvPr>
         </p:nvSpPr>
         <p:spPr>
@@ -4188,7 +4316,7 @@
           </a:ln>
         </p:spPr>
         <p:txBody>
-          <a:bodyPr anchorCtr="0" anchor="ctr" bIns="45700" lIns="91425" spcFirstLastPara="1" rIns="91425" wrap="square" tIns="45700">
+          <a:bodyPr spcFirstLastPara="1" wrap="square" lIns="91425" tIns="45700" rIns="91425" bIns="45700" anchor="ctr" anchorCtr="0">
             <a:noAutofit/>
           </a:bodyPr>
           <a:lstStyle>
@@ -4292,15 +4420,19 @@
               <a:defRPr/>
             </a:lvl9pPr>
           </a:lstStyle>
-          <a:p/>
+          <a:p>
+            <a:endParaRPr/>
+          </a:p>
         </p:txBody>
       </p:sp>
       <p:sp>
         <p:nvSpPr>
           <p:cNvPr id="22" name="Google Shape;22;p10"/>
-          <p:cNvSpPr txBox="1"/>
+          <p:cNvSpPr txBox="1">
+            <a:spLocks noGrp="1"/>
+          </p:cNvSpPr>
           <p:nvPr>
-            <p:ph idx="12" type="sldNum"/>
+            <p:ph type="sldNum" idx="12"/>
           </p:nvPr>
         </p:nvSpPr>
         <p:spPr>
@@ -4317,67 +4449,67 @@
           </a:ln>
         </p:spPr>
         <p:txBody>
-          <a:bodyPr anchorCtr="0" anchor="ctr" bIns="45700" lIns="91425" spcFirstLastPara="1" rIns="91425" wrap="square" tIns="45700">
+          <a:bodyPr spcFirstLastPara="1" wrap="square" lIns="91425" tIns="45700" rIns="91425" bIns="45700" anchor="ctr" anchorCtr="0">
             <a:noAutofit/>
           </a:bodyPr>
           <a:lstStyle>
-            <a:lvl1pPr indent="0" lvl="0" marL="0" algn="r">
+            <a:lvl1pPr marL="0" lvl="0" indent="0" algn="r">
               <a:spcBef>
                 <a:spcPts val="0"/>
               </a:spcBef>
               <a:buNone/>
               <a:defRPr/>
             </a:lvl1pPr>
-            <a:lvl2pPr indent="0" lvl="1" marL="0" algn="r">
+            <a:lvl2pPr marL="0" lvl="1" indent="0" algn="r">
               <a:spcBef>
                 <a:spcPts val="0"/>
               </a:spcBef>
               <a:buNone/>
               <a:defRPr/>
             </a:lvl2pPr>
-            <a:lvl3pPr indent="0" lvl="2" marL="0" algn="r">
+            <a:lvl3pPr marL="0" lvl="2" indent="0" algn="r">
               <a:spcBef>
                 <a:spcPts val="0"/>
               </a:spcBef>
               <a:buNone/>
               <a:defRPr/>
             </a:lvl3pPr>
-            <a:lvl4pPr indent="0" lvl="3" marL="0" algn="r">
+            <a:lvl4pPr marL="0" lvl="3" indent="0" algn="r">
               <a:spcBef>
                 <a:spcPts val="0"/>
               </a:spcBef>
               <a:buNone/>
               <a:defRPr/>
             </a:lvl4pPr>
-            <a:lvl5pPr indent="0" lvl="4" marL="0" algn="r">
+            <a:lvl5pPr marL="0" lvl="4" indent="0" algn="r">
               <a:spcBef>
                 <a:spcPts val="0"/>
               </a:spcBef>
               <a:buNone/>
               <a:defRPr/>
             </a:lvl5pPr>
-            <a:lvl6pPr indent="0" lvl="5" marL="0" algn="r">
+            <a:lvl6pPr marL="0" lvl="5" indent="0" algn="r">
               <a:spcBef>
                 <a:spcPts val="0"/>
               </a:spcBef>
               <a:buNone/>
               <a:defRPr/>
             </a:lvl6pPr>
-            <a:lvl7pPr indent="0" lvl="6" marL="0" algn="r">
+            <a:lvl7pPr marL="0" lvl="6" indent="0" algn="r">
               <a:spcBef>
                 <a:spcPts val="0"/>
               </a:spcBef>
               <a:buNone/>
               <a:defRPr/>
             </a:lvl7pPr>
-            <a:lvl8pPr indent="0" lvl="7" marL="0" algn="r">
+            <a:lvl8pPr marL="0" lvl="7" indent="0" algn="r">
               <a:spcBef>
                 <a:spcPts val="0"/>
               </a:spcBef>
               <a:buNone/>
               <a:defRPr/>
             </a:lvl8pPr>
-            <a:lvl9pPr indent="0" lvl="8" marL="0" algn="r">
+            <a:lvl9pPr marL="0" lvl="8" indent="0" algn="r">
               <a:spcBef>
                 <a:spcPts val="0"/>
               </a:spcBef>
@@ -4386,7 +4518,7 @@
             </a:lvl9pPr>
           </a:lstStyle>
           <a:p>
-            <a:pPr indent="0" lvl="0" marL="0" rtl="0" algn="r">
+            <a:pPr marL="0" lvl="0" indent="0" algn="r" rtl="0">
               <a:spcBef>
                 <a:spcPts val="0"/>
               </a:spcBef>
@@ -4412,11 +4544,11 @@
 </file>
 
 <file path=ppt/slideLayouts/slideLayout3.xml><?xml version="1.0" encoding="utf-8"?>
-<p:sldLayout xmlns:a="http://schemas.openxmlformats.org/drawingml/2006/main" xmlns:r="http://schemas.openxmlformats.org/officeDocument/2006/relationships" xmlns:mc="http://schemas.openxmlformats.org/markup-compatibility/2006" xmlns:mv="urn:schemas-microsoft-com:mac:vml" xmlns:p="http://schemas.openxmlformats.org/presentationml/2006/main" xmlns:c="http://schemas.openxmlformats.org/drawingml/2006/chart" xmlns:dgm="http://schemas.openxmlformats.org/drawingml/2006/diagram" xmlns:o="urn:schemas-microsoft-com:office:office" xmlns:v="urn:schemas-microsoft-com:vml" xmlns:pvml="urn:schemas-microsoft-com:office:powerpoint" xmlns:com="http://schemas.openxmlformats.org/drawingml/2006/compatibility" xmlns:p14="http://schemas.microsoft.com/office/powerpoint/2010/main" xmlns:p15="http://schemas.microsoft.com/office/powerpoint/2012/main" xmlns:ahyp="http://schemas.microsoft.com/office/drawing/2018/hyperlinkcolor" matchingName="Section Header" type="secHead">
+<p:sldLayout xmlns:a="http://schemas.openxmlformats.org/drawingml/2006/main" xmlns:r="http://schemas.openxmlformats.org/officeDocument/2006/relationships" xmlns:p="http://schemas.openxmlformats.org/presentationml/2006/main" matchingName="Section Header" type="secHead">
   <p:cSld name="SECTION_HEADER">
     <p:spTree>
       <p:nvGrpSpPr>
-        <p:cNvPr id="23" name="Shape 23"/>
+        <p:cNvPr id="1" name="Shape 23"/>
         <p:cNvGrpSpPr/>
         <p:nvPr/>
       </p:nvGrpSpPr>
@@ -4431,7 +4563,9 @@
       <p:sp>
         <p:nvSpPr>
           <p:cNvPr id="24" name="Google Shape;24;p11"/>
-          <p:cNvSpPr txBox="1"/>
+          <p:cNvSpPr txBox="1">
+            <a:spLocks noGrp="1"/>
+          </p:cNvSpPr>
           <p:nvPr>
             <p:ph type="title"/>
           </p:nvPr>
@@ -4450,7 +4584,7 @@
           </a:ln>
         </p:spPr>
         <p:txBody>
-          <a:bodyPr anchorCtr="0" anchor="b" bIns="45700" lIns="91425" spcFirstLastPara="1" rIns="91425" wrap="square" tIns="45700">
+          <a:bodyPr spcFirstLastPara="1" wrap="square" lIns="91425" tIns="45700" rIns="91425" bIns="45700" anchor="b" anchorCtr="0">
             <a:normAutofit/>
           </a:bodyPr>
           <a:lstStyle>
@@ -4561,15 +4695,19 @@
               <a:defRPr/>
             </a:lvl9pPr>
           </a:lstStyle>
-          <a:p/>
+          <a:p>
+            <a:endParaRPr/>
+          </a:p>
         </p:txBody>
       </p:sp>
       <p:sp>
         <p:nvSpPr>
           <p:cNvPr id="25" name="Google Shape;25;p11"/>
-          <p:cNvSpPr txBox="1"/>
+          <p:cNvSpPr txBox="1">
+            <a:spLocks noGrp="1"/>
+          </p:cNvSpPr>
           <p:nvPr>
-            <p:ph idx="1" type="body"/>
+            <p:ph type="body" idx="1"/>
           </p:nvPr>
         </p:nvSpPr>
         <p:spPr>
@@ -4586,11 +4724,11 @@
           </a:ln>
         </p:spPr>
         <p:txBody>
-          <a:bodyPr anchorCtr="0" anchor="t" bIns="45700" lIns="91425" spcFirstLastPara="1" rIns="91425" wrap="square" tIns="45700">
+          <a:bodyPr spcFirstLastPara="1" wrap="square" lIns="91425" tIns="45700" rIns="91425" bIns="45700" anchor="t" anchorCtr="0">
             <a:normAutofit/>
           </a:bodyPr>
           <a:lstStyle>
-            <a:lvl1pPr indent="-228600" lvl="0" marL="457200" algn="l">
+            <a:lvl1pPr marL="457200" lvl="0" indent="-228600" algn="l">
               <a:lnSpc>
                 <a:spcPct val="90000"/>
               </a:lnSpc>
@@ -4611,7 +4749,7 @@
                 </a:solidFill>
               </a:defRPr>
             </a:lvl1pPr>
-            <a:lvl2pPr indent="-228600" lvl="1" marL="914400" algn="l">
+            <a:lvl2pPr marL="914400" lvl="1" indent="-228600" algn="l">
               <a:lnSpc>
                 <a:spcPct val="90000"/>
               </a:lnSpc>
@@ -4632,7 +4770,7 @@
                 </a:solidFill>
               </a:defRPr>
             </a:lvl2pPr>
-            <a:lvl3pPr indent="-228600" lvl="2" marL="1371600" algn="l">
+            <a:lvl3pPr marL="1371600" lvl="2" indent="-228600" algn="l">
               <a:lnSpc>
                 <a:spcPct val="90000"/>
               </a:lnSpc>
@@ -4653,7 +4791,7 @@
                 </a:solidFill>
               </a:defRPr>
             </a:lvl3pPr>
-            <a:lvl4pPr indent="-228600" lvl="3" marL="1828800" algn="l">
+            <a:lvl4pPr marL="1828800" lvl="3" indent="-228600" algn="l">
               <a:lnSpc>
                 <a:spcPct val="90000"/>
               </a:lnSpc>
@@ -4674,7 +4812,7 @@
                 </a:solidFill>
               </a:defRPr>
             </a:lvl4pPr>
-            <a:lvl5pPr indent="-228600" lvl="4" marL="2286000" algn="l">
+            <a:lvl5pPr marL="2286000" lvl="4" indent="-228600" algn="l">
               <a:lnSpc>
                 <a:spcPct val="90000"/>
               </a:lnSpc>
@@ -4695,7 +4833,7 @@
                 </a:solidFill>
               </a:defRPr>
             </a:lvl5pPr>
-            <a:lvl6pPr indent="-228600" lvl="5" marL="2743200" algn="l">
+            <a:lvl6pPr marL="2743200" lvl="5" indent="-228600" algn="l">
               <a:lnSpc>
                 <a:spcPct val="90000"/>
               </a:lnSpc>
@@ -4716,7 +4854,7 @@
                 </a:solidFill>
               </a:defRPr>
             </a:lvl6pPr>
-            <a:lvl7pPr indent="-228600" lvl="6" marL="3200400" algn="l">
+            <a:lvl7pPr marL="3200400" lvl="6" indent="-228600" algn="l">
               <a:lnSpc>
                 <a:spcPct val="90000"/>
               </a:lnSpc>
@@ -4737,7 +4875,7 @@
                 </a:solidFill>
               </a:defRPr>
             </a:lvl7pPr>
-            <a:lvl8pPr indent="-228600" lvl="7" marL="3657600" algn="l">
+            <a:lvl8pPr marL="3657600" lvl="7" indent="-228600" algn="l">
               <a:lnSpc>
                 <a:spcPct val="90000"/>
               </a:lnSpc>
@@ -4758,7 +4896,7 @@
                 </a:solidFill>
               </a:defRPr>
             </a:lvl8pPr>
-            <a:lvl9pPr indent="-228600" lvl="8" marL="4114800" algn="l">
+            <a:lvl9pPr marL="4114800" lvl="8" indent="-228600" algn="l">
               <a:lnSpc>
                 <a:spcPct val="90000"/>
               </a:lnSpc>
@@ -4780,15 +4918,19 @@
               </a:defRPr>
             </a:lvl9pPr>
           </a:lstStyle>
-          <a:p/>
+          <a:p>
+            <a:endParaRPr/>
+          </a:p>
         </p:txBody>
       </p:sp>
       <p:sp>
         <p:nvSpPr>
           <p:cNvPr id="26" name="Google Shape;26;p11"/>
-          <p:cNvSpPr txBox="1"/>
+          <p:cNvSpPr txBox="1">
+            <a:spLocks noGrp="1"/>
+          </p:cNvSpPr>
           <p:nvPr>
-            <p:ph idx="10" type="dt"/>
+            <p:ph type="dt" idx="10"/>
           </p:nvPr>
         </p:nvSpPr>
         <p:spPr>
@@ -4805,7 +4947,7 @@
           </a:ln>
         </p:spPr>
         <p:txBody>
-          <a:bodyPr anchorCtr="0" anchor="ctr" bIns="45700" lIns="91425" spcFirstLastPara="1" rIns="91425" wrap="square" tIns="45700">
+          <a:bodyPr spcFirstLastPara="1" wrap="square" lIns="91425" tIns="45700" rIns="91425" bIns="45700" anchor="ctr" anchorCtr="0">
             <a:noAutofit/>
           </a:bodyPr>
           <a:lstStyle>
@@ -4909,15 +5051,19 @@
               <a:defRPr/>
             </a:lvl9pPr>
           </a:lstStyle>
-          <a:p/>
+          <a:p>
+            <a:endParaRPr/>
+          </a:p>
         </p:txBody>
       </p:sp>
       <p:sp>
         <p:nvSpPr>
           <p:cNvPr id="27" name="Google Shape;27;p11"/>
-          <p:cNvSpPr txBox="1"/>
+          <p:cNvSpPr txBox="1">
+            <a:spLocks noGrp="1"/>
+          </p:cNvSpPr>
           <p:nvPr>
-            <p:ph idx="11" type="ftr"/>
+            <p:ph type="ftr" idx="11"/>
           </p:nvPr>
         </p:nvSpPr>
         <p:spPr>
@@ -4934,7 +5080,7 @@
           </a:ln>
         </p:spPr>
         <p:txBody>
-          <a:bodyPr anchorCtr="0" anchor="ctr" bIns="45700" lIns="91425" spcFirstLastPara="1" rIns="91425" wrap="square" tIns="45700">
+          <a:bodyPr spcFirstLastPara="1" wrap="square" lIns="91425" tIns="45700" rIns="91425" bIns="45700" anchor="ctr" anchorCtr="0">
             <a:noAutofit/>
           </a:bodyPr>
           <a:lstStyle>
@@ -5038,15 +5184,19 @@
               <a:defRPr/>
             </a:lvl9pPr>
           </a:lstStyle>
-          <a:p/>
+          <a:p>
+            <a:endParaRPr/>
+          </a:p>
         </p:txBody>
       </p:sp>
       <p:sp>
         <p:nvSpPr>
           <p:cNvPr id="28" name="Google Shape;28;p11"/>
-          <p:cNvSpPr txBox="1"/>
+          <p:cNvSpPr txBox="1">
+            <a:spLocks noGrp="1"/>
+          </p:cNvSpPr>
           <p:nvPr>
-            <p:ph idx="12" type="sldNum"/>
+            <p:ph type="sldNum" idx="12"/>
           </p:nvPr>
         </p:nvSpPr>
         <p:spPr>
@@ -5063,67 +5213,67 @@
           </a:ln>
         </p:spPr>
         <p:txBody>
-          <a:bodyPr anchorCtr="0" anchor="ctr" bIns="45700" lIns="91425" spcFirstLastPara="1" rIns="91425" wrap="square" tIns="45700">
+          <a:bodyPr spcFirstLastPara="1" wrap="square" lIns="91425" tIns="45700" rIns="91425" bIns="45700" anchor="ctr" anchorCtr="0">
             <a:noAutofit/>
           </a:bodyPr>
           <a:lstStyle>
-            <a:lvl1pPr indent="0" lvl="0" marL="0" algn="r">
+            <a:lvl1pPr marL="0" lvl="0" indent="0" algn="r">
               <a:spcBef>
                 <a:spcPts val="0"/>
               </a:spcBef>
               <a:buNone/>
               <a:defRPr/>
             </a:lvl1pPr>
-            <a:lvl2pPr indent="0" lvl="1" marL="0" algn="r">
+            <a:lvl2pPr marL="0" lvl="1" indent="0" algn="r">
               <a:spcBef>
                 <a:spcPts val="0"/>
               </a:spcBef>
               <a:buNone/>
               <a:defRPr/>
             </a:lvl2pPr>
-            <a:lvl3pPr indent="0" lvl="2" marL="0" algn="r">
+            <a:lvl3pPr marL="0" lvl="2" indent="0" algn="r">
               <a:spcBef>
                 <a:spcPts val="0"/>
               </a:spcBef>
               <a:buNone/>
               <a:defRPr/>
             </a:lvl3pPr>
-            <a:lvl4pPr indent="0" lvl="3" marL="0" algn="r">
+            <a:lvl4pPr marL="0" lvl="3" indent="0" algn="r">
               <a:spcBef>
                 <a:spcPts val="0"/>
               </a:spcBef>
               <a:buNone/>
               <a:defRPr/>
             </a:lvl4pPr>
-            <a:lvl5pPr indent="0" lvl="4" marL="0" algn="r">
+            <a:lvl5pPr marL="0" lvl="4" indent="0" algn="r">
               <a:spcBef>
                 <a:spcPts val="0"/>
               </a:spcBef>
               <a:buNone/>
               <a:defRPr/>
             </a:lvl5pPr>
-            <a:lvl6pPr indent="0" lvl="5" marL="0" algn="r">
+            <a:lvl6pPr marL="0" lvl="5" indent="0" algn="r">
               <a:spcBef>
                 <a:spcPts val="0"/>
               </a:spcBef>
               <a:buNone/>
               <a:defRPr/>
             </a:lvl6pPr>
-            <a:lvl7pPr indent="0" lvl="6" marL="0" algn="r">
+            <a:lvl7pPr marL="0" lvl="6" indent="0" algn="r">
               <a:spcBef>
                 <a:spcPts val="0"/>
               </a:spcBef>
               <a:buNone/>
               <a:defRPr/>
             </a:lvl7pPr>
-            <a:lvl8pPr indent="0" lvl="7" marL="0" algn="r">
+            <a:lvl8pPr marL="0" lvl="7" indent="0" algn="r">
               <a:spcBef>
                 <a:spcPts val="0"/>
               </a:spcBef>
               <a:buNone/>
               <a:defRPr/>
             </a:lvl8pPr>
-            <a:lvl9pPr indent="0" lvl="8" marL="0" algn="r">
+            <a:lvl9pPr marL="0" lvl="8" indent="0" algn="r">
               <a:spcBef>
                 <a:spcPts val="0"/>
               </a:spcBef>
@@ -5132,7 +5282,7 @@
             </a:lvl9pPr>
           </a:lstStyle>
           <a:p>
-            <a:pPr indent="0" lvl="0" marL="0" rtl="0" algn="r">
+            <a:pPr marL="0" lvl="0" indent="0" algn="r" rtl="0">
               <a:spcBef>
                 <a:spcPts val="0"/>
               </a:spcBef>
@@ -5158,11 +5308,11 @@
 </file>
 
 <file path=ppt/slideLayouts/slideLayout4.xml><?xml version="1.0" encoding="utf-8"?>
-<p:sldLayout xmlns:a="http://schemas.openxmlformats.org/drawingml/2006/main" xmlns:r="http://schemas.openxmlformats.org/officeDocument/2006/relationships" xmlns:mc="http://schemas.openxmlformats.org/markup-compatibility/2006" xmlns:mv="urn:schemas-microsoft-com:mac:vml" xmlns:p="http://schemas.openxmlformats.org/presentationml/2006/main" xmlns:c="http://schemas.openxmlformats.org/drawingml/2006/chart" xmlns:dgm="http://schemas.openxmlformats.org/drawingml/2006/diagram" xmlns:o="urn:schemas-microsoft-com:office:office" xmlns:v="urn:schemas-microsoft-com:vml" xmlns:pvml="urn:schemas-microsoft-com:office:powerpoint" xmlns:com="http://schemas.openxmlformats.org/drawingml/2006/compatibility" xmlns:p14="http://schemas.microsoft.com/office/powerpoint/2010/main" xmlns:p15="http://schemas.microsoft.com/office/powerpoint/2012/main" xmlns:ahyp="http://schemas.microsoft.com/office/drawing/2018/hyperlinkcolor" matchingName="Two Content" type="twoObj">
+<p:sldLayout xmlns:a="http://schemas.openxmlformats.org/drawingml/2006/main" xmlns:r="http://schemas.openxmlformats.org/officeDocument/2006/relationships" xmlns:p="http://schemas.openxmlformats.org/presentationml/2006/main" matchingName="Two Content" type="twoObj">
   <p:cSld name="TWO_OBJECTS">
     <p:spTree>
       <p:nvGrpSpPr>
-        <p:cNvPr id="29" name="Shape 29"/>
+        <p:cNvPr id="1" name="Shape 29"/>
         <p:cNvGrpSpPr/>
         <p:nvPr/>
       </p:nvGrpSpPr>
@@ -5177,7 +5327,9 @@
       <p:sp>
         <p:nvSpPr>
           <p:cNvPr id="30" name="Google Shape;30;p12"/>
-          <p:cNvSpPr txBox="1"/>
+          <p:cNvSpPr txBox="1">
+            <a:spLocks noGrp="1"/>
+          </p:cNvSpPr>
           <p:nvPr>
             <p:ph type="title"/>
           </p:nvPr>
@@ -5196,7 +5348,7 @@
           </a:ln>
         </p:spPr>
         <p:txBody>
-          <a:bodyPr anchorCtr="0" anchor="ctr" bIns="45700" lIns="91425" spcFirstLastPara="1" rIns="91425" wrap="square" tIns="45700">
+          <a:bodyPr spcFirstLastPara="1" wrap="square" lIns="91425" tIns="45700" rIns="91425" bIns="45700" anchor="ctr" anchorCtr="0">
             <a:normAutofit/>
           </a:bodyPr>
           <a:lstStyle>
@@ -5306,15 +5458,19 @@
               <a:defRPr/>
             </a:lvl9pPr>
           </a:lstStyle>
-          <a:p/>
+          <a:p>
+            <a:endParaRPr/>
+          </a:p>
         </p:txBody>
       </p:sp>
       <p:sp>
         <p:nvSpPr>
           <p:cNvPr id="31" name="Google Shape;31;p12"/>
-          <p:cNvSpPr txBox="1"/>
+          <p:cNvSpPr txBox="1">
+            <a:spLocks noGrp="1"/>
+          </p:cNvSpPr>
           <p:nvPr>
-            <p:ph idx="1" type="body"/>
+            <p:ph type="body" idx="1"/>
           </p:nvPr>
         </p:nvSpPr>
         <p:spPr>
@@ -5331,11 +5487,11 @@
           </a:ln>
         </p:spPr>
         <p:txBody>
-          <a:bodyPr anchorCtr="0" anchor="t" bIns="45700" lIns="91425" spcFirstLastPara="1" rIns="91425" wrap="square" tIns="45700">
+          <a:bodyPr spcFirstLastPara="1" wrap="square" lIns="91425" tIns="45700" rIns="91425" bIns="45700" anchor="t" anchorCtr="0">
             <a:normAutofit/>
           </a:bodyPr>
           <a:lstStyle>
-            <a:lvl1pPr indent="-342900" lvl="0" marL="457200" algn="l">
+            <a:lvl1pPr marL="457200" lvl="0" indent="-342900" algn="l">
               <a:lnSpc>
                 <a:spcPct val="90000"/>
               </a:lnSpc>
@@ -5352,7 +5508,7 @@
               <a:buChar char="•"/>
               <a:defRPr/>
             </a:lvl1pPr>
-            <a:lvl2pPr indent="-342900" lvl="1" marL="914400" algn="l">
+            <a:lvl2pPr marL="914400" lvl="1" indent="-342900" algn="l">
               <a:lnSpc>
                 <a:spcPct val="90000"/>
               </a:lnSpc>
@@ -5369,7 +5525,7 @@
               <a:buChar char="•"/>
               <a:defRPr/>
             </a:lvl2pPr>
-            <a:lvl3pPr indent="-342900" lvl="2" marL="1371600" algn="l">
+            <a:lvl3pPr marL="1371600" lvl="2" indent="-342900" algn="l">
               <a:lnSpc>
                 <a:spcPct val="90000"/>
               </a:lnSpc>
@@ -5386,7 +5542,7 @@
               <a:buChar char="•"/>
               <a:defRPr/>
             </a:lvl3pPr>
-            <a:lvl4pPr indent="-342900" lvl="3" marL="1828800" algn="l">
+            <a:lvl4pPr marL="1828800" lvl="3" indent="-342900" algn="l">
               <a:lnSpc>
                 <a:spcPct val="90000"/>
               </a:lnSpc>
@@ -5403,7 +5559,7 @@
               <a:buChar char="•"/>
               <a:defRPr/>
             </a:lvl4pPr>
-            <a:lvl5pPr indent="-342900" lvl="4" marL="2286000" algn="l">
+            <a:lvl5pPr marL="2286000" lvl="4" indent="-342900" algn="l">
               <a:lnSpc>
                 <a:spcPct val="90000"/>
               </a:lnSpc>
@@ -5420,7 +5576,7 @@
               <a:buChar char="•"/>
               <a:defRPr/>
             </a:lvl5pPr>
-            <a:lvl6pPr indent="-342900" lvl="5" marL="2743200" algn="l">
+            <a:lvl6pPr marL="2743200" lvl="5" indent="-342900" algn="l">
               <a:lnSpc>
                 <a:spcPct val="90000"/>
               </a:lnSpc>
@@ -5437,7 +5593,7 @@
               <a:buChar char="•"/>
               <a:defRPr/>
             </a:lvl6pPr>
-            <a:lvl7pPr indent="-342900" lvl="6" marL="3200400" algn="l">
+            <a:lvl7pPr marL="3200400" lvl="6" indent="-342900" algn="l">
               <a:lnSpc>
                 <a:spcPct val="90000"/>
               </a:lnSpc>
@@ -5454,7 +5610,7 @@
               <a:buChar char="•"/>
               <a:defRPr/>
             </a:lvl7pPr>
-            <a:lvl8pPr indent="-342900" lvl="7" marL="3657600" algn="l">
+            <a:lvl8pPr marL="3657600" lvl="7" indent="-342900" algn="l">
               <a:lnSpc>
                 <a:spcPct val="90000"/>
               </a:lnSpc>
@@ -5471,7 +5627,7 @@
               <a:buChar char="•"/>
               <a:defRPr/>
             </a:lvl8pPr>
-            <a:lvl9pPr indent="-342900" lvl="8" marL="4114800" algn="l">
+            <a:lvl9pPr marL="4114800" lvl="8" indent="-342900" algn="l">
               <a:lnSpc>
                 <a:spcPct val="90000"/>
               </a:lnSpc>
@@ -5489,15 +5645,19 @@
               <a:defRPr/>
             </a:lvl9pPr>
           </a:lstStyle>
-          <a:p/>
+          <a:p>
+            <a:endParaRPr/>
+          </a:p>
         </p:txBody>
       </p:sp>
       <p:sp>
         <p:nvSpPr>
           <p:cNvPr id="32" name="Google Shape;32;p12"/>
-          <p:cNvSpPr txBox="1"/>
+          <p:cNvSpPr txBox="1">
+            <a:spLocks noGrp="1"/>
+          </p:cNvSpPr>
           <p:nvPr>
-            <p:ph idx="2" type="body"/>
+            <p:ph type="body" idx="2"/>
           </p:nvPr>
         </p:nvSpPr>
         <p:spPr>
@@ -5514,11 +5674,11 @@
           </a:ln>
         </p:spPr>
         <p:txBody>
-          <a:bodyPr anchorCtr="0" anchor="t" bIns="45700" lIns="91425" spcFirstLastPara="1" rIns="91425" wrap="square" tIns="45700">
+          <a:bodyPr spcFirstLastPara="1" wrap="square" lIns="91425" tIns="45700" rIns="91425" bIns="45700" anchor="t" anchorCtr="0">
             <a:normAutofit/>
           </a:bodyPr>
           <a:lstStyle>
-            <a:lvl1pPr indent="-342900" lvl="0" marL="457200" algn="l">
+            <a:lvl1pPr marL="457200" lvl="0" indent="-342900" algn="l">
               <a:lnSpc>
                 <a:spcPct val="90000"/>
               </a:lnSpc>
@@ -5535,7 +5695,7 @@
               <a:buChar char="•"/>
               <a:defRPr/>
             </a:lvl1pPr>
-            <a:lvl2pPr indent="-342900" lvl="1" marL="914400" algn="l">
+            <a:lvl2pPr marL="914400" lvl="1" indent="-342900" algn="l">
               <a:lnSpc>
                 <a:spcPct val="90000"/>
               </a:lnSpc>
@@ -5552,7 +5712,7 @@
               <a:buChar char="•"/>
               <a:defRPr/>
             </a:lvl2pPr>
-            <a:lvl3pPr indent="-342900" lvl="2" marL="1371600" algn="l">
+            <a:lvl3pPr marL="1371600" lvl="2" indent="-342900" algn="l">
               <a:lnSpc>
                 <a:spcPct val="90000"/>
               </a:lnSpc>
@@ -5569,7 +5729,7 @@
               <a:buChar char="•"/>
               <a:defRPr/>
             </a:lvl3pPr>
-            <a:lvl4pPr indent="-342900" lvl="3" marL="1828800" algn="l">
+            <a:lvl4pPr marL="1828800" lvl="3" indent="-342900" algn="l">
               <a:lnSpc>
                 <a:spcPct val="90000"/>
               </a:lnSpc>
@@ -5586,7 +5746,7 @@
               <a:buChar char="•"/>
               <a:defRPr/>
             </a:lvl4pPr>
-            <a:lvl5pPr indent="-342900" lvl="4" marL="2286000" algn="l">
+            <a:lvl5pPr marL="2286000" lvl="4" indent="-342900" algn="l">
               <a:lnSpc>
                 <a:spcPct val="90000"/>
               </a:lnSpc>
@@ -5603,7 +5763,7 @@
               <a:buChar char="•"/>
               <a:defRPr/>
             </a:lvl5pPr>
-            <a:lvl6pPr indent="-342900" lvl="5" marL="2743200" algn="l">
+            <a:lvl6pPr marL="2743200" lvl="5" indent="-342900" algn="l">
               <a:lnSpc>
                 <a:spcPct val="90000"/>
               </a:lnSpc>
@@ -5620,7 +5780,7 @@
               <a:buChar char="•"/>
               <a:defRPr/>
             </a:lvl6pPr>
-            <a:lvl7pPr indent="-342900" lvl="6" marL="3200400" algn="l">
+            <a:lvl7pPr marL="3200400" lvl="6" indent="-342900" algn="l">
               <a:lnSpc>
                 <a:spcPct val="90000"/>
               </a:lnSpc>
@@ -5637,7 +5797,7 @@
               <a:buChar char="•"/>
               <a:defRPr/>
             </a:lvl7pPr>
-            <a:lvl8pPr indent="-342900" lvl="7" marL="3657600" algn="l">
+            <a:lvl8pPr marL="3657600" lvl="7" indent="-342900" algn="l">
               <a:lnSpc>
                 <a:spcPct val="90000"/>
               </a:lnSpc>
@@ -5654,7 +5814,7 @@
               <a:buChar char="•"/>
               <a:defRPr/>
             </a:lvl8pPr>
-            <a:lvl9pPr indent="-342900" lvl="8" marL="4114800" algn="l">
+            <a:lvl9pPr marL="4114800" lvl="8" indent="-342900" algn="l">
               <a:lnSpc>
                 <a:spcPct val="90000"/>
               </a:lnSpc>
@@ -5672,15 +5832,19 @@
               <a:defRPr/>
             </a:lvl9pPr>
           </a:lstStyle>
-          <a:p/>
+          <a:p>
+            <a:endParaRPr/>
+          </a:p>
         </p:txBody>
       </p:sp>
       <p:sp>
         <p:nvSpPr>
           <p:cNvPr id="33" name="Google Shape;33;p12"/>
-          <p:cNvSpPr txBox="1"/>
+          <p:cNvSpPr txBox="1">
+            <a:spLocks noGrp="1"/>
+          </p:cNvSpPr>
           <p:nvPr>
-            <p:ph idx="10" type="dt"/>
+            <p:ph type="dt" idx="10"/>
           </p:nvPr>
         </p:nvSpPr>
         <p:spPr>
@@ -5697,7 +5861,7 @@
           </a:ln>
         </p:spPr>
         <p:txBody>
-          <a:bodyPr anchorCtr="0" anchor="ctr" bIns="45700" lIns="91425" spcFirstLastPara="1" rIns="91425" wrap="square" tIns="45700">
+          <a:bodyPr spcFirstLastPara="1" wrap="square" lIns="91425" tIns="45700" rIns="91425" bIns="45700" anchor="ctr" anchorCtr="0">
             <a:noAutofit/>
           </a:bodyPr>
           <a:lstStyle>
@@ -5801,15 +5965,19 @@
               <a:defRPr/>
             </a:lvl9pPr>
           </a:lstStyle>
-          <a:p/>
+          <a:p>
+            <a:endParaRPr/>
+          </a:p>
         </p:txBody>
       </p:sp>
       <p:sp>
         <p:nvSpPr>
           <p:cNvPr id="34" name="Google Shape;34;p12"/>
-          <p:cNvSpPr txBox="1"/>
+          <p:cNvSpPr txBox="1">
+            <a:spLocks noGrp="1"/>
+          </p:cNvSpPr>
           <p:nvPr>
-            <p:ph idx="11" type="ftr"/>
+            <p:ph type="ftr" idx="11"/>
           </p:nvPr>
         </p:nvSpPr>
         <p:spPr>
@@ -5826,7 +5994,7 @@
           </a:ln>
         </p:spPr>
         <p:txBody>
-          <a:bodyPr anchorCtr="0" anchor="ctr" bIns="45700" lIns="91425" spcFirstLastPara="1" rIns="91425" wrap="square" tIns="45700">
+          <a:bodyPr spcFirstLastPara="1" wrap="square" lIns="91425" tIns="45700" rIns="91425" bIns="45700" anchor="ctr" anchorCtr="0">
             <a:noAutofit/>
           </a:bodyPr>
           <a:lstStyle>
@@ -5930,15 +6098,19 @@
               <a:defRPr/>
             </a:lvl9pPr>
           </a:lstStyle>
-          <a:p/>
+          <a:p>
+            <a:endParaRPr/>
+          </a:p>
         </p:txBody>
       </p:sp>
       <p:sp>
         <p:nvSpPr>
           <p:cNvPr id="35" name="Google Shape;35;p12"/>
-          <p:cNvSpPr txBox="1"/>
+          <p:cNvSpPr txBox="1">
+            <a:spLocks noGrp="1"/>
+          </p:cNvSpPr>
           <p:nvPr>
-            <p:ph idx="12" type="sldNum"/>
+            <p:ph type="sldNum" idx="12"/>
           </p:nvPr>
         </p:nvSpPr>
         <p:spPr>
@@ -5955,67 +6127,67 @@
           </a:ln>
         </p:spPr>
         <p:txBody>
-          <a:bodyPr anchorCtr="0" anchor="ctr" bIns="45700" lIns="91425" spcFirstLastPara="1" rIns="91425" wrap="square" tIns="45700">
+          <a:bodyPr spcFirstLastPara="1" wrap="square" lIns="91425" tIns="45700" rIns="91425" bIns="45700" anchor="ctr" anchorCtr="0">
             <a:noAutofit/>
           </a:bodyPr>
           <a:lstStyle>
-            <a:lvl1pPr indent="0" lvl="0" marL="0" algn="r">
+            <a:lvl1pPr marL="0" lvl="0" indent="0" algn="r">
               <a:spcBef>
                 <a:spcPts val="0"/>
               </a:spcBef>
               <a:buNone/>
               <a:defRPr/>
             </a:lvl1pPr>
-            <a:lvl2pPr indent="0" lvl="1" marL="0" algn="r">
+            <a:lvl2pPr marL="0" lvl="1" indent="0" algn="r">
               <a:spcBef>
                 <a:spcPts val="0"/>
               </a:spcBef>
               <a:buNone/>
               <a:defRPr/>
             </a:lvl2pPr>
-            <a:lvl3pPr indent="0" lvl="2" marL="0" algn="r">
+            <a:lvl3pPr marL="0" lvl="2" indent="0" algn="r">
               <a:spcBef>
                 <a:spcPts val="0"/>
               </a:spcBef>
               <a:buNone/>
               <a:defRPr/>
             </a:lvl3pPr>
-            <a:lvl4pPr indent="0" lvl="3" marL="0" algn="r">
+            <a:lvl4pPr marL="0" lvl="3" indent="0" algn="r">
               <a:spcBef>
                 <a:spcPts val="0"/>
               </a:spcBef>
               <a:buNone/>
               <a:defRPr/>
             </a:lvl4pPr>
-            <a:lvl5pPr indent="0" lvl="4" marL="0" algn="r">
+            <a:lvl5pPr marL="0" lvl="4" indent="0" algn="r">
               <a:spcBef>
                 <a:spcPts val="0"/>
               </a:spcBef>
               <a:buNone/>
               <a:defRPr/>
             </a:lvl5pPr>
-            <a:lvl6pPr indent="0" lvl="5" marL="0" algn="r">
+            <a:lvl6pPr marL="0" lvl="5" indent="0" algn="r">
               <a:spcBef>
                 <a:spcPts val="0"/>
               </a:spcBef>
               <a:buNone/>
               <a:defRPr/>
             </a:lvl6pPr>
-            <a:lvl7pPr indent="0" lvl="6" marL="0" algn="r">
+            <a:lvl7pPr marL="0" lvl="6" indent="0" algn="r">
               <a:spcBef>
                 <a:spcPts val="0"/>
               </a:spcBef>
               <a:buNone/>
               <a:defRPr/>
             </a:lvl7pPr>
-            <a:lvl8pPr indent="0" lvl="7" marL="0" algn="r">
+            <a:lvl8pPr marL="0" lvl="7" indent="0" algn="r">
               <a:spcBef>
                 <a:spcPts val="0"/>
               </a:spcBef>
               <a:buNone/>
               <a:defRPr/>
             </a:lvl8pPr>
-            <a:lvl9pPr indent="0" lvl="8" marL="0" algn="r">
+            <a:lvl9pPr marL="0" lvl="8" indent="0" algn="r">
               <a:spcBef>
                 <a:spcPts val="0"/>
               </a:spcBef>
@@ -6024,7 +6196,7 @@
             </a:lvl9pPr>
           </a:lstStyle>
           <a:p>
-            <a:pPr indent="0" lvl="0" marL="0" rtl="0" algn="r">
+            <a:pPr marL="0" lvl="0" indent="0" algn="r" rtl="0">
               <a:spcBef>
                 <a:spcPts val="0"/>
               </a:spcBef>
@@ -6050,11 +6222,11 @@
 </file>
 
 <file path=ppt/slideLayouts/slideLayout5.xml><?xml version="1.0" encoding="utf-8"?>
-<p:sldLayout xmlns:a="http://schemas.openxmlformats.org/drawingml/2006/main" xmlns:r="http://schemas.openxmlformats.org/officeDocument/2006/relationships" xmlns:mc="http://schemas.openxmlformats.org/markup-compatibility/2006" xmlns:mv="urn:schemas-microsoft-com:mac:vml" xmlns:p="http://schemas.openxmlformats.org/presentationml/2006/main" xmlns:c="http://schemas.openxmlformats.org/drawingml/2006/chart" xmlns:dgm="http://schemas.openxmlformats.org/drawingml/2006/diagram" xmlns:o="urn:schemas-microsoft-com:office:office" xmlns:v="urn:schemas-microsoft-com:vml" xmlns:pvml="urn:schemas-microsoft-com:office:powerpoint" xmlns:com="http://schemas.openxmlformats.org/drawingml/2006/compatibility" xmlns:p14="http://schemas.microsoft.com/office/powerpoint/2010/main" xmlns:p15="http://schemas.microsoft.com/office/powerpoint/2012/main" xmlns:ahyp="http://schemas.microsoft.com/office/drawing/2018/hyperlinkcolor" matchingName="Comparison" type="twoTxTwoObj">
+<p:sldLayout xmlns:a="http://schemas.openxmlformats.org/drawingml/2006/main" xmlns:r="http://schemas.openxmlformats.org/officeDocument/2006/relationships" xmlns:p="http://schemas.openxmlformats.org/presentationml/2006/main" matchingName="Comparison" type="twoTxTwoObj">
   <p:cSld name="TWO_OBJECTS_WITH_TEXT">
     <p:spTree>
       <p:nvGrpSpPr>
-        <p:cNvPr id="36" name="Shape 36"/>
+        <p:cNvPr id="1" name="Shape 36"/>
         <p:cNvGrpSpPr/>
         <p:nvPr/>
       </p:nvGrpSpPr>
@@ -6069,7 +6241,9 @@
       <p:sp>
         <p:nvSpPr>
           <p:cNvPr id="37" name="Google Shape;37;p13"/>
-          <p:cNvSpPr txBox="1"/>
+          <p:cNvSpPr txBox="1">
+            <a:spLocks noGrp="1"/>
+          </p:cNvSpPr>
           <p:nvPr>
             <p:ph type="title"/>
           </p:nvPr>
@@ -6088,7 +6262,7 @@
           </a:ln>
         </p:spPr>
         <p:txBody>
-          <a:bodyPr anchorCtr="0" anchor="ctr" bIns="45700" lIns="91425" spcFirstLastPara="1" rIns="91425" wrap="square" tIns="45700">
+          <a:bodyPr spcFirstLastPara="1" wrap="square" lIns="91425" tIns="45700" rIns="91425" bIns="45700" anchor="ctr" anchorCtr="0">
             <a:normAutofit/>
           </a:bodyPr>
           <a:lstStyle>
@@ -6198,15 +6372,19 @@
               <a:defRPr/>
             </a:lvl9pPr>
           </a:lstStyle>
-          <a:p/>
+          <a:p>
+            <a:endParaRPr/>
+          </a:p>
         </p:txBody>
       </p:sp>
       <p:sp>
         <p:nvSpPr>
           <p:cNvPr id="38" name="Google Shape;38;p13"/>
-          <p:cNvSpPr txBox="1"/>
+          <p:cNvSpPr txBox="1">
+            <a:spLocks noGrp="1"/>
+          </p:cNvSpPr>
           <p:nvPr>
-            <p:ph idx="1" type="body"/>
+            <p:ph type="body" idx="1"/>
           </p:nvPr>
         </p:nvSpPr>
         <p:spPr>
@@ -6223,11 +6401,11 @@
           </a:ln>
         </p:spPr>
         <p:txBody>
-          <a:bodyPr anchorCtr="0" anchor="b" bIns="45700" lIns="91425" spcFirstLastPara="1" rIns="91425" wrap="square" tIns="45700">
+          <a:bodyPr spcFirstLastPara="1" wrap="square" lIns="91425" tIns="45700" rIns="91425" bIns="45700" anchor="b" anchorCtr="0">
             <a:normAutofit/>
           </a:bodyPr>
           <a:lstStyle>
-            <a:lvl1pPr indent="-228600" lvl="0" marL="457200" algn="l">
+            <a:lvl1pPr marL="457200" lvl="0" indent="-228600" algn="l">
               <a:lnSpc>
                 <a:spcPct val="90000"/>
               </a:lnSpc>
@@ -6242,9 +6420,9 @@
               </a:buClr>
               <a:buSzPts val="2400"/>
               <a:buNone/>
-              <a:defRPr b="1" sz="2400"/>
+              <a:defRPr sz="2400" b="1"/>
             </a:lvl1pPr>
-            <a:lvl2pPr indent="-228600" lvl="1" marL="914400" algn="l">
+            <a:lvl2pPr marL="914400" lvl="1" indent="-228600" algn="l">
               <a:lnSpc>
                 <a:spcPct val="90000"/>
               </a:lnSpc>
@@ -6259,9 +6437,9 @@
               </a:buClr>
               <a:buSzPts val="2000"/>
               <a:buNone/>
-              <a:defRPr b="1" sz="2000"/>
+              <a:defRPr sz="2000" b="1"/>
             </a:lvl2pPr>
-            <a:lvl3pPr indent="-228600" lvl="2" marL="1371600" algn="l">
+            <a:lvl3pPr marL="1371600" lvl="2" indent="-228600" algn="l">
               <a:lnSpc>
                 <a:spcPct val="90000"/>
               </a:lnSpc>
@@ -6276,9 +6454,9 @@
               </a:buClr>
               <a:buSzPts val="1800"/>
               <a:buNone/>
-              <a:defRPr b="1" sz="1800"/>
+              <a:defRPr sz="1800" b="1"/>
             </a:lvl3pPr>
-            <a:lvl4pPr indent="-228600" lvl="3" marL="1828800" algn="l">
+            <a:lvl4pPr marL="1828800" lvl="3" indent="-228600" algn="l">
               <a:lnSpc>
                 <a:spcPct val="90000"/>
               </a:lnSpc>
@@ -6293,9 +6471,9 @@
               </a:buClr>
               <a:buSzPts val="1600"/>
               <a:buNone/>
-              <a:defRPr b="1" sz="1600"/>
+              <a:defRPr sz="1600" b="1"/>
             </a:lvl4pPr>
-            <a:lvl5pPr indent="-228600" lvl="4" marL="2286000" algn="l">
+            <a:lvl5pPr marL="2286000" lvl="4" indent="-228600" algn="l">
               <a:lnSpc>
                 <a:spcPct val="90000"/>
               </a:lnSpc>
@@ -6310,9 +6488,9 @@
               </a:buClr>
               <a:buSzPts val="1600"/>
               <a:buNone/>
-              <a:defRPr b="1" sz="1600"/>
+              <a:defRPr sz="1600" b="1"/>
             </a:lvl5pPr>
-            <a:lvl6pPr indent="-228600" lvl="5" marL="2743200" algn="l">
+            <a:lvl6pPr marL="2743200" lvl="5" indent="-228600" algn="l">
               <a:lnSpc>
                 <a:spcPct val="90000"/>
               </a:lnSpc>
@@ -6327,9 +6505,9 @@
               </a:buClr>
               <a:buSzPts val="1600"/>
               <a:buNone/>
-              <a:defRPr b="1" sz="1600"/>
+              <a:defRPr sz="1600" b="1"/>
             </a:lvl6pPr>
-            <a:lvl7pPr indent="-228600" lvl="6" marL="3200400" algn="l">
+            <a:lvl7pPr marL="3200400" lvl="6" indent="-228600" algn="l">
               <a:lnSpc>
                 <a:spcPct val="90000"/>
               </a:lnSpc>
@@ -6344,9 +6522,9 @@
               </a:buClr>
               <a:buSzPts val="1600"/>
               <a:buNone/>
-              <a:defRPr b="1" sz="1600"/>
+              <a:defRPr sz="1600" b="1"/>
             </a:lvl7pPr>
-            <a:lvl8pPr indent="-228600" lvl="7" marL="3657600" algn="l">
+            <a:lvl8pPr marL="3657600" lvl="7" indent="-228600" algn="l">
               <a:lnSpc>
                 <a:spcPct val="90000"/>
               </a:lnSpc>
@@ -6361,9 +6539,9 @@
               </a:buClr>
               <a:buSzPts val="1600"/>
               <a:buNone/>
-              <a:defRPr b="1" sz="1600"/>
+              <a:defRPr sz="1600" b="1"/>
             </a:lvl8pPr>
-            <a:lvl9pPr indent="-228600" lvl="8" marL="4114800" algn="l">
+            <a:lvl9pPr marL="4114800" lvl="8" indent="-228600" algn="l">
               <a:lnSpc>
                 <a:spcPct val="90000"/>
               </a:lnSpc>
@@ -6378,18 +6556,22 @@
               </a:buClr>
               <a:buSzPts val="1600"/>
               <a:buNone/>
-              <a:defRPr b="1" sz="1600"/>
+              <a:defRPr sz="1600" b="1"/>
             </a:lvl9pPr>
           </a:lstStyle>
-          <a:p/>
+          <a:p>
+            <a:endParaRPr/>
+          </a:p>
         </p:txBody>
       </p:sp>
       <p:sp>
         <p:nvSpPr>
           <p:cNvPr id="39" name="Google Shape;39;p13"/>
-          <p:cNvSpPr txBox="1"/>
+          <p:cNvSpPr txBox="1">
+            <a:spLocks noGrp="1"/>
+          </p:cNvSpPr>
           <p:nvPr>
-            <p:ph idx="2" type="body"/>
+            <p:ph type="body" idx="2"/>
           </p:nvPr>
         </p:nvSpPr>
         <p:spPr>
@@ -6406,11 +6588,11 @@
           </a:ln>
         </p:spPr>
         <p:txBody>
-          <a:bodyPr anchorCtr="0" anchor="t" bIns="45700" lIns="91425" spcFirstLastPara="1" rIns="91425" wrap="square" tIns="45700">
+          <a:bodyPr spcFirstLastPara="1" wrap="square" lIns="91425" tIns="45700" rIns="91425" bIns="45700" anchor="t" anchorCtr="0">
             <a:normAutofit/>
           </a:bodyPr>
           <a:lstStyle>
-            <a:lvl1pPr indent="-342900" lvl="0" marL="457200" algn="l">
+            <a:lvl1pPr marL="457200" lvl="0" indent="-342900" algn="l">
               <a:lnSpc>
                 <a:spcPct val="90000"/>
               </a:lnSpc>
@@ -6427,7 +6609,7 @@
               <a:buChar char="•"/>
               <a:defRPr/>
             </a:lvl1pPr>
-            <a:lvl2pPr indent="-342900" lvl="1" marL="914400" algn="l">
+            <a:lvl2pPr marL="914400" lvl="1" indent="-342900" algn="l">
               <a:lnSpc>
                 <a:spcPct val="90000"/>
               </a:lnSpc>
@@ -6444,7 +6626,7 @@
               <a:buChar char="•"/>
               <a:defRPr/>
             </a:lvl2pPr>
-            <a:lvl3pPr indent="-342900" lvl="2" marL="1371600" algn="l">
+            <a:lvl3pPr marL="1371600" lvl="2" indent="-342900" algn="l">
               <a:lnSpc>
                 <a:spcPct val="90000"/>
               </a:lnSpc>
@@ -6461,7 +6643,7 @@
               <a:buChar char="•"/>
               <a:defRPr/>
             </a:lvl3pPr>
-            <a:lvl4pPr indent="-342900" lvl="3" marL="1828800" algn="l">
+            <a:lvl4pPr marL="1828800" lvl="3" indent="-342900" algn="l">
               <a:lnSpc>
                 <a:spcPct val="90000"/>
               </a:lnSpc>
@@ -6478,7 +6660,7 @@
               <a:buChar char="•"/>
               <a:defRPr/>
             </a:lvl4pPr>
-            <a:lvl5pPr indent="-342900" lvl="4" marL="2286000" algn="l">
+            <a:lvl5pPr marL="2286000" lvl="4" indent="-342900" algn="l">
               <a:lnSpc>
                 <a:spcPct val="90000"/>
               </a:lnSpc>
@@ -6495,7 +6677,7 @@
               <a:buChar char="•"/>
               <a:defRPr/>
             </a:lvl5pPr>
-            <a:lvl6pPr indent="-342900" lvl="5" marL="2743200" algn="l">
+            <a:lvl6pPr marL="2743200" lvl="5" indent="-342900" algn="l">
               <a:lnSpc>
                 <a:spcPct val="90000"/>
               </a:lnSpc>
@@ -6512,7 +6694,7 @@
               <a:buChar char="•"/>
               <a:defRPr/>
             </a:lvl6pPr>
-            <a:lvl7pPr indent="-342900" lvl="6" marL="3200400" algn="l">
+            <a:lvl7pPr marL="3200400" lvl="6" indent="-342900" algn="l">
               <a:lnSpc>
                 <a:spcPct val="90000"/>
               </a:lnSpc>
@@ -6529,7 +6711,7 @@
               <a:buChar char="•"/>
               <a:defRPr/>
             </a:lvl7pPr>
-            <a:lvl8pPr indent="-342900" lvl="7" marL="3657600" algn="l">
+            <a:lvl8pPr marL="3657600" lvl="7" indent="-342900" algn="l">
               <a:lnSpc>
                 <a:spcPct val="90000"/>
               </a:lnSpc>
@@ -6546,7 +6728,7 @@
               <a:buChar char="•"/>
               <a:defRPr/>
             </a:lvl8pPr>
-            <a:lvl9pPr indent="-342900" lvl="8" marL="4114800" algn="l">
+            <a:lvl9pPr marL="4114800" lvl="8" indent="-342900" algn="l">
               <a:lnSpc>
                 <a:spcPct val="90000"/>
               </a:lnSpc>
@@ -6564,15 +6746,19 @@
               <a:defRPr/>
             </a:lvl9pPr>
           </a:lstStyle>
-          <a:p/>
+          <a:p>
+            <a:endParaRPr/>
+          </a:p>
         </p:txBody>
       </p:sp>
       <p:sp>
         <p:nvSpPr>
           <p:cNvPr id="40" name="Google Shape;40;p13"/>
-          <p:cNvSpPr txBox="1"/>
+          <p:cNvSpPr txBox="1">
+            <a:spLocks noGrp="1"/>
+          </p:cNvSpPr>
           <p:nvPr>
-            <p:ph idx="3" type="body"/>
+            <p:ph type="body" idx="3"/>
           </p:nvPr>
         </p:nvSpPr>
         <p:spPr>
@@ -6589,11 +6775,11 @@
           </a:ln>
         </p:spPr>
         <p:txBody>
-          <a:bodyPr anchorCtr="0" anchor="b" bIns="45700" lIns="91425" spcFirstLastPara="1" rIns="91425" wrap="square" tIns="45700">
+          <a:bodyPr spcFirstLastPara="1" wrap="square" lIns="91425" tIns="45700" rIns="91425" bIns="45700" anchor="b" anchorCtr="0">
             <a:normAutofit/>
           </a:bodyPr>
           <a:lstStyle>
-            <a:lvl1pPr indent="-228600" lvl="0" marL="457200" algn="l">
+            <a:lvl1pPr marL="457200" lvl="0" indent="-228600" algn="l">
               <a:lnSpc>
                 <a:spcPct val="90000"/>
               </a:lnSpc>
@@ -6608,9 +6794,9 @@
               </a:buClr>
               <a:buSzPts val="2400"/>
               <a:buNone/>
-              <a:defRPr b="1" sz="2400"/>
+              <a:defRPr sz="2400" b="1"/>
             </a:lvl1pPr>
-            <a:lvl2pPr indent="-228600" lvl="1" marL="914400" algn="l">
+            <a:lvl2pPr marL="914400" lvl="1" indent="-228600" algn="l">
               <a:lnSpc>
                 <a:spcPct val="90000"/>
               </a:lnSpc>
@@ -6625,9 +6811,9 @@
               </a:buClr>
               <a:buSzPts val="2000"/>
               <a:buNone/>
-              <a:defRPr b="1" sz="2000"/>
+              <a:defRPr sz="2000" b="1"/>
             </a:lvl2pPr>
-            <a:lvl3pPr indent="-228600" lvl="2" marL="1371600" algn="l">
+            <a:lvl3pPr marL="1371600" lvl="2" indent="-228600" algn="l">
               <a:lnSpc>
                 <a:spcPct val="90000"/>
               </a:lnSpc>
@@ -6642,9 +6828,9 @@
               </a:buClr>
               <a:buSzPts val="1800"/>
               <a:buNone/>
-              <a:defRPr b="1" sz="1800"/>
+              <a:defRPr sz="1800" b="1"/>
             </a:lvl3pPr>
-            <a:lvl4pPr indent="-228600" lvl="3" marL="1828800" algn="l">
+            <a:lvl4pPr marL="1828800" lvl="3" indent="-228600" algn="l">
               <a:lnSpc>
                 <a:spcPct val="90000"/>
               </a:lnSpc>
@@ -6659,9 +6845,9 @@
               </a:buClr>
               <a:buSzPts val="1600"/>
               <a:buNone/>
-              <a:defRPr b="1" sz="1600"/>
+              <a:defRPr sz="1600" b="1"/>
             </a:lvl4pPr>
-            <a:lvl5pPr indent="-228600" lvl="4" marL="2286000" algn="l">
+            <a:lvl5pPr marL="2286000" lvl="4" indent="-228600" algn="l">
               <a:lnSpc>
                 <a:spcPct val="90000"/>
               </a:lnSpc>
@@ -6676,9 +6862,9 @@
               </a:buClr>
               <a:buSzPts val="1600"/>
               <a:buNone/>
-              <a:defRPr b="1" sz="1600"/>
+              <a:defRPr sz="1600" b="1"/>
             </a:lvl5pPr>
-            <a:lvl6pPr indent="-228600" lvl="5" marL="2743200" algn="l">
+            <a:lvl6pPr marL="2743200" lvl="5" indent="-228600" algn="l">
               <a:lnSpc>
                 <a:spcPct val="90000"/>
               </a:lnSpc>
@@ -6693,9 +6879,9 @@
               </a:buClr>
               <a:buSzPts val="1600"/>
               <a:buNone/>
-              <a:defRPr b="1" sz="1600"/>
+              <a:defRPr sz="1600" b="1"/>
             </a:lvl6pPr>
-            <a:lvl7pPr indent="-228600" lvl="6" marL="3200400" algn="l">
+            <a:lvl7pPr marL="3200400" lvl="6" indent="-228600" algn="l">
               <a:lnSpc>
                 <a:spcPct val="90000"/>
               </a:lnSpc>
@@ -6710,9 +6896,9 @@
               </a:buClr>
               <a:buSzPts val="1600"/>
               <a:buNone/>
-              <a:defRPr b="1" sz="1600"/>
+              <a:defRPr sz="1600" b="1"/>
             </a:lvl7pPr>
-            <a:lvl8pPr indent="-228600" lvl="7" marL="3657600" algn="l">
+            <a:lvl8pPr marL="3657600" lvl="7" indent="-228600" algn="l">
               <a:lnSpc>
                 <a:spcPct val="90000"/>
               </a:lnSpc>
@@ -6727,9 +6913,9 @@
               </a:buClr>
               <a:buSzPts val="1600"/>
               <a:buNone/>
-              <a:defRPr b="1" sz="1600"/>
+              <a:defRPr sz="1600" b="1"/>
             </a:lvl8pPr>
-            <a:lvl9pPr indent="-228600" lvl="8" marL="4114800" algn="l">
+            <a:lvl9pPr marL="4114800" lvl="8" indent="-228600" algn="l">
               <a:lnSpc>
                 <a:spcPct val="90000"/>
               </a:lnSpc>
@@ -6744,18 +6930,22 @@
               </a:buClr>
               <a:buSzPts val="1600"/>
               <a:buNone/>
-              <a:defRPr b="1" sz="1600"/>
+              <a:defRPr sz="1600" b="1"/>
             </a:lvl9pPr>
           </a:lstStyle>
-          <a:p/>
+          <a:p>
+            <a:endParaRPr/>
+          </a:p>
         </p:txBody>
       </p:sp>
       <p:sp>
         <p:nvSpPr>
           <p:cNvPr id="41" name="Google Shape;41;p13"/>
-          <p:cNvSpPr txBox="1"/>
+          <p:cNvSpPr txBox="1">
+            <a:spLocks noGrp="1"/>
+          </p:cNvSpPr>
           <p:nvPr>
-            <p:ph idx="4" type="body"/>
+            <p:ph type="body" idx="4"/>
           </p:nvPr>
         </p:nvSpPr>
         <p:spPr>
@@ -6772,11 +6962,11 @@
           </a:ln>
         </p:spPr>
         <p:txBody>
-          <a:bodyPr anchorCtr="0" anchor="t" bIns="45700" lIns="91425" spcFirstLastPara="1" rIns="91425" wrap="square" tIns="45700">
+          <a:bodyPr spcFirstLastPara="1" wrap="square" lIns="91425" tIns="45700" rIns="91425" bIns="45700" anchor="t" anchorCtr="0">
             <a:normAutofit/>
           </a:bodyPr>
           <a:lstStyle>
-            <a:lvl1pPr indent="-342900" lvl="0" marL="457200" algn="l">
+            <a:lvl1pPr marL="457200" lvl="0" indent="-342900" algn="l">
               <a:lnSpc>
                 <a:spcPct val="90000"/>
               </a:lnSpc>
@@ -6793,7 +6983,7 @@
               <a:buChar char="•"/>
               <a:defRPr/>
             </a:lvl1pPr>
-            <a:lvl2pPr indent="-342900" lvl="1" marL="914400" algn="l">
+            <a:lvl2pPr marL="914400" lvl="1" indent="-342900" algn="l">
               <a:lnSpc>
                 <a:spcPct val="90000"/>
               </a:lnSpc>
@@ -6810,7 +7000,7 @@
               <a:buChar char="•"/>
               <a:defRPr/>
             </a:lvl2pPr>
-            <a:lvl3pPr indent="-342900" lvl="2" marL="1371600" algn="l">
+            <a:lvl3pPr marL="1371600" lvl="2" indent="-342900" algn="l">
               <a:lnSpc>
                 <a:spcPct val="90000"/>
               </a:lnSpc>
@@ -6827,7 +7017,7 @@
               <a:buChar char="•"/>
               <a:defRPr/>
             </a:lvl3pPr>
-            <a:lvl4pPr indent="-342900" lvl="3" marL="1828800" algn="l">
+            <a:lvl4pPr marL="1828800" lvl="3" indent="-342900" algn="l">
               <a:lnSpc>
                 <a:spcPct val="90000"/>
               </a:lnSpc>
@@ -6844,7 +7034,7 @@
               <a:buChar char="•"/>
               <a:defRPr/>
             </a:lvl4pPr>
-            <a:lvl5pPr indent="-342900" lvl="4" marL="2286000" algn="l">
+            <a:lvl5pPr marL="2286000" lvl="4" indent="-342900" algn="l">
               <a:lnSpc>
                 <a:spcPct val="90000"/>
               </a:lnSpc>
@@ -6861,7 +7051,7 @@
               <a:buChar char="•"/>
               <a:defRPr/>
             </a:lvl5pPr>
-            <a:lvl6pPr indent="-342900" lvl="5" marL="2743200" algn="l">
+            <a:lvl6pPr marL="2743200" lvl="5" indent="-342900" algn="l">
               <a:lnSpc>
                 <a:spcPct val="90000"/>
               </a:lnSpc>
@@ -6878,7 +7068,7 @@
               <a:buChar char="•"/>
               <a:defRPr/>
             </a:lvl6pPr>
-            <a:lvl7pPr indent="-342900" lvl="6" marL="3200400" algn="l">
+            <a:lvl7pPr marL="3200400" lvl="6" indent="-342900" algn="l">
               <a:lnSpc>
                 <a:spcPct val="90000"/>
               </a:lnSpc>
@@ -6895,7 +7085,7 @@
               <a:buChar char="•"/>
               <a:defRPr/>
             </a:lvl7pPr>
-            <a:lvl8pPr indent="-342900" lvl="7" marL="3657600" algn="l">
+            <a:lvl8pPr marL="3657600" lvl="7" indent="-342900" algn="l">
               <a:lnSpc>
                 <a:spcPct val="90000"/>
               </a:lnSpc>
@@ -6912,7 +7102,7 @@
               <a:buChar char="•"/>
               <a:defRPr/>
             </a:lvl8pPr>
-            <a:lvl9pPr indent="-342900" lvl="8" marL="4114800" algn="l">
+            <a:lvl9pPr marL="4114800" lvl="8" indent="-342900" algn="l">
               <a:lnSpc>
                 <a:spcPct val="90000"/>
               </a:lnSpc>
@@ -6930,15 +7120,19 @@
               <a:defRPr/>
             </a:lvl9pPr>
           </a:lstStyle>
-          <a:p/>
+          <a:p>
+            <a:endParaRPr/>
+          </a:p>
         </p:txBody>
       </p:sp>
       <p:sp>
         <p:nvSpPr>
           <p:cNvPr id="42" name="Google Shape;42;p13"/>
-          <p:cNvSpPr txBox="1"/>
+          <p:cNvSpPr txBox="1">
+            <a:spLocks noGrp="1"/>
+          </p:cNvSpPr>
           <p:nvPr>
-            <p:ph idx="10" type="dt"/>
+            <p:ph type="dt" idx="10"/>
           </p:nvPr>
         </p:nvSpPr>
         <p:spPr>
@@ -6955,7 +7149,7 @@
           </a:ln>
         </p:spPr>
         <p:txBody>
-          <a:bodyPr anchorCtr="0" anchor="ctr" bIns="45700" lIns="91425" spcFirstLastPara="1" rIns="91425" wrap="square" tIns="45700">
+          <a:bodyPr spcFirstLastPara="1" wrap="square" lIns="91425" tIns="45700" rIns="91425" bIns="45700" anchor="ctr" anchorCtr="0">
             <a:noAutofit/>
           </a:bodyPr>
           <a:lstStyle>
@@ -7059,15 +7253,19 @@
               <a:defRPr/>
             </a:lvl9pPr>
           </a:lstStyle>
-          <a:p/>
+          <a:p>
+            <a:endParaRPr/>
+          </a:p>
         </p:txBody>
       </p:sp>
       <p:sp>
         <p:nvSpPr>
           <p:cNvPr id="43" name="Google Shape;43;p13"/>
-          <p:cNvSpPr txBox="1"/>
+          <p:cNvSpPr txBox="1">
+            <a:spLocks noGrp="1"/>
+          </p:cNvSpPr>
           <p:nvPr>
-            <p:ph idx="11" type="ftr"/>
+            <p:ph type="ftr" idx="11"/>
           </p:nvPr>
         </p:nvSpPr>
         <p:spPr>
@@ -7084,7 +7282,7 @@
           </a:ln>
         </p:spPr>
         <p:txBody>
-          <a:bodyPr anchorCtr="0" anchor="ctr" bIns="45700" lIns="91425" spcFirstLastPara="1" rIns="91425" wrap="square" tIns="45700">
+          <a:bodyPr spcFirstLastPara="1" wrap="square" lIns="91425" tIns="45700" rIns="91425" bIns="45700" anchor="ctr" anchorCtr="0">
             <a:noAutofit/>
           </a:bodyPr>
           <a:lstStyle>
@@ -7188,15 +7386,19 @@
               <a:defRPr/>
             </a:lvl9pPr>
           </a:lstStyle>
-          <a:p/>
+          <a:p>
+            <a:endParaRPr/>
+          </a:p>
         </p:txBody>
       </p:sp>
       <p:sp>
         <p:nvSpPr>
           <p:cNvPr id="44" name="Google Shape;44;p13"/>
-          <p:cNvSpPr txBox="1"/>
+          <p:cNvSpPr txBox="1">
+            <a:spLocks noGrp="1"/>
+          </p:cNvSpPr>
           <p:nvPr>
-            <p:ph idx="12" type="sldNum"/>
+            <p:ph type="sldNum" idx="12"/>
           </p:nvPr>
         </p:nvSpPr>
         <p:spPr>
@@ -7213,67 +7415,67 @@
           </a:ln>
         </p:spPr>
         <p:txBody>
-          <a:bodyPr anchorCtr="0" anchor="ctr" bIns="45700" lIns="91425" spcFirstLastPara="1" rIns="91425" wrap="square" tIns="45700">
+          <a:bodyPr spcFirstLastPara="1" wrap="square" lIns="91425" tIns="45700" rIns="91425" bIns="45700" anchor="ctr" anchorCtr="0">
             <a:noAutofit/>
           </a:bodyPr>
           <a:lstStyle>
-            <a:lvl1pPr indent="0" lvl="0" marL="0" algn="r">
+            <a:lvl1pPr marL="0" lvl="0" indent="0" algn="r">
               <a:spcBef>
                 <a:spcPts val="0"/>
               </a:spcBef>
               <a:buNone/>
               <a:defRPr/>
             </a:lvl1pPr>
-            <a:lvl2pPr indent="0" lvl="1" marL="0" algn="r">
+            <a:lvl2pPr marL="0" lvl="1" indent="0" algn="r">
               <a:spcBef>
                 <a:spcPts val="0"/>
               </a:spcBef>
               <a:buNone/>
               <a:defRPr/>
             </a:lvl2pPr>
-            <a:lvl3pPr indent="0" lvl="2" marL="0" algn="r">
+            <a:lvl3pPr marL="0" lvl="2" indent="0" algn="r">
               <a:spcBef>
                 <a:spcPts val="0"/>
               </a:spcBef>
               <a:buNone/>
               <a:defRPr/>
             </a:lvl3pPr>
-            <a:lvl4pPr indent="0" lvl="3" marL="0" algn="r">
+            <a:lvl4pPr marL="0" lvl="3" indent="0" algn="r">
               <a:spcBef>
                 <a:spcPts val="0"/>
               </a:spcBef>
               <a:buNone/>
               <a:defRPr/>
             </a:lvl4pPr>
-            <a:lvl5pPr indent="0" lvl="4" marL="0" algn="r">
+            <a:lvl5pPr marL="0" lvl="4" indent="0" algn="r">
               <a:spcBef>
                 <a:spcPts val="0"/>
               </a:spcBef>
               <a:buNone/>
               <a:defRPr/>
             </a:lvl5pPr>
-            <a:lvl6pPr indent="0" lvl="5" marL="0" algn="r">
+            <a:lvl6pPr marL="0" lvl="5" indent="0" algn="r">
               <a:spcBef>
                 <a:spcPts val="0"/>
               </a:spcBef>
               <a:buNone/>
               <a:defRPr/>
             </a:lvl6pPr>
-            <a:lvl7pPr indent="0" lvl="6" marL="0" algn="r">
+            <a:lvl7pPr marL="0" lvl="6" indent="0" algn="r">
               <a:spcBef>
                 <a:spcPts val="0"/>
               </a:spcBef>
               <a:buNone/>
               <a:defRPr/>
             </a:lvl7pPr>
-            <a:lvl8pPr indent="0" lvl="7" marL="0" algn="r">
+            <a:lvl8pPr marL="0" lvl="7" indent="0" algn="r">
               <a:spcBef>
                 <a:spcPts val="0"/>
               </a:spcBef>
               <a:buNone/>
               <a:defRPr/>
             </a:lvl8pPr>
-            <a:lvl9pPr indent="0" lvl="8" marL="0" algn="r">
+            <a:lvl9pPr marL="0" lvl="8" indent="0" algn="r">
               <a:spcBef>
                 <a:spcPts val="0"/>
               </a:spcBef>
@@ -7282,7 +7484,7 @@
             </a:lvl9pPr>
           </a:lstStyle>
           <a:p>
-            <a:pPr indent="0" lvl="0" marL="0" rtl="0" algn="r">
+            <a:pPr marL="0" lvl="0" indent="0" algn="r" rtl="0">
               <a:spcBef>
                 <a:spcPts val="0"/>
               </a:spcBef>
@@ -7308,11 +7510,11 @@
 </file>
 
 <file path=ppt/slideLayouts/slideLayout6.xml><?xml version="1.0" encoding="utf-8"?>
-<p:sldLayout xmlns:a="http://schemas.openxmlformats.org/drawingml/2006/main" xmlns:r="http://schemas.openxmlformats.org/officeDocument/2006/relationships" xmlns:mc="http://schemas.openxmlformats.org/markup-compatibility/2006" xmlns:mv="urn:schemas-microsoft-com:mac:vml" xmlns:p="http://schemas.openxmlformats.org/presentationml/2006/main" xmlns:c="http://schemas.openxmlformats.org/drawingml/2006/chart" xmlns:dgm="http://schemas.openxmlformats.org/drawingml/2006/diagram" xmlns:o="urn:schemas-microsoft-com:office:office" xmlns:v="urn:schemas-microsoft-com:vml" xmlns:pvml="urn:schemas-microsoft-com:office:powerpoint" xmlns:com="http://schemas.openxmlformats.org/drawingml/2006/compatibility" xmlns:p14="http://schemas.microsoft.com/office/powerpoint/2010/main" xmlns:p15="http://schemas.microsoft.com/office/powerpoint/2012/main" xmlns:ahyp="http://schemas.microsoft.com/office/drawing/2018/hyperlinkcolor" matchingName="Title Only" type="titleOnly">
+<p:sldLayout xmlns:a="http://schemas.openxmlformats.org/drawingml/2006/main" xmlns:r="http://schemas.openxmlformats.org/officeDocument/2006/relationships" xmlns:p="http://schemas.openxmlformats.org/presentationml/2006/main" matchingName="Title Only" type="titleOnly">
   <p:cSld name="TITLE_ONLY">
     <p:spTree>
       <p:nvGrpSpPr>
-        <p:cNvPr id="45" name="Shape 45"/>
+        <p:cNvPr id="1" name="Shape 45"/>
         <p:cNvGrpSpPr/>
         <p:nvPr/>
       </p:nvGrpSpPr>
@@ -7327,7 +7529,9 @@
       <p:sp>
         <p:nvSpPr>
           <p:cNvPr id="46" name="Google Shape;46;p14"/>
-          <p:cNvSpPr txBox="1"/>
+          <p:cNvSpPr txBox="1">
+            <a:spLocks noGrp="1"/>
+          </p:cNvSpPr>
           <p:nvPr>
             <p:ph type="title"/>
           </p:nvPr>
@@ -7346,7 +7550,7 @@
           </a:ln>
         </p:spPr>
         <p:txBody>
-          <a:bodyPr anchorCtr="0" anchor="ctr" bIns="45700" lIns="91425" spcFirstLastPara="1" rIns="91425" wrap="square" tIns="45700">
+          <a:bodyPr spcFirstLastPara="1" wrap="square" lIns="91425" tIns="45700" rIns="91425" bIns="45700" anchor="ctr" anchorCtr="0">
             <a:normAutofit/>
           </a:bodyPr>
           <a:lstStyle>
@@ -7456,15 +7660,19 @@
               <a:defRPr/>
             </a:lvl9pPr>
           </a:lstStyle>
-          <a:p/>
+          <a:p>
+            <a:endParaRPr/>
+          </a:p>
         </p:txBody>
       </p:sp>
       <p:sp>
         <p:nvSpPr>
           <p:cNvPr id="47" name="Google Shape;47;p14"/>
-          <p:cNvSpPr txBox="1"/>
+          <p:cNvSpPr txBox="1">
+            <a:spLocks noGrp="1"/>
+          </p:cNvSpPr>
           <p:nvPr>
-            <p:ph idx="10" type="dt"/>
+            <p:ph type="dt" idx="10"/>
           </p:nvPr>
         </p:nvSpPr>
         <p:spPr>
@@ -7481,7 +7689,7 @@
           </a:ln>
         </p:spPr>
         <p:txBody>
-          <a:bodyPr anchorCtr="0" anchor="ctr" bIns="45700" lIns="91425" spcFirstLastPara="1" rIns="91425" wrap="square" tIns="45700">
+          <a:bodyPr spcFirstLastPara="1" wrap="square" lIns="91425" tIns="45700" rIns="91425" bIns="45700" anchor="ctr" anchorCtr="0">
             <a:noAutofit/>
           </a:bodyPr>
           <a:lstStyle>
@@ -7585,15 +7793,19 @@
               <a:defRPr/>
             </a:lvl9pPr>
           </a:lstStyle>
-          <a:p/>
+          <a:p>
+            <a:endParaRPr/>
+          </a:p>
         </p:txBody>
       </p:sp>
       <p:sp>
         <p:nvSpPr>
           <p:cNvPr id="48" name="Google Shape;48;p14"/>
-          <p:cNvSpPr txBox="1"/>
+          <p:cNvSpPr txBox="1">
+            <a:spLocks noGrp="1"/>
+          </p:cNvSpPr>
           <p:nvPr>
-            <p:ph idx="11" type="ftr"/>
+            <p:ph type="ftr" idx="11"/>
           </p:nvPr>
         </p:nvSpPr>
         <p:spPr>
@@ -7610,7 +7822,7 @@
           </a:ln>
         </p:spPr>
         <p:txBody>
-          <a:bodyPr anchorCtr="0" anchor="ctr" bIns="45700" lIns="91425" spcFirstLastPara="1" rIns="91425" wrap="square" tIns="45700">
+          <a:bodyPr spcFirstLastPara="1" wrap="square" lIns="91425" tIns="45700" rIns="91425" bIns="45700" anchor="ctr" anchorCtr="0">
             <a:noAutofit/>
           </a:bodyPr>
           <a:lstStyle>
@@ -7714,15 +7926,19 @@
               <a:defRPr/>
             </a:lvl9pPr>
           </a:lstStyle>
-          <a:p/>
+          <a:p>
+            <a:endParaRPr/>
+          </a:p>
         </p:txBody>
       </p:sp>
       <p:sp>
         <p:nvSpPr>
           <p:cNvPr id="49" name="Google Shape;49;p14"/>
-          <p:cNvSpPr txBox="1"/>
+          <p:cNvSpPr txBox="1">
+            <a:spLocks noGrp="1"/>
+          </p:cNvSpPr>
           <p:nvPr>
-            <p:ph idx="12" type="sldNum"/>
+            <p:ph type="sldNum" idx="12"/>
           </p:nvPr>
         </p:nvSpPr>
         <p:spPr>
@@ -7739,67 +7955,67 @@
           </a:ln>
         </p:spPr>
         <p:txBody>
-          <a:bodyPr anchorCtr="0" anchor="ctr" bIns="45700" lIns="91425" spcFirstLastPara="1" rIns="91425" wrap="square" tIns="45700">
+          <a:bodyPr spcFirstLastPara="1" wrap="square" lIns="91425" tIns="45700" rIns="91425" bIns="45700" anchor="ctr" anchorCtr="0">
             <a:noAutofit/>
           </a:bodyPr>
           <a:lstStyle>
-            <a:lvl1pPr indent="0" lvl="0" marL="0" algn="r">
+            <a:lvl1pPr marL="0" lvl="0" indent="0" algn="r">
               <a:spcBef>
                 <a:spcPts val="0"/>
               </a:spcBef>
               <a:buNone/>
               <a:defRPr/>
             </a:lvl1pPr>
-            <a:lvl2pPr indent="0" lvl="1" marL="0" algn="r">
+            <a:lvl2pPr marL="0" lvl="1" indent="0" algn="r">
               <a:spcBef>
                 <a:spcPts val="0"/>
               </a:spcBef>
               <a:buNone/>
               <a:defRPr/>
             </a:lvl2pPr>
-            <a:lvl3pPr indent="0" lvl="2" marL="0" algn="r">
+            <a:lvl3pPr marL="0" lvl="2" indent="0" algn="r">
               <a:spcBef>
                 <a:spcPts val="0"/>
               </a:spcBef>
               <a:buNone/>
               <a:defRPr/>
             </a:lvl3pPr>
-            <a:lvl4pPr indent="0" lvl="3" marL="0" algn="r">
+            <a:lvl4pPr marL="0" lvl="3" indent="0" algn="r">
               <a:spcBef>
                 <a:spcPts val="0"/>
               </a:spcBef>
               <a:buNone/>
               <a:defRPr/>
             </a:lvl4pPr>
-            <a:lvl5pPr indent="0" lvl="4" marL="0" algn="r">
+            <a:lvl5pPr marL="0" lvl="4" indent="0" algn="r">
               <a:spcBef>
                 <a:spcPts val="0"/>
               </a:spcBef>
               <a:buNone/>
               <a:defRPr/>
             </a:lvl5pPr>
-            <a:lvl6pPr indent="0" lvl="5" marL="0" algn="r">
+            <a:lvl6pPr marL="0" lvl="5" indent="0" algn="r">
               <a:spcBef>
                 <a:spcPts val="0"/>
               </a:spcBef>
               <a:buNone/>
               <a:defRPr/>
             </a:lvl6pPr>
-            <a:lvl7pPr indent="0" lvl="6" marL="0" algn="r">
+            <a:lvl7pPr marL="0" lvl="6" indent="0" algn="r">
               <a:spcBef>
                 <a:spcPts val="0"/>
               </a:spcBef>
               <a:buNone/>
               <a:defRPr/>
             </a:lvl7pPr>
-            <a:lvl8pPr indent="0" lvl="7" marL="0" algn="r">
+            <a:lvl8pPr marL="0" lvl="7" indent="0" algn="r">
               <a:spcBef>
                 <a:spcPts val="0"/>
               </a:spcBef>
               <a:buNone/>
               <a:defRPr/>
             </a:lvl8pPr>
-            <a:lvl9pPr indent="0" lvl="8" marL="0" algn="r">
+            <a:lvl9pPr marL="0" lvl="8" indent="0" algn="r">
               <a:spcBef>
                 <a:spcPts val="0"/>
               </a:spcBef>
@@ -7808,7 +8024,7 @@
             </a:lvl9pPr>
           </a:lstStyle>
           <a:p>
-            <a:pPr indent="0" lvl="0" marL="0" rtl="0" algn="r">
+            <a:pPr marL="0" lvl="0" indent="0" algn="r" rtl="0">
               <a:spcBef>
                 <a:spcPts val="0"/>
               </a:spcBef>
@@ -7834,11 +8050,11 @@
 </file>
 
 <file path=ppt/slideLayouts/slideLayout7.xml><?xml version="1.0" encoding="utf-8"?>
-<p:sldLayout xmlns:a="http://schemas.openxmlformats.org/drawingml/2006/main" xmlns:r="http://schemas.openxmlformats.org/officeDocument/2006/relationships" xmlns:mc="http://schemas.openxmlformats.org/markup-compatibility/2006" xmlns:mv="urn:schemas-microsoft-com:mac:vml" xmlns:p="http://schemas.openxmlformats.org/presentationml/2006/main" xmlns:c="http://schemas.openxmlformats.org/drawingml/2006/chart" xmlns:dgm="http://schemas.openxmlformats.org/drawingml/2006/diagram" xmlns:o="urn:schemas-microsoft-com:office:office" xmlns:v="urn:schemas-microsoft-com:vml" xmlns:pvml="urn:schemas-microsoft-com:office:powerpoint" xmlns:com="http://schemas.openxmlformats.org/drawingml/2006/compatibility" xmlns:p14="http://schemas.microsoft.com/office/powerpoint/2010/main" xmlns:p15="http://schemas.microsoft.com/office/powerpoint/2012/main" xmlns:ahyp="http://schemas.microsoft.com/office/drawing/2018/hyperlinkcolor" matchingName="Blank" type="blank">
+<p:sldLayout xmlns:a="http://schemas.openxmlformats.org/drawingml/2006/main" xmlns:r="http://schemas.openxmlformats.org/officeDocument/2006/relationships" xmlns:p="http://schemas.openxmlformats.org/presentationml/2006/main" matchingName="Blank" type="blank">
   <p:cSld name="BLANK">
     <p:spTree>
       <p:nvGrpSpPr>
-        <p:cNvPr id="50" name="Shape 50"/>
+        <p:cNvPr id="1" name="Shape 50"/>
         <p:cNvGrpSpPr/>
         <p:nvPr/>
       </p:nvGrpSpPr>
@@ -7853,9 +8069,11 @@
       <p:sp>
         <p:nvSpPr>
           <p:cNvPr id="51" name="Google Shape;51;p15"/>
-          <p:cNvSpPr txBox="1"/>
+          <p:cNvSpPr txBox="1">
+            <a:spLocks noGrp="1"/>
+          </p:cNvSpPr>
           <p:nvPr>
-            <p:ph idx="10" type="dt"/>
+            <p:ph type="dt" idx="10"/>
           </p:nvPr>
         </p:nvSpPr>
         <p:spPr>
@@ -7872,7 +8090,7 @@
           </a:ln>
         </p:spPr>
         <p:txBody>
-          <a:bodyPr anchorCtr="0" anchor="ctr" bIns="45700" lIns="91425" spcFirstLastPara="1" rIns="91425" wrap="square" tIns="45700">
+          <a:bodyPr spcFirstLastPara="1" wrap="square" lIns="91425" tIns="45700" rIns="91425" bIns="45700" anchor="ctr" anchorCtr="0">
             <a:noAutofit/>
           </a:bodyPr>
           <a:lstStyle>
@@ -7976,15 +8194,19 @@
               <a:defRPr/>
             </a:lvl9pPr>
           </a:lstStyle>
-          <a:p/>
+          <a:p>
+            <a:endParaRPr/>
+          </a:p>
         </p:txBody>
       </p:sp>
       <p:sp>
         <p:nvSpPr>
           <p:cNvPr id="52" name="Google Shape;52;p15"/>
-          <p:cNvSpPr txBox="1"/>
+          <p:cNvSpPr txBox="1">
+            <a:spLocks noGrp="1"/>
+          </p:cNvSpPr>
           <p:nvPr>
-            <p:ph idx="11" type="ftr"/>
+            <p:ph type="ftr" idx="11"/>
           </p:nvPr>
         </p:nvSpPr>
         <p:spPr>
@@ -8001,7 +8223,7 @@
           </a:ln>
         </p:spPr>
         <p:txBody>
-          <a:bodyPr anchorCtr="0" anchor="ctr" bIns="45700" lIns="91425" spcFirstLastPara="1" rIns="91425" wrap="square" tIns="45700">
+          <a:bodyPr spcFirstLastPara="1" wrap="square" lIns="91425" tIns="45700" rIns="91425" bIns="45700" anchor="ctr" anchorCtr="0">
             <a:noAutofit/>
           </a:bodyPr>
           <a:lstStyle>
@@ -8105,15 +8327,19 @@
               <a:defRPr/>
             </a:lvl9pPr>
           </a:lstStyle>
-          <a:p/>
+          <a:p>
+            <a:endParaRPr/>
+          </a:p>
         </p:txBody>
       </p:sp>
       <p:sp>
         <p:nvSpPr>
           <p:cNvPr id="53" name="Google Shape;53;p15"/>
-          <p:cNvSpPr txBox="1"/>
+          <p:cNvSpPr txBox="1">
+            <a:spLocks noGrp="1"/>
+          </p:cNvSpPr>
           <p:nvPr>
-            <p:ph idx="12" type="sldNum"/>
+            <p:ph type="sldNum" idx="12"/>
           </p:nvPr>
         </p:nvSpPr>
         <p:spPr>
@@ -8130,67 +8356,67 @@
           </a:ln>
         </p:spPr>
         <p:txBody>
-          <a:bodyPr anchorCtr="0" anchor="ctr" bIns="45700" lIns="91425" spcFirstLastPara="1" rIns="91425" wrap="square" tIns="45700">
+          <a:bodyPr spcFirstLastPara="1" wrap="square" lIns="91425" tIns="45700" rIns="91425" bIns="45700" anchor="ctr" anchorCtr="0">
             <a:noAutofit/>
           </a:bodyPr>
           <a:lstStyle>
-            <a:lvl1pPr indent="0" lvl="0" marL="0" algn="r">
+            <a:lvl1pPr marL="0" lvl="0" indent="0" algn="r">
               <a:spcBef>
                 <a:spcPts val="0"/>
               </a:spcBef>
               <a:buNone/>
               <a:defRPr/>
             </a:lvl1pPr>
-            <a:lvl2pPr indent="0" lvl="1" marL="0" algn="r">
+            <a:lvl2pPr marL="0" lvl="1" indent="0" algn="r">
               <a:spcBef>
                 <a:spcPts val="0"/>
               </a:spcBef>
               <a:buNone/>
               <a:defRPr/>
             </a:lvl2pPr>
-            <a:lvl3pPr indent="0" lvl="2" marL="0" algn="r">
+            <a:lvl3pPr marL="0" lvl="2" indent="0" algn="r">
               <a:spcBef>
                 <a:spcPts val="0"/>
               </a:spcBef>
               <a:buNone/>
               <a:defRPr/>
             </a:lvl3pPr>
-            <a:lvl4pPr indent="0" lvl="3" marL="0" algn="r">
+            <a:lvl4pPr marL="0" lvl="3" indent="0" algn="r">
               <a:spcBef>
                 <a:spcPts val="0"/>
               </a:spcBef>
               <a:buNone/>
               <a:defRPr/>
             </a:lvl4pPr>
-            <a:lvl5pPr indent="0" lvl="4" marL="0" algn="r">
+            <a:lvl5pPr marL="0" lvl="4" indent="0" algn="r">
               <a:spcBef>
                 <a:spcPts val="0"/>
               </a:spcBef>
               <a:buNone/>
               <a:defRPr/>
             </a:lvl5pPr>
-            <a:lvl6pPr indent="0" lvl="5" marL="0" algn="r">
+            <a:lvl6pPr marL="0" lvl="5" indent="0" algn="r">
               <a:spcBef>
                 <a:spcPts val="0"/>
               </a:spcBef>
               <a:buNone/>
               <a:defRPr/>
             </a:lvl6pPr>
-            <a:lvl7pPr indent="0" lvl="6" marL="0" algn="r">
+            <a:lvl7pPr marL="0" lvl="6" indent="0" algn="r">
               <a:spcBef>
                 <a:spcPts val="0"/>
               </a:spcBef>
               <a:buNone/>
               <a:defRPr/>
             </a:lvl7pPr>
-            <a:lvl8pPr indent="0" lvl="7" marL="0" algn="r">
+            <a:lvl8pPr marL="0" lvl="7" indent="0" algn="r">
               <a:spcBef>
                 <a:spcPts val="0"/>
               </a:spcBef>
               <a:buNone/>
               <a:defRPr/>
             </a:lvl8pPr>
-            <a:lvl9pPr indent="0" lvl="8" marL="0" algn="r">
+            <a:lvl9pPr marL="0" lvl="8" indent="0" algn="r">
               <a:spcBef>
                 <a:spcPts val="0"/>
               </a:spcBef>
@@ -8199,7 +8425,7 @@
             </a:lvl9pPr>
           </a:lstStyle>
           <a:p>
-            <a:pPr indent="0" lvl="0" marL="0" rtl="0" algn="r">
+            <a:pPr marL="0" lvl="0" indent="0" algn="r" rtl="0">
               <a:spcBef>
                 <a:spcPts val="0"/>
               </a:spcBef>
@@ -8225,11 +8451,11 @@
 </file>
 
 <file path=ppt/slideLayouts/slideLayout8.xml><?xml version="1.0" encoding="utf-8"?>
-<p:sldLayout xmlns:a="http://schemas.openxmlformats.org/drawingml/2006/main" xmlns:r="http://schemas.openxmlformats.org/officeDocument/2006/relationships" xmlns:mc="http://schemas.openxmlformats.org/markup-compatibility/2006" xmlns:mv="urn:schemas-microsoft-com:mac:vml" xmlns:p="http://schemas.openxmlformats.org/presentationml/2006/main" xmlns:c="http://schemas.openxmlformats.org/drawingml/2006/chart" xmlns:dgm="http://schemas.openxmlformats.org/drawingml/2006/diagram" xmlns:o="urn:schemas-microsoft-com:office:office" xmlns:v="urn:schemas-microsoft-com:vml" xmlns:pvml="urn:schemas-microsoft-com:office:powerpoint" xmlns:com="http://schemas.openxmlformats.org/drawingml/2006/compatibility" xmlns:p14="http://schemas.microsoft.com/office/powerpoint/2010/main" xmlns:p15="http://schemas.microsoft.com/office/powerpoint/2012/main" xmlns:ahyp="http://schemas.microsoft.com/office/drawing/2018/hyperlinkcolor" matchingName="Content with Caption" type="objTx">
+<p:sldLayout xmlns:a="http://schemas.openxmlformats.org/drawingml/2006/main" xmlns:r="http://schemas.openxmlformats.org/officeDocument/2006/relationships" xmlns:p="http://schemas.openxmlformats.org/presentationml/2006/main" matchingName="Content with Caption" type="objTx">
   <p:cSld name="OBJECT_WITH_CAPTION_TEXT">
     <p:spTree>
       <p:nvGrpSpPr>
-        <p:cNvPr id="54" name="Shape 54"/>
+        <p:cNvPr id="1" name="Shape 54"/>
         <p:cNvGrpSpPr/>
         <p:nvPr/>
       </p:nvGrpSpPr>
@@ -8244,7 +8470,9 @@
       <p:sp>
         <p:nvSpPr>
           <p:cNvPr id="55" name="Google Shape;55;p16"/>
-          <p:cNvSpPr txBox="1"/>
+          <p:cNvSpPr txBox="1">
+            <a:spLocks noGrp="1"/>
+          </p:cNvSpPr>
           <p:nvPr>
             <p:ph type="title"/>
           </p:nvPr>
@@ -8263,7 +8491,7 @@
           </a:ln>
         </p:spPr>
         <p:txBody>
-          <a:bodyPr anchorCtr="0" anchor="b" bIns="45700" lIns="91425" spcFirstLastPara="1" rIns="91425" wrap="square" tIns="45700">
+          <a:bodyPr spcFirstLastPara="1" wrap="square" lIns="91425" tIns="45700" rIns="91425" bIns="45700" anchor="b" anchorCtr="0">
             <a:normAutofit/>
           </a:bodyPr>
           <a:lstStyle>
@@ -8374,15 +8602,19 @@
               <a:defRPr/>
             </a:lvl9pPr>
           </a:lstStyle>
-          <a:p/>
+          <a:p>
+            <a:endParaRPr/>
+          </a:p>
         </p:txBody>
       </p:sp>
       <p:sp>
         <p:nvSpPr>
           <p:cNvPr id="56" name="Google Shape;56;p16"/>
-          <p:cNvSpPr txBox="1"/>
+          <p:cNvSpPr txBox="1">
+            <a:spLocks noGrp="1"/>
+          </p:cNvSpPr>
           <p:nvPr>
-            <p:ph idx="1" type="body"/>
+            <p:ph type="body" idx="1"/>
           </p:nvPr>
         </p:nvSpPr>
         <p:spPr>
@@ -8399,11 +8631,11 @@
           </a:ln>
         </p:spPr>
         <p:txBody>
-          <a:bodyPr anchorCtr="0" anchor="t" bIns="45700" lIns="91425" spcFirstLastPara="1" rIns="91425" wrap="square" tIns="45700">
+          <a:bodyPr spcFirstLastPara="1" wrap="square" lIns="91425" tIns="45700" rIns="91425" bIns="45700" anchor="t" anchorCtr="0">
             <a:normAutofit/>
           </a:bodyPr>
           <a:lstStyle>
-            <a:lvl1pPr indent="-431800" lvl="0" marL="457200" algn="l">
+            <a:lvl1pPr marL="457200" lvl="0" indent="-431800" algn="l">
               <a:lnSpc>
                 <a:spcPct val="90000"/>
               </a:lnSpc>
@@ -8420,7 +8652,7 @@
               <a:buChar char="•"/>
               <a:defRPr sz="3200"/>
             </a:lvl1pPr>
-            <a:lvl2pPr indent="-406400" lvl="1" marL="914400" algn="l">
+            <a:lvl2pPr marL="914400" lvl="1" indent="-406400" algn="l">
               <a:lnSpc>
                 <a:spcPct val="90000"/>
               </a:lnSpc>
@@ -8437,7 +8669,7 @@
               <a:buChar char="•"/>
               <a:defRPr sz="2800"/>
             </a:lvl2pPr>
-            <a:lvl3pPr indent="-381000" lvl="2" marL="1371600" algn="l">
+            <a:lvl3pPr marL="1371600" lvl="2" indent="-381000" algn="l">
               <a:lnSpc>
                 <a:spcPct val="90000"/>
               </a:lnSpc>
@@ -8454,7 +8686,7 @@
               <a:buChar char="•"/>
               <a:defRPr sz="2400"/>
             </a:lvl3pPr>
-            <a:lvl4pPr indent="-355600" lvl="3" marL="1828800" algn="l">
+            <a:lvl4pPr marL="1828800" lvl="3" indent="-355600" algn="l">
               <a:lnSpc>
                 <a:spcPct val="90000"/>
               </a:lnSpc>
@@ -8471,7 +8703,7 @@
               <a:buChar char="•"/>
               <a:defRPr sz="2000"/>
             </a:lvl4pPr>
-            <a:lvl5pPr indent="-355600" lvl="4" marL="2286000" algn="l">
+            <a:lvl5pPr marL="2286000" lvl="4" indent="-355600" algn="l">
               <a:lnSpc>
                 <a:spcPct val="90000"/>
               </a:lnSpc>
@@ -8488,7 +8720,7 @@
               <a:buChar char="•"/>
               <a:defRPr sz="2000"/>
             </a:lvl5pPr>
-            <a:lvl6pPr indent="-355600" lvl="5" marL="2743200" algn="l">
+            <a:lvl6pPr marL="2743200" lvl="5" indent="-355600" algn="l">
               <a:lnSpc>
                 <a:spcPct val="90000"/>
               </a:lnSpc>
@@ -8505,7 +8737,7 @@
               <a:buChar char="•"/>
               <a:defRPr sz="2000"/>
             </a:lvl6pPr>
-            <a:lvl7pPr indent="-355600" lvl="6" marL="3200400" algn="l">
+            <a:lvl7pPr marL="3200400" lvl="6" indent="-355600" algn="l">
               <a:lnSpc>
                 <a:spcPct val="90000"/>
               </a:lnSpc>
@@ -8522,7 +8754,7 @@
               <a:buChar char="•"/>
               <a:defRPr sz="2000"/>
             </a:lvl7pPr>
-            <a:lvl8pPr indent="-355600" lvl="7" marL="3657600" algn="l">
+            <a:lvl8pPr marL="3657600" lvl="7" indent="-355600" algn="l">
               <a:lnSpc>
                 <a:spcPct val="90000"/>
               </a:lnSpc>
@@ -8539,7 +8771,7 @@
               <a:buChar char="•"/>
               <a:defRPr sz="2000"/>
             </a:lvl8pPr>
-            <a:lvl9pPr indent="-355600" lvl="8" marL="4114800" algn="l">
+            <a:lvl9pPr marL="4114800" lvl="8" indent="-355600" algn="l">
               <a:lnSpc>
                 <a:spcPct val="90000"/>
               </a:lnSpc>
@@ -8557,15 +8789,19 @@
               <a:defRPr sz="2000"/>
             </a:lvl9pPr>
           </a:lstStyle>
-          <a:p/>
+          <a:p>
+            <a:endParaRPr/>
+          </a:p>
         </p:txBody>
       </p:sp>
       <p:sp>
         <p:nvSpPr>
           <p:cNvPr id="57" name="Google Shape;57;p16"/>
-          <p:cNvSpPr txBox="1"/>
+          <p:cNvSpPr txBox="1">
+            <a:spLocks noGrp="1"/>
+          </p:cNvSpPr>
           <p:nvPr>
-            <p:ph idx="2" type="body"/>
+            <p:ph type="body" idx="2"/>
           </p:nvPr>
         </p:nvSpPr>
         <p:spPr>
@@ -8582,11 +8818,11 @@
           </a:ln>
         </p:spPr>
         <p:txBody>
-          <a:bodyPr anchorCtr="0" anchor="t" bIns="45700" lIns="91425" spcFirstLastPara="1" rIns="91425" wrap="square" tIns="45700">
+          <a:bodyPr spcFirstLastPara="1" wrap="square" lIns="91425" tIns="45700" rIns="91425" bIns="45700" anchor="t" anchorCtr="0">
             <a:normAutofit/>
           </a:bodyPr>
           <a:lstStyle>
-            <a:lvl1pPr indent="-228600" lvl="0" marL="457200" algn="l">
+            <a:lvl1pPr marL="457200" lvl="0" indent="-228600" algn="l">
               <a:lnSpc>
                 <a:spcPct val="90000"/>
               </a:lnSpc>
@@ -8603,7 +8839,7 @@
               <a:buNone/>
               <a:defRPr sz="1600"/>
             </a:lvl1pPr>
-            <a:lvl2pPr indent="-228600" lvl="1" marL="914400" algn="l">
+            <a:lvl2pPr marL="914400" lvl="1" indent="-228600" algn="l">
               <a:lnSpc>
                 <a:spcPct val="90000"/>
               </a:lnSpc>
@@ -8620,7 +8856,7 @@
               <a:buNone/>
               <a:defRPr sz="1400"/>
             </a:lvl2pPr>
-            <a:lvl3pPr indent="-228600" lvl="2" marL="1371600" algn="l">
+            <a:lvl3pPr marL="1371600" lvl="2" indent="-228600" algn="l">
               <a:lnSpc>
                 <a:spcPct val="90000"/>
               </a:lnSpc>
@@ -8637,7 +8873,7 @@
               <a:buNone/>
               <a:defRPr sz="1200"/>
             </a:lvl3pPr>
-            <a:lvl4pPr indent="-228600" lvl="3" marL="1828800" algn="l">
+            <a:lvl4pPr marL="1828800" lvl="3" indent="-228600" algn="l">
               <a:lnSpc>
                 <a:spcPct val="90000"/>
               </a:lnSpc>
@@ -8654,7 +8890,7 @@
               <a:buNone/>
               <a:defRPr sz="1000"/>
             </a:lvl4pPr>
-            <a:lvl5pPr indent="-228600" lvl="4" marL="2286000" algn="l">
+            <a:lvl5pPr marL="2286000" lvl="4" indent="-228600" algn="l">
               <a:lnSpc>
                 <a:spcPct val="90000"/>
               </a:lnSpc>
@@ -8671,7 +8907,7 @@
               <a:buNone/>
               <a:defRPr sz="1000"/>
             </a:lvl5pPr>
-            <a:lvl6pPr indent="-228600" lvl="5" marL="2743200" algn="l">
+            <a:lvl6pPr marL="2743200" lvl="5" indent="-228600" algn="l">
               <a:lnSpc>
                 <a:spcPct val="90000"/>
               </a:lnSpc>
@@ -8688,7 +8924,7 @@
               <a:buNone/>
               <a:defRPr sz="1000"/>
             </a:lvl6pPr>
-            <a:lvl7pPr indent="-228600" lvl="6" marL="3200400" algn="l">
+            <a:lvl7pPr marL="3200400" lvl="6" indent="-228600" algn="l">
               <a:lnSpc>
                 <a:spcPct val="90000"/>
               </a:lnSpc>
@@ -8705,7 +8941,7 @@
               <a:buNone/>
               <a:defRPr sz="1000"/>
             </a:lvl7pPr>
-            <a:lvl8pPr indent="-228600" lvl="7" marL="3657600" algn="l">
+            <a:lvl8pPr marL="3657600" lvl="7" indent="-228600" algn="l">
               <a:lnSpc>
                 <a:spcPct val="90000"/>
               </a:lnSpc>
@@ -8722,7 +8958,7 @@
               <a:buNone/>
               <a:defRPr sz="1000"/>
             </a:lvl8pPr>
-            <a:lvl9pPr indent="-228600" lvl="8" marL="4114800" algn="l">
+            <a:lvl9pPr marL="4114800" lvl="8" indent="-228600" algn="l">
               <a:lnSpc>
                 <a:spcPct val="90000"/>
               </a:lnSpc>
@@ -8740,15 +8976,19 @@
               <a:defRPr sz="1000"/>
             </a:lvl9pPr>
           </a:lstStyle>
-          <a:p/>
+          <a:p>
+            <a:endParaRPr/>
+          </a:p>
         </p:txBody>
       </p:sp>
       <p:sp>
         <p:nvSpPr>
           <p:cNvPr id="58" name="Google Shape;58;p16"/>
-          <p:cNvSpPr txBox="1"/>
+          <p:cNvSpPr txBox="1">
+            <a:spLocks noGrp="1"/>
+          </p:cNvSpPr>
           <p:nvPr>
-            <p:ph idx="10" type="dt"/>
+            <p:ph type="dt" idx="10"/>
           </p:nvPr>
         </p:nvSpPr>
         <p:spPr>
@@ -8765,7 +9005,7 @@
           </a:ln>
         </p:spPr>
         <p:txBody>
-          <a:bodyPr anchorCtr="0" anchor="ctr" bIns="45700" lIns="91425" spcFirstLastPara="1" rIns="91425" wrap="square" tIns="45700">
+          <a:bodyPr spcFirstLastPara="1" wrap="square" lIns="91425" tIns="45700" rIns="91425" bIns="45700" anchor="ctr" anchorCtr="0">
             <a:noAutofit/>
           </a:bodyPr>
           <a:lstStyle>
@@ -8869,15 +9109,19 @@
               <a:defRPr/>
             </a:lvl9pPr>
           </a:lstStyle>
-          <a:p/>
+          <a:p>
+            <a:endParaRPr/>
+          </a:p>
         </p:txBody>
       </p:sp>
       <p:sp>
         <p:nvSpPr>
           <p:cNvPr id="59" name="Google Shape;59;p16"/>
-          <p:cNvSpPr txBox="1"/>
+          <p:cNvSpPr txBox="1">
+            <a:spLocks noGrp="1"/>
+          </p:cNvSpPr>
           <p:nvPr>
-            <p:ph idx="11" type="ftr"/>
+            <p:ph type="ftr" idx="11"/>
           </p:nvPr>
         </p:nvSpPr>
         <p:spPr>
@@ -8894,7 +9138,7 @@
           </a:ln>
         </p:spPr>
         <p:txBody>
-          <a:bodyPr anchorCtr="0" anchor="ctr" bIns="45700" lIns="91425" spcFirstLastPara="1" rIns="91425" wrap="square" tIns="45700">
+          <a:bodyPr spcFirstLastPara="1" wrap="square" lIns="91425" tIns="45700" rIns="91425" bIns="45700" anchor="ctr" anchorCtr="0">
             <a:noAutofit/>
           </a:bodyPr>
           <a:lstStyle>
@@ -8998,15 +9242,19 @@
               <a:defRPr/>
             </a:lvl9pPr>
           </a:lstStyle>
-          <a:p/>
+          <a:p>
+            <a:endParaRPr/>
+          </a:p>
         </p:txBody>
       </p:sp>
       <p:sp>
         <p:nvSpPr>
           <p:cNvPr id="60" name="Google Shape;60;p16"/>
-          <p:cNvSpPr txBox="1"/>
+          <p:cNvSpPr txBox="1">
+            <a:spLocks noGrp="1"/>
+          </p:cNvSpPr>
           <p:nvPr>
-            <p:ph idx="12" type="sldNum"/>
+            <p:ph type="sldNum" idx="12"/>
           </p:nvPr>
         </p:nvSpPr>
         <p:spPr>
@@ -9023,67 +9271,67 @@
           </a:ln>
         </p:spPr>
         <p:txBody>
-          <a:bodyPr anchorCtr="0" anchor="ctr" bIns="45700" lIns="91425" spcFirstLastPara="1" rIns="91425" wrap="square" tIns="45700">
+          <a:bodyPr spcFirstLastPara="1" wrap="square" lIns="91425" tIns="45700" rIns="91425" bIns="45700" anchor="ctr" anchorCtr="0">
             <a:noAutofit/>
           </a:bodyPr>
           <a:lstStyle>
-            <a:lvl1pPr indent="0" lvl="0" marL="0" algn="r">
+            <a:lvl1pPr marL="0" lvl="0" indent="0" algn="r">
               <a:spcBef>
                 <a:spcPts val="0"/>
               </a:spcBef>
               <a:buNone/>
               <a:defRPr/>
             </a:lvl1pPr>
-            <a:lvl2pPr indent="0" lvl="1" marL="0" algn="r">
+            <a:lvl2pPr marL="0" lvl="1" indent="0" algn="r">
               <a:spcBef>
                 <a:spcPts val="0"/>
               </a:spcBef>
               <a:buNone/>
               <a:defRPr/>
             </a:lvl2pPr>
-            <a:lvl3pPr indent="0" lvl="2" marL="0" algn="r">
+            <a:lvl3pPr marL="0" lvl="2" indent="0" algn="r">
               <a:spcBef>
                 <a:spcPts val="0"/>
               </a:spcBef>
               <a:buNone/>
               <a:defRPr/>
             </a:lvl3pPr>
-            <a:lvl4pPr indent="0" lvl="3" marL="0" algn="r">
+            <a:lvl4pPr marL="0" lvl="3" indent="0" algn="r">
               <a:spcBef>
                 <a:spcPts val="0"/>
               </a:spcBef>
               <a:buNone/>
               <a:defRPr/>
             </a:lvl4pPr>
-            <a:lvl5pPr indent="0" lvl="4" marL="0" algn="r">
+            <a:lvl5pPr marL="0" lvl="4" indent="0" algn="r">
               <a:spcBef>
                 <a:spcPts val="0"/>
               </a:spcBef>
               <a:buNone/>
               <a:defRPr/>
             </a:lvl5pPr>
-            <a:lvl6pPr indent="0" lvl="5" marL="0" algn="r">
+            <a:lvl6pPr marL="0" lvl="5" indent="0" algn="r">
               <a:spcBef>
                 <a:spcPts val="0"/>
               </a:spcBef>
               <a:buNone/>
               <a:defRPr/>
             </a:lvl6pPr>
-            <a:lvl7pPr indent="0" lvl="6" marL="0" algn="r">
+            <a:lvl7pPr marL="0" lvl="6" indent="0" algn="r">
               <a:spcBef>
                 <a:spcPts val="0"/>
               </a:spcBef>
               <a:buNone/>
               <a:defRPr/>
             </a:lvl7pPr>
-            <a:lvl8pPr indent="0" lvl="7" marL="0" algn="r">
+            <a:lvl8pPr marL="0" lvl="7" indent="0" algn="r">
               <a:spcBef>
                 <a:spcPts val="0"/>
               </a:spcBef>
               <a:buNone/>
               <a:defRPr/>
             </a:lvl8pPr>
-            <a:lvl9pPr indent="0" lvl="8" marL="0" algn="r">
+            <a:lvl9pPr marL="0" lvl="8" indent="0" algn="r">
               <a:spcBef>
                 <a:spcPts val="0"/>
               </a:spcBef>
@@ -9092,7 +9340,7 @@
             </a:lvl9pPr>
           </a:lstStyle>
           <a:p>
-            <a:pPr indent="0" lvl="0" marL="0" rtl="0" algn="r">
+            <a:pPr marL="0" lvl="0" indent="0" algn="r" rtl="0">
               <a:spcBef>
                 <a:spcPts val="0"/>
               </a:spcBef>
@@ -9118,11 +9366,11 @@
 </file>
 
 <file path=ppt/slideLayouts/slideLayout9.xml><?xml version="1.0" encoding="utf-8"?>
-<p:sldLayout xmlns:a="http://schemas.openxmlformats.org/drawingml/2006/main" xmlns:r="http://schemas.openxmlformats.org/officeDocument/2006/relationships" xmlns:mc="http://schemas.openxmlformats.org/markup-compatibility/2006" xmlns:mv="urn:schemas-microsoft-com:mac:vml" xmlns:p="http://schemas.openxmlformats.org/presentationml/2006/main" xmlns:c="http://schemas.openxmlformats.org/drawingml/2006/chart" xmlns:dgm="http://schemas.openxmlformats.org/drawingml/2006/diagram" xmlns:o="urn:schemas-microsoft-com:office:office" xmlns:v="urn:schemas-microsoft-com:vml" xmlns:pvml="urn:schemas-microsoft-com:office:powerpoint" xmlns:com="http://schemas.openxmlformats.org/drawingml/2006/compatibility" xmlns:p14="http://schemas.microsoft.com/office/powerpoint/2010/main" xmlns:p15="http://schemas.microsoft.com/office/powerpoint/2012/main" xmlns:ahyp="http://schemas.microsoft.com/office/drawing/2018/hyperlinkcolor" matchingName="Picture with Caption" type="picTx">
+<p:sldLayout xmlns:a="http://schemas.openxmlformats.org/drawingml/2006/main" xmlns:r="http://schemas.openxmlformats.org/officeDocument/2006/relationships" xmlns:p="http://schemas.openxmlformats.org/presentationml/2006/main" matchingName="Picture with Caption" type="picTx">
   <p:cSld name="PICTURE_WITH_CAPTION_TEXT">
     <p:spTree>
       <p:nvGrpSpPr>
-        <p:cNvPr id="61" name="Shape 61"/>
+        <p:cNvPr id="1" name="Shape 61"/>
         <p:cNvGrpSpPr/>
         <p:nvPr/>
       </p:nvGrpSpPr>
@@ -9137,7 +9385,9 @@
       <p:sp>
         <p:nvSpPr>
           <p:cNvPr id="62" name="Google Shape;62;p17"/>
-          <p:cNvSpPr txBox="1"/>
+          <p:cNvSpPr txBox="1">
+            <a:spLocks noGrp="1"/>
+          </p:cNvSpPr>
           <p:nvPr>
             <p:ph type="title"/>
           </p:nvPr>
@@ -9156,7 +9406,7 @@
           </a:ln>
         </p:spPr>
         <p:txBody>
-          <a:bodyPr anchorCtr="0" anchor="b" bIns="45700" lIns="91425" spcFirstLastPara="1" rIns="91425" wrap="square" tIns="45700">
+          <a:bodyPr spcFirstLastPara="1" wrap="square" lIns="91425" tIns="45700" rIns="91425" bIns="45700" anchor="b" anchorCtr="0">
             <a:normAutofit/>
           </a:bodyPr>
           <a:lstStyle>
@@ -9267,15 +9517,19 @@
               <a:defRPr/>
             </a:lvl9pPr>
           </a:lstStyle>
-          <a:p/>
+          <a:p>
+            <a:endParaRPr/>
+          </a:p>
         </p:txBody>
       </p:sp>
       <p:sp>
         <p:nvSpPr>
           <p:cNvPr id="63" name="Google Shape;63;p17"/>
-          <p:cNvSpPr/>
+          <p:cNvSpPr>
+            <a:spLocks noGrp="1"/>
+          </p:cNvSpPr>
           <p:nvPr>
-            <p:ph idx="2" type="pic"/>
+            <p:ph type="pic" idx="2"/>
           </p:nvPr>
         </p:nvSpPr>
         <p:spPr>
@@ -9292,11 +9546,11 @@
           </a:ln>
         </p:spPr>
         <p:txBody>
-          <a:bodyPr anchorCtr="0" anchor="t" bIns="45700" lIns="91425" spcFirstLastPara="1" rIns="91425" wrap="square" tIns="45700">
+          <a:bodyPr spcFirstLastPara="1" wrap="square" lIns="91425" tIns="45700" rIns="91425" bIns="45700" anchor="t" anchorCtr="0">
             <a:normAutofit/>
           </a:bodyPr>
           <a:lstStyle>
-            <a:lvl1pPr lvl="0" marR="0" rtl="0" algn="l">
+            <a:lvl1pPr marR="0" lvl="0" algn="l" rtl="0">
               <a:lnSpc>
                 <a:spcPct val="90000"/>
               </a:lnSpc>
@@ -9312,7 +9566,7 @@
               <a:buSzPts val="3200"/>
               <a:buFont typeface="Arial"/>
               <a:buNone/>
-              <a:defRPr b="0" i="0" sz="3200" u="none" cap="none" strike="noStrike">
+              <a:defRPr sz="3200" b="0" i="0" u="none" strike="noStrike" cap="none">
                 <a:solidFill>
                   <a:schemeClr val="dk1"/>
                 </a:solidFill>
@@ -9322,7 +9576,7 @@
                 <a:sym typeface="Calibri"/>
               </a:defRPr>
             </a:lvl1pPr>
-            <a:lvl2pPr lvl="1" marR="0" rtl="0" algn="l">
+            <a:lvl2pPr marR="0" lvl="1" algn="l" rtl="0">
               <a:lnSpc>
                 <a:spcPct val="90000"/>
               </a:lnSpc>
@@ -9338,7 +9592,7 @@
               <a:buSzPts val="2800"/>
               <a:buFont typeface="Arial"/>
               <a:buNone/>
-              <a:defRPr b="0" i="0" sz="2800" u="none" cap="none" strike="noStrike">
+              <a:defRPr sz="2800" b="0" i="0" u="none" strike="noStrike" cap="none">
                 <a:solidFill>
                   <a:schemeClr val="dk1"/>
                 </a:solidFill>
@@ -9348,7 +9602,7 @@
                 <a:sym typeface="Calibri"/>
               </a:defRPr>
             </a:lvl2pPr>
-            <a:lvl3pPr lvl="2" marR="0" rtl="0" algn="l">
+            <a:lvl3pPr marR="0" lvl="2" algn="l" rtl="0">
               <a:lnSpc>
                 <a:spcPct val="90000"/>
               </a:lnSpc>
@@ -9364,7 +9618,7 @@
               <a:buSzPts val="2400"/>
               <a:buFont typeface="Arial"/>
               <a:buNone/>
-              <a:defRPr b="0" i="0" sz="2400" u="none" cap="none" strike="noStrike">
+              <a:defRPr sz="2400" b="0" i="0" u="none" strike="noStrike" cap="none">
                 <a:solidFill>
                   <a:schemeClr val="dk1"/>
                 </a:solidFill>
@@ -9374,7 +9628,7 @@
                 <a:sym typeface="Calibri"/>
               </a:defRPr>
             </a:lvl3pPr>
-            <a:lvl4pPr lvl="3" marR="0" rtl="0" algn="l">
+            <a:lvl4pPr marR="0" lvl="3" algn="l" rtl="0">
               <a:lnSpc>
                 <a:spcPct val="90000"/>
               </a:lnSpc>
@@ -9390,7 +9644,7 @@
               <a:buSzPts val="2000"/>
               <a:buFont typeface="Arial"/>
               <a:buNone/>
-              <a:defRPr b="0" i="0" sz="2000" u="none" cap="none" strike="noStrike">
+              <a:defRPr sz="2000" b="0" i="0" u="none" strike="noStrike" cap="none">
                 <a:solidFill>
                   <a:schemeClr val="dk1"/>
                 </a:solidFill>
@@ -9400,7 +9654,7 @@
                 <a:sym typeface="Calibri"/>
               </a:defRPr>
             </a:lvl4pPr>
-            <a:lvl5pPr lvl="4" marR="0" rtl="0" algn="l">
+            <a:lvl5pPr marR="0" lvl="4" algn="l" rtl="0">
               <a:lnSpc>
                 <a:spcPct val="90000"/>
               </a:lnSpc>
@@ -9416,7 +9670,7 @@
               <a:buSzPts val="2000"/>
               <a:buFont typeface="Arial"/>
               <a:buNone/>
-              <a:defRPr b="0" i="0" sz="2000" u="none" cap="none" strike="noStrike">
+              <a:defRPr sz="2000" b="0" i="0" u="none" strike="noStrike" cap="none">
                 <a:solidFill>
                   <a:schemeClr val="dk1"/>
                 </a:solidFill>
@@ -9426,7 +9680,7 @@
                 <a:sym typeface="Calibri"/>
               </a:defRPr>
             </a:lvl5pPr>
-            <a:lvl6pPr lvl="5" marR="0" rtl="0" algn="l">
+            <a:lvl6pPr marR="0" lvl="5" algn="l" rtl="0">
               <a:lnSpc>
                 <a:spcPct val="90000"/>
               </a:lnSpc>
@@ -9442,7 +9696,7 @@
               <a:buSzPts val="2000"/>
               <a:buFont typeface="Arial"/>
               <a:buNone/>
-              <a:defRPr b="0" i="0" sz="2000" u="none" cap="none" strike="noStrike">
+              <a:defRPr sz="2000" b="0" i="0" u="none" strike="noStrike" cap="none">
                 <a:solidFill>
                   <a:schemeClr val="dk1"/>
                 </a:solidFill>
@@ -9452,7 +9706,7 @@
                 <a:sym typeface="Calibri"/>
               </a:defRPr>
             </a:lvl6pPr>
-            <a:lvl7pPr lvl="6" marR="0" rtl="0" algn="l">
+            <a:lvl7pPr marR="0" lvl="6" algn="l" rtl="0">
               <a:lnSpc>
                 <a:spcPct val="90000"/>
               </a:lnSpc>
@@ -9468,7 +9722,7 @@
               <a:buSzPts val="2000"/>
               <a:buFont typeface="Arial"/>
               <a:buNone/>
-              <a:defRPr b="0" i="0" sz="2000" u="none" cap="none" strike="noStrike">
+              <a:defRPr sz="2000" b="0" i="0" u="none" strike="noStrike" cap="none">
                 <a:solidFill>
                   <a:schemeClr val="dk1"/>
                 </a:solidFill>
@@ -9478,7 +9732,7 @@
                 <a:sym typeface="Calibri"/>
               </a:defRPr>
             </a:lvl7pPr>
-            <a:lvl8pPr lvl="7" marR="0" rtl="0" algn="l">
+            <a:lvl8pPr marR="0" lvl="7" algn="l" rtl="0">
               <a:lnSpc>
                 <a:spcPct val="90000"/>
               </a:lnSpc>
@@ -9494,7 +9748,7 @@
               <a:buSzPts val="2000"/>
               <a:buFont typeface="Arial"/>
               <a:buNone/>
-              <a:defRPr b="0" i="0" sz="2000" u="none" cap="none" strike="noStrike">
+              <a:defRPr sz="2000" b="0" i="0" u="none" strike="noStrike" cap="none">
                 <a:solidFill>
                   <a:schemeClr val="dk1"/>
                 </a:solidFill>
@@ -9504,7 +9758,7 @@
                 <a:sym typeface="Calibri"/>
               </a:defRPr>
             </a:lvl8pPr>
-            <a:lvl9pPr lvl="8" marR="0" rtl="0" algn="l">
+            <a:lvl9pPr marR="0" lvl="8" algn="l" rtl="0">
               <a:lnSpc>
                 <a:spcPct val="90000"/>
               </a:lnSpc>
@@ -9520,7 +9774,7 @@
               <a:buSzPts val="2000"/>
               <a:buFont typeface="Arial"/>
               <a:buNone/>
-              <a:defRPr b="0" i="0" sz="2000" u="none" cap="none" strike="noStrike">
+              <a:defRPr sz="2000" b="0" i="0" u="none" strike="noStrike" cap="none">
                 <a:solidFill>
                   <a:schemeClr val="dk1"/>
                 </a:solidFill>
@@ -9531,15 +9785,19 @@
               </a:defRPr>
             </a:lvl9pPr>
           </a:lstStyle>
-          <a:p/>
+          <a:p>
+            <a:endParaRPr/>
+          </a:p>
         </p:txBody>
       </p:sp>
       <p:sp>
         <p:nvSpPr>
           <p:cNvPr id="64" name="Google Shape;64;p17"/>
-          <p:cNvSpPr txBox="1"/>
+          <p:cNvSpPr txBox="1">
+            <a:spLocks noGrp="1"/>
+          </p:cNvSpPr>
           <p:nvPr>
-            <p:ph idx="1" type="body"/>
+            <p:ph type="body" idx="1"/>
           </p:nvPr>
         </p:nvSpPr>
         <p:spPr>
@@ -9556,11 +9814,11 @@
           </a:ln>
         </p:spPr>
         <p:txBody>
-          <a:bodyPr anchorCtr="0" anchor="t" bIns="45700" lIns="91425" spcFirstLastPara="1" rIns="91425" wrap="square" tIns="45700">
+          <a:bodyPr spcFirstLastPara="1" wrap="square" lIns="91425" tIns="45700" rIns="91425" bIns="45700" anchor="t" anchorCtr="0">
             <a:normAutofit/>
           </a:bodyPr>
           <a:lstStyle>
-            <a:lvl1pPr indent="-228600" lvl="0" marL="457200" algn="l">
+            <a:lvl1pPr marL="457200" lvl="0" indent="-228600" algn="l">
               <a:lnSpc>
                 <a:spcPct val="90000"/>
               </a:lnSpc>
@@ -9577,7 +9835,7 @@
               <a:buNone/>
               <a:defRPr sz="1600"/>
             </a:lvl1pPr>
-            <a:lvl2pPr indent="-228600" lvl="1" marL="914400" algn="l">
+            <a:lvl2pPr marL="914400" lvl="1" indent="-228600" algn="l">
               <a:lnSpc>
                 <a:spcPct val="90000"/>
               </a:lnSpc>
@@ -9594,7 +9852,7 @@
               <a:buNone/>
               <a:defRPr sz="1400"/>
             </a:lvl2pPr>
-            <a:lvl3pPr indent="-228600" lvl="2" marL="1371600" algn="l">
+            <a:lvl3pPr marL="1371600" lvl="2" indent="-228600" algn="l">
               <a:lnSpc>
                 <a:spcPct val="90000"/>
               </a:lnSpc>
@@ -9611,7 +9869,7 @@
               <a:buNone/>
               <a:defRPr sz="1200"/>
             </a:lvl3pPr>
-            <a:lvl4pPr indent="-228600" lvl="3" marL="1828800" algn="l">
+            <a:lvl4pPr marL="1828800" lvl="3" indent="-228600" algn="l">
               <a:lnSpc>
                 <a:spcPct val="90000"/>
               </a:lnSpc>
@@ -9628,7 +9886,7 @@
               <a:buNone/>
               <a:defRPr sz="1000"/>
             </a:lvl4pPr>
-            <a:lvl5pPr indent="-228600" lvl="4" marL="2286000" algn="l">
+            <a:lvl5pPr marL="2286000" lvl="4" indent="-228600" algn="l">
               <a:lnSpc>
                 <a:spcPct val="90000"/>
               </a:lnSpc>
@@ -9645,7 +9903,7 @@
               <a:buNone/>
               <a:defRPr sz="1000"/>
             </a:lvl5pPr>
-            <a:lvl6pPr indent="-228600" lvl="5" marL="2743200" algn="l">
+            <a:lvl6pPr marL="2743200" lvl="5" indent="-228600" algn="l">
               <a:lnSpc>
                 <a:spcPct val="90000"/>
               </a:lnSpc>
@@ -9662,7 +9920,7 @@
               <a:buNone/>
               <a:defRPr sz="1000"/>
             </a:lvl6pPr>
-            <a:lvl7pPr indent="-228600" lvl="6" marL="3200400" algn="l">
+            <a:lvl7pPr marL="3200400" lvl="6" indent="-228600" algn="l">
               <a:lnSpc>
                 <a:spcPct val="90000"/>
               </a:lnSpc>
@@ -9679,7 +9937,7 @@
               <a:buNone/>
               <a:defRPr sz="1000"/>
             </a:lvl7pPr>
-            <a:lvl8pPr indent="-228600" lvl="7" marL="3657600" algn="l">
+            <a:lvl8pPr marL="3657600" lvl="7" indent="-228600" algn="l">
               <a:lnSpc>
                 <a:spcPct val="90000"/>
               </a:lnSpc>
@@ -9696,7 +9954,7 @@
               <a:buNone/>
               <a:defRPr sz="1000"/>
             </a:lvl8pPr>
-            <a:lvl9pPr indent="-228600" lvl="8" marL="4114800" algn="l">
+            <a:lvl9pPr marL="4114800" lvl="8" indent="-228600" algn="l">
               <a:lnSpc>
                 <a:spcPct val="90000"/>
               </a:lnSpc>
@@ -9714,15 +9972,19 @@
               <a:defRPr sz="1000"/>
             </a:lvl9pPr>
           </a:lstStyle>
-          <a:p/>
+          <a:p>
+            <a:endParaRPr/>
+          </a:p>
         </p:txBody>
       </p:sp>
       <p:sp>
         <p:nvSpPr>
           <p:cNvPr id="65" name="Google Shape;65;p17"/>
-          <p:cNvSpPr txBox="1"/>
+          <p:cNvSpPr txBox="1">
+            <a:spLocks noGrp="1"/>
+          </p:cNvSpPr>
           <p:nvPr>
-            <p:ph idx="10" type="dt"/>
+            <p:ph type="dt" idx="10"/>
           </p:nvPr>
         </p:nvSpPr>
         <p:spPr>
@@ -9739,7 +10001,7 @@
           </a:ln>
         </p:spPr>
         <p:txBody>
-          <a:bodyPr anchorCtr="0" anchor="ctr" bIns="45700" lIns="91425" spcFirstLastPara="1" rIns="91425" wrap="square" tIns="45700">
+          <a:bodyPr spcFirstLastPara="1" wrap="square" lIns="91425" tIns="45700" rIns="91425" bIns="45700" anchor="ctr" anchorCtr="0">
             <a:noAutofit/>
           </a:bodyPr>
           <a:lstStyle>
@@ -9843,15 +10105,19 @@
               <a:defRPr/>
             </a:lvl9pPr>
           </a:lstStyle>
-          <a:p/>
+          <a:p>
+            <a:endParaRPr/>
+          </a:p>
         </p:txBody>
       </p:sp>
       <p:sp>
         <p:nvSpPr>
           <p:cNvPr id="66" name="Google Shape;66;p17"/>
-          <p:cNvSpPr txBox="1"/>
+          <p:cNvSpPr txBox="1">
+            <a:spLocks noGrp="1"/>
+          </p:cNvSpPr>
           <p:nvPr>
-            <p:ph idx="11" type="ftr"/>
+            <p:ph type="ftr" idx="11"/>
           </p:nvPr>
         </p:nvSpPr>
         <p:spPr>
@@ -9868,7 +10134,7 @@
           </a:ln>
         </p:spPr>
         <p:txBody>
-          <a:bodyPr anchorCtr="0" anchor="ctr" bIns="45700" lIns="91425" spcFirstLastPara="1" rIns="91425" wrap="square" tIns="45700">
+          <a:bodyPr spcFirstLastPara="1" wrap="square" lIns="91425" tIns="45700" rIns="91425" bIns="45700" anchor="ctr" anchorCtr="0">
             <a:noAutofit/>
           </a:bodyPr>
           <a:lstStyle>
@@ -9972,15 +10238,19 @@
               <a:defRPr/>
             </a:lvl9pPr>
           </a:lstStyle>
-          <a:p/>
+          <a:p>
+            <a:endParaRPr/>
+          </a:p>
         </p:txBody>
       </p:sp>
       <p:sp>
         <p:nvSpPr>
           <p:cNvPr id="67" name="Google Shape;67;p17"/>
-          <p:cNvSpPr txBox="1"/>
+          <p:cNvSpPr txBox="1">
+            <a:spLocks noGrp="1"/>
+          </p:cNvSpPr>
           <p:nvPr>
-            <p:ph idx="12" type="sldNum"/>
+            <p:ph type="sldNum" idx="12"/>
           </p:nvPr>
         </p:nvSpPr>
         <p:spPr>
@@ -9997,67 +10267,67 @@
           </a:ln>
         </p:spPr>
         <p:txBody>
-          <a:bodyPr anchorCtr="0" anchor="ctr" bIns="45700" lIns="91425" spcFirstLastPara="1" rIns="91425" wrap="square" tIns="45700">
+          <a:bodyPr spcFirstLastPara="1" wrap="square" lIns="91425" tIns="45700" rIns="91425" bIns="45700" anchor="ctr" anchorCtr="0">
             <a:noAutofit/>
           </a:bodyPr>
           <a:lstStyle>
-            <a:lvl1pPr indent="0" lvl="0" marL="0" algn="r">
+            <a:lvl1pPr marL="0" lvl="0" indent="0" algn="r">
               <a:spcBef>
                 <a:spcPts val="0"/>
               </a:spcBef>
               <a:buNone/>
               <a:defRPr/>
             </a:lvl1pPr>
-            <a:lvl2pPr indent="0" lvl="1" marL="0" algn="r">
+            <a:lvl2pPr marL="0" lvl="1" indent="0" algn="r">
               <a:spcBef>
                 <a:spcPts val="0"/>
               </a:spcBef>
               <a:buNone/>
               <a:defRPr/>
             </a:lvl2pPr>
-            <a:lvl3pPr indent="0" lvl="2" marL="0" algn="r">
+            <a:lvl3pPr marL="0" lvl="2" indent="0" algn="r">
               <a:spcBef>
                 <a:spcPts val="0"/>
               </a:spcBef>
               <a:buNone/>
               <a:defRPr/>
             </a:lvl3pPr>
-            <a:lvl4pPr indent="0" lvl="3" marL="0" algn="r">
+            <a:lvl4pPr marL="0" lvl="3" indent="0" algn="r">
               <a:spcBef>
                 <a:spcPts val="0"/>
               </a:spcBef>
               <a:buNone/>
               <a:defRPr/>
             </a:lvl4pPr>
-            <a:lvl5pPr indent="0" lvl="4" marL="0" algn="r">
+            <a:lvl5pPr marL="0" lvl="4" indent="0" algn="r">
               <a:spcBef>
                 <a:spcPts val="0"/>
               </a:spcBef>
               <a:buNone/>
               <a:defRPr/>
             </a:lvl5pPr>
-            <a:lvl6pPr indent="0" lvl="5" marL="0" algn="r">
+            <a:lvl6pPr marL="0" lvl="5" indent="0" algn="r">
               <a:spcBef>
                 <a:spcPts val="0"/>
               </a:spcBef>
               <a:buNone/>
               <a:defRPr/>
             </a:lvl6pPr>
-            <a:lvl7pPr indent="0" lvl="6" marL="0" algn="r">
+            <a:lvl7pPr marL="0" lvl="6" indent="0" algn="r">
               <a:spcBef>
                 <a:spcPts val="0"/>
               </a:spcBef>
               <a:buNone/>
               <a:defRPr/>
             </a:lvl7pPr>
-            <a:lvl8pPr indent="0" lvl="7" marL="0" algn="r">
+            <a:lvl8pPr marL="0" lvl="7" indent="0" algn="r">
               <a:spcBef>
                 <a:spcPts val="0"/>
               </a:spcBef>
               <a:buNone/>
               <a:defRPr/>
             </a:lvl8pPr>
-            <a:lvl9pPr indent="0" lvl="8" marL="0" algn="r">
+            <a:lvl9pPr marL="0" lvl="8" indent="0" algn="r">
               <a:spcBef>
                 <a:spcPts val="0"/>
               </a:spcBef>
@@ -10066,7 +10336,7 @@
             </a:lvl9pPr>
           </a:lstStyle>
           <a:p>
-            <a:pPr indent="0" lvl="0" marL="0" rtl="0" algn="r">
+            <a:pPr marL="0" lvl="0" indent="0" algn="r" rtl="0">
               <a:spcBef>
                 <a:spcPts val="0"/>
               </a:spcBef>
@@ -10092,18 +10362,19 @@
 </file>
 
 <file path=ppt/slideMasters/slideMaster1.xml><?xml version="1.0" encoding="utf-8"?>
-<p:sldMaster xmlns:a="http://schemas.openxmlformats.org/drawingml/2006/main" xmlns:r="http://schemas.openxmlformats.org/officeDocument/2006/relationships" xmlns:mc="http://schemas.openxmlformats.org/markup-compatibility/2006" xmlns:mv="urn:schemas-microsoft-com:mac:vml" xmlns:p="http://schemas.openxmlformats.org/presentationml/2006/main" xmlns:c="http://schemas.openxmlformats.org/drawingml/2006/chart" xmlns:dgm="http://schemas.openxmlformats.org/drawingml/2006/diagram" xmlns:o="urn:schemas-microsoft-com:office:office" xmlns:v="urn:schemas-microsoft-com:vml" xmlns:pvml="urn:schemas-microsoft-com:office:powerpoint" xmlns:com="http://schemas.openxmlformats.org/drawingml/2006/compatibility" xmlns:p14="http://schemas.microsoft.com/office/powerpoint/2010/main" xmlns:p15="http://schemas.microsoft.com/office/powerpoint/2012/main" xmlns:ahyp="http://schemas.microsoft.com/office/drawing/2018/hyperlinkcolor">
+<p:sldMaster xmlns:a="http://schemas.openxmlformats.org/drawingml/2006/main" xmlns:r="http://schemas.openxmlformats.org/officeDocument/2006/relationships" xmlns:p="http://schemas.openxmlformats.org/presentationml/2006/main">
   <p:cSld>
     <p:bg>
       <p:bgPr>
         <a:solidFill>
           <a:schemeClr val="lt1"/>
         </a:solidFill>
+        <a:effectLst/>
       </p:bgPr>
     </p:bg>
     <p:spTree>
       <p:nvGrpSpPr>
-        <p:cNvPr id="5" name="Shape 5"/>
+        <p:cNvPr id="1" name="Shape 5"/>
         <p:cNvGrpSpPr/>
         <p:nvPr/>
       </p:nvGrpSpPr>
@@ -10118,7 +10389,9 @@
       <p:sp>
         <p:nvSpPr>
           <p:cNvPr id="6" name="Google Shape;6;p8"/>
-          <p:cNvSpPr txBox="1"/>
+          <p:cNvSpPr txBox="1">
+            <a:spLocks noGrp="1"/>
+          </p:cNvSpPr>
           <p:nvPr>
             <p:ph type="title"/>
           </p:nvPr>
@@ -10137,11 +10410,11 @@
           </a:ln>
         </p:spPr>
         <p:txBody>
-          <a:bodyPr anchorCtr="0" anchor="ctr" bIns="45700" lIns="91425" spcFirstLastPara="1" rIns="91425" wrap="square" tIns="45700">
+          <a:bodyPr spcFirstLastPara="1" wrap="square" lIns="91425" tIns="45700" rIns="91425" bIns="45700" anchor="ctr" anchorCtr="0">
             <a:normAutofit/>
           </a:bodyPr>
           <a:lstStyle>
-            <a:lvl1pPr lvl="0" marR="0" rtl="0" algn="l">
+            <a:lvl1pPr marR="0" lvl="0" algn="l" rtl="0">
               <a:lnSpc>
                 <a:spcPct val="90000"/>
               </a:lnSpc>
@@ -10157,7 +10430,7 @@
               <a:buSzPts val="4400"/>
               <a:buFont typeface="Calibri"/>
               <a:buNone/>
-              <a:defRPr b="0" i="0" sz="4400" u="none" cap="none" strike="noStrike">
+              <a:defRPr sz="4400" b="0" i="0" u="none" strike="noStrike" cap="none">
                 <a:solidFill>
                   <a:schemeClr val="dk1"/>
                 </a:solidFill>
@@ -10256,15 +10529,19 @@
               <a:defRPr sz="1800"/>
             </a:lvl9pPr>
           </a:lstStyle>
-          <a:p/>
+          <a:p>
+            <a:endParaRPr/>
+          </a:p>
         </p:txBody>
       </p:sp>
       <p:sp>
         <p:nvSpPr>
           <p:cNvPr id="7" name="Google Shape;7;p8"/>
-          <p:cNvSpPr txBox="1"/>
+          <p:cNvSpPr txBox="1">
+            <a:spLocks noGrp="1"/>
+          </p:cNvSpPr>
           <p:nvPr>
-            <p:ph idx="1" type="body"/>
+            <p:ph type="body" idx="1"/>
           </p:nvPr>
         </p:nvSpPr>
         <p:spPr>
@@ -10281,11 +10558,11 @@
           </a:ln>
         </p:spPr>
         <p:txBody>
-          <a:bodyPr anchorCtr="0" anchor="t" bIns="45700" lIns="91425" spcFirstLastPara="1" rIns="91425" wrap="square" tIns="45700">
+          <a:bodyPr spcFirstLastPara="1" wrap="square" lIns="91425" tIns="45700" rIns="91425" bIns="45700" anchor="t" anchorCtr="0">
             <a:normAutofit/>
           </a:bodyPr>
           <a:lstStyle>
-            <a:lvl1pPr indent="-406400" lvl="0" marL="457200" marR="0" rtl="0" algn="l">
+            <a:lvl1pPr marL="457200" marR="0" lvl="0" indent="-406400" algn="l" rtl="0">
               <a:lnSpc>
                 <a:spcPct val="90000"/>
               </a:lnSpc>
@@ -10301,7 +10578,7 @@
               <a:buSzPts val="2800"/>
               <a:buFont typeface="Arial"/>
               <a:buChar char="•"/>
-              <a:defRPr b="0" i="0" sz="2800" u="none" cap="none" strike="noStrike">
+              <a:defRPr sz="2800" b="0" i="0" u="none" strike="noStrike" cap="none">
                 <a:solidFill>
                   <a:schemeClr val="dk1"/>
                 </a:solidFill>
@@ -10311,7 +10588,7 @@
                 <a:sym typeface="Calibri"/>
               </a:defRPr>
             </a:lvl1pPr>
-            <a:lvl2pPr indent="-381000" lvl="1" marL="914400" marR="0" rtl="0" algn="l">
+            <a:lvl2pPr marL="914400" marR="0" lvl="1" indent="-381000" algn="l" rtl="0">
               <a:lnSpc>
                 <a:spcPct val="90000"/>
               </a:lnSpc>
@@ -10327,7 +10604,7 @@
               <a:buSzPts val="2400"/>
               <a:buFont typeface="Arial"/>
               <a:buChar char="•"/>
-              <a:defRPr b="0" i="0" sz="2400" u="none" cap="none" strike="noStrike">
+              <a:defRPr sz="2400" b="0" i="0" u="none" strike="noStrike" cap="none">
                 <a:solidFill>
                   <a:schemeClr val="dk1"/>
                 </a:solidFill>
@@ -10337,7 +10614,7 @@
                 <a:sym typeface="Calibri"/>
               </a:defRPr>
             </a:lvl2pPr>
-            <a:lvl3pPr indent="-355600" lvl="2" marL="1371600" marR="0" rtl="0" algn="l">
+            <a:lvl3pPr marL="1371600" marR="0" lvl="2" indent="-355600" algn="l" rtl="0">
               <a:lnSpc>
                 <a:spcPct val="90000"/>
               </a:lnSpc>
@@ -10353,7 +10630,7 @@
               <a:buSzPts val="2000"/>
               <a:buFont typeface="Arial"/>
               <a:buChar char="•"/>
-              <a:defRPr b="0" i="0" sz="2000" u="none" cap="none" strike="noStrike">
+              <a:defRPr sz="2000" b="0" i="0" u="none" strike="noStrike" cap="none">
                 <a:solidFill>
                   <a:schemeClr val="dk1"/>
                 </a:solidFill>
@@ -10363,7 +10640,7 @@
                 <a:sym typeface="Calibri"/>
               </a:defRPr>
             </a:lvl3pPr>
-            <a:lvl4pPr indent="-342900" lvl="3" marL="1828800" marR="0" rtl="0" algn="l">
+            <a:lvl4pPr marL="1828800" marR="0" lvl="3" indent="-342900" algn="l" rtl="0">
               <a:lnSpc>
                 <a:spcPct val="90000"/>
               </a:lnSpc>
@@ -10379,7 +10656,7 @@
               <a:buSzPts val="1800"/>
               <a:buFont typeface="Arial"/>
               <a:buChar char="•"/>
-              <a:defRPr b="0" i="0" sz="1800" u="none" cap="none" strike="noStrike">
+              <a:defRPr sz="1800" b="0" i="0" u="none" strike="noStrike" cap="none">
                 <a:solidFill>
                   <a:schemeClr val="dk1"/>
                 </a:solidFill>
@@ -10389,7 +10666,7 @@
                 <a:sym typeface="Calibri"/>
               </a:defRPr>
             </a:lvl4pPr>
-            <a:lvl5pPr indent="-342900" lvl="4" marL="2286000" marR="0" rtl="0" algn="l">
+            <a:lvl5pPr marL="2286000" marR="0" lvl="4" indent="-342900" algn="l" rtl="0">
               <a:lnSpc>
                 <a:spcPct val="90000"/>
               </a:lnSpc>
@@ -10405,7 +10682,7 @@
               <a:buSzPts val="1800"/>
               <a:buFont typeface="Arial"/>
               <a:buChar char="•"/>
-              <a:defRPr b="0" i="0" sz="1800" u="none" cap="none" strike="noStrike">
+              <a:defRPr sz="1800" b="0" i="0" u="none" strike="noStrike" cap="none">
                 <a:solidFill>
                   <a:schemeClr val="dk1"/>
                 </a:solidFill>
@@ -10415,7 +10692,7 @@
                 <a:sym typeface="Calibri"/>
               </a:defRPr>
             </a:lvl5pPr>
-            <a:lvl6pPr indent="-342900" lvl="5" marL="2743200" marR="0" rtl="0" algn="l">
+            <a:lvl6pPr marL="2743200" marR="0" lvl="5" indent="-342900" algn="l" rtl="0">
               <a:lnSpc>
                 <a:spcPct val="90000"/>
               </a:lnSpc>
@@ -10431,7 +10708,7 @@
               <a:buSzPts val="1800"/>
               <a:buFont typeface="Arial"/>
               <a:buChar char="•"/>
-              <a:defRPr b="0" i="0" sz="1800" u="none" cap="none" strike="noStrike">
+              <a:defRPr sz="1800" b="0" i="0" u="none" strike="noStrike" cap="none">
                 <a:solidFill>
                   <a:schemeClr val="dk1"/>
                 </a:solidFill>
@@ -10441,7 +10718,7 @@
                 <a:sym typeface="Calibri"/>
               </a:defRPr>
             </a:lvl6pPr>
-            <a:lvl7pPr indent="-342900" lvl="6" marL="3200400" marR="0" rtl="0" algn="l">
+            <a:lvl7pPr marL="3200400" marR="0" lvl="6" indent="-342900" algn="l" rtl="0">
               <a:lnSpc>
                 <a:spcPct val="90000"/>
               </a:lnSpc>
@@ -10457,7 +10734,7 @@
               <a:buSzPts val="1800"/>
               <a:buFont typeface="Arial"/>
               <a:buChar char="•"/>
-              <a:defRPr b="0" i="0" sz="1800" u="none" cap="none" strike="noStrike">
+              <a:defRPr sz="1800" b="0" i="0" u="none" strike="noStrike" cap="none">
                 <a:solidFill>
                   <a:schemeClr val="dk1"/>
                 </a:solidFill>
@@ -10467,7 +10744,7 @@
                 <a:sym typeface="Calibri"/>
               </a:defRPr>
             </a:lvl7pPr>
-            <a:lvl8pPr indent="-342900" lvl="7" marL="3657600" marR="0" rtl="0" algn="l">
+            <a:lvl8pPr marL="3657600" marR="0" lvl="7" indent="-342900" algn="l" rtl="0">
               <a:lnSpc>
                 <a:spcPct val="90000"/>
               </a:lnSpc>
@@ -10483,7 +10760,7 @@
               <a:buSzPts val="1800"/>
               <a:buFont typeface="Arial"/>
               <a:buChar char="•"/>
-              <a:defRPr b="0" i="0" sz="1800" u="none" cap="none" strike="noStrike">
+              <a:defRPr sz="1800" b="0" i="0" u="none" strike="noStrike" cap="none">
                 <a:solidFill>
                   <a:schemeClr val="dk1"/>
                 </a:solidFill>
@@ -10493,7 +10770,7 @@
                 <a:sym typeface="Calibri"/>
               </a:defRPr>
             </a:lvl8pPr>
-            <a:lvl9pPr indent="-342900" lvl="8" marL="4114800" marR="0" rtl="0" algn="l">
+            <a:lvl9pPr marL="4114800" marR="0" lvl="8" indent="-342900" algn="l" rtl="0">
               <a:lnSpc>
                 <a:spcPct val="90000"/>
               </a:lnSpc>
@@ -10509,7 +10786,7 @@
               <a:buSzPts val="1800"/>
               <a:buFont typeface="Arial"/>
               <a:buChar char="•"/>
-              <a:defRPr b="0" i="0" sz="1800" u="none" cap="none" strike="noStrike">
+              <a:defRPr sz="1800" b="0" i="0" u="none" strike="noStrike" cap="none">
                 <a:solidFill>
                   <a:schemeClr val="dk1"/>
                 </a:solidFill>
@@ -10520,15 +10797,19 @@
               </a:defRPr>
             </a:lvl9pPr>
           </a:lstStyle>
-          <a:p/>
+          <a:p>
+            <a:endParaRPr/>
+          </a:p>
         </p:txBody>
       </p:sp>
       <p:sp>
         <p:nvSpPr>
           <p:cNvPr id="8" name="Google Shape;8;p8"/>
-          <p:cNvSpPr txBox="1"/>
+          <p:cNvSpPr txBox="1">
+            <a:spLocks noGrp="1"/>
+          </p:cNvSpPr>
           <p:nvPr>
-            <p:ph idx="10" type="dt"/>
+            <p:ph type="dt" idx="10"/>
           </p:nvPr>
         </p:nvSpPr>
         <p:spPr>
@@ -10545,20 +10826,20 @@
           </a:ln>
         </p:spPr>
         <p:txBody>
-          <a:bodyPr anchorCtr="0" anchor="ctr" bIns="45700" lIns="91425" spcFirstLastPara="1" rIns="91425" wrap="square" tIns="45700">
+          <a:bodyPr spcFirstLastPara="1" wrap="square" lIns="91425" tIns="45700" rIns="91425" bIns="45700" anchor="ctr" anchorCtr="0">
             <a:noAutofit/>
           </a:bodyPr>
           <a:lstStyle>
-            <a:lvl1pPr lvl="0" marR="0" rtl="0" algn="l">
-              <a:spcBef>
-                <a:spcPts val="0"/>
-              </a:spcBef>
-              <a:spcAft>
-                <a:spcPts val="0"/>
-              </a:spcAft>
-              <a:buSzPts val="1400"/>
-              <a:buNone/>
-              <a:defRPr b="0" i="0" sz="1200" u="none" cap="none" strike="noStrike">
+            <a:lvl1pPr marR="0" lvl="0" algn="l" rtl="0">
+              <a:spcBef>
+                <a:spcPts val="0"/>
+              </a:spcBef>
+              <a:spcAft>
+                <a:spcPts val="0"/>
+              </a:spcAft>
+              <a:buSzPts val="1400"/>
+              <a:buNone/>
+              <a:defRPr sz="1200" b="0" i="0" u="none" strike="noStrike" cap="none">
                 <a:solidFill>
                   <a:srgbClr val="888888"/>
                 </a:solidFill>
@@ -10568,16 +10849,16 @@
                 <a:sym typeface="Calibri"/>
               </a:defRPr>
             </a:lvl1pPr>
-            <a:lvl2pPr lvl="1" marR="0" rtl="0" algn="l">
-              <a:spcBef>
-                <a:spcPts val="0"/>
-              </a:spcBef>
-              <a:spcAft>
-                <a:spcPts val="0"/>
-              </a:spcAft>
-              <a:buSzPts val="1400"/>
-              <a:buNone/>
-              <a:defRPr b="0" i="0" sz="1800" u="none" cap="none" strike="noStrike">
+            <a:lvl2pPr marR="0" lvl="1" algn="l" rtl="0">
+              <a:spcBef>
+                <a:spcPts val="0"/>
+              </a:spcBef>
+              <a:spcAft>
+                <a:spcPts val="0"/>
+              </a:spcAft>
+              <a:buSzPts val="1400"/>
+              <a:buNone/>
+              <a:defRPr sz="1800" b="0" i="0" u="none" strike="noStrike" cap="none">
                 <a:solidFill>
                   <a:schemeClr val="dk1"/>
                 </a:solidFill>
@@ -10587,16 +10868,16 @@
                 <a:sym typeface="Calibri"/>
               </a:defRPr>
             </a:lvl2pPr>
-            <a:lvl3pPr lvl="2" marR="0" rtl="0" algn="l">
-              <a:spcBef>
-                <a:spcPts val="0"/>
-              </a:spcBef>
-              <a:spcAft>
-                <a:spcPts val="0"/>
-              </a:spcAft>
-              <a:buSzPts val="1400"/>
-              <a:buNone/>
-              <a:defRPr b="0" i="0" sz="1800" u="none" cap="none" strike="noStrike">
+            <a:lvl3pPr marR="0" lvl="2" algn="l" rtl="0">
+              <a:spcBef>
+                <a:spcPts val="0"/>
+              </a:spcBef>
+              <a:spcAft>
+                <a:spcPts val="0"/>
+              </a:spcAft>
+              <a:buSzPts val="1400"/>
+              <a:buNone/>
+              <a:defRPr sz="1800" b="0" i="0" u="none" strike="noStrike" cap="none">
                 <a:solidFill>
                   <a:schemeClr val="dk1"/>
                 </a:solidFill>
@@ -10606,16 +10887,16 @@
                 <a:sym typeface="Calibri"/>
               </a:defRPr>
             </a:lvl3pPr>
-            <a:lvl4pPr lvl="3" marR="0" rtl="0" algn="l">
-              <a:spcBef>
-                <a:spcPts val="0"/>
-              </a:spcBef>
-              <a:spcAft>
-                <a:spcPts val="0"/>
-              </a:spcAft>
-              <a:buSzPts val="1400"/>
-              <a:buNone/>
-              <a:defRPr b="0" i="0" sz="1800" u="none" cap="none" strike="noStrike">
+            <a:lvl4pPr marR="0" lvl="3" algn="l" rtl="0">
+              <a:spcBef>
+                <a:spcPts val="0"/>
+              </a:spcBef>
+              <a:spcAft>
+                <a:spcPts val="0"/>
+              </a:spcAft>
+              <a:buSzPts val="1400"/>
+              <a:buNone/>
+              <a:defRPr sz="1800" b="0" i="0" u="none" strike="noStrike" cap="none">
                 <a:solidFill>
                   <a:schemeClr val="dk1"/>
                 </a:solidFill>
@@ -10625,16 +10906,16 @@
                 <a:sym typeface="Calibri"/>
               </a:defRPr>
             </a:lvl4pPr>
-            <a:lvl5pPr lvl="4" marR="0" rtl="0" algn="l">
-              <a:spcBef>
-                <a:spcPts val="0"/>
-              </a:spcBef>
-              <a:spcAft>
-                <a:spcPts val="0"/>
-              </a:spcAft>
-              <a:buSzPts val="1400"/>
-              <a:buNone/>
-              <a:defRPr b="0" i="0" sz="1800" u="none" cap="none" strike="noStrike">
+            <a:lvl5pPr marR="0" lvl="4" algn="l" rtl="0">
+              <a:spcBef>
+                <a:spcPts val="0"/>
+              </a:spcBef>
+              <a:spcAft>
+                <a:spcPts val="0"/>
+              </a:spcAft>
+              <a:buSzPts val="1400"/>
+              <a:buNone/>
+              <a:defRPr sz="1800" b="0" i="0" u="none" strike="noStrike" cap="none">
                 <a:solidFill>
                   <a:schemeClr val="dk1"/>
                 </a:solidFill>
@@ -10644,16 +10925,16 @@
                 <a:sym typeface="Calibri"/>
               </a:defRPr>
             </a:lvl5pPr>
-            <a:lvl6pPr lvl="5" marR="0" rtl="0" algn="l">
-              <a:spcBef>
-                <a:spcPts val="0"/>
-              </a:spcBef>
-              <a:spcAft>
-                <a:spcPts val="0"/>
-              </a:spcAft>
-              <a:buSzPts val="1400"/>
-              <a:buNone/>
-              <a:defRPr b="0" i="0" sz="1800" u="none" cap="none" strike="noStrike">
+            <a:lvl6pPr marR="0" lvl="5" algn="l" rtl="0">
+              <a:spcBef>
+                <a:spcPts val="0"/>
+              </a:spcBef>
+              <a:spcAft>
+                <a:spcPts val="0"/>
+              </a:spcAft>
+              <a:buSzPts val="1400"/>
+              <a:buNone/>
+              <a:defRPr sz="1800" b="0" i="0" u="none" strike="noStrike" cap="none">
                 <a:solidFill>
                   <a:schemeClr val="dk1"/>
                 </a:solidFill>
@@ -10663,16 +10944,16 @@
                 <a:sym typeface="Calibri"/>
               </a:defRPr>
             </a:lvl6pPr>
-            <a:lvl7pPr lvl="6" marR="0" rtl="0" algn="l">
-              <a:spcBef>
-                <a:spcPts val="0"/>
-              </a:spcBef>
-              <a:spcAft>
-                <a:spcPts val="0"/>
-              </a:spcAft>
-              <a:buSzPts val="1400"/>
-              <a:buNone/>
-              <a:defRPr b="0" i="0" sz="1800" u="none" cap="none" strike="noStrike">
+            <a:lvl7pPr marR="0" lvl="6" algn="l" rtl="0">
+              <a:spcBef>
+                <a:spcPts val="0"/>
+              </a:spcBef>
+              <a:spcAft>
+                <a:spcPts val="0"/>
+              </a:spcAft>
+              <a:buSzPts val="1400"/>
+              <a:buNone/>
+              <a:defRPr sz="1800" b="0" i="0" u="none" strike="noStrike" cap="none">
                 <a:solidFill>
                   <a:schemeClr val="dk1"/>
                 </a:solidFill>
@@ -10682,16 +10963,16 @@
                 <a:sym typeface="Calibri"/>
               </a:defRPr>
             </a:lvl7pPr>
-            <a:lvl8pPr lvl="7" marR="0" rtl="0" algn="l">
-              <a:spcBef>
-                <a:spcPts val="0"/>
-              </a:spcBef>
-              <a:spcAft>
-                <a:spcPts val="0"/>
-              </a:spcAft>
-              <a:buSzPts val="1400"/>
-              <a:buNone/>
-              <a:defRPr b="0" i="0" sz="1800" u="none" cap="none" strike="noStrike">
+            <a:lvl8pPr marR="0" lvl="7" algn="l" rtl="0">
+              <a:spcBef>
+                <a:spcPts val="0"/>
+              </a:spcBef>
+              <a:spcAft>
+                <a:spcPts val="0"/>
+              </a:spcAft>
+              <a:buSzPts val="1400"/>
+              <a:buNone/>
+              <a:defRPr sz="1800" b="0" i="0" u="none" strike="noStrike" cap="none">
                 <a:solidFill>
                   <a:schemeClr val="dk1"/>
                 </a:solidFill>
@@ -10701,16 +10982,16 @@
                 <a:sym typeface="Calibri"/>
               </a:defRPr>
             </a:lvl8pPr>
-            <a:lvl9pPr lvl="8" marR="0" rtl="0" algn="l">
-              <a:spcBef>
-                <a:spcPts val="0"/>
-              </a:spcBef>
-              <a:spcAft>
-                <a:spcPts val="0"/>
-              </a:spcAft>
-              <a:buSzPts val="1400"/>
-              <a:buNone/>
-              <a:defRPr b="0" i="0" sz="1800" u="none" cap="none" strike="noStrike">
+            <a:lvl9pPr marR="0" lvl="8" algn="l" rtl="0">
+              <a:spcBef>
+                <a:spcPts val="0"/>
+              </a:spcBef>
+              <a:spcAft>
+                <a:spcPts val="0"/>
+              </a:spcAft>
+              <a:buSzPts val="1400"/>
+              <a:buNone/>
+              <a:defRPr sz="1800" b="0" i="0" u="none" strike="noStrike" cap="none">
                 <a:solidFill>
                   <a:schemeClr val="dk1"/>
                 </a:solidFill>
@@ -10721,15 +11002,19 @@
               </a:defRPr>
             </a:lvl9pPr>
           </a:lstStyle>
-          <a:p/>
+          <a:p>
+            <a:endParaRPr/>
+          </a:p>
         </p:txBody>
       </p:sp>
       <p:sp>
         <p:nvSpPr>
           <p:cNvPr id="9" name="Google Shape;9;p8"/>
-          <p:cNvSpPr txBox="1"/>
+          <p:cNvSpPr txBox="1">
+            <a:spLocks noGrp="1"/>
+          </p:cNvSpPr>
           <p:nvPr>
-            <p:ph idx="11" type="ftr"/>
+            <p:ph type="ftr" idx="11"/>
           </p:nvPr>
         </p:nvSpPr>
         <p:spPr>
@@ -10746,20 +11031,20 @@
           </a:ln>
         </p:spPr>
         <p:txBody>
-          <a:bodyPr anchorCtr="0" anchor="ctr" bIns="45700" lIns="91425" spcFirstLastPara="1" rIns="91425" wrap="square" tIns="45700">
+          <a:bodyPr spcFirstLastPara="1" wrap="square" lIns="91425" tIns="45700" rIns="91425" bIns="45700" anchor="ctr" anchorCtr="0">
             <a:noAutofit/>
           </a:bodyPr>
           <a:lstStyle>
-            <a:lvl1pPr lvl="0" marR="0" rtl="0" algn="ctr">
-              <a:spcBef>
-                <a:spcPts val="0"/>
-              </a:spcBef>
-              <a:spcAft>
-                <a:spcPts val="0"/>
-              </a:spcAft>
-              <a:buSzPts val="1400"/>
-              <a:buNone/>
-              <a:defRPr b="0" i="0" sz="1200" u="none" cap="none" strike="noStrike">
+            <a:lvl1pPr marR="0" lvl="0" algn="ctr" rtl="0">
+              <a:spcBef>
+                <a:spcPts val="0"/>
+              </a:spcBef>
+              <a:spcAft>
+                <a:spcPts val="0"/>
+              </a:spcAft>
+              <a:buSzPts val="1400"/>
+              <a:buNone/>
+              <a:defRPr sz="1200" b="0" i="0" u="none" strike="noStrike" cap="none">
                 <a:solidFill>
                   <a:srgbClr val="888888"/>
                 </a:solidFill>
@@ -10769,16 +11054,16 @@
                 <a:sym typeface="Calibri"/>
               </a:defRPr>
             </a:lvl1pPr>
-            <a:lvl2pPr lvl="1" marR="0" rtl="0" algn="l">
-              <a:spcBef>
-                <a:spcPts val="0"/>
-              </a:spcBef>
-              <a:spcAft>
-                <a:spcPts val="0"/>
-              </a:spcAft>
-              <a:buSzPts val="1400"/>
-              <a:buNone/>
-              <a:defRPr b="0" i="0" sz="1800" u="none" cap="none" strike="noStrike">
+            <a:lvl2pPr marR="0" lvl="1" algn="l" rtl="0">
+              <a:spcBef>
+                <a:spcPts val="0"/>
+              </a:spcBef>
+              <a:spcAft>
+                <a:spcPts val="0"/>
+              </a:spcAft>
+              <a:buSzPts val="1400"/>
+              <a:buNone/>
+              <a:defRPr sz="1800" b="0" i="0" u="none" strike="noStrike" cap="none">
                 <a:solidFill>
                   <a:schemeClr val="dk1"/>
                 </a:solidFill>
@@ -10788,16 +11073,16 @@
                 <a:sym typeface="Calibri"/>
               </a:defRPr>
             </a:lvl2pPr>
-            <a:lvl3pPr lvl="2" marR="0" rtl="0" algn="l">
-              <a:spcBef>
-                <a:spcPts val="0"/>
-              </a:spcBef>
-              <a:spcAft>
-                <a:spcPts val="0"/>
-              </a:spcAft>
-              <a:buSzPts val="1400"/>
-              <a:buNone/>
-              <a:defRPr b="0" i="0" sz="1800" u="none" cap="none" strike="noStrike">
+            <a:lvl3pPr marR="0" lvl="2" algn="l" rtl="0">
+              <a:spcBef>
+                <a:spcPts val="0"/>
+              </a:spcBef>
+              <a:spcAft>
+                <a:spcPts val="0"/>
+              </a:spcAft>
+              <a:buSzPts val="1400"/>
+              <a:buNone/>
+              <a:defRPr sz="1800" b="0" i="0" u="none" strike="noStrike" cap="none">
                 <a:solidFill>
                   <a:schemeClr val="dk1"/>
                 </a:solidFill>
@@ -10807,16 +11092,16 @@
                 <a:sym typeface="Calibri"/>
               </a:defRPr>
             </a:lvl3pPr>
-            <a:lvl4pPr lvl="3" marR="0" rtl="0" algn="l">
-              <a:spcBef>
-                <a:spcPts val="0"/>
-              </a:spcBef>
-              <a:spcAft>
-                <a:spcPts val="0"/>
-              </a:spcAft>
-              <a:buSzPts val="1400"/>
-              <a:buNone/>
-              <a:defRPr b="0" i="0" sz="1800" u="none" cap="none" strike="noStrike">
+            <a:lvl4pPr marR="0" lvl="3" algn="l" rtl="0">
+              <a:spcBef>
+                <a:spcPts val="0"/>
+              </a:spcBef>
+              <a:spcAft>
+                <a:spcPts val="0"/>
+              </a:spcAft>
+              <a:buSzPts val="1400"/>
+              <a:buNone/>
+              <a:defRPr sz="1800" b="0" i="0" u="none" strike="noStrike" cap="none">
                 <a:solidFill>
                   <a:schemeClr val="dk1"/>
                 </a:solidFill>
@@ -10826,16 +11111,16 @@
                 <a:sym typeface="Calibri"/>
               </a:defRPr>
             </a:lvl4pPr>
-            <a:lvl5pPr lvl="4" marR="0" rtl="0" algn="l">
-              <a:spcBef>
-                <a:spcPts val="0"/>
-              </a:spcBef>
-              <a:spcAft>
-                <a:spcPts val="0"/>
-              </a:spcAft>
-              <a:buSzPts val="1400"/>
-              <a:buNone/>
-              <a:defRPr b="0" i="0" sz="1800" u="none" cap="none" strike="noStrike">
+            <a:lvl5pPr marR="0" lvl="4" algn="l" rtl="0">
+              <a:spcBef>
+                <a:spcPts val="0"/>
+              </a:spcBef>
+              <a:spcAft>
+                <a:spcPts val="0"/>
+              </a:spcAft>
+              <a:buSzPts val="1400"/>
+              <a:buNone/>
+              <a:defRPr sz="1800" b="0" i="0" u="none" strike="noStrike" cap="none">
                 <a:solidFill>
                   <a:schemeClr val="dk1"/>
                 </a:solidFill>
@@ -10845,16 +11130,16 @@
                 <a:sym typeface="Calibri"/>
               </a:defRPr>
             </a:lvl5pPr>
-            <a:lvl6pPr lvl="5" marR="0" rtl="0" algn="l">
-              <a:spcBef>
-                <a:spcPts val="0"/>
-              </a:spcBef>
-              <a:spcAft>
-                <a:spcPts val="0"/>
-              </a:spcAft>
-              <a:buSzPts val="1400"/>
-              <a:buNone/>
-              <a:defRPr b="0" i="0" sz="1800" u="none" cap="none" strike="noStrike">
+            <a:lvl6pPr marR="0" lvl="5" algn="l" rtl="0">
+              <a:spcBef>
+                <a:spcPts val="0"/>
+              </a:spcBef>
+              <a:spcAft>
+                <a:spcPts val="0"/>
+              </a:spcAft>
+              <a:buSzPts val="1400"/>
+              <a:buNone/>
+              <a:defRPr sz="1800" b="0" i="0" u="none" strike="noStrike" cap="none">
                 <a:solidFill>
                   <a:schemeClr val="dk1"/>
                 </a:solidFill>
@@ -10864,16 +11149,16 @@
                 <a:sym typeface="Calibri"/>
               </a:defRPr>
             </a:lvl6pPr>
-            <a:lvl7pPr lvl="6" marR="0" rtl="0" algn="l">
-              <a:spcBef>
-                <a:spcPts val="0"/>
-              </a:spcBef>
-              <a:spcAft>
-                <a:spcPts val="0"/>
-              </a:spcAft>
-              <a:buSzPts val="1400"/>
-              <a:buNone/>
-              <a:defRPr b="0" i="0" sz="1800" u="none" cap="none" strike="noStrike">
+            <a:lvl7pPr marR="0" lvl="6" algn="l" rtl="0">
+              <a:spcBef>
+                <a:spcPts val="0"/>
+              </a:spcBef>
+              <a:spcAft>
+                <a:spcPts val="0"/>
+              </a:spcAft>
+              <a:buSzPts val="1400"/>
+              <a:buNone/>
+              <a:defRPr sz="1800" b="0" i="0" u="none" strike="noStrike" cap="none">
                 <a:solidFill>
                   <a:schemeClr val="dk1"/>
                 </a:solidFill>
@@ -10883,16 +11168,16 @@
                 <a:sym typeface="Calibri"/>
               </a:defRPr>
             </a:lvl7pPr>
-            <a:lvl8pPr lvl="7" marR="0" rtl="0" algn="l">
-              <a:spcBef>
-                <a:spcPts val="0"/>
-              </a:spcBef>
-              <a:spcAft>
-                <a:spcPts val="0"/>
-              </a:spcAft>
-              <a:buSzPts val="1400"/>
-              <a:buNone/>
-              <a:defRPr b="0" i="0" sz="1800" u="none" cap="none" strike="noStrike">
+            <a:lvl8pPr marR="0" lvl="7" algn="l" rtl="0">
+              <a:spcBef>
+                <a:spcPts val="0"/>
+              </a:spcBef>
+              <a:spcAft>
+                <a:spcPts val="0"/>
+              </a:spcAft>
+              <a:buSzPts val="1400"/>
+              <a:buNone/>
+              <a:defRPr sz="1800" b="0" i="0" u="none" strike="noStrike" cap="none">
                 <a:solidFill>
                   <a:schemeClr val="dk1"/>
                 </a:solidFill>
@@ -10902,16 +11187,16 @@
                 <a:sym typeface="Calibri"/>
               </a:defRPr>
             </a:lvl8pPr>
-            <a:lvl9pPr lvl="8" marR="0" rtl="0" algn="l">
-              <a:spcBef>
-                <a:spcPts val="0"/>
-              </a:spcBef>
-              <a:spcAft>
-                <a:spcPts val="0"/>
-              </a:spcAft>
-              <a:buSzPts val="1400"/>
-              <a:buNone/>
-              <a:defRPr b="0" i="0" sz="1800" u="none" cap="none" strike="noStrike">
+            <a:lvl9pPr marR="0" lvl="8" algn="l" rtl="0">
+              <a:spcBef>
+                <a:spcPts val="0"/>
+              </a:spcBef>
+              <a:spcAft>
+                <a:spcPts val="0"/>
+              </a:spcAft>
+              <a:buSzPts val="1400"/>
+              <a:buNone/>
+              <a:defRPr sz="1800" b="0" i="0" u="none" strike="noStrike" cap="none">
                 <a:solidFill>
                   <a:schemeClr val="dk1"/>
                 </a:solidFill>
@@ -10922,15 +11207,19 @@
               </a:defRPr>
             </a:lvl9pPr>
           </a:lstStyle>
-          <a:p/>
+          <a:p>
+            <a:endParaRPr/>
+          </a:p>
         </p:txBody>
       </p:sp>
       <p:sp>
         <p:nvSpPr>
           <p:cNvPr id="10" name="Google Shape;10;p8"/>
-          <p:cNvSpPr txBox="1"/>
+          <p:cNvSpPr txBox="1">
+            <a:spLocks noGrp="1"/>
+          </p:cNvSpPr>
           <p:nvPr>
-            <p:ph idx="12" type="sldNum"/>
+            <p:ph type="sldNum" idx="12"/>
           </p:nvPr>
         </p:nvSpPr>
         <p:spPr>
@@ -10947,16 +11236,16 @@
           </a:ln>
         </p:spPr>
         <p:txBody>
-          <a:bodyPr anchorCtr="0" anchor="ctr" bIns="45700" lIns="91425" spcFirstLastPara="1" rIns="91425" wrap="square" tIns="45700">
+          <a:bodyPr spcFirstLastPara="1" wrap="square" lIns="91425" tIns="45700" rIns="91425" bIns="45700" anchor="ctr" anchorCtr="0">
             <a:noAutofit/>
           </a:bodyPr>
           <a:lstStyle>
-            <a:lvl1pPr indent="0" lvl="0" marL="0" marR="0" rtl="0" algn="r">
-              <a:spcBef>
-                <a:spcPts val="0"/>
-              </a:spcBef>
-              <a:buNone/>
-              <a:defRPr b="0" i="0" sz="1200" u="none" cap="none" strike="noStrike">
+            <a:lvl1pPr marL="0" marR="0" lvl="0" indent="0" algn="r" rtl="0">
+              <a:spcBef>
+                <a:spcPts val="0"/>
+              </a:spcBef>
+              <a:buNone/>
+              <a:defRPr sz="1200" b="0" i="0" u="none" strike="noStrike" cap="none">
                 <a:solidFill>
                   <a:srgbClr val="888888"/>
                 </a:solidFill>
@@ -10966,12 +11255,12 @@
                 <a:sym typeface="Calibri"/>
               </a:defRPr>
             </a:lvl1pPr>
-            <a:lvl2pPr indent="0" lvl="1" marL="0" marR="0" rtl="0" algn="r">
-              <a:spcBef>
-                <a:spcPts val="0"/>
-              </a:spcBef>
-              <a:buNone/>
-              <a:defRPr b="0" i="0" sz="1200" u="none" cap="none" strike="noStrike">
+            <a:lvl2pPr marL="0" marR="0" lvl="1" indent="0" algn="r" rtl="0">
+              <a:spcBef>
+                <a:spcPts val="0"/>
+              </a:spcBef>
+              <a:buNone/>
+              <a:defRPr sz="1200" b="0" i="0" u="none" strike="noStrike" cap="none">
                 <a:solidFill>
                   <a:srgbClr val="888888"/>
                 </a:solidFill>
@@ -10981,12 +11270,12 @@
                 <a:sym typeface="Calibri"/>
               </a:defRPr>
             </a:lvl2pPr>
-            <a:lvl3pPr indent="0" lvl="2" marL="0" marR="0" rtl="0" algn="r">
-              <a:spcBef>
-                <a:spcPts val="0"/>
-              </a:spcBef>
-              <a:buNone/>
-              <a:defRPr b="0" i="0" sz="1200" u="none" cap="none" strike="noStrike">
+            <a:lvl3pPr marL="0" marR="0" lvl="2" indent="0" algn="r" rtl="0">
+              <a:spcBef>
+                <a:spcPts val="0"/>
+              </a:spcBef>
+              <a:buNone/>
+              <a:defRPr sz="1200" b="0" i="0" u="none" strike="noStrike" cap="none">
                 <a:solidFill>
                   <a:srgbClr val="888888"/>
                 </a:solidFill>
@@ -10996,12 +11285,12 @@
                 <a:sym typeface="Calibri"/>
               </a:defRPr>
             </a:lvl3pPr>
-            <a:lvl4pPr indent="0" lvl="3" marL="0" marR="0" rtl="0" algn="r">
-              <a:spcBef>
-                <a:spcPts val="0"/>
-              </a:spcBef>
-              <a:buNone/>
-              <a:defRPr b="0" i="0" sz="1200" u="none" cap="none" strike="noStrike">
+            <a:lvl4pPr marL="0" marR="0" lvl="3" indent="0" algn="r" rtl="0">
+              <a:spcBef>
+                <a:spcPts val="0"/>
+              </a:spcBef>
+              <a:buNone/>
+              <a:defRPr sz="1200" b="0" i="0" u="none" strike="noStrike" cap="none">
                 <a:solidFill>
                   <a:srgbClr val="888888"/>
                 </a:solidFill>
@@ -11011,12 +11300,12 @@
                 <a:sym typeface="Calibri"/>
               </a:defRPr>
             </a:lvl4pPr>
-            <a:lvl5pPr indent="0" lvl="4" marL="0" marR="0" rtl="0" algn="r">
-              <a:spcBef>
-                <a:spcPts val="0"/>
-              </a:spcBef>
-              <a:buNone/>
-              <a:defRPr b="0" i="0" sz="1200" u="none" cap="none" strike="noStrike">
+            <a:lvl5pPr marL="0" marR="0" lvl="4" indent="0" algn="r" rtl="0">
+              <a:spcBef>
+                <a:spcPts val="0"/>
+              </a:spcBef>
+              <a:buNone/>
+              <a:defRPr sz="1200" b="0" i="0" u="none" strike="noStrike" cap="none">
                 <a:solidFill>
                   <a:srgbClr val="888888"/>
                 </a:solidFill>
@@ -11026,12 +11315,12 @@
                 <a:sym typeface="Calibri"/>
               </a:defRPr>
             </a:lvl5pPr>
-            <a:lvl6pPr indent="0" lvl="5" marL="0" marR="0" rtl="0" algn="r">
-              <a:spcBef>
-                <a:spcPts val="0"/>
-              </a:spcBef>
-              <a:buNone/>
-              <a:defRPr b="0" i="0" sz="1200" u="none" cap="none" strike="noStrike">
+            <a:lvl6pPr marL="0" marR="0" lvl="5" indent="0" algn="r" rtl="0">
+              <a:spcBef>
+                <a:spcPts val="0"/>
+              </a:spcBef>
+              <a:buNone/>
+              <a:defRPr sz="1200" b="0" i="0" u="none" strike="noStrike" cap="none">
                 <a:solidFill>
                   <a:srgbClr val="888888"/>
                 </a:solidFill>
@@ -11041,12 +11330,12 @@
                 <a:sym typeface="Calibri"/>
               </a:defRPr>
             </a:lvl6pPr>
-            <a:lvl7pPr indent="0" lvl="6" marL="0" marR="0" rtl="0" algn="r">
-              <a:spcBef>
-                <a:spcPts val="0"/>
-              </a:spcBef>
-              <a:buNone/>
-              <a:defRPr b="0" i="0" sz="1200" u="none" cap="none" strike="noStrike">
+            <a:lvl7pPr marL="0" marR="0" lvl="6" indent="0" algn="r" rtl="0">
+              <a:spcBef>
+                <a:spcPts val="0"/>
+              </a:spcBef>
+              <a:buNone/>
+              <a:defRPr sz="1200" b="0" i="0" u="none" strike="noStrike" cap="none">
                 <a:solidFill>
                   <a:srgbClr val="888888"/>
                 </a:solidFill>
@@ -11056,12 +11345,12 @@
                 <a:sym typeface="Calibri"/>
               </a:defRPr>
             </a:lvl7pPr>
-            <a:lvl8pPr indent="0" lvl="7" marL="0" marR="0" rtl="0" algn="r">
-              <a:spcBef>
-                <a:spcPts val="0"/>
-              </a:spcBef>
-              <a:buNone/>
-              <a:defRPr b="0" i="0" sz="1200" u="none" cap="none" strike="noStrike">
+            <a:lvl8pPr marL="0" marR="0" lvl="7" indent="0" algn="r" rtl="0">
+              <a:spcBef>
+                <a:spcPts val="0"/>
+              </a:spcBef>
+              <a:buNone/>
+              <a:defRPr sz="1200" b="0" i="0" u="none" strike="noStrike" cap="none">
                 <a:solidFill>
                   <a:srgbClr val="888888"/>
                 </a:solidFill>
@@ -11071,12 +11360,12 @@
                 <a:sym typeface="Calibri"/>
               </a:defRPr>
             </a:lvl8pPr>
-            <a:lvl9pPr indent="0" lvl="8" marL="0" marR="0" rtl="0" algn="r">
-              <a:spcBef>
-                <a:spcPts val="0"/>
-              </a:spcBef>
-              <a:buNone/>
-              <a:defRPr b="0" i="0" sz="1200" u="none" cap="none" strike="noStrike">
+            <a:lvl9pPr marL="0" marR="0" lvl="8" indent="0" algn="r" rtl="0">
+              <a:spcBef>
+                <a:spcPts val="0"/>
+              </a:spcBef>
+              <a:buNone/>
+              <a:defRPr sz="1200" b="0" i="0" u="none" strike="noStrike" cap="none">
                 <a:solidFill>
                   <a:srgbClr val="888888"/>
                 </a:solidFill>
@@ -11088,7 +11377,7 @@
             </a:lvl9pPr>
           </a:lstStyle>
           <a:p>
-            <a:pPr indent="0" lvl="0" marL="0" rtl="0" algn="r">
+            <a:pPr marL="0" lvl="0" indent="0" algn="r" rtl="0">
               <a:spcBef>
                 <a:spcPts val="0"/>
               </a:spcBef>
@@ -11107,7 +11396,7 @@
       </p:sp>
     </p:spTree>
   </p:cSld>
-  <p:clrMap accent1="accent1" accent2="accent2" accent3="accent3" accent4="accent4" accent5="accent5" accent6="accent6" bg1="lt1" bg2="dk2" tx1="dk1" tx2="lt2" folHlink="folHlink" hlink="hlink"/>
+  <p:clrMap bg1="lt1" tx1="dk1" bg2="dk2" tx2="lt2" accent1="accent1" accent2="accent2" accent3="accent3" accent4="accent4" accent5="accent5" accent6="accent6" hlink="hlink" folHlink="folHlink"/>
   <p:sldLayoutIdLst>
     <p:sldLayoutId id="2147483649" r:id="rId1"/>
     <p:sldLayoutId id="2147483650" r:id="rId2"/>
@@ -11121,10 +11410,10 @@
     <p:sldLayoutId id="2147483658" r:id="rId10"/>
     <p:sldLayoutId id="2147483659" r:id="rId11"/>
   </p:sldLayoutIdLst>
-  <p:hf dt="0" ftr="0" hdr="0" sldNum="0"/>
+  <p:hf sldNum="0" hdr="0" ftr="0" dt="0"/>
   <p:txStyles>
     <p:titleStyle>
-      <a:defPPr lvl="0" marR="0" rtl="0" algn="l">
+      <a:defPPr marR="0" lvl="0" algn="l" rtl="0">
         <a:lnSpc>
           <a:spcPct val="100000"/>
         </a:lnSpc>
@@ -11135,7 +11424,7 @@
           <a:spcPts val="0"/>
         </a:spcAft>
       </a:defPPr>
-      <a:lvl1pPr lvl="0" marR="0" rtl="0" algn="l">
+      <a:lvl1pPr marR="0" lvl="0" algn="l" rtl="0">
         <a:lnSpc>
           <a:spcPct val="100000"/>
         </a:lnSpc>
@@ -11149,7 +11438,7 @@
           <a:srgbClr val="000000"/>
         </a:buClr>
         <a:buFont typeface="Arial"/>
-        <a:defRPr b="0" i="0" sz="1400" u="none" cap="none" strike="noStrike">
+        <a:defRPr sz="1400" b="0" i="0" u="none" strike="noStrike" cap="none">
           <a:solidFill>
             <a:srgbClr val="000000"/>
           </a:solidFill>
@@ -11159,7 +11448,7 @@
           <a:sym typeface="Arial"/>
         </a:defRPr>
       </a:lvl1pPr>
-      <a:lvl2pPr lvl="1" marR="0" rtl="0" algn="l">
+      <a:lvl2pPr marR="0" lvl="1" algn="l" rtl="0">
         <a:lnSpc>
           <a:spcPct val="100000"/>
         </a:lnSpc>
@@ -11173,7 +11462,7 @@
           <a:srgbClr val="000000"/>
         </a:buClr>
         <a:buFont typeface="Arial"/>
-        <a:defRPr b="0" i="0" sz="1400" u="none" cap="none" strike="noStrike">
+        <a:defRPr sz="1400" b="0" i="0" u="none" strike="noStrike" cap="none">
           <a:solidFill>
             <a:srgbClr val="000000"/>
           </a:solidFill>
@@ -11183,7 +11472,7 @@
           <a:sym typeface="Arial"/>
         </a:defRPr>
       </a:lvl2pPr>
-      <a:lvl3pPr lvl="2" marR="0" rtl="0" algn="l">
+      <a:lvl3pPr marR="0" lvl="2" algn="l" rtl="0">
         <a:lnSpc>
           <a:spcPct val="100000"/>
         </a:lnSpc>
@@ -11197,7 +11486,7 @@
           <a:srgbClr val="000000"/>
         </a:buClr>
         <a:buFont typeface="Arial"/>
-        <a:defRPr b="0" i="0" sz="1400" u="none" cap="none" strike="noStrike">
+        <a:defRPr sz="1400" b="0" i="0" u="none" strike="noStrike" cap="none">
           <a:solidFill>
             <a:srgbClr val="000000"/>
           </a:solidFill>
@@ -11207,7 +11496,7 @@
           <a:sym typeface="Arial"/>
         </a:defRPr>
       </a:lvl3pPr>
-      <a:lvl4pPr lvl="3" marR="0" rtl="0" algn="l">
+      <a:lvl4pPr marR="0" lvl="3" algn="l" rtl="0">
         <a:lnSpc>
           <a:spcPct val="100000"/>
         </a:lnSpc>
@@ -11221,7 +11510,7 @@
           <a:srgbClr val="000000"/>
         </a:buClr>
         <a:buFont typeface="Arial"/>
-        <a:defRPr b="0" i="0" sz="1400" u="none" cap="none" strike="noStrike">
+        <a:defRPr sz="1400" b="0" i="0" u="none" strike="noStrike" cap="none">
           <a:solidFill>
             <a:srgbClr val="000000"/>
           </a:solidFill>
@@ -11231,7 +11520,7 @@
           <a:sym typeface="Arial"/>
         </a:defRPr>
       </a:lvl4pPr>
-      <a:lvl5pPr lvl="4" marR="0" rtl="0" algn="l">
+      <a:lvl5pPr marR="0" lvl="4" algn="l" rtl="0">
         <a:lnSpc>
           <a:spcPct val="100000"/>
         </a:lnSpc>
@@ -11245,7 +11534,7 @@
           <a:srgbClr val="000000"/>
         </a:buClr>
         <a:buFont typeface="Arial"/>
-        <a:defRPr b="0" i="0" sz="1400" u="none" cap="none" strike="noStrike">
+        <a:defRPr sz="1400" b="0" i="0" u="none" strike="noStrike" cap="none">
           <a:solidFill>
             <a:srgbClr val="000000"/>
           </a:solidFill>
@@ -11255,7 +11544,7 @@
           <a:sym typeface="Arial"/>
         </a:defRPr>
       </a:lvl5pPr>
-      <a:lvl6pPr lvl="5" marR="0" rtl="0" algn="l">
+      <a:lvl6pPr marR="0" lvl="5" algn="l" rtl="0">
         <a:lnSpc>
           <a:spcPct val="100000"/>
         </a:lnSpc>
@@ -11269,7 +11558,7 @@
           <a:srgbClr val="000000"/>
         </a:buClr>
         <a:buFont typeface="Arial"/>
-        <a:defRPr b="0" i="0" sz="1400" u="none" cap="none" strike="noStrike">
+        <a:defRPr sz="1400" b="0" i="0" u="none" strike="noStrike" cap="none">
           <a:solidFill>
             <a:srgbClr val="000000"/>
           </a:solidFill>
@@ -11279,7 +11568,7 @@
           <a:sym typeface="Arial"/>
         </a:defRPr>
       </a:lvl6pPr>
-      <a:lvl7pPr lvl="6" marR="0" rtl="0" algn="l">
+      <a:lvl7pPr marR="0" lvl="6" algn="l" rtl="0">
         <a:lnSpc>
           <a:spcPct val="100000"/>
         </a:lnSpc>
@@ -11293,7 +11582,7 @@
           <a:srgbClr val="000000"/>
         </a:buClr>
         <a:buFont typeface="Arial"/>
-        <a:defRPr b="0" i="0" sz="1400" u="none" cap="none" strike="noStrike">
+        <a:defRPr sz="1400" b="0" i="0" u="none" strike="noStrike" cap="none">
           <a:solidFill>
             <a:srgbClr val="000000"/>
           </a:solidFill>
@@ -11303,7 +11592,7 @@
           <a:sym typeface="Arial"/>
         </a:defRPr>
       </a:lvl7pPr>
-      <a:lvl8pPr lvl="7" marR="0" rtl="0" algn="l">
+      <a:lvl8pPr marR="0" lvl="7" algn="l" rtl="0">
         <a:lnSpc>
           <a:spcPct val="100000"/>
         </a:lnSpc>
@@ -11317,7 +11606,7 @@
           <a:srgbClr val="000000"/>
         </a:buClr>
         <a:buFont typeface="Arial"/>
-        <a:defRPr b="0" i="0" sz="1400" u="none" cap="none" strike="noStrike">
+        <a:defRPr sz="1400" b="0" i="0" u="none" strike="noStrike" cap="none">
           <a:solidFill>
             <a:srgbClr val="000000"/>
           </a:solidFill>
@@ -11327,7 +11616,7 @@
           <a:sym typeface="Arial"/>
         </a:defRPr>
       </a:lvl8pPr>
-      <a:lvl9pPr lvl="8" marR="0" rtl="0" algn="l">
+      <a:lvl9pPr marR="0" lvl="8" algn="l" rtl="0">
         <a:lnSpc>
           <a:spcPct val="100000"/>
         </a:lnSpc>
@@ -11341,7 +11630,7 @@
           <a:srgbClr val="000000"/>
         </a:buClr>
         <a:buFont typeface="Arial"/>
-        <a:defRPr b="0" i="0" sz="1400" u="none" cap="none" strike="noStrike">
+        <a:defRPr sz="1400" b="0" i="0" u="none" strike="noStrike" cap="none">
           <a:solidFill>
             <a:srgbClr val="000000"/>
           </a:solidFill>
@@ -11353,7 +11642,7 @@
       </a:lvl9pPr>
     </p:titleStyle>
     <p:bodyStyle>
-      <a:defPPr lvl="0" marR="0" rtl="0" algn="l">
+      <a:defPPr marR="0" lvl="0" algn="l" rtl="0">
         <a:lnSpc>
           <a:spcPct val="100000"/>
         </a:lnSpc>
@@ -11364,7 +11653,7 @@
           <a:spcPts val="0"/>
         </a:spcAft>
       </a:defPPr>
-      <a:lvl1pPr lvl="0" marR="0" rtl="0" algn="l">
+      <a:lvl1pPr marR="0" lvl="0" algn="l" rtl="0">
         <a:lnSpc>
           <a:spcPct val="100000"/>
         </a:lnSpc>
@@ -11378,7 +11667,7 @@
           <a:srgbClr val="000000"/>
         </a:buClr>
         <a:buFont typeface="Arial"/>
-        <a:defRPr b="0" i="0" sz="1400" u="none" cap="none" strike="noStrike">
+        <a:defRPr sz="1400" b="0" i="0" u="none" strike="noStrike" cap="none">
           <a:solidFill>
             <a:srgbClr val="000000"/>
           </a:solidFill>
@@ -11388,7 +11677,7 @@
           <a:sym typeface="Arial"/>
         </a:defRPr>
       </a:lvl1pPr>
-      <a:lvl2pPr lvl="1" marR="0" rtl="0" algn="l">
+      <a:lvl2pPr marR="0" lvl="1" algn="l" rtl="0">
         <a:lnSpc>
           <a:spcPct val="100000"/>
         </a:lnSpc>
@@ -11402,7 +11691,7 @@
           <a:srgbClr val="000000"/>
         </a:buClr>
         <a:buFont typeface="Arial"/>
-        <a:defRPr b="0" i="0" sz="1400" u="none" cap="none" strike="noStrike">
+        <a:defRPr sz="1400" b="0" i="0" u="none" strike="noStrike" cap="none">
           <a:solidFill>
             <a:srgbClr val="000000"/>
           </a:solidFill>
@@ -11412,7 +11701,7 @@
           <a:sym typeface="Arial"/>
         </a:defRPr>
       </a:lvl2pPr>
-      <a:lvl3pPr lvl="2" marR="0" rtl="0" algn="l">
+      <a:lvl3pPr marR="0" lvl="2" algn="l" rtl="0">
         <a:lnSpc>
           <a:spcPct val="100000"/>
         </a:lnSpc>
@@ -11426,7 +11715,7 @@
           <a:srgbClr val="000000"/>
         </a:buClr>
         <a:buFont typeface="Arial"/>
-        <a:defRPr b="0" i="0" sz="1400" u="none" cap="none" strike="noStrike">
+        <a:defRPr sz="1400" b="0" i="0" u="none" strike="noStrike" cap="none">
           <a:solidFill>
             <a:srgbClr val="000000"/>
           </a:solidFill>
@@ -11436,7 +11725,7 @@
           <a:sym typeface="Arial"/>
         </a:defRPr>
       </a:lvl3pPr>
-      <a:lvl4pPr lvl="3" marR="0" rtl="0" algn="l">
+      <a:lvl4pPr marR="0" lvl="3" algn="l" rtl="0">
         <a:lnSpc>
           <a:spcPct val="100000"/>
         </a:lnSpc>
@@ -11450,7 +11739,7 @@
           <a:srgbClr val="000000"/>
         </a:buClr>
         <a:buFont typeface="Arial"/>
-        <a:defRPr b="0" i="0" sz="1400" u="none" cap="none" strike="noStrike">
+        <a:defRPr sz="1400" b="0" i="0" u="none" strike="noStrike" cap="none">
           <a:solidFill>
             <a:srgbClr val="000000"/>
           </a:solidFill>
@@ -11460,7 +11749,7 @@
           <a:sym typeface="Arial"/>
         </a:defRPr>
       </a:lvl4pPr>
-      <a:lvl5pPr lvl="4" marR="0" rtl="0" algn="l">
+      <a:lvl5pPr marR="0" lvl="4" algn="l" rtl="0">
         <a:lnSpc>
           <a:spcPct val="100000"/>
         </a:lnSpc>
@@ -11474,7 +11763,7 @@
           <a:srgbClr val="000000"/>
         </a:buClr>
         <a:buFont typeface="Arial"/>
-        <a:defRPr b="0" i="0" sz="1400" u="none" cap="none" strike="noStrike">
+        <a:defRPr sz="1400" b="0" i="0" u="none" strike="noStrike" cap="none">
           <a:solidFill>
             <a:srgbClr val="000000"/>
           </a:solidFill>
@@ -11484,7 +11773,7 @@
           <a:sym typeface="Arial"/>
         </a:defRPr>
       </a:lvl5pPr>
-      <a:lvl6pPr lvl="5" marR="0" rtl="0" algn="l">
+      <a:lvl6pPr marR="0" lvl="5" algn="l" rtl="0">
         <a:lnSpc>
           <a:spcPct val="100000"/>
         </a:lnSpc>
@@ -11498,7 +11787,7 @@
           <a:srgbClr val="000000"/>
         </a:buClr>
         <a:buFont typeface="Arial"/>
-        <a:defRPr b="0" i="0" sz="1400" u="none" cap="none" strike="noStrike">
+        <a:defRPr sz="1400" b="0" i="0" u="none" strike="noStrike" cap="none">
           <a:solidFill>
             <a:srgbClr val="000000"/>
           </a:solidFill>
@@ -11508,7 +11797,7 @@
           <a:sym typeface="Arial"/>
         </a:defRPr>
       </a:lvl6pPr>
-      <a:lvl7pPr lvl="6" marR="0" rtl="0" algn="l">
+      <a:lvl7pPr marR="0" lvl="6" algn="l" rtl="0">
         <a:lnSpc>
           <a:spcPct val="100000"/>
         </a:lnSpc>
@@ -11522,7 +11811,7 @@
           <a:srgbClr val="000000"/>
         </a:buClr>
         <a:buFont typeface="Arial"/>
-        <a:defRPr b="0" i="0" sz="1400" u="none" cap="none" strike="noStrike">
+        <a:defRPr sz="1400" b="0" i="0" u="none" strike="noStrike" cap="none">
           <a:solidFill>
             <a:srgbClr val="000000"/>
           </a:solidFill>
@@ -11532,7 +11821,7 @@
           <a:sym typeface="Arial"/>
         </a:defRPr>
       </a:lvl7pPr>
-      <a:lvl8pPr lvl="7" marR="0" rtl="0" algn="l">
+      <a:lvl8pPr marR="0" lvl="7" algn="l" rtl="0">
         <a:lnSpc>
           <a:spcPct val="100000"/>
         </a:lnSpc>
@@ -11546,7 +11835,7 @@
           <a:srgbClr val="000000"/>
         </a:buClr>
         <a:buFont typeface="Arial"/>
-        <a:defRPr b="0" i="0" sz="1400" u="none" cap="none" strike="noStrike">
+        <a:defRPr sz="1400" b="0" i="0" u="none" strike="noStrike" cap="none">
           <a:solidFill>
             <a:srgbClr val="000000"/>
           </a:solidFill>
@@ -11556,7 +11845,7 @@
           <a:sym typeface="Arial"/>
         </a:defRPr>
       </a:lvl8pPr>
-      <a:lvl9pPr lvl="8" marR="0" rtl="0" algn="l">
+      <a:lvl9pPr marR="0" lvl="8" algn="l" rtl="0">
         <a:lnSpc>
           <a:spcPct val="100000"/>
         </a:lnSpc>
@@ -11570,7 +11859,7 @@
           <a:srgbClr val="000000"/>
         </a:buClr>
         <a:buFont typeface="Arial"/>
-        <a:defRPr b="0" i="0" sz="1400" u="none" cap="none" strike="noStrike">
+        <a:defRPr sz="1400" b="0" i="0" u="none" strike="noStrike" cap="none">
           <a:solidFill>
             <a:srgbClr val="000000"/>
           </a:solidFill>
@@ -11582,7 +11871,7 @@
       </a:lvl9pPr>
     </p:bodyStyle>
     <p:otherStyle>
-      <a:defPPr lvl="0" marR="0" rtl="0" algn="l">
+      <a:defPPr marR="0" lvl="0" algn="l" rtl="0">
         <a:lnSpc>
           <a:spcPct val="100000"/>
         </a:lnSpc>
@@ -11593,7 +11882,7 @@
           <a:spcPts val="0"/>
         </a:spcAft>
       </a:defPPr>
-      <a:lvl1pPr lvl="0" marR="0" rtl="0" algn="l">
+      <a:lvl1pPr marR="0" lvl="0" algn="l" rtl="0">
         <a:lnSpc>
           <a:spcPct val="100000"/>
         </a:lnSpc>
@@ -11607,7 +11896,7 @@
           <a:srgbClr val="000000"/>
         </a:buClr>
         <a:buFont typeface="Arial"/>
-        <a:defRPr b="0" i="0" sz="1400" u="none" cap="none" strike="noStrike">
+        <a:defRPr sz="1400" b="0" i="0" u="none" strike="noStrike" cap="none">
           <a:solidFill>
             <a:srgbClr val="000000"/>
           </a:solidFill>
@@ -11617,7 +11906,7 @@
           <a:sym typeface="Arial"/>
         </a:defRPr>
       </a:lvl1pPr>
-      <a:lvl2pPr lvl="1" marR="0" rtl="0" algn="l">
+      <a:lvl2pPr marR="0" lvl="1" algn="l" rtl="0">
         <a:lnSpc>
           <a:spcPct val="100000"/>
         </a:lnSpc>
@@ -11631,7 +11920,7 @@
           <a:srgbClr val="000000"/>
         </a:buClr>
         <a:buFont typeface="Arial"/>
-        <a:defRPr b="0" i="0" sz="1400" u="none" cap="none" strike="noStrike">
+        <a:defRPr sz="1400" b="0" i="0" u="none" strike="noStrike" cap="none">
           <a:solidFill>
             <a:srgbClr val="000000"/>
           </a:solidFill>
@@ -11641,7 +11930,7 @@
           <a:sym typeface="Arial"/>
         </a:defRPr>
       </a:lvl2pPr>
-      <a:lvl3pPr lvl="2" marR="0" rtl="0" algn="l">
+      <a:lvl3pPr marR="0" lvl="2" algn="l" rtl="0">
         <a:lnSpc>
           <a:spcPct val="100000"/>
         </a:lnSpc>
@@ -11655,7 +11944,7 @@
           <a:srgbClr val="000000"/>
         </a:buClr>
         <a:buFont typeface="Arial"/>
-        <a:defRPr b="0" i="0" sz="1400" u="none" cap="none" strike="noStrike">
+        <a:defRPr sz="1400" b="0" i="0" u="none" strike="noStrike" cap="none">
           <a:solidFill>
             <a:srgbClr val="000000"/>
           </a:solidFill>
@@ -11665,7 +11954,7 @@
           <a:sym typeface="Arial"/>
         </a:defRPr>
       </a:lvl3pPr>
-      <a:lvl4pPr lvl="3" marR="0" rtl="0" algn="l">
+      <a:lvl4pPr marR="0" lvl="3" algn="l" rtl="0">
         <a:lnSpc>
           <a:spcPct val="100000"/>
         </a:lnSpc>
@@ -11679,7 +11968,7 @@
           <a:srgbClr val="000000"/>
         </a:buClr>
         <a:buFont typeface="Arial"/>
-        <a:defRPr b="0" i="0" sz="1400" u="none" cap="none" strike="noStrike">
+        <a:defRPr sz="1400" b="0" i="0" u="none" strike="noStrike" cap="none">
           <a:solidFill>
             <a:srgbClr val="000000"/>
           </a:solidFill>
@@ -11689,7 +11978,7 @@
           <a:sym typeface="Arial"/>
         </a:defRPr>
       </a:lvl4pPr>
-      <a:lvl5pPr lvl="4" marR="0" rtl="0" algn="l">
+      <a:lvl5pPr marR="0" lvl="4" algn="l" rtl="0">
         <a:lnSpc>
           <a:spcPct val="100000"/>
         </a:lnSpc>
@@ -11703,7 +11992,7 @@
           <a:srgbClr val="000000"/>
         </a:buClr>
         <a:buFont typeface="Arial"/>
-        <a:defRPr b="0" i="0" sz="1400" u="none" cap="none" strike="noStrike">
+        <a:defRPr sz="1400" b="0" i="0" u="none" strike="noStrike" cap="none">
           <a:solidFill>
             <a:srgbClr val="000000"/>
           </a:solidFill>
@@ -11713,7 +12002,7 @@
           <a:sym typeface="Arial"/>
         </a:defRPr>
       </a:lvl5pPr>
-      <a:lvl6pPr lvl="5" marR="0" rtl="0" algn="l">
+      <a:lvl6pPr marR="0" lvl="5" algn="l" rtl="0">
         <a:lnSpc>
           <a:spcPct val="100000"/>
         </a:lnSpc>
@@ -11727,7 +12016,7 @@
           <a:srgbClr val="000000"/>
         </a:buClr>
         <a:buFont typeface="Arial"/>
-        <a:defRPr b="0" i="0" sz="1400" u="none" cap="none" strike="noStrike">
+        <a:defRPr sz="1400" b="0" i="0" u="none" strike="noStrike" cap="none">
           <a:solidFill>
             <a:srgbClr val="000000"/>
           </a:solidFill>
@@ -11737,7 +12026,7 @@
           <a:sym typeface="Arial"/>
         </a:defRPr>
       </a:lvl6pPr>
-      <a:lvl7pPr lvl="6" marR="0" rtl="0" algn="l">
+      <a:lvl7pPr marR="0" lvl="6" algn="l" rtl="0">
         <a:lnSpc>
           <a:spcPct val="100000"/>
         </a:lnSpc>
@@ -11751,7 +12040,7 @@
           <a:srgbClr val="000000"/>
         </a:buClr>
         <a:buFont typeface="Arial"/>
-        <a:defRPr b="0" i="0" sz="1400" u="none" cap="none" strike="noStrike">
+        <a:defRPr sz="1400" b="0" i="0" u="none" strike="noStrike" cap="none">
           <a:solidFill>
             <a:srgbClr val="000000"/>
           </a:solidFill>
@@ -11761,7 +12050,7 @@
           <a:sym typeface="Arial"/>
         </a:defRPr>
       </a:lvl7pPr>
-      <a:lvl8pPr lvl="7" marR="0" rtl="0" algn="l">
+      <a:lvl8pPr marR="0" lvl="7" algn="l" rtl="0">
         <a:lnSpc>
           <a:spcPct val="100000"/>
         </a:lnSpc>
@@ -11775,7 +12064,7 @@
           <a:srgbClr val="000000"/>
         </a:buClr>
         <a:buFont typeface="Arial"/>
-        <a:defRPr b="0" i="0" sz="1400" u="none" cap="none" strike="noStrike">
+        <a:defRPr sz="1400" b="0" i="0" u="none" strike="noStrike" cap="none">
           <a:solidFill>
             <a:srgbClr val="000000"/>
           </a:solidFill>
@@ -11785,7 +12074,7 @@
           <a:sym typeface="Arial"/>
         </a:defRPr>
       </a:lvl8pPr>
-      <a:lvl9pPr lvl="8" marR="0" rtl="0" algn="l">
+      <a:lvl9pPr marR="0" lvl="8" algn="l" rtl="0">
         <a:lnSpc>
           <a:spcPct val="100000"/>
         </a:lnSpc>
@@ -11799,7 +12088,7 @@
           <a:srgbClr val="000000"/>
         </a:buClr>
         <a:buFont typeface="Arial"/>
-        <a:defRPr b="0" i="0" sz="1400" u="none" cap="none" strike="noStrike">
+        <a:defRPr sz="1400" b="0" i="0" u="none" strike="noStrike" cap="none">
           <a:solidFill>
             <a:srgbClr val="000000"/>
           </a:solidFill>
@@ -11815,11 +12104,11 @@
 </file>
 
 <file path=ppt/slides/slide1.xml><?xml version="1.0" encoding="utf-8"?>
-<p:sld xmlns:a="http://schemas.openxmlformats.org/drawingml/2006/main" xmlns:r="http://schemas.openxmlformats.org/officeDocument/2006/relationships" xmlns:mc="http://schemas.openxmlformats.org/markup-compatibility/2006" xmlns:mv="urn:schemas-microsoft-com:mac:vml" xmlns:p="http://schemas.openxmlformats.org/presentationml/2006/main" xmlns:c="http://schemas.openxmlformats.org/drawingml/2006/chart" xmlns:dgm="http://schemas.openxmlformats.org/drawingml/2006/diagram" xmlns:o="urn:schemas-microsoft-com:office:office" xmlns:v="urn:schemas-microsoft-com:vml" xmlns:pvml="urn:schemas-microsoft-com:office:powerpoint" xmlns:com="http://schemas.openxmlformats.org/drawingml/2006/compatibility" xmlns:p14="http://schemas.microsoft.com/office/powerpoint/2010/main" xmlns:p15="http://schemas.microsoft.com/office/powerpoint/2012/main" xmlns:ahyp="http://schemas.microsoft.com/office/drawing/2018/hyperlinkcolor">
+<p:sld xmlns:a="http://schemas.openxmlformats.org/drawingml/2006/main" xmlns:r="http://schemas.openxmlformats.org/officeDocument/2006/relationships" xmlns:p="http://schemas.openxmlformats.org/presentationml/2006/main">
   <p:cSld>
     <p:spTree>
       <p:nvGrpSpPr>
-        <p:cNvPr id="83" name="Shape 83"/>
+        <p:cNvPr id="1" name="Shape 83"/>
         <p:cNvGrpSpPr/>
         <p:nvPr/>
       </p:nvGrpSpPr>
@@ -11834,7 +12123,9 @@
       <p:sp>
         <p:nvSpPr>
           <p:cNvPr id="84" name="Google Shape;84;p1"/>
-          <p:cNvSpPr txBox="1"/>
+          <p:cNvSpPr txBox="1">
+            <a:spLocks noGrp="1"/>
+          </p:cNvSpPr>
           <p:nvPr>
             <p:ph type="ctrTitle"/>
           </p:nvPr>
@@ -11853,12 +12144,12 @@
           </a:ln>
         </p:spPr>
         <p:txBody>
-          <a:bodyPr anchorCtr="0" anchor="b" bIns="45700" lIns="91425" spcFirstLastPara="1" rIns="91425" wrap="square" tIns="45700">
+          <a:bodyPr spcFirstLastPara="1" wrap="square" lIns="91425" tIns="45700" rIns="91425" bIns="45700" anchor="b" anchorCtr="0">
             <a:noAutofit/>
           </a:bodyPr>
           <a:lstStyle/>
           <a:p>
-            <a:pPr indent="0" lvl="0" marL="0" rtl="0" algn="ctr">
+            <a:pPr marL="0" lvl="0" indent="0" algn="ctr" rtl="0">
               <a:lnSpc>
                 <a:spcPct val="90000"/>
               </a:lnSpc>
@@ -11876,7 +12167,7 @@
               <a:buNone/>
             </a:pPr>
             <a:r>
-              <a:rPr b="1" lang="en-IN" sz="4400" u="sng"/>
+              <a:rPr lang="en-IN" sz="4400" b="1" u="sng"/>
               <a:t>DAA Assignment 4 </a:t>
             </a:r>
             <a:br>
@@ -11896,9 +12187,11 @@
       <p:sp>
         <p:nvSpPr>
           <p:cNvPr id="85" name="Google Shape;85;p1"/>
-          <p:cNvSpPr txBox="1"/>
+          <p:cNvSpPr txBox="1">
+            <a:spLocks noGrp="1"/>
+          </p:cNvSpPr>
           <p:nvPr>
-            <p:ph idx="1" type="subTitle"/>
+            <p:ph type="subTitle" idx="1"/>
           </p:nvPr>
         </p:nvSpPr>
         <p:spPr>
@@ -11915,12 +12208,12 @@
           </a:ln>
         </p:spPr>
         <p:txBody>
-          <a:bodyPr anchorCtr="0" anchor="t" bIns="45700" lIns="91425" spcFirstLastPara="1" rIns="91425" wrap="square" tIns="45700">
+          <a:bodyPr spcFirstLastPara="1" wrap="square" lIns="91425" tIns="45700" rIns="91425" bIns="45700" anchor="t" anchorCtr="0">
             <a:normAutofit lnSpcReduction="10000"/>
           </a:bodyPr>
           <a:lstStyle/>
           <a:p>
-            <a:pPr indent="0" lvl="0" marL="0" rtl="0" algn="ctr">
+            <a:pPr marL="0" lvl="0" indent="0" algn="ctr" rtl="0">
               <a:lnSpc>
                 <a:spcPct val="90000"/>
               </a:lnSpc>
@@ -11943,7 +12236,7 @@
             <a:endParaRPr/>
           </a:p>
           <a:p>
-            <a:pPr indent="0" lvl="0" marL="0" rtl="0" algn="l">
+            <a:pPr marL="0" lvl="0" indent="0" algn="l" rtl="0">
               <a:lnSpc>
                 <a:spcPct val="90000"/>
               </a:lnSpc>
@@ -11966,7 +12259,7 @@
             <a:endParaRPr/>
           </a:p>
           <a:p>
-            <a:pPr indent="0" lvl="0" marL="0" rtl="0" algn="l">
+            <a:pPr marL="0" lvl="0" indent="0" algn="l" rtl="0">
               <a:lnSpc>
                 <a:spcPct val="90000"/>
               </a:lnSpc>
@@ -11987,13 +12280,13 @@
               <a:t>				      </a:t>
             </a:r>
             <a:r>
-              <a:rPr b="1" lang="en-IN"/>
+              <a:rPr lang="en-IN" b="1"/>
               <a:t>Roll-No.            Name               Github ID </a:t>
             </a:r>
             <a:endParaRPr b="1"/>
           </a:p>
           <a:p>
-            <a:pPr indent="0" lvl="0" marL="0" rtl="0" algn="ctr">
+            <a:pPr marL="0" lvl="0" indent="0" algn="ctr" rtl="0">
               <a:lnSpc>
                 <a:spcPct val="90000"/>
               </a:lnSpc>
@@ -12009,13 +12302,10 @@
               <a:buSzPts val="2400"/>
               <a:buNone/>
             </a:pPr>
-            <a:r>
-              <a:t/>
-            </a:r>
             <a:endParaRPr b="1"/>
           </a:p>
           <a:p>
-            <a:pPr indent="0" lvl="0" marL="0" rtl="0" algn="ctr">
+            <a:pPr marL="0" lvl="0" indent="0" algn="ctr" rtl="0">
               <a:lnSpc>
                 <a:spcPct val="90000"/>
               </a:lnSpc>
@@ -12031,9 +12321,6 @@
               <a:buSzPts val="2400"/>
               <a:buNone/>
             </a:pPr>
-            <a:r>
-              <a:t/>
-            </a:r>
             <a:endParaRPr/>
           </a:p>
         </p:txBody>
@@ -12046,19 +12333,37 @@
         </p:nvGraphicFramePr>
         <p:xfrm>
           <a:off x="3743325" y="4517539"/>
-          <a:ext cx="3000000" cy="3000000"/>
+          <a:ext cx="5391150" cy="1103240"/>
         </p:xfrm>
         <a:graphic>
           <a:graphicData uri="http://schemas.openxmlformats.org/drawingml/2006/table">
             <a:tbl>
               <a:tblPr>
                 <a:noFill/>
-                <a:tableStyleId>{DF1FFA1B-B85D-4F78-A69B-AC2F2A918D77}</a:tableStyleId>
+                <a:tableStyleId>{0B9ADF5A-E950-4F7F-A33B-86FA14E12A3D}</a:tableStyleId>
               </a:tblPr>
               <a:tblGrid>
-                <a:gridCol w="1797050"/>
-                <a:gridCol w="1797050"/>
-                <a:gridCol w="1797050"/>
+                <a:gridCol w="1797050">
+                  <a:extLst>
+                    <a:ext uri="{9D8B030D-6E8A-4147-A177-3AD203B41FA5}">
+                      <a16:colId xmlns:a16="http://schemas.microsoft.com/office/drawing/2014/main" val="20000"/>
+                    </a:ext>
+                  </a:extLst>
+                </a:gridCol>
+                <a:gridCol w="1797050">
+                  <a:extLst>
+                    <a:ext uri="{9D8B030D-6E8A-4147-A177-3AD203B41FA5}">
+                      <a16:colId xmlns:a16="http://schemas.microsoft.com/office/drawing/2014/main" val="20001"/>
+                    </a:ext>
+                  </a:extLst>
+                </a:gridCol>
+                <a:gridCol w="1797050">
+                  <a:extLst>
+                    <a:ext uri="{9D8B030D-6E8A-4147-A177-3AD203B41FA5}">
+                      <a16:colId xmlns:a16="http://schemas.microsoft.com/office/drawing/2014/main" val="20002"/>
+                    </a:ext>
+                  </a:extLst>
+                </a:gridCol>
               </a:tblGrid>
               <a:tr h="402200">
                 <a:tc>
@@ -12066,7 +12371,7 @@
                     <a:bodyPr/>
                     <a:lstStyle/>
                     <a:p>
-                      <a:pPr indent="0" lvl="0" marL="0" marR="0" rtl="0" algn="l">
+                      <a:pPr marL="0" marR="0" lvl="0" indent="0" algn="l" rtl="0">
                         <a:spcBef>
                           <a:spcPts val="0"/>
                         </a:spcBef>
@@ -12076,7 +12381,7 @@
                         <a:buNone/>
                       </a:pPr>
                       <a:r>
-                        <a:rPr lang="en-IN" sz="1800" u="none" cap="none" strike="noStrike"/>
+                        <a:rPr lang="en-IN" sz="1800" u="none" strike="noStrike" cap="none"/>
                         <a:t>IIT201900</a:t>
                       </a:r>
                       <a:r>
@@ -12086,8 +12391,8 @@
                       <a:endParaRPr/>
                     </a:p>
                   </a:txBody>
-                  <a:tcPr marT="38100" marB="38100" marR="82550" marL="82550" anchor="ctr">
-                    <a:lnL cap="flat" cmpd="sng" w="9525">
+                  <a:tcPr marL="82550" marR="82550" marT="38100" marB="38100" anchor="ctr">
+                    <a:lnL w="9525" cap="flat" cmpd="sng">
                       <a:solidFill>
                         <a:srgbClr val="000000">
                           <a:alpha val="0"/>
@@ -12095,10 +12400,10 @@
                       </a:solidFill>
                       <a:prstDash val="solid"/>
                       <a:round/>
-                      <a:headEnd len="sm" w="sm" type="none"/>
-                      <a:tailEnd len="sm" w="sm" type="none"/>
+                      <a:headEnd type="none" w="sm" len="sm"/>
+                      <a:tailEnd type="none" w="sm" len="sm"/>
                     </a:lnL>
-                    <a:lnR cap="flat" cmpd="sng" w="9525">
+                    <a:lnR w="9525" cap="flat" cmpd="sng">
                       <a:solidFill>
                         <a:srgbClr val="000000">
                           <a:alpha val="0"/>
@@ -12106,10 +12411,10 @@
                       </a:solidFill>
                       <a:prstDash val="solid"/>
                       <a:round/>
-                      <a:headEnd len="sm" w="sm" type="none"/>
-                      <a:tailEnd len="sm" w="sm" type="none"/>
+                      <a:headEnd type="none" w="sm" len="sm"/>
+                      <a:tailEnd type="none" w="sm" len="sm"/>
                     </a:lnR>
-                    <a:lnT cap="flat" cmpd="sng" w="9525">
+                    <a:lnT w="9525" cap="flat" cmpd="sng">
                       <a:solidFill>
                         <a:srgbClr val="000000">
                           <a:alpha val="0"/>
@@ -12117,10 +12422,10 @@
                       </a:solidFill>
                       <a:prstDash val="solid"/>
                       <a:round/>
-                      <a:headEnd len="sm" w="sm" type="none"/>
-                      <a:tailEnd len="sm" w="sm" type="none"/>
+                      <a:headEnd type="none" w="sm" len="sm"/>
+                      <a:tailEnd type="none" w="sm" len="sm"/>
                     </a:lnT>
-                    <a:lnB cap="flat" cmpd="sng" w="9525">
+                    <a:lnB w="9525" cap="flat" cmpd="sng">
                       <a:solidFill>
                         <a:srgbClr val="000000">
                           <a:alpha val="0"/>
@@ -12128,8 +12433,8 @@
                       </a:solidFill>
                       <a:prstDash val="solid"/>
                       <a:round/>
-                      <a:headEnd len="sm" w="sm" type="none"/>
-                      <a:tailEnd len="sm" w="sm" type="none"/>
+                      <a:headEnd type="none" w="sm" len="sm"/>
+                      <a:tailEnd type="none" w="sm" len="sm"/>
                     </a:lnB>
                     <a:solidFill>
                       <a:srgbClr val="FFFFFF"/>
@@ -12141,7 +12446,7 @@
                     <a:bodyPr/>
                     <a:lstStyle/>
                     <a:p>
-                      <a:pPr indent="0" lvl="0" marL="0" marR="0" rtl="0" algn="l">
+                      <a:pPr marL="0" marR="0" lvl="0" indent="0" algn="l" rtl="0">
                         <a:spcBef>
                           <a:spcPts val="0"/>
                         </a:spcBef>
@@ -12157,8 +12462,8 @@
                       <a:endParaRPr/>
                     </a:p>
                   </a:txBody>
-                  <a:tcPr marT="38100" marB="38100" marR="82550" marL="82550" anchor="ctr">
-                    <a:lnL cap="flat" cmpd="sng" w="9525">
+                  <a:tcPr marL="82550" marR="82550" marT="38100" marB="38100" anchor="ctr">
+                    <a:lnL w="9525" cap="flat" cmpd="sng">
                       <a:solidFill>
                         <a:srgbClr val="000000">
                           <a:alpha val="0"/>
@@ -12166,10 +12471,10 @@
                       </a:solidFill>
                       <a:prstDash val="solid"/>
                       <a:round/>
-                      <a:headEnd len="sm" w="sm" type="none"/>
-                      <a:tailEnd len="sm" w="sm" type="none"/>
+                      <a:headEnd type="none" w="sm" len="sm"/>
+                      <a:tailEnd type="none" w="sm" len="sm"/>
                     </a:lnL>
-                    <a:lnR cap="flat" cmpd="sng" w="9525">
+                    <a:lnR w="9525" cap="flat" cmpd="sng">
                       <a:solidFill>
                         <a:srgbClr val="000000">
                           <a:alpha val="0"/>
@@ -12177,10 +12482,10 @@
                       </a:solidFill>
                       <a:prstDash val="solid"/>
                       <a:round/>
-                      <a:headEnd len="sm" w="sm" type="none"/>
-                      <a:tailEnd len="sm" w="sm" type="none"/>
+                      <a:headEnd type="none" w="sm" len="sm"/>
+                      <a:tailEnd type="none" w="sm" len="sm"/>
                     </a:lnR>
-                    <a:lnT cap="flat" cmpd="sng" w="9525">
+                    <a:lnT w="9525" cap="flat" cmpd="sng">
                       <a:solidFill>
                         <a:srgbClr val="000000">
                           <a:alpha val="0"/>
@@ -12188,10 +12493,10 @@
                       </a:solidFill>
                       <a:prstDash val="solid"/>
                       <a:round/>
-                      <a:headEnd len="sm" w="sm" type="none"/>
-                      <a:tailEnd len="sm" w="sm" type="none"/>
+                      <a:headEnd type="none" w="sm" len="sm"/>
+                      <a:tailEnd type="none" w="sm" len="sm"/>
                     </a:lnT>
-                    <a:lnB cap="flat" cmpd="sng" w="9525">
+                    <a:lnB w="9525" cap="flat" cmpd="sng">
                       <a:solidFill>
                         <a:srgbClr val="000000">
                           <a:alpha val="0"/>
@@ -12199,8 +12504,8 @@
                       </a:solidFill>
                       <a:prstDash val="solid"/>
                       <a:round/>
-                      <a:headEnd len="sm" w="sm" type="none"/>
-                      <a:tailEnd len="sm" w="sm" type="none"/>
+                      <a:headEnd type="none" w="sm" len="sm"/>
+                      <a:tailEnd type="none" w="sm" len="sm"/>
                     </a:lnB>
                     <a:solidFill>
                       <a:srgbClr val="FFFFFF"/>
@@ -12212,7 +12517,7 @@
                     <a:bodyPr/>
                     <a:lstStyle/>
                     <a:p>
-                      <a:pPr indent="0" lvl="0" marL="0" marR="0" rtl="0" algn="l">
+                      <a:pPr marL="0" marR="0" lvl="0" indent="0" algn="l" rtl="0">
                         <a:spcBef>
                           <a:spcPts val="0"/>
                         </a:spcBef>
@@ -12228,8 +12533,8 @@
                       <a:endParaRPr sz="1800"/>
                     </a:p>
                   </a:txBody>
-                  <a:tcPr marT="38100" marB="38100" marR="82550" marL="82550" anchor="ctr">
-                    <a:lnL cap="flat" cmpd="sng" w="9525">
+                  <a:tcPr marL="82550" marR="82550" marT="38100" marB="38100" anchor="ctr">
+                    <a:lnL w="9525" cap="flat" cmpd="sng">
                       <a:solidFill>
                         <a:srgbClr val="000000">
                           <a:alpha val="0"/>
@@ -12237,10 +12542,10 @@
                       </a:solidFill>
                       <a:prstDash val="solid"/>
                       <a:round/>
-                      <a:headEnd len="sm" w="sm" type="none"/>
-                      <a:tailEnd len="sm" w="sm" type="none"/>
+                      <a:headEnd type="none" w="sm" len="sm"/>
+                      <a:tailEnd type="none" w="sm" len="sm"/>
                     </a:lnL>
-                    <a:lnR cap="flat" cmpd="sng" w="9525">
+                    <a:lnR w="9525" cap="flat" cmpd="sng">
                       <a:solidFill>
                         <a:srgbClr val="000000">
                           <a:alpha val="0"/>
@@ -12248,10 +12553,10 @@
                       </a:solidFill>
                       <a:prstDash val="solid"/>
                       <a:round/>
-                      <a:headEnd len="sm" w="sm" type="none"/>
-                      <a:tailEnd len="sm" w="sm" type="none"/>
+                      <a:headEnd type="none" w="sm" len="sm"/>
+                      <a:tailEnd type="none" w="sm" len="sm"/>
                     </a:lnR>
-                    <a:lnT cap="flat" cmpd="sng" w="9525">
+                    <a:lnT w="9525" cap="flat" cmpd="sng">
                       <a:solidFill>
                         <a:srgbClr val="000000">
                           <a:alpha val="0"/>
@@ -12259,10 +12564,10 @@
                       </a:solidFill>
                       <a:prstDash val="solid"/>
                       <a:round/>
-                      <a:headEnd len="sm" w="sm" type="none"/>
-                      <a:tailEnd len="sm" w="sm" type="none"/>
+                      <a:headEnd type="none" w="sm" len="sm"/>
+                      <a:tailEnd type="none" w="sm" len="sm"/>
                     </a:lnT>
-                    <a:lnB cap="flat" cmpd="sng" w="9525">
+                    <a:lnB w="9525" cap="flat" cmpd="sng">
                       <a:solidFill>
                         <a:srgbClr val="000000">
                           <a:alpha val="0"/>
@@ -12270,14 +12575,19 @@
                       </a:solidFill>
                       <a:prstDash val="solid"/>
                       <a:round/>
-                      <a:headEnd len="sm" w="sm" type="none"/>
-                      <a:tailEnd len="sm" w="sm" type="none"/>
+                      <a:headEnd type="none" w="sm" len="sm"/>
+                      <a:tailEnd type="none" w="sm" len="sm"/>
                     </a:lnB>
                     <a:solidFill>
                       <a:srgbClr val="FFFFFF"/>
                     </a:solidFill>
                   </a:tcPr>
                 </a:tc>
+                <a:extLst>
+                  <a:ext uri="{0D108BD9-81ED-4DB2-BD59-A6C34878D82A}">
+                    <a16:rowId xmlns:a16="http://schemas.microsoft.com/office/drawing/2014/main" val="10000"/>
+                  </a:ext>
+                </a:extLst>
               </a:tr>
               <a:tr h="225625">
                 <a:tc>
@@ -12285,7 +12595,7 @@
                     <a:bodyPr/>
                     <a:lstStyle/>
                     <a:p>
-                      <a:pPr indent="0" lvl="0" marL="0" marR="0" rtl="0" algn="l">
+                      <a:pPr marL="0" marR="0" lvl="0" indent="0" algn="l" rtl="0">
                         <a:spcBef>
                           <a:spcPts val="0"/>
                         </a:spcBef>
@@ -12301,8 +12611,8 @@
                       <a:endParaRPr/>
                     </a:p>
                   </a:txBody>
-                  <a:tcPr marT="38100" marB="38100" marR="82550" marL="82550" anchor="ctr">
-                    <a:lnL cap="flat" cmpd="sng" w="9525">
+                  <a:tcPr marL="82550" marR="82550" marT="38100" marB="38100" anchor="ctr">
+                    <a:lnL w="9525" cap="flat" cmpd="sng">
                       <a:solidFill>
                         <a:srgbClr val="000000">
                           <a:alpha val="0"/>
@@ -12310,10 +12620,10 @@
                       </a:solidFill>
                       <a:prstDash val="solid"/>
                       <a:round/>
-                      <a:headEnd len="sm" w="sm" type="none"/>
-                      <a:tailEnd len="sm" w="sm" type="none"/>
+                      <a:headEnd type="none" w="sm" len="sm"/>
+                      <a:tailEnd type="none" w="sm" len="sm"/>
                     </a:lnL>
-                    <a:lnR cap="flat" cmpd="sng" w="9525">
+                    <a:lnR w="9525" cap="flat" cmpd="sng">
                       <a:solidFill>
                         <a:srgbClr val="000000">
                           <a:alpha val="0"/>
@@ -12321,10 +12631,10 @@
                       </a:solidFill>
                       <a:prstDash val="solid"/>
                       <a:round/>
-                      <a:headEnd len="sm" w="sm" type="none"/>
-                      <a:tailEnd len="sm" w="sm" type="none"/>
+                      <a:headEnd type="none" w="sm" len="sm"/>
+                      <a:tailEnd type="none" w="sm" len="sm"/>
                     </a:lnR>
-                    <a:lnT cap="flat" cmpd="sng" w="9525">
+                    <a:lnT w="9525" cap="flat" cmpd="sng">
                       <a:solidFill>
                         <a:srgbClr val="000000">
                           <a:alpha val="0"/>
@@ -12332,10 +12642,10 @@
                       </a:solidFill>
                       <a:prstDash val="solid"/>
                       <a:round/>
-                      <a:headEnd len="sm" w="sm" type="none"/>
-                      <a:tailEnd len="sm" w="sm" type="none"/>
+                      <a:headEnd type="none" w="sm" len="sm"/>
+                      <a:tailEnd type="none" w="sm" len="sm"/>
                     </a:lnT>
-                    <a:lnB cap="flat" cmpd="sng" w="9525">
+                    <a:lnB w="9525" cap="flat" cmpd="sng">
                       <a:solidFill>
                         <a:srgbClr val="000000">
                           <a:alpha val="0"/>
@@ -12343,8 +12653,8 @@
                       </a:solidFill>
                       <a:prstDash val="solid"/>
                       <a:round/>
-                      <a:headEnd len="sm" w="sm" type="none"/>
-                      <a:tailEnd len="sm" w="sm" type="none"/>
+                      <a:headEnd type="none" w="sm" len="sm"/>
+                      <a:tailEnd type="none" w="sm" len="sm"/>
                     </a:lnB>
                     <a:solidFill>
                       <a:srgbClr val="FFFFFF"/>
@@ -12356,7 +12666,7 @@
                     <a:bodyPr/>
                     <a:lstStyle/>
                     <a:p>
-                      <a:pPr indent="0" lvl="0" marL="0" marR="0" rtl="0" algn="l">
+                      <a:pPr marL="0" marR="0" lvl="0" indent="0" algn="l" rtl="0">
                         <a:spcBef>
                           <a:spcPts val="0"/>
                         </a:spcBef>
@@ -12372,8 +12682,8 @@
                       <a:endParaRPr/>
                     </a:p>
                   </a:txBody>
-                  <a:tcPr marT="38100" marB="38100" marR="82550" marL="82550" anchor="ctr">
-                    <a:lnL cap="flat" cmpd="sng" w="9525">
+                  <a:tcPr marL="82550" marR="82550" marT="38100" marB="38100" anchor="ctr">
+                    <a:lnL w="9525" cap="flat" cmpd="sng">
                       <a:solidFill>
                         <a:srgbClr val="000000">
                           <a:alpha val="0"/>
@@ -12381,10 +12691,10 @@
                       </a:solidFill>
                       <a:prstDash val="solid"/>
                       <a:round/>
-                      <a:headEnd len="sm" w="sm" type="none"/>
-                      <a:tailEnd len="sm" w="sm" type="none"/>
+                      <a:headEnd type="none" w="sm" len="sm"/>
+                      <a:tailEnd type="none" w="sm" len="sm"/>
                     </a:lnL>
-                    <a:lnR cap="flat" cmpd="sng" w="9525">
+                    <a:lnR w="9525" cap="flat" cmpd="sng">
                       <a:solidFill>
                         <a:srgbClr val="000000">
                           <a:alpha val="0"/>
@@ -12392,10 +12702,10 @@
                       </a:solidFill>
                       <a:prstDash val="solid"/>
                       <a:round/>
-                      <a:headEnd len="sm" w="sm" type="none"/>
-                      <a:tailEnd len="sm" w="sm" type="none"/>
+                      <a:headEnd type="none" w="sm" len="sm"/>
+                      <a:tailEnd type="none" w="sm" len="sm"/>
                     </a:lnR>
-                    <a:lnT cap="flat" cmpd="sng" w="9525">
+                    <a:lnT w="9525" cap="flat" cmpd="sng">
                       <a:solidFill>
                         <a:srgbClr val="000000">
                           <a:alpha val="0"/>
@@ -12403,10 +12713,10 @@
                       </a:solidFill>
                       <a:prstDash val="solid"/>
                       <a:round/>
-                      <a:headEnd len="sm" w="sm" type="none"/>
-                      <a:tailEnd len="sm" w="sm" type="none"/>
+                      <a:headEnd type="none" w="sm" len="sm"/>
+                      <a:tailEnd type="none" w="sm" len="sm"/>
                     </a:lnT>
-                    <a:lnB cap="flat" cmpd="sng" w="9525">
+                    <a:lnB w="9525" cap="flat" cmpd="sng">
                       <a:solidFill>
                         <a:srgbClr val="000000">
                           <a:alpha val="0"/>
@@ -12414,8 +12724,8 @@
                       </a:solidFill>
                       <a:prstDash val="solid"/>
                       <a:round/>
-                      <a:headEnd len="sm" w="sm" type="none"/>
-                      <a:tailEnd len="sm" w="sm" type="none"/>
+                      <a:headEnd type="none" w="sm" len="sm"/>
+                      <a:tailEnd type="none" w="sm" len="sm"/>
                     </a:lnB>
                     <a:solidFill>
                       <a:srgbClr val="FFFFFF"/>
@@ -12427,7 +12737,7 @@
                     <a:bodyPr/>
                     <a:lstStyle/>
                     <a:p>
-                      <a:pPr indent="0" lvl="0" marL="0" marR="0" rtl="0" algn="l">
+                      <a:pPr marL="0" marR="0" lvl="0" indent="0" algn="l" rtl="0">
                         <a:spcBef>
                           <a:spcPts val="0"/>
                         </a:spcBef>
@@ -12443,8 +12753,8 @@
                       <a:endParaRPr/>
                     </a:p>
                   </a:txBody>
-                  <a:tcPr marT="38100" marB="38100" marR="82550" marL="82550" anchor="ctr">
-                    <a:lnL cap="flat" cmpd="sng" w="9525">
+                  <a:tcPr marL="82550" marR="82550" marT="38100" marB="38100" anchor="ctr">
+                    <a:lnL w="9525" cap="flat" cmpd="sng">
                       <a:solidFill>
                         <a:srgbClr val="000000">
                           <a:alpha val="0"/>
@@ -12452,10 +12762,10 @@
                       </a:solidFill>
                       <a:prstDash val="solid"/>
                       <a:round/>
-                      <a:headEnd len="sm" w="sm" type="none"/>
-                      <a:tailEnd len="sm" w="sm" type="none"/>
+                      <a:headEnd type="none" w="sm" len="sm"/>
+                      <a:tailEnd type="none" w="sm" len="sm"/>
                     </a:lnL>
-                    <a:lnR cap="flat" cmpd="sng" w="9525">
+                    <a:lnR w="9525" cap="flat" cmpd="sng">
                       <a:solidFill>
                         <a:srgbClr val="000000">
                           <a:alpha val="0"/>
@@ -12463,10 +12773,10 @@
                       </a:solidFill>
                       <a:prstDash val="solid"/>
                       <a:round/>
-                      <a:headEnd len="sm" w="sm" type="none"/>
-                      <a:tailEnd len="sm" w="sm" type="none"/>
+                      <a:headEnd type="none" w="sm" len="sm"/>
+                      <a:tailEnd type="none" w="sm" len="sm"/>
                     </a:lnR>
-                    <a:lnT cap="flat" cmpd="sng" w="9525">
+                    <a:lnT w="9525" cap="flat" cmpd="sng">
                       <a:solidFill>
                         <a:srgbClr val="000000">
                           <a:alpha val="0"/>
@@ -12474,10 +12784,10 @@
                       </a:solidFill>
                       <a:prstDash val="solid"/>
                       <a:round/>
-                      <a:headEnd len="sm" w="sm" type="none"/>
-                      <a:tailEnd len="sm" w="sm" type="none"/>
+                      <a:headEnd type="none" w="sm" len="sm"/>
+                      <a:tailEnd type="none" w="sm" len="sm"/>
                     </a:lnT>
-                    <a:lnB cap="flat" cmpd="sng" w="9525">
+                    <a:lnB w="9525" cap="flat" cmpd="sng">
                       <a:solidFill>
                         <a:srgbClr val="000000">
                           <a:alpha val="0"/>
@@ -12485,14 +12795,19 @@
                       </a:solidFill>
                       <a:prstDash val="solid"/>
                       <a:round/>
-                      <a:headEnd len="sm" w="sm" type="none"/>
-                      <a:tailEnd len="sm" w="sm" type="none"/>
+                      <a:headEnd type="none" w="sm" len="sm"/>
+                      <a:tailEnd type="none" w="sm" len="sm"/>
                     </a:lnB>
                     <a:solidFill>
                       <a:srgbClr val="FFFFFF"/>
                     </a:solidFill>
                   </a:tcPr>
                 </a:tc>
+                <a:extLst>
+                  <a:ext uri="{0D108BD9-81ED-4DB2-BD59-A6C34878D82A}">
+                    <a16:rowId xmlns:a16="http://schemas.microsoft.com/office/drawing/2014/main" val="10001"/>
+                  </a:ext>
+                </a:extLst>
               </a:tr>
               <a:tr h="225625">
                 <a:tc>
@@ -12500,7 +12815,7 @@
                     <a:bodyPr/>
                     <a:lstStyle/>
                     <a:p>
-                      <a:pPr indent="0" lvl="0" marL="0" marR="0" rtl="0" algn="l">
+                      <a:pPr marL="0" marR="0" lvl="0" indent="0" algn="l" rtl="0">
                         <a:spcBef>
                           <a:spcPts val="0"/>
                         </a:spcBef>
@@ -12516,8 +12831,8 @@
                       <a:endParaRPr/>
                     </a:p>
                   </a:txBody>
-                  <a:tcPr marT="38100" marB="38100" marR="82550" marL="82550" anchor="ctr">
-                    <a:lnL cap="flat" cmpd="sng" w="9525">
+                  <a:tcPr marL="82550" marR="82550" marT="38100" marB="38100" anchor="ctr">
+                    <a:lnL w="9525" cap="flat" cmpd="sng">
                       <a:solidFill>
                         <a:srgbClr val="000000">
                           <a:alpha val="0"/>
@@ -12525,10 +12840,10 @@
                       </a:solidFill>
                       <a:prstDash val="solid"/>
                       <a:round/>
-                      <a:headEnd len="sm" w="sm" type="none"/>
-                      <a:tailEnd len="sm" w="sm" type="none"/>
+                      <a:headEnd type="none" w="sm" len="sm"/>
+                      <a:tailEnd type="none" w="sm" len="sm"/>
                     </a:lnL>
-                    <a:lnR cap="flat" cmpd="sng" w="9525">
+                    <a:lnR w="9525" cap="flat" cmpd="sng">
                       <a:solidFill>
                         <a:srgbClr val="000000">
                           <a:alpha val="0"/>
@@ -12536,10 +12851,10 @@
                       </a:solidFill>
                       <a:prstDash val="solid"/>
                       <a:round/>
-                      <a:headEnd len="sm" w="sm" type="none"/>
-                      <a:tailEnd len="sm" w="sm" type="none"/>
+                      <a:headEnd type="none" w="sm" len="sm"/>
+                      <a:tailEnd type="none" w="sm" len="sm"/>
                     </a:lnR>
-                    <a:lnT cap="flat" cmpd="sng" w="9525">
+                    <a:lnT w="9525" cap="flat" cmpd="sng">
                       <a:solidFill>
                         <a:srgbClr val="000000">
                           <a:alpha val="0"/>
@@ -12547,10 +12862,10 @@
                       </a:solidFill>
                       <a:prstDash val="solid"/>
                       <a:round/>
-                      <a:headEnd len="sm" w="sm" type="none"/>
-                      <a:tailEnd len="sm" w="sm" type="none"/>
+                      <a:headEnd type="none" w="sm" len="sm"/>
+                      <a:tailEnd type="none" w="sm" len="sm"/>
                     </a:lnT>
-                    <a:lnB cap="flat" cmpd="sng" w="9525">
+                    <a:lnB w="9525" cap="flat" cmpd="sng">
                       <a:solidFill>
                         <a:srgbClr val="000000">
                           <a:alpha val="0"/>
@@ -12558,8 +12873,8 @@
                       </a:solidFill>
                       <a:prstDash val="solid"/>
                       <a:round/>
-                      <a:headEnd len="sm" w="sm" type="none"/>
-                      <a:tailEnd len="sm" w="sm" type="none"/>
+                      <a:headEnd type="none" w="sm" len="sm"/>
+                      <a:tailEnd type="none" w="sm" len="sm"/>
                     </a:lnB>
                     <a:solidFill>
                       <a:srgbClr val="FFFFFF"/>
@@ -12571,7 +12886,7 @@
                     <a:bodyPr/>
                     <a:lstStyle/>
                     <a:p>
-                      <a:pPr indent="0" lvl="0" marL="0" marR="0" rtl="0" algn="l">
+                      <a:pPr marL="0" marR="0" lvl="0" indent="0" algn="l" rtl="0">
                         <a:spcBef>
                           <a:spcPts val="0"/>
                         </a:spcBef>
@@ -12587,8 +12902,8 @@
                       <a:endParaRPr/>
                     </a:p>
                   </a:txBody>
-                  <a:tcPr marT="38100" marB="38100" marR="82550" marL="82550" anchor="ctr">
-                    <a:lnL cap="flat" cmpd="sng" w="9525">
+                  <a:tcPr marL="82550" marR="82550" marT="38100" marB="38100" anchor="ctr">
+                    <a:lnL w="9525" cap="flat" cmpd="sng">
                       <a:solidFill>
                         <a:srgbClr val="000000">
                           <a:alpha val="0"/>
@@ -12596,10 +12911,10 @@
                       </a:solidFill>
                       <a:prstDash val="solid"/>
                       <a:round/>
-                      <a:headEnd len="sm" w="sm" type="none"/>
-                      <a:tailEnd len="sm" w="sm" type="none"/>
+                      <a:headEnd type="none" w="sm" len="sm"/>
+                      <a:tailEnd type="none" w="sm" len="sm"/>
                     </a:lnL>
-                    <a:lnR cap="flat" cmpd="sng" w="9525">
+                    <a:lnR w="9525" cap="flat" cmpd="sng">
                       <a:solidFill>
                         <a:srgbClr val="000000">
                           <a:alpha val="0"/>
@@ -12607,10 +12922,10 @@
                       </a:solidFill>
                       <a:prstDash val="solid"/>
                       <a:round/>
-                      <a:headEnd len="sm" w="sm" type="none"/>
-                      <a:tailEnd len="sm" w="sm" type="none"/>
+                      <a:headEnd type="none" w="sm" len="sm"/>
+                      <a:tailEnd type="none" w="sm" len="sm"/>
                     </a:lnR>
-                    <a:lnT cap="flat" cmpd="sng" w="9525">
+                    <a:lnT w="9525" cap="flat" cmpd="sng">
                       <a:solidFill>
                         <a:srgbClr val="000000">
                           <a:alpha val="0"/>
@@ -12618,10 +12933,10 @@
                       </a:solidFill>
                       <a:prstDash val="solid"/>
                       <a:round/>
-                      <a:headEnd len="sm" w="sm" type="none"/>
-                      <a:tailEnd len="sm" w="sm" type="none"/>
+                      <a:headEnd type="none" w="sm" len="sm"/>
+                      <a:tailEnd type="none" w="sm" len="sm"/>
                     </a:lnT>
-                    <a:lnB cap="flat" cmpd="sng" w="9525">
+                    <a:lnB w="9525" cap="flat" cmpd="sng">
                       <a:solidFill>
                         <a:srgbClr val="000000">
                           <a:alpha val="0"/>
@@ -12629,8 +12944,8 @@
                       </a:solidFill>
                       <a:prstDash val="solid"/>
                       <a:round/>
-                      <a:headEnd len="sm" w="sm" type="none"/>
-                      <a:tailEnd len="sm" w="sm" type="none"/>
+                      <a:headEnd type="none" w="sm" len="sm"/>
+                      <a:tailEnd type="none" w="sm" len="sm"/>
                     </a:lnB>
                     <a:solidFill>
                       <a:srgbClr val="FFFFFF"/>
@@ -12642,7 +12957,7 @@
                     <a:bodyPr/>
                     <a:lstStyle/>
                     <a:p>
-                      <a:pPr indent="0" lvl="0" marL="0" marR="0" rtl="0" algn="l">
+                      <a:pPr marL="0" marR="0" lvl="0" indent="0" algn="l" rtl="0">
                         <a:spcBef>
                           <a:spcPts val="0"/>
                         </a:spcBef>
@@ -12658,8 +12973,8 @@
                       <a:endParaRPr sz="1800"/>
                     </a:p>
                   </a:txBody>
-                  <a:tcPr marT="38100" marB="38100" marR="82550" marL="82550" anchor="ctr">
-                    <a:lnL cap="flat" cmpd="sng" w="9525">
+                  <a:tcPr marL="82550" marR="82550" marT="38100" marB="38100" anchor="ctr">
+                    <a:lnL w="9525" cap="flat" cmpd="sng">
                       <a:solidFill>
                         <a:srgbClr val="000000">
                           <a:alpha val="0"/>
@@ -12667,10 +12982,10 @@
                       </a:solidFill>
                       <a:prstDash val="solid"/>
                       <a:round/>
-                      <a:headEnd len="sm" w="sm" type="none"/>
-                      <a:tailEnd len="sm" w="sm" type="none"/>
+                      <a:headEnd type="none" w="sm" len="sm"/>
+                      <a:tailEnd type="none" w="sm" len="sm"/>
                     </a:lnL>
-                    <a:lnR cap="flat" cmpd="sng" w="9525">
+                    <a:lnR w="9525" cap="flat" cmpd="sng">
                       <a:solidFill>
                         <a:srgbClr val="000000">
                           <a:alpha val="0"/>
@@ -12678,10 +12993,10 @@
                       </a:solidFill>
                       <a:prstDash val="solid"/>
                       <a:round/>
-                      <a:headEnd len="sm" w="sm" type="none"/>
-                      <a:tailEnd len="sm" w="sm" type="none"/>
+                      <a:headEnd type="none" w="sm" len="sm"/>
+                      <a:tailEnd type="none" w="sm" len="sm"/>
                     </a:lnR>
-                    <a:lnT cap="flat" cmpd="sng" w="9525">
+                    <a:lnT w="9525" cap="flat" cmpd="sng">
                       <a:solidFill>
                         <a:srgbClr val="000000">
                           <a:alpha val="0"/>
@@ -12689,10 +13004,10 @@
                       </a:solidFill>
                       <a:prstDash val="solid"/>
                       <a:round/>
-                      <a:headEnd len="sm" w="sm" type="none"/>
-                      <a:tailEnd len="sm" w="sm" type="none"/>
+                      <a:headEnd type="none" w="sm" len="sm"/>
+                      <a:tailEnd type="none" w="sm" len="sm"/>
                     </a:lnT>
-                    <a:lnB cap="flat" cmpd="sng" w="9525">
+                    <a:lnB w="9525" cap="flat" cmpd="sng">
                       <a:solidFill>
                         <a:srgbClr val="000000">
                           <a:alpha val="0"/>
@@ -12700,14 +13015,19 @@
                       </a:solidFill>
                       <a:prstDash val="solid"/>
                       <a:round/>
-                      <a:headEnd len="sm" w="sm" type="none"/>
-                      <a:tailEnd len="sm" w="sm" type="none"/>
+                      <a:headEnd type="none" w="sm" len="sm"/>
+                      <a:tailEnd type="none" w="sm" len="sm"/>
                     </a:lnB>
                     <a:solidFill>
                       <a:srgbClr val="FFFFFF"/>
                     </a:solidFill>
                   </a:tcPr>
                 </a:tc>
+                <a:extLst>
+                  <a:ext uri="{0D108BD9-81ED-4DB2-BD59-A6C34878D82A}">
+                    <a16:rowId xmlns:a16="http://schemas.microsoft.com/office/drawing/2014/main" val="10002"/>
+                  </a:ext>
+                </a:extLst>
               </a:tr>
             </a:tbl>
           </a:graphicData>
@@ -12722,11 +13042,11 @@
 </file>
 
 <file path=ppt/slides/slide2.xml><?xml version="1.0" encoding="utf-8"?>
-<p:sld xmlns:a="http://schemas.openxmlformats.org/drawingml/2006/main" xmlns:r="http://schemas.openxmlformats.org/officeDocument/2006/relationships" xmlns:mc="http://schemas.openxmlformats.org/markup-compatibility/2006" xmlns:mv="urn:schemas-microsoft-com:mac:vml" xmlns:p="http://schemas.openxmlformats.org/presentationml/2006/main" xmlns:c="http://schemas.openxmlformats.org/drawingml/2006/chart" xmlns:dgm="http://schemas.openxmlformats.org/drawingml/2006/diagram" xmlns:o="urn:schemas-microsoft-com:office:office" xmlns:v="urn:schemas-microsoft-com:vml" xmlns:pvml="urn:schemas-microsoft-com:office:powerpoint" xmlns:com="http://schemas.openxmlformats.org/drawingml/2006/compatibility" xmlns:p14="http://schemas.microsoft.com/office/powerpoint/2010/main" xmlns:p15="http://schemas.microsoft.com/office/powerpoint/2012/main" xmlns:ahyp="http://schemas.microsoft.com/office/drawing/2018/hyperlinkcolor">
+<p:sld xmlns:a="http://schemas.openxmlformats.org/drawingml/2006/main" xmlns:r="http://schemas.openxmlformats.org/officeDocument/2006/relationships" xmlns:p="http://schemas.openxmlformats.org/presentationml/2006/main">
   <p:cSld>
     <p:spTree>
       <p:nvGrpSpPr>
-        <p:cNvPr id="90" name="Shape 90"/>
+        <p:cNvPr id="1" name="Shape 90"/>
         <p:cNvGrpSpPr/>
         <p:nvPr/>
       </p:nvGrpSpPr>
@@ -12741,7 +13061,9 @@
       <p:sp>
         <p:nvSpPr>
           <p:cNvPr id="91" name="Google Shape;91;p2"/>
-          <p:cNvSpPr txBox="1"/>
+          <p:cNvSpPr txBox="1">
+            <a:spLocks noGrp="1"/>
+          </p:cNvSpPr>
           <p:nvPr>
             <p:ph type="title"/>
           </p:nvPr>
@@ -12760,12 +13082,12 @@
           </a:ln>
         </p:spPr>
         <p:txBody>
-          <a:bodyPr anchorCtr="0" anchor="ctr" bIns="45700" lIns="91425" spcFirstLastPara="1" rIns="91425" wrap="square" tIns="45700">
+          <a:bodyPr spcFirstLastPara="1" wrap="square" lIns="91425" tIns="45700" rIns="91425" bIns="45700" anchor="ctr" anchorCtr="0">
             <a:normAutofit/>
           </a:bodyPr>
           <a:lstStyle/>
           <a:p>
-            <a:pPr indent="0" lvl="0" marL="0" rtl="0" algn="l">
+            <a:pPr marL="0" lvl="0" indent="0" algn="l" rtl="0">
               <a:lnSpc>
                 <a:spcPct val="90000"/>
               </a:lnSpc>
@@ -12783,7 +13105,7 @@
               <a:buNone/>
             </a:pPr>
             <a:r>
-              <a:rPr b="1" lang="en-IN"/>
+              <a:rPr lang="en-IN" b="1"/>
               <a:t>Contents – </a:t>
             </a:r>
             <a:br>
@@ -12796,9 +13118,11 @@
       <p:sp>
         <p:nvSpPr>
           <p:cNvPr id="92" name="Google Shape;92;p2"/>
-          <p:cNvSpPr txBox="1"/>
+          <p:cNvSpPr txBox="1">
+            <a:spLocks noGrp="1"/>
+          </p:cNvSpPr>
           <p:nvPr>
-            <p:ph idx="1" type="body"/>
+            <p:ph type="body" idx="1"/>
           </p:nvPr>
         </p:nvSpPr>
         <p:spPr>
@@ -12815,12 +13139,12 @@
           </a:ln>
         </p:spPr>
         <p:txBody>
-          <a:bodyPr anchorCtr="0" anchor="t" bIns="45700" lIns="91425" spcFirstLastPara="1" rIns="91425" wrap="square" tIns="45700">
+          <a:bodyPr spcFirstLastPara="1" wrap="square" lIns="91425" tIns="45700" rIns="91425" bIns="45700" anchor="t" anchorCtr="0">
             <a:normAutofit/>
           </a:bodyPr>
           <a:lstStyle/>
           <a:p>
-            <a:pPr indent="-228600" lvl="0" marL="228600" rtl="0" algn="l">
+            <a:pPr marL="228600" lvl="0" indent="-228600" algn="l" rtl="0">
               <a:lnSpc>
                 <a:spcPct val="90000"/>
               </a:lnSpc>
@@ -12843,7 +13167,7 @@
             <a:endParaRPr/>
           </a:p>
           <a:p>
-            <a:pPr indent="-228600" lvl="0" marL="228600" rtl="0" algn="l">
+            <a:pPr marL="228600" lvl="0" indent="-228600" algn="l" rtl="0">
               <a:lnSpc>
                 <a:spcPct val="90000"/>
               </a:lnSpc>
@@ -12866,7 +13190,7 @@
             <a:endParaRPr/>
           </a:p>
           <a:p>
-            <a:pPr indent="-228600" lvl="0" marL="228600" rtl="0" algn="l">
+            <a:pPr marL="228600" lvl="0" indent="-228600" algn="l" rtl="0">
               <a:lnSpc>
                 <a:spcPct val="90000"/>
               </a:lnSpc>
@@ -12883,7 +13207,7 @@
               <a:buChar char="•"/>
             </a:pPr>
             <a:r>
-              <a:rPr b="0" i="0" lang="en-IN" sz="2400" u="none" strike="noStrike">
+              <a:rPr lang="en-IN" sz="2400" b="0" i="0" u="none" strike="noStrike">
                 <a:latin typeface="Calibri"/>
                 <a:ea typeface="Calibri"/>
                 <a:cs typeface="Calibri"/>
@@ -12894,7 +13218,7 @@
             <a:endParaRPr/>
           </a:p>
           <a:p>
-            <a:pPr indent="-228600" lvl="0" marL="228600" rtl="0" algn="l">
+            <a:pPr marL="228600" lvl="0" indent="-228600" algn="l" rtl="0">
               <a:lnSpc>
                 <a:spcPct val="90000"/>
               </a:lnSpc>
@@ -12917,7 +13241,7 @@
             <a:endParaRPr/>
           </a:p>
           <a:p>
-            <a:pPr indent="-228600" lvl="0" marL="228600" rtl="0" algn="l">
+            <a:pPr marL="228600" lvl="0" indent="-228600" algn="l" rtl="0">
               <a:lnSpc>
                 <a:spcPct val="90000"/>
               </a:lnSpc>
@@ -12940,7 +13264,7 @@
             <a:endParaRPr/>
           </a:p>
           <a:p>
-            <a:pPr indent="-228600" lvl="0" marL="228600" rtl="0" algn="l">
+            <a:pPr marL="228600" lvl="0" indent="-228600" algn="l" rtl="0">
               <a:lnSpc>
                 <a:spcPct val="90000"/>
               </a:lnSpc>
@@ -12973,11 +13297,11 @@
 </file>
 
 <file path=ppt/slides/slide3.xml><?xml version="1.0" encoding="utf-8"?>
-<p:sld xmlns:a="http://schemas.openxmlformats.org/drawingml/2006/main" xmlns:r="http://schemas.openxmlformats.org/officeDocument/2006/relationships" xmlns:mc="http://schemas.openxmlformats.org/markup-compatibility/2006" xmlns:mv="urn:schemas-microsoft-com:mac:vml" xmlns:p="http://schemas.openxmlformats.org/presentationml/2006/main" xmlns:c="http://schemas.openxmlformats.org/drawingml/2006/chart" xmlns:dgm="http://schemas.openxmlformats.org/drawingml/2006/diagram" xmlns:o="urn:schemas-microsoft-com:office:office" xmlns:v="urn:schemas-microsoft-com:vml" xmlns:pvml="urn:schemas-microsoft-com:office:powerpoint" xmlns:com="http://schemas.openxmlformats.org/drawingml/2006/compatibility" xmlns:p14="http://schemas.microsoft.com/office/powerpoint/2010/main" xmlns:p15="http://schemas.microsoft.com/office/powerpoint/2012/main" xmlns:ahyp="http://schemas.microsoft.com/office/drawing/2018/hyperlinkcolor">
+<p:sld xmlns:a="http://schemas.openxmlformats.org/drawingml/2006/main" xmlns:r="http://schemas.openxmlformats.org/officeDocument/2006/relationships" xmlns:p="http://schemas.openxmlformats.org/presentationml/2006/main">
   <p:cSld>
     <p:spTree>
       <p:nvGrpSpPr>
-        <p:cNvPr id="96" name="Shape 96"/>
+        <p:cNvPr id="1" name="Shape 96"/>
         <p:cNvGrpSpPr/>
         <p:nvPr/>
       </p:nvGrpSpPr>
@@ -12992,7 +13316,9 @@
       <p:sp>
         <p:nvSpPr>
           <p:cNvPr id="97" name="Google Shape;97;p4"/>
-          <p:cNvSpPr txBox="1"/>
+          <p:cNvSpPr txBox="1">
+            <a:spLocks noGrp="1"/>
+          </p:cNvSpPr>
           <p:nvPr>
             <p:ph type="title"/>
           </p:nvPr>
@@ -13011,12 +13337,12 @@
           </a:ln>
         </p:spPr>
         <p:txBody>
-          <a:bodyPr anchorCtr="0" anchor="ctr" bIns="45700" lIns="91425" spcFirstLastPara="1" rIns="91425" wrap="square" tIns="45700">
+          <a:bodyPr spcFirstLastPara="1" wrap="square" lIns="91425" tIns="45700" rIns="91425" bIns="45700" anchor="ctr" anchorCtr="0">
             <a:normAutofit/>
           </a:bodyPr>
           <a:lstStyle/>
           <a:p>
-            <a:pPr indent="0" lvl="0" marL="0" rtl="0" algn="l">
+            <a:pPr marL="0" lvl="0" indent="0" algn="l" rtl="0">
               <a:lnSpc>
                 <a:spcPct val="90000"/>
               </a:lnSpc>
@@ -13034,7 +13360,7 @@
               <a:buNone/>
             </a:pPr>
             <a:r>
-              <a:rPr b="1" lang="en-IN"/>
+              <a:rPr lang="en-IN" b="1"/>
               <a:t>Introduction -</a:t>
             </a:r>
             <a:endParaRPr b="1"/>
@@ -13044,9 +13370,11 @@
       <p:sp>
         <p:nvSpPr>
           <p:cNvPr id="98" name="Google Shape;98;p4"/>
-          <p:cNvSpPr txBox="1"/>
+          <p:cNvSpPr txBox="1">
+            <a:spLocks noGrp="1"/>
+          </p:cNvSpPr>
           <p:nvPr>
-            <p:ph idx="1" type="body"/>
+            <p:ph type="body" idx="1"/>
           </p:nvPr>
         </p:nvSpPr>
         <p:spPr>
@@ -13063,12 +13391,12 @@
           </a:ln>
         </p:spPr>
         <p:txBody>
-          <a:bodyPr anchorCtr="0" anchor="t" bIns="45700" lIns="91425" spcFirstLastPara="1" rIns="91425" wrap="square" tIns="45700">
+          <a:bodyPr spcFirstLastPara="1" wrap="square" lIns="91425" tIns="45700" rIns="91425" bIns="45700" anchor="t" anchorCtr="0">
             <a:noAutofit/>
           </a:bodyPr>
           <a:lstStyle/>
           <a:p>
-            <a:pPr indent="-234950" lvl="0" marL="228600" rtl="0" algn="l">
+            <a:pPr marL="228600" lvl="0" indent="-234950" algn="l" rtl="0">
               <a:lnSpc>
                 <a:spcPct val="90000"/>
               </a:lnSpc>
@@ -13085,7 +13413,7 @@
               <a:buChar char="•"/>
             </a:pPr>
             <a:r>
-              <a:rPr b="1" i="0" lang="en-IN" sz="2500">
+              <a:rPr lang="en-IN" sz="2500" b="1" i="0">
                 <a:solidFill>
                   <a:srgbClr val="21242C"/>
                 </a:solidFill>
@@ -13097,7 +13425,7 @@
               <a:t>D</a:t>
             </a:r>
             <a:r>
-              <a:rPr b="1" lang="en-IN" sz="2500">
+              <a:rPr lang="en-IN" sz="2500" b="1">
                 <a:solidFill>
                   <a:srgbClr val="21242C"/>
                 </a:solidFill>
@@ -13107,7 +13435,7 @@
             <a:endParaRPr sz="2500"/>
           </a:p>
           <a:p>
-            <a:pPr indent="0" lvl="0" marL="0" rtl="0" algn="l">
+            <a:pPr marL="0" lvl="0" indent="0" algn="l" rtl="0">
               <a:lnSpc>
                 <a:spcPct val="90000"/>
               </a:lnSpc>
@@ -13145,7 +13473,7 @@
                 <a:hlinkClick r:id="rId3">
                   <a:extLst>
                     <a:ext uri="{A12FA001-AC4F-418D-AE19-62706E023703}">
-                      <ahyp:hlinkClr val="tx"/>
+                      <ahyp:hlinkClr xmlns:ahyp="http://schemas.microsoft.com/office/drawing/2018/hyperlinkcolor" val="tx"/>
                     </a:ext>
                   </a:extLst>
                 </a:hlinkClick>
@@ -13167,7 +13495,7 @@
             </a:endParaRPr>
           </a:p>
           <a:p>
-            <a:pPr indent="0" lvl="0" marL="0" rtl="0" algn="l">
+            <a:pPr marL="0" lvl="0" indent="0" algn="l" rtl="0">
               <a:lnSpc>
                 <a:spcPct val="90000"/>
               </a:lnSpc>
@@ -13183,9 +13511,6 @@
               <a:buSzPts val="1600"/>
               <a:buNone/>
             </a:pPr>
-            <a:r>
-              <a:t/>
-            </a:r>
             <a:endParaRPr sz="2300">
               <a:highlight>
                 <a:srgbClr val="FFFFFF"/>
@@ -13193,7 +13518,7 @@
             </a:endParaRPr>
           </a:p>
           <a:p>
-            <a:pPr indent="-387350" lvl="0" marL="457200" rtl="0" algn="l">
+            <a:pPr marL="457200" lvl="0" indent="-387350" algn="l" rtl="0">
               <a:spcBef>
                 <a:spcPts val="0"/>
               </a:spcBef>
@@ -13204,21 +13529,21 @@
               <a:buChar char="•"/>
             </a:pPr>
             <a:r>
-              <a:rPr b="1" lang="en-IN" sz="2500">
+              <a:rPr lang="en-IN" sz="2500" b="1">
                 <a:highlight>
                   <a:srgbClr val="FFFFFF"/>
                 </a:highlight>
               </a:rPr>
               <a:t>Steps of doing Dynamic Programming</a:t>
             </a:r>
-            <a:endParaRPr b="1" sz="2500">
+            <a:endParaRPr sz="2500" b="1">
               <a:highlight>
                 <a:srgbClr val="FFFFFF"/>
               </a:highlight>
             </a:endParaRPr>
           </a:p>
           <a:p>
-            <a:pPr indent="0" lvl="0" marL="457200" rtl="0" algn="l">
+            <a:pPr marL="457200" lvl="0" indent="0" algn="l" rtl="0">
               <a:spcBef>
                 <a:spcPts val="0"/>
               </a:spcBef>
@@ -13227,17 +13552,14 @@
               </a:spcAft>
               <a:buNone/>
             </a:pPr>
-            <a:r>
-              <a:t/>
-            </a:r>
-            <a:endParaRPr b="1" sz="2300">
+            <a:endParaRPr sz="2300" b="1">
               <a:highlight>
                 <a:srgbClr val="FFFFFF"/>
               </a:highlight>
             </a:endParaRPr>
           </a:p>
           <a:p>
-            <a:pPr indent="-374650" lvl="0" marL="457200" rtl="0" algn="l">
+            <a:pPr marL="457200" lvl="0" indent="-374650" algn="l" rtl="0">
               <a:lnSpc>
                 <a:spcPct val="115000"/>
               </a:lnSpc>
@@ -13275,7 +13597,7 @@
             </a:endParaRPr>
           </a:p>
           <a:p>
-            <a:pPr indent="-374650" lvl="0" marL="457200" rtl="0" algn="l">
+            <a:pPr marL="457200" lvl="0" indent="-374650" algn="l" rtl="0">
               <a:lnSpc>
                 <a:spcPct val="115000"/>
               </a:lnSpc>
@@ -13313,7 +13635,7 @@
             </a:endParaRPr>
           </a:p>
           <a:p>
-            <a:pPr indent="-374650" lvl="0" marL="457200" rtl="0" algn="l">
+            <a:pPr marL="457200" lvl="0" indent="-374650" algn="l" rtl="0">
               <a:lnSpc>
                 <a:spcPct val="115000"/>
               </a:lnSpc>
@@ -13351,7 +13673,7 @@
             </a:endParaRPr>
           </a:p>
           <a:p>
-            <a:pPr indent="-374650" lvl="0" marL="457200" rtl="0" algn="l">
+            <a:pPr marL="457200" lvl="0" indent="-374650" algn="l" rtl="0">
               <a:lnSpc>
                 <a:spcPct val="115000"/>
               </a:lnSpc>
@@ -13389,7 +13711,7 @@
             </a:endParaRPr>
           </a:p>
           <a:p>
-            <a:pPr indent="0" lvl="0" marL="0" rtl="0" algn="l">
+            <a:pPr marL="0" lvl="0" indent="0" algn="l" rtl="0">
               <a:lnSpc>
                 <a:spcPct val="90000"/>
               </a:lnSpc>
@@ -13405,9 +13727,6 @@
               <a:buSzPts val="1600"/>
               <a:buNone/>
             </a:pPr>
-            <a:r>
-              <a:t/>
-            </a:r>
             <a:endParaRPr sz="2300">
               <a:highlight>
                 <a:srgbClr val="FFFFFF"/>
@@ -13425,11 +13744,11 @@
 </file>
 
 <file path=ppt/slides/slide4.xml><?xml version="1.0" encoding="utf-8"?>
-<p:sld xmlns:a="http://schemas.openxmlformats.org/drawingml/2006/main" xmlns:r="http://schemas.openxmlformats.org/officeDocument/2006/relationships" xmlns:mc="http://schemas.openxmlformats.org/markup-compatibility/2006" xmlns:mv="urn:schemas-microsoft-com:mac:vml" xmlns:p="http://schemas.openxmlformats.org/presentationml/2006/main" xmlns:c="http://schemas.openxmlformats.org/drawingml/2006/chart" xmlns:dgm="http://schemas.openxmlformats.org/drawingml/2006/diagram" xmlns:o="urn:schemas-microsoft-com:office:office" xmlns:v="urn:schemas-microsoft-com:vml" xmlns:pvml="urn:schemas-microsoft-com:office:powerpoint" xmlns:com="http://schemas.openxmlformats.org/drawingml/2006/compatibility" xmlns:p14="http://schemas.microsoft.com/office/powerpoint/2010/main" xmlns:p15="http://schemas.microsoft.com/office/powerpoint/2012/main" xmlns:ahyp="http://schemas.microsoft.com/office/drawing/2018/hyperlinkcolor">
+<p:sld xmlns:a="http://schemas.openxmlformats.org/drawingml/2006/main" xmlns:r="http://schemas.openxmlformats.org/officeDocument/2006/relationships" xmlns:p="http://schemas.openxmlformats.org/presentationml/2006/main">
   <p:cSld>
     <p:spTree>
       <p:nvGrpSpPr>
-        <p:cNvPr id="102" name="Shape 102"/>
+        <p:cNvPr id="1" name="Shape 102"/>
         <p:cNvGrpSpPr/>
         <p:nvPr/>
       </p:nvGrpSpPr>
@@ -13444,7 +13763,9 @@
       <p:sp>
         <p:nvSpPr>
           <p:cNvPr id="103" name="Google Shape;103;p3"/>
-          <p:cNvSpPr txBox="1"/>
+          <p:cNvSpPr txBox="1">
+            <a:spLocks noGrp="1"/>
+          </p:cNvSpPr>
           <p:nvPr>
             <p:ph type="title"/>
           </p:nvPr>
@@ -13463,12 +13784,12 @@
           </a:ln>
         </p:spPr>
         <p:txBody>
-          <a:bodyPr anchorCtr="0" anchor="ctr" bIns="45700" lIns="91425" spcFirstLastPara="1" rIns="91425" wrap="square" tIns="45700">
+          <a:bodyPr spcFirstLastPara="1" wrap="square" lIns="91425" tIns="45700" rIns="91425" bIns="45700" anchor="ctr" anchorCtr="0">
             <a:normAutofit/>
           </a:bodyPr>
           <a:lstStyle/>
           <a:p>
-            <a:pPr indent="0" lvl="0" marL="0" rtl="0" algn="l">
+            <a:pPr marL="0" lvl="0" indent="0" algn="l" rtl="0">
               <a:lnSpc>
                 <a:spcPct val="90000"/>
               </a:lnSpc>
@@ -13486,7 +13807,7 @@
               <a:buNone/>
             </a:pPr>
             <a:r>
-              <a:rPr b="1" lang="en-IN"/>
+              <a:rPr lang="en-IN" b="1"/>
               <a:t>Problem Statement -</a:t>
             </a:r>
             <a:endParaRPr/>
@@ -13496,9 +13817,11 @@
       <p:sp>
         <p:nvSpPr>
           <p:cNvPr id="104" name="Google Shape;104;p3"/>
-          <p:cNvSpPr txBox="1"/>
+          <p:cNvSpPr txBox="1">
+            <a:spLocks noGrp="1"/>
+          </p:cNvSpPr>
           <p:nvPr>
-            <p:ph idx="1" type="body"/>
+            <p:ph type="body" idx="1"/>
           </p:nvPr>
         </p:nvSpPr>
         <p:spPr>
@@ -13515,12 +13838,12 @@
           </a:ln>
         </p:spPr>
         <p:txBody>
-          <a:bodyPr anchorCtr="0" anchor="t" bIns="45700" lIns="91425" spcFirstLastPara="1" rIns="91425" wrap="square" tIns="45700">
+          <a:bodyPr spcFirstLastPara="1" wrap="square" lIns="91425" tIns="45700" rIns="91425" bIns="45700" anchor="t" anchorCtr="0">
             <a:normAutofit/>
           </a:bodyPr>
           <a:lstStyle/>
           <a:p>
-            <a:pPr indent="-76200" lvl="0" marL="228600" rtl="0" algn="l">
+            <a:pPr marL="228600" lvl="0" indent="-76200" algn="l" rtl="0">
               <a:lnSpc>
                 <a:spcPct val="90000"/>
               </a:lnSpc>
@@ -13536,13 +13859,10 @@
               <a:buSzPts val="2400"/>
               <a:buNone/>
             </a:pPr>
-            <a:r>
-              <a:t/>
-            </a:r>
             <a:endParaRPr sz="2500"/>
           </a:p>
           <a:p>
-            <a:pPr indent="0" lvl="0" marL="0" rtl="0" algn="l">
+            <a:pPr marL="0" lvl="0" indent="0" algn="l" rtl="0">
               <a:lnSpc>
                 <a:spcPct val="90000"/>
               </a:lnSpc>
@@ -13582,11 +13902,11 @@
 </file>
 
 <file path=ppt/slides/slide5.xml><?xml version="1.0" encoding="utf-8"?>
-<p:sld xmlns:a="http://schemas.openxmlformats.org/drawingml/2006/main" xmlns:r="http://schemas.openxmlformats.org/officeDocument/2006/relationships" xmlns:mc="http://schemas.openxmlformats.org/markup-compatibility/2006" xmlns:mv="urn:schemas-microsoft-com:mac:vml" xmlns:p="http://schemas.openxmlformats.org/presentationml/2006/main" xmlns:c="http://schemas.openxmlformats.org/drawingml/2006/chart" xmlns:dgm="http://schemas.openxmlformats.org/drawingml/2006/diagram" xmlns:o="urn:schemas-microsoft-com:office:office" xmlns:v="urn:schemas-microsoft-com:vml" xmlns:pvml="urn:schemas-microsoft-com:office:powerpoint" xmlns:com="http://schemas.openxmlformats.org/drawingml/2006/compatibility" xmlns:p14="http://schemas.microsoft.com/office/powerpoint/2010/main" xmlns:p15="http://schemas.microsoft.com/office/powerpoint/2012/main" xmlns:ahyp="http://schemas.microsoft.com/office/drawing/2018/hyperlinkcolor">
+<p:sld xmlns:a="http://schemas.openxmlformats.org/drawingml/2006/main" xmlns:r="http://schemas.openxmlformats.org/officeDocument/2006/relationships" xmlns:p="http://schemas.openxmlformats.org/presentationml/2006/main">
   <p:cSld>
     <p:spTree>
       <p:nvGrpSpPr>
-        <p:cNvPr id="108" name="Shape 108"/>
+        <p:cNvPr id="1" name="Shape 108"/>
         <p:cNvGrpSpPr/>
         <p:nvPr/>
       </p:nvGrpSpPr>
@@ -13601,7 +13921,9 @@
       <p:sp>
         <p:nvSpPr>
           <p:cNvPr id="109" name="Google Shape;109;p5"/>
-          <p:cNvSpPr txBox="1"/>
+          <p:cNvSpPr txBox="1">
+            <a:spLocks noGrp="1"/>
+          </p:cNvSpPr>
           <p:nvPr>
             <p:ph type="title"/>
           </p:nvPr>
@@ -13620,12 +13942,12 @@
           </a:ln>
         </p:spPr>
         <p:txBody>
-          <a:bodyPr anchorCtr="0" anchor="ctr" bIns="45700" lIns="91425" spcFirstLastPara="1" rIns="91425" wrap="square" tIns="45700">
+          <a:bodyPr spcFirstLastPara="1" wrap="square" lIns="91425" tIns="45700" rIns="91425" bIns="45700" anchor="ctr" anchorCtr="0">
             <a:normAutofit/>
           </a:bodyPr>
           <a:lstStyle/>
           <a:p>
-            <a:pPr indent="0" lvl="0" marL="0" rtl="0" algn="l">
+            <a:pPr marL="0" lvl="0" indent="0" algn="l" rtl="0">
               <a:lnSpc>
                 <a:spcPct val="90000"/>
               </a:lnSpc>
@@ -13643,7 +13965,7 @@
               <a:buNone/>
             </a:pPr>
             <a:r>
-              <a:rPr b="0" i="0" lang="en-IN" u="none" strike="noStrike">
+              <a:rPr lang="en-IN" b="0" i="0" u="none" strike="noStrike">
                 <a:latin typeface="Calibri"/>
                 <a:ea typeface="Calibri"/>
                 <a:cs typeface="Calibri"/>
@@ -13663,9 +13985,11 @@
       <p:sp>
         <p:nvSpPr>
           <p:cNvPr id="110" name="Google Shape;110;p5"/>
-          <p:cNvSpPr txBox="1"/>
+          <p:cNvSpPr txBox="1">
+            <a:spLocks noGrp="1"/>
+          </p:cNvSpPr>
           <p:nvPr>
-            <p:ph idx="1" type="body"/>
+            <p:ph type="body" idx="1"/>
           </p:nvPr>
         </p:nvSpPr>
         <p:spPr>
@@ -13682,12 +14006,12 @@
           </a:ln>
         </p:spPr>
         <p:txBody>
-          <a:bodyPr anchorCtr="0" anchor="t" bIns="45700" lIns="91425" spcFirstLastPara="1" rIns="91425" wrap="square" tIns="45700">
+          <a:bodyPr spcFirstLastPara="1" wrap="square" lIns="91425" tIns="45700" rIns="91425" bIns="45700" anchor="t" anchorCtr="0">
             <a:normAutofit lnSpcReduction="10000"/>
           </a:bodyPr>
           <a:lstStyle/>
           <a:p>
-            <a:pPr indent="0" lvl="0" marL="0" rtl="0" algn="just">
+            <a:pPr marL="0" lvl="0" indent="0" algn="just" rtl="0">
               <a:lnSpc>
                 <a:spcPct val="90000"/>
               </a:lnSpc>
@@ -13700,21 +14024,21 @@
               <a:buNone/>
             </a:pPr>
             <a:r>
-              <a:rPr b="1" lang="en-IN" sz="3000">
+              <a:rPr lang="en-IN" sz="3000" b="1">
                 <a:solidFill>
                   <a:srgbClr val="000000"/>
                 </a:solidFill>
               </a:rPr>
               <a:t>Implementing steps of Naive Algorithm:-</a:t>
             </a:r>
-            <a:endParaRPr b="1" sz="3000">
+            <a:endParaRPr sz="3000" b="1">
               <a:solidFill>
                 <a:srgbClr val="000000"/>
               </a:solidFill>
             </a:endParaRPr>
           </a:p>
           <a:p>
-            <a:pPr indent="-381000" lvl="0" marL="457200" rtl="0" algn="just">
+            <a:pPr marL="457200" lvl="0" indent="-381000" algn="just" rtl="0">
               <a:lnSpc>
                 <a:spcPct val="90000"/>
               </a:lnSpc>
@@ -13734,7 +14058,7 @@
             <a:endParaRPr sz="2400"/>
           </a:p>
           <a:p>
-            <a:pPr indent="0" lvl="0" marL="457200" rtl="0" algn="just">
+            <a:pPr marL="457200" lvl="0" indent="0" algn="just" rtl="0">
               <a:lnSpc>
                 <a:spcPct val="90000"/>
               </a:lnSpc>
@@ -13753,7 +14077,7 @@
             <a:endParaRPr sz="2400"/>
           </a:p>
           <a:p>
-            <a:pPr indent="-381000" lvl="0" marL="457200" rtl="0" algn="just">
+            <a:pPr marL="457200" lvl="0" indent="-381000" algn="just" rtl="0">
               <a:lnSpc>
                 <a:spcPct val="90000"/>
               </a:lnSpc>
@@ -13773,7 +14097,7 @@
             <a:endParaRPr sz="2400"/>
           </a:p>
           <a:p>
-            <a:pPr indent="-381000" lvl="0" marL="457200" rtl="0" algn="just">
+            <a:pPr marL="457200" lvl="0" indent="-381000" algn="just" rtl="0">
               <a:lnSpc>
                 <a:spcPct val="90000"/>
               </a:lnSpc>
@@ -13793,7 +14117,7 @@
             <a:endParaRPr sz="2400"/>
           </a:p>
           <a:p>
-            <a:pPr indent="0" lvl="0" marL="457200" rtl="0" algn="just">
+            <a:pPr marL="457200" lvl="0" indent="0" algn="just" rtl="0">
               <a:lnSpc>
                 <a:spcPct val="90000"/>
               </a:lnSpc>
@@ -13805,13 +14129,10 @@
               </a:spcAft>
               <a:buNone/>
             </a:pPr>
-            <a:r>
-              <a:t/>
-            </a:r>
             <a:endParaRPr sz="2400"/>
           </a:p>
           <a:p>
-            <a:pPr indent="0" lvl="0" marL="0" rtl="0" algn="just">
+            <a:pPr marL="0" lvl="0" indent="0" algn="just" rtl="0">
               <a:lnSpc>
                 <a:spcPct val="90000"/>
               </a:lnSpc>
@@ -13824,13 +14145,13 @@
               <a:buNone/>
             </a:pPr>
             <a:r>
-              <a:rPr b="1" lang="en-IN" sz="3000"/>
+              <a:rPr lang="en-IN" sz="3000" b="1"/>
               <a:t>Implementing steps of both Dynamic Programming:-</a:t>
             </a:r>
-            <a:endParaRPr b="1" sz="3000"/>
+            <a:endParaRPr sz="3000" b="1"/>
           </a:p>
           <a:p>
-            <a:pPr indent="-381000" lvl="0" marL="457200" rtl="0" algn="just">
+            <a:pPr marL="457200" lvl="0" indent="-381000" algn="just" rtl="0">
               <a:lnSpc>
                 <a:spcPct val="90000"/>
               </a:lnSpc>
@@ -13850,7 +14171,7 @@
             <a:endParaRPr sz="2400"/>
           </a:p>
           <a:p>
-            <a:pPr indent="0" lvl="0" marL="457200" rtl="0" algn="just">
+            <a:pPr marL="457200" lvl="0" indent="0" algn="just" rtl="0">
               <a:lnSpc>
                 <a:spcPct val="90000"/>
               </a:lnSpc>
@@ -13869,7 +14190,7 @@
             <a:endParaRPr sz="2400"/>
           </a:p>
           <a:p>
-            <a:pPr indent="-381000" lvl="0" marL="457200" rtl="0" algn="just">
+            <a:pPr marL="457200" lvl="0" indent="-381000" algn="just" rtl="0">
               <a:lnSpc>
                 <a:spcPct val="90000"/>
               </a:lnSpc>
@@ -13889,7 +14210,7 @@
             <a:endParaRPr sz="2400"/>
           </a:p>
           <a:p>
-            <a:pPr indent="0" lvl="0" marL="457200" rtl="0" algn="just">
+            <a:pPr marL="457200" lvl="0" indent="0" algn="just" rtl="0">
               <a:lnSpc>
                 <a:spcPct val="90000"/>
               </a:lnSpc>
@@ -13908,7 +14229,7 @@
             <a:endParaRPr sz="2400"/>
           </a:p>
           <a:p>
-            <a:pPr indent="-381000" lvl="0" marL="457200" rtl="0" algn="just">
+            <a:pPr marL="457200" lvl="0" indent="-381000" algn="just" rtl="0">
               <a:lnSpc>
                 <a:spcPct val="90000"/>
               </a:lnSpc>
@@ -13928,7 +14249,7 @@
             <a:endParaRPr sz="2400"/>
           </a:p>
           <a:p>
-            <a:pPr indent="0" lvl="0" marL="457200" rtl="0" algn="just">
+            <a:pPr marL="457200" lvl="0" indent="0" algn="just" rtl="0">
               <a:lnSpc>
                 <a:spcPct val="90000"/>
               </a:lnSpc>
@@ -13957,11 +14278,11 @@
 </file>
 
 <file path=ppt/slides/slide6.xml><?xml version="1.0" encoding="utf-8"?>
-<p:sld xmlns:a="http://schemas.openxmlformats.org/drawingml/2006/main" xmlns:r="http://schemas.openxmlformats.org/officeDocument/2006/relationships" xmlns:mc="http://schemas.openxmlformats.org/markup-compatibility/2006" xmlns:mv="urn:schemas-microsoft-com:mac:vml" xmlns:p="http://schemas.openxmlformats.org/presentationml/2006/main" xmlns:c="http://schemas.openxmlformats.org/drawingml/2006/chart" xmlns:dgm="http://schemas.openxmlformats.org/drawingml/2006/diagram" xmlns:o="urn:schemas-microsoft-com:office:office" xmlns:v="urn:schemas-microsoft-com:vml" xmlns:pvml="urn:schemas-microsoft-com:office:powerpoint" xmlns:com="http://schemas.openxmlformats.org/drawingml/2006/compatibility" xmlns:p14="http://schemas.microsoft.com/office/powerpoint/2010/main" xmlns:p15="http://schemas.microsoft.com/office/powerpoint/2012/main" xmlns:ahyp="http://schemas.microsoft.com/office/drawing/2018/hyperlinkcolor">
+<p:sld xmlns:a="http://schemas.openxmlformats.org/drawingml/2006/main" xmlns:r="http://schemas.openxmlformats.org/officeDocument/2006/relationships" xmlns:p="http://schemas.openxmlformats.org/presentationml/2006/main">
   <p:cSld>
     <p:spTree>
       <p:nvGrpSpPr>
-        <p:cNvPr id="114" name="Shape 114"/>
+        <p:cNvPr id="1" name="Shape 114"/>
         <p:cNvGrpSpPr/>
         <p:nvPr/>
       </p:nvGrpSpPr>
@@ -13976,7 +14297,9 @@
       <p:sp>
         <p:nvSpPr>
           <p:cNvPr id="115" name="Google Shape;115;p6"/>
-          <p:cNvSpPr txBox="1"/>
+          <p:cNvSpPr txBox="1">
+            <a:spLocks noGrp="1"/>
+          </p:cNvSpPr>
           <p:nvPr>
             <p:ph type="title"/>
           </p:nvPr>
@@ -13995,12 +14318,12 @@
           </a:ln>
         </p:spPr>
         <p:txBody>
-          <a:bodyPr anchorCtr="0" anchor="ctr" bIns="45700" lIns="91425" spcFirstLastPara="1" rIns="91425" wrap="square" tIns="45700">
+          <a:bodyPr spcFirstLastPara="1" wrap="square" lIns="91425" tIns="45700" rIns="91425" bIns="45700" anchor="ctr" anchorCtr="0">
             <a:normAutofit/>
           </a:bodyPr>
           <a:lstStyle/>
           <a:p>
-            <a:pPr indent="0" lvl="0" marL="0" rtl="0" algn="l">
+            <a:pPr marL="0" lvl="0" indent="0" algn="l" rtl="0">
               <a:lnSpc>
                 <a:spcPct val="90000"/>
               </a:lnSpc>
@@ -14018,7 +14341,7 @@
               <a:buNone/>
             </a:pPr>
             <a:r>
-              <a:rPr b="1" lang="en-IN" sz="4400"/>
+              <a:rPr lang="en-IN" sz="4400" b="1"/>
               <a:t>Time and space complexity analysis -</a:t>
             </a:r>
             <a:br>
@@ -14032,23 +14355,47 @@
         <p:nvGraphicFramePr>
           <p:cNvPr id="116" name="Google Shape;116;p6"/>
           <p:cNvGraphicFramePr/>
-          <p:nvPr/>
+          <p:nvPr>
+            <p:extLst>
+              <p:ext uri="{D42A27DB-BD31-4B8C-83A1-F6EECF244321}">
+                <p14:modId xmlns:p14="http://schemas.microsoft.com/office/powerpoint/2010/main" val="613724638"/>
+              </p:ext>
+            </p:extLst>
+          </p:nvPr>
         </p:nvGraphicFramePr>
         <p:xfrm>
           <a:off x="952500" y="2353800"/>
-          <a:ext cx="3000000" cy="3000000"/>
+          <a:ext cx="10287000" cy="4166750"/>
         </p:xfrm>
         <a:graphic>
           <a:graphicData uri="http://schemas.openxmlformats.org/drawingml/2006/table">
             <a:tbl>
               <a:tblPr>
                 <a:noFill/>
-                <a:tableStyleId>{EEC90446-4B97-41A6-9521-1FCAD08A811F}</a:tableStyleId>
+                <a:tableStyleId>{B35A89BF-2C7D-4B27-8420-531D15EE94DD}</a:tableStyleId>
               </a:tblPr>
               <a:tblGrid>
-                <a:gridCol w="3429000"/>
-                <a:gridCol w="3429000"/>
-                <a:gridCol w="3429000"/>
+                <a:gridCol w="3429000">
+                  <a:extLst>
+                    <a:ext uri="{9D8B030D-6E8A-4147-A177-3AD203B41FA5}">
+                      <a16:colId xmlns:a16="http://schemas.microsoft.com/office/drawing/2014/main" val="20000"/>
+                    </a:ext>
+                  </a:extLst>
+                </a:gridCol>
+                <a:gridCol w="3429000">
+                  <a:extLst>
+                    <a:ext uri="{9D8B030D-6E8A-4147-A177-3AD203B41FA5}">
+                      <a16:colId xmlns:a16="http://schemas.microsoft.com/office/drawing/2014/main" val="20001"/>
+                    </a:ext>
+                  </a:extLst>
+                </a:gridCol>
+                <a:gridCol w="3429000">
+                  <a:extLst>
+                    <a:ext uri="{9D8B030D-6E8A-4147-A177-3AD203B41FA5}">
+                      <a16:colId xmlns:a16="http://schemas.microsoft.com/office/drawing/2014/main" val="20002"/>
+                    </a:ext>
+                  </a:extLst>
+                </a:gridCol>
               </a:tblGrid>
               <a:tr h="986125">
                 <a:tc>
@@ -14056,7 +14403,7 @@
                     <a:bodyPr/>
                     <a:lstStyle/>
                     <a:p>
-                      <a:pPr indent="0" lvl="0" marL="0" rtl="0" algn="l">
+                      <a:pPr marL="0" lvl="0" indent="0" algn="l" rtl="0">
                         <a:spcBef>
                           <a:spcPts val="0"/>
                         </a:spcBef>
@@ -14065,20 +14412,17 @@
                         </a:spcAft>
                         <a:buNone/>
                       </a:pPr>
-                      <a:r>
-                        <a:t/>
-                      </a:r>
                       <a:endParaRPr/>
                     </a:p>
                   </a:txBody>
-                  <a:tcPr marT="91425" marB="91425" marR="91425" marL="91425"/>
+                  <a:tcPr marL="91425" marR="91425" marT="91425" marB="91425"/>
                 </a:tc>
                 <a:tc>
                   <a:txBody>
                     <a:bodyPr/>
                     <a:lstStyle/>
                     <a:p>
-                      <a:pPr indent="0" lvl="0" marL="0" rtl="0" algn="l">
+                      <a:pPr marL="0" lvl="0" indent="0" algn="l" rtl="0">
                         <a:spcBef>
                           <a:spcPts val="0"/>
                         </a:spcBef>
@@ -14094,14 +14438,14 @@
                       <a:endParaRPr sz="3000"/>
                     </a:p>
                   </a:txBody>
-                  <a:tcPr marT="91425" marB="91425" marR="91425" marL="91425"/>
+                  <a:tcPr marL="91425" marR="91425" marT="91425" marB="91425"/>
                 </a:tc>
                 <a:tc>
                   <a:txBody>
                     <a:bodyPr/>
                     <a:lstStyle/>
                     <a:p>
-                      <a:pPr indent="0" lvl="0" marL="0" rtl="0" algn="l">
+                      <a:pPr marL="0" lvl="0" indent="0" algn="l" rtl="0">
                         <a:spcBef>
                           <a:spcPts val="0"/>
                         </a:spcBef>
@@ -14117,8 +14461,13 @@
                       <a:endParaRPr sz="3000"/>
                     </a:p>
                   </a:txBody>
-                  <a:tcPr marT="91425" marB="91425" marR="91425" marL="91425"/>
+                  <a:tcPr marL="91425" marR="91425" marT="91425" marB="91425"/>
                 </a:tc>
+                <a:extLst>
+                  <a:ext uri="{0D108BD9-81ED-4DB2-BD59-A6C34878D82A}">
+                    <a16:rowId xmlns:a16="http://schemas.microsoft.com/office/drawing/2014/main" val="10000"/>
+                  </a:ext>
+                </a:extLst>
               </a:tr>
               <a:tr h="986125">
                 <a:tc>
@@ -14126,7 +14475,7 @@
                     <a:bodyPr/>
                     <a:lstStyle/>
                     <a:p>
-                      <a:pPr indent="0" lvl="0" marL="0" rtl="0" algn="l">
+                      <a:pPr marL="0" lvl="0" indent="0" algn="l" rtl="0">
                         <a:spcBef>
                           <a:spcPts val="0"/>
                         </a:spcBef>
@@ -14142,14 +14491,14 @@
                       <a:endParaRPr sz="3000"/>
                     </a:p>
                   </a:txBody>
-                  <a:tcPr marT="91425" marB="91425" marR="91425" marL="91425"/>
+                  <a:tcPr marL="91425" marR="91425" marT="91425" marB="91425"/>
                 </a:tc>
                 <a:tc>
                   <a:txBody>
                     <a:bodyPr/>
                     <a:lstStyle/>
                     <a:p>
-                      <a:pPr indent="0" lvl="0" marL="0" rtl="0" algn="l">
+                      <a:pPr marL="0" lvl="0" indent="0" algn="l" rtl="0">
                         <a:spcBef>
                           <a:spcPts val="0"/>
                         </a:spcBef>
@@ -14160,19 +14509,19 @@
                       </a:pPr>
                       <a:r>
                         <a:rPr lang="en-IN" sz="4000"/>
-                        <a:t>O(exp)</a:t>
+                        <a:t>O(2^n)</a:t>
                       </a:r>
                       <a:endParaRPr sz="4000"/>
                     </a:p>
                   </a:txBody>
-                  <a:tcPr marT="91425" marB="91425" marR="91425" marL="91425"/>
+                  <a:tcPr marL="91425" marR="91425" marT="91425" marB="91425"/>
                 </a:tc>
                 <a:tc>
                   <a:txBody>
                     <a:bodyPr/>
                     <a:lstStyle/>
                     <a:p>
-                      <a:pPr indent="0" lvl="0" marL="0" rtl="0" algn="l">
+                      <a:pPr marL="0" lvl="0" indent="0" algn="l" rtl="0">
                         <a:spcBef>
                           <a:spcPts val="0"/>
                         </a:spcBef>
@@ -14183,13 +14532,18 @@
                       </a:pPr>
                       <a:r>
                         <a:rPr lang="en-IN" sz="4000"/>
-                        <a:t>O(1)</a:t>
+                        <a:t>O(N)</a:t>
                       </a:r>
-                      <a:endParaRPr sz="4000"/>
+                      <a:endParaRPr sz="4000" dirty="0"/>
                     </a:p>
                   </a:txBody>
-                  <a:tcPr marT="91425" marB="91425" marR="91425" marL="91425"/>
+                  <a:tcPr marL="91425" marR="91425" marT="91425" marB="91425"/>
                 </a:tc>
+                <a:extLst>
+                  <a:ext uri="{0D108BD9-81ED-4DB2-BD59-A6C34878D82A}">
+                    <a16:rowId xmlns:a16="http://schemas.microsoft.com/office/drawing/2014/main" val="10001"/>
+                  </a:ext>
+                </a:extLst>
               </a:tr>
               <a:tr h="986125">
                 <a:tc>
@@ -14197,7 +14551,7 @@
                     <a:bodyPr/>
                     <a:lstStyle/>
                     <a:p>
-                      <a:pPr indent="0" lvl="0" marL="0" rtl="0" algn="l">
+                      <a:pPr marL="0" lvl="0" indent="0" algn="l" rtl="0">
                         <a:spcBef>
                           <a:spcPts val="0"/>
                         </a:spcBef>
@@ -14213,14 +14567,14 @@
                       <a:endParaRPr sz="3000"/>
                     </a:p>
                   </a:txBody>
-                  <a:tcPr marT="91425" marB="91425" marR="91425" marL="91425"/>
+                  <a:tcPr marL="91425" marR="91425" marT="91425" marB="91425"/>
                 </a:tc>
                 <a:tc>
                   <a:txBody>
                     <a:bodyPr/>
                     <a:lstStyle/>
                     <a:p>
-                      <a:pPr indent="0" lvl="0" marL="0" rtl="0" algn="l">
+                      <a:pPr marL="0" lvl="0" indent="0" algn="l" rtl="0">
                         <a:spcBef>
                           <a:spcPts val="0"/>
                         </a:spcBef>
@@ -14236,14 +14590,14 @@
                       <a:endParaRPr sz="4000"/>
                     </a:p>
                   </a:txBody>
-                  <a:tcPr marT="91425" marB="91425" marR="91425" marL="91425"/>
+                  <a:tcPr marL="91425" marR="91425" marT="91425" marB="91425"/>
                 </a:tc>
                 <a:tc>
                   <a:txBody>
                     <a:bodyPr/>
                     <a:lstStyle/>
                     <a:p>
-                      <a:pPr indent="0" lvl="0" marL="0" rtl="0" algn="l">
+                      <a:pPr marL="0" lvl="0" indent="0" algn="l" rtl="0">
                         <a:spcBef>
                           <a:spcPts val="0"/>
                         </a:spcBef>
@@ -14259,8 +14613,13 @@
                       <a:endParaRPr sz="4000"/>
                     </a:p>
                   </a:txBody>
-                  <a:tcPr marT="91425" marB="91425" marR="91425" marL="91425"/>
+                  <a:tcPr marL="91425" marR="91425" marT="91425" marB="91425"/>
                 </a:tc>
+                <a:extLst>
+                  <a:ext uri="{0D108BD9-81ED-4DB2-BD59-A6C34878D82A}">
+                    <a16:rowId xmlns:a16="http://schemas.microsoft.com/office/drawing/2014/main" val="10002"/>
+                  </a:ext>
+                </a:extLst>
               </a:tr>
               <a:tr h="986125">
                 <a:tc>
@@ -14268,7 +14627,7 @@
                     <a:bodyPr/>
                     <a:lstStyle/>
                     <a:p>
-                      <a:pPr indent="0" lvl="0" marL="0" rtl="0" algn="l">
+                      <a:pPr marL="0" lvl="0" indent="0" algn="l" rtl="0">
                         <a:spcBef>
                           <a:spcPts val="0"/>
                         </a:spcBef>
@@ -14284,7 +14643,7 @@
                       <a:endParaRPr sz="3000"/>
                     </a:p>
                     <a:p>
-                      <a:pPr indent="0" lvl="0" marL="0" rtl="0" algn="l">
+                      <a:pPr marL="0" lvl="0" indent="0" algn="l" rtl="0">
                         <a:spcBef>
                           <a:spcPts val="0"/>
                         </a:spcBef>
@@ -14300,14 +14659,14 @@
                       <a:endParaRPr sz="3000"/>
                     </a:p>
                   </a:txBody>
-                  <a:tcPr marT="91425" marB="91425" marR="91425" marL="91425"/>
+                  <a:tcPr marL="91425" marR="91425" marT="91425" marB="91425"/>
                 </a:tc>
                 <a:tc>
                   <a:txBody>
                     <a:bodyPr/>
                     <a:lstStyle/>
                     <a:p>
-                      <a:pPr indent="0" lvl="0" marL="0" rtl="0" algn="l">
+                      <a:pPr marL="0" lvl="0" indent="0" algn="l" rtl="0">
                         <a:spcBef>
                           <a:spcPts val="0"/>
                         </a:spcBef>
@@ -14323,14 +14682,14 @@
                       <a:endParaRPr sz="4000"/>
                     </a:p>
                   </a:txBody>
-                  <a:tcPr marT="91425" marB="91425" marR="91425" marL="91425"/>
+                  <a:tcPr marL="91425" marR="91425" marT="91425" marB="91425"/>
                 </a:tc>
                 <a:tc>
                   <a:txBody>
                     <a:bodyPr/>
                     <a:lstStyle/>
                     <a:p>
-                      <a:pPr indent="0" lvl="0" marL="0" rtl="0" algn="l">
+                      <a:pPr marL="0" lvl="0" indent="0" algn="l" rtl="0">
                         <a:spcBef>
                           <a:spcPts val="0"/>
                         </a:spcBef>
@@ -14340,14 +14699,19 @@
                         <a:buNone/>
                       </a:pPr>
                       <a:r>
-                        <a:rPr lang="en-IN" sz="4000"/>
+                        <a:rPr lang="en-IN" sz="4000" dirty="0"/>
                         <a:t>O(1)</a:t>
                       </a:r>
-                      <a:endParaRPr sz="4000"/>
+                      <a:endParaRPr sz="4000" dirty="0"/>
                     </a:p>
                   </a:txBody>
-                  <a:tcPr marT="91425" marB="91425" marR="91425" marL="91425"/>
+                  <a:tcPr marL="91425" marR="91425" marT="91425" marB="91425"/>
                 </a:tc>
+                <a:extLst>
+                  <a:ext uri="{0D108BD9-81ED-4DB2-BD59-A6C34878D82A}">
+                    <a16:rowId xmlns:a16="http://schemas.microsoft.com/office/drawing/2014/main" val="10003"/>
+                  </a:ext>
+                </a:extLst>
               </a:tr>
             </a:tbl>
           </a:graphicData>
@@ -14362,11 +14726,11 @@
 </file>
 
 <file path=ppt/slides/slide7.xml><?xml version="1.0" encoding="utf-8"?>
-<p:sld xmlns:a="http://schemas.openxmlformats.org/drawingml/2006/main" xmlns:r="http://schemas.openxmlformats.org/officeDocument/2006/relationships" xmlns:mc="http://schemas.openxmlformats.org/markup-compatibility/2006" xmlns:mv="urn:schemas-microsoft-com:mac:vml" xmlns:p="http://schemas.openxmlformats.org/presentationml/2006/main" xmlns:c="http://schemas.openxmlformats.org/drawingml/2006/chart" xmlns:dgm="http://schemas.openxmlformats.org/drawingml/2006/diagram" xmlns:o="urn:schemas-microsoft-com:office:office" xmlns:v="urn:schemas-microsoft-com:vml" xmlns:pvml="urn:schemas-microsoft-com:office:powerpoint" xmlns:com="http://schemas.openxmlformats.org/drawingml/2006/compatibility" xmlns:p14="http://schemas.microsoft.com/office/powerpoint/2010/main" xmlns:p15="http://schemas.microsoft.com/office/powerpoint/2012/main" xmlns:ahyp="http://schemas.microsoft.com/office/drawing/2018/hyperlinkcolor">
+<p:sld xmlns:a="http://schemas.openxmlformats.org/drawingml/2006/main" xmlns:r="http://schemas.openxmlformats.org/officeDocument/2006/relationships" xmlns:p="http://schemas.openxmlformats.org/presentationml/2006/main">
   <p:cSld>
     <p:spTree>
       <p:nvGrpSpPr>
-        <p:cNvPr id="120" name="Shape 120"/>
+        <p:cNvPr id="1" name="Shape 120"/>
         <p:cNvGrpSpPr/>
         <p:nvPr/>
       </p:nvGrpSpPr>
@@ -14471,11 +14835,11 @@
 </file>
 
 <file path=ppt/slides/slide8.xml><?xml version="1.0" encoding="utf-8"?>
-<p:sld xmlns:a="http://schemas.openxmlformats.org/drawingml/2006/main" xmlns:r="http://schemas.openxmlformats.org/officeDocument/2006/relationships" xmlns:mc="http://schemas.openxmlformats.org/markup-compatibility/2006" xmlns:mv="urn:schemas-microsoft-com:mac:vml" xmlns:p="http://schemas.openxmlformats.org/presentationml/2006/main" xmlns:c="http://schemas.openxmlformats.org/drawingml/2006/chart" xmlns:dgm="http://schemas.openxmlformats.org/drawingml/2006/diagram" xmlns:o="urn:schemas-microsoft-com:office:office" xmlns:v="urn:schemas-microsoft-com:vml" xmlns:pvml="urn:schemas-microsoft-com:office:powerpoint" xmlns:com="http://schemas.openxmlformats.org/drawingml/2006/compatibility" xmlns:p14="http://schemas.microsoft.com/office/powerpoint/2010/main" xmlns:p15="http://schemas.microsoft.com/office/powerpoint/2012/main" xmlns:ahyp="http://schemas.microsoft.com/office/drawing/2018/hyperlinkcolor">
+<p:sld xmlns:a="http://schemas.openxmlformats.org/drawingml/2006/main" xmlns:r="http://schemas.openxmlformats.org/officeDocument/2006/relationships" xmlns:p="http://schemas.openxmlformats.org/presentationml/2006/main">
   <p:cSld>
     <p:spTree>
       <p:nvGrpSpPr>
-        <p:cNvPr id="127" name="Shape 127"/>
+        <p:cNvPr id="1" name="Shape 127"/>
         <p:cNvGrpSpPr/>
         <p:nvPr/>
       </p:nvGrpSpPr>
@@ -14490,7 +14854,9 @@
       <p:sp>
         <p:nvSpPr>
           <p:cNvPr id="128" name="Google Shape;128;gc93e7790f8_0_3"/>
-          <p:cNvSpPr txBox="1"/>
+          <p:cNvSpPr txBox="1">
+            <a:spLocks noGrp="1"/>
+          </p:cNvSpPr>
           <p:nvPr>
             <p:ph type="title"/>
           </p:nvPr>
@@ -14505,12 +14871,12 @@
           </a:prstGeom>
         </p:spPr>
         <p:txBody>
-          <a:bodyPr anchorCtr="0" anchor="ctr" bIns="45700" lIns="91425" spcFirstLastPara="1" rIns="91425" wrap="square" tIns="45700">
+          <a:bodyPr spcFirstLastPara="1" wrap="square" lIns="91425" tIns="45700" rIns="91425" bIns="45700" anchor="ctr" anchorCtr="0">
             <a:normAutofit/>
           </a:bodyPr>
           <a:lstStyle/>
           <a:p>
-            <a:pPr indent="0" lvl="0" marL="0" rtl="0" algn="l">
+            <a:pPr marL="0" lvl="0" indent="0" algn="l" rtl="0">
               <a:spcBef>
                 <a:spcPts val="0"/>
               </a:spcBef>
@@ -14524,7 +14890,7 @@
               <a:t>  								</a:t>
             </a:r>
             <a:r>
-              <a:rPr b="1" lang="en-IN"/>
+              <a:rPr lang="en-IN" b="1"/>
               <a:t>Conclusion</a:t>
             </a:r>
             <a:endParaRPr b="1"/>
@@ -14534,9 +14900,11 @@
       <p:sp>
         <p:nvSpPr>
           <p:cNvPr id="129" name="Google Shape;129;gc93e7790f8_0_3"/>
-          <p:cNvSpPr txBox="1"/>
+          <p:cNvSpPr txBox="1">
+            <a:spLocks noGrp="1"/>
+          </p:cNvSpPr>
           <p:nvPr>
-            <p:ph idx="1" type="body"/>
+            <p:ph type="body" idx="1"/>
           </p:nvPr>
         </p:nvSpPr>
         <p:spPr>
@@ -14549,12 +14917,12 @@
           </a:prstGeom>
         </p:spPr>
         <p:txBody>
-          <a:bodyPr anchorCtr="0" anchor="t" bIns="45700" lIns="91425" spcFirstLastPara="1" rIns="91425" wrap="square" tIns="45700">
+          <a:bodyPr spcFirstLastPara="1" wrap="square" lIns="91425" tIns="45700" rIns="91425" bIns="45700" anchor="t" anchorCtr="0">
             <a:normAutofit/>
           </a:bodyPr>
           <a:lstStyle/>
           <a:p>
-            <a:pPr indent="-342900" lvl="0" marL="457200" rtl="0" algn="l">
+            <a:pPr marL="457200" lvl="0" indent="-342900" algn="l" rtl="0">
               <a:spcBef>
                 <a:spcPts val="1000"/>
               </a:spcBef>
@@ -14566,20 +14934,12 @@
             </a:pPr>
             <a:r>
               <a:rPr lang="en-IN"/>
-              <a:t>DP 2 is more </a:t>
-            </a:r>
-            <a:r>
-              <a:rPr lang="en-IN"/>
-              <a:t>efficient</a:t>
-            </a:r>
-            <a:r>
-              <a:rPr lang="en-IN"/>
-              <a:t> algorithm</a:t>
+              <a:t>DP 2 is more efficient algorithm</a:t>
             </a:r>
             <a:endParaRPr/>
           </a:p>
           <a:p>
-            <a:pPr indent="-342900" lvl="0" marL="457200" rtl="0" algn="l">
+            <a:pPr marL="457200" lvl="0" indent="-342900" algn="l" rtl="0">
               <a:spcBef>
                 <a:spcPts val="0"/>
               </a:spcBef>
@@ -14591,28 +14951,12 @@
             </a:pPr>
             <a:r>
               <a:rPr lang="en-IN"/>
-              <a:t>The </a:t>
-            </a:r>
-            <a:r>
-              <a:rPr lang="en-IN"/>
-              <a:t>reason</a:t>
-            </a:r>
-            <a:r>
-              <a:rPr lang="en-IN"/>
-              <a:t> is both time </a:t>
-            </a:r>
-            <a:r>
-              <a:rPr lang="en-IN"/>
-              <a:t>complexity and space complexity</a:t>
-            </a:r>
-            <a:r>
-              <a:rPr lang="en-IN"/>
-              <a:t> equation</a:t>
+              <a:t>The reason is both time complexity and space complexity equation</a:t>
             </a:r>
             <a:endParaRPr/>
           </a:p>
           <a:p>
-            <a:pPr indent="-342900" lvl="0" marL="457200" rtl="0" algn="l">
+            <a:pPr marL="457200" lvl="0" indent="-342900" algn="l" rtl="0">
               <a:spcBef>
                 <a:spcPts val="0"/>
               </a:spcBef>
@@ -14629,7 +14973,7 @@
             <a:endParaRPr/>
           </a:p>
           <a:p>
-            <a:pPr indent="-342900" lvl="0" marL="457200" rtl="0" algn="l">
+            <a:pPr marL="457200" lvl="0" indent="-342900" algn="l" rtl="0">
               <a:spcBef>
                 <a:spcPts val="0"/>
               </a:spcBef>
@@ -14641,20 +14985,12 @@
             </a:pPr>
             <a:r>
               <a:rPr lang="en-IN"/>
-              <a:t>The main </a:t>
-            </a:r>
-            <a:r>
-              <a:rPr lang="en-IN"/>
-              <a:t>reason</a:t>
-            </a:r>
-            <a:r>
-              <a:rPr lang="en-IN"/>
-              <a:t> behind this is the use of Dynamic Programming also by iteration that reduces both time complexity and space complexity. </a:t>
+              <a:t>The main reason behind this is the use of Dynamic Programming also by iteration that reduces both time complexity and space complexity. </a:t>
             </a:r>
             <a:endParaRPr/>
           </a:p>
           <a:p>
-            <a:pPr indent="-342900" lvl="0" marL="457200" rtl="0" algn="l">
+            <a:pPr marL="457200" lvl="0" indent="-342900" algn="l" rtl="0">
               <a:spcBef>
                 <a:spcPts val="0"/>
               </a:spcBef>
@@ -14666,11 +15002,7 @@
             </a:pPr>
             <a:r>
               <a:rPr lang="en-IN"/>
-              <a:t>The </a:t>
-            </a:r>
-            <a:r>
-              <a:rPr lang="en-IN"/>
-              <a:t>recursion has time complexity problem but even DP1 i.e implemented by memoization has space occurrence which is not present in iterative version i.e DP2.</a:t>
+              <a:t>The recursion has time complexity problem but even DP1 i.e implemented by memoization has space occurrence which is not present in iterative version i.e DP2.</a:t>
             </a:r>
             <a:endParaRPr/>
           </a:p>
@@ -14685,11 +15017,11 @@
 </file>
 
 <file path=ppt/slides/slide9.xml><?xml version="1.0" encoding="utf-8"?>
-<p:sld xmlns:a="http://schemas.openxmlformats.org/drawingml/2006/main" xmlns:r="http://schemas.openxmlformats.org/officeDocument/2006/relationships" xmlns:mc="http://schemas.openxmlformats.org/markup-compatibility/2006" xmlns:mv="urn:schemas-microsoft-com:mac:vml" xmlns:p="http://schemas.openxmlformats.org/presentationml/2006/main" xmlns:c="http://schemas.openxmlformats.org/drawingml/2006/chart" xmlns:dgm="http://schemas.openxmlformats.org/drawingml/2006/diagram" xmlns:o="urn:schemas-microsoft-com:office:office" xmlns:v="urn:schemas-microsoft-com:vml" xmlns:pvml="urn:schemas-microsoft-com:office:powerpoint" xmlns:com="http://schemas.openxmlformats.org/drawingml/2006/compatibility" xmlns:p14="http://schemas.microsoft.com/office/powerpoint/2010/main" xmlns:p15="http://schemas.microsoft.com/office/powerpoint/2012/main" xmlns:ahyp="http://schemas.microsoft.com/office/drawing/2018/hyperlinkcolor">
+<p:sld xmlns:a="http://schemas.openxmlformats.org/drawingml/2006/main" xmlns:r="http://schemas.openxmlformats.org/officeDocument/2006/relationships" xmlns:p="http://schemas.openxmlformats.org/presentationml/2006/main">
   <p:cSld>
     <p:spTree>
       <p:nvGrpSpPr>
-        <p:cNvPr id="133" name="Shape 133"/>
+        <p:cNvPr id="1" name="Shape 133"/>
         <p:cNvGrpSpPr/>
         <p:nvPr/>
       </p:nvGrpSpPr>
@@ -14704,9 +15036,11 @@
       <p:sp>
         <p:nvSpPr>
           <p:cNvPr id="134" name="Google Shape;134;gc93e7790f8_0_8"/>
-          <p:cNvSpPr txBox="1"/>
+          <p:cNvSpPr txBox="1">
+            <a:spLocks noGrp="1"/>
+          </p:cNvSpPr>
           <p:nvPr>
-            <p:ph idx="1" type="body"/>
+            <p:ph type="body" idx="1"/>
           </p:nvPr>
         </p:nvSpPr>
         <p:spPr>
@@ -14719,12 +15053,12 @@
           </a:prstGeom>
         </p:spPr>
         <p:txBody>
-          <a:bodyPr anchorCtr="0" anchor="t" bIns="45700" lIns="91425" spcFirstLastPara="1" rIns="91425" wrap="square" tIns="45700">
+          <a:bodyPr spcFirstLastPara="1" wrap="square" lIns="91425" tIns="45700" rIns="91425" bIns="45700" anchor="t" anchorCtr="0">
             <a:normAutofit/>
           </a:bodyPr>
           <a:lstStyle/>
           <a:p>
-            <a:pPr indent="0" lvl="0" marL="457200" rtl="0" algn="l">
+            <a:pPr marL="457200" lvl="0" indent="0" algn="l" rtl="0">
               <a:spcBef>
                 <a:spcPts val="1000"/>
               </a:spcBef>
@@ -14733,13 +15067,10 @@
               </a:spcAft>
               <a:buNone/>
             </a:pPr>
-            <a:r>
-              <a:t/>
-            </a:r>
             <a:endParaRPr/>
           </a:p>
           <a:p>
-            <a:pPr indent="0" lvl="0" marL="457200" rtl="0" algn="l">
+            <a:pPr marL="457200" lvl="0" indent="0" algn="l" rtl="0">
               <a:spcBef>
                 <a:spcPts val="1000"/>
               </a:spcBef>
@@ -14748,13 +15079,10 @@
               </a:spcAft>
               <a:buNone/>
             </a:pPr>
-            <a:r>
-              <a:t/>
-            </a:r>
             <a:endParaRPr/>
           </a:p>
           <a:p>
-            <a:pPr indent="-342900" lvl="0" marL="457200" rtl="0" algn="l">
+            <a:pPr marL="457200" lvl="0" indent="-342900" algn="l" rtl="0">
               <a:spcBef>
                 <a:spcPts val="1000"/>
               </a:spcBef>
@@ -14782,7 +15110,7 @@
             </a:endParaRPr>
           </a:p>
           <a:p>
-            <a:pPr indent="0" lvl="0" marL="0" rtl="0" algn="l">
+            <a:pPr marL="0" lvl="0" indent="0" algn="l" rtl="0">
               <a:spcBef>
                 <a:spcPts val="1000"/>
               </a:spcBef>
@@ -14791,13 +15119,10 @@
               </a:spcAft>
               <a:buNone/>
             </a:pPr>
-            <a:r>
-              <a:t/>
-            </a:r>
             <a:endParaRPr/>
           </a:p>
           <a:p>
-            <a:pPr indent="-342900" lvl="0" marL="457200" rtl="0" algn="l">
+            <a:pPr marL="457200" lvl="0" indent="-342900" algn="l" rtl="0">
               <a:spcBef>
                 <a:spcPts val="1000"/>
               </a:spcBef>
@@ -14825,7 +15150,7 @@
             </a:endParaRPr>
           </a:p>
           <a:p>
-            <a:pPr indent="0" lvl="0" marL="0" rtl="0" algn="l">
+            <a:pPr marL="0" lvl="0" indent="0" algn="l" rtl="0">
               <a:spcBef>
                 <a:spcPts val="1000"/>
               </a:spcBef>
@@ -14834,13 +15159,10 @@
               </a:spcAft>
               <a:buNone/>
             </a:pPr>
-            <a:r>
-              <a:t/>
-            </a:r>
             <a:endParaRPr/>
           </a:p>
           <a:p>
-            <a:pPr indent="0" lvl="0" marL="0" rtl="0" algn="l">
+            <a:pPr marL="0" lvl="0" indent="0" algn="l" rtl="0">
               <a:spcBef>
                 <a:spcPts val="1000"/>
               </a:spcBef>
@@ -14849,9 +15171,6 @@
               </a:spcAft>
               <a:buNone/>
             </a:pPr>
-            <a:r>
-              <a:t/>
-            </a:r>
             <a:endParaRPr/>
           </a:p>
         </p:txBody>
@@ -14859,7 +15178,9 @@
       <p:sp>
         <p:nvSpPr>
           <p:cNvPr id="135" name="Google Shape;135;gc93e7790f8_0_8"/>
-          <p:cNvSpPr txBox="1"/>
+          <p:cNvSpPr txBox="1">
+            <a:spLocks noGrp="1"/>
+          </p:cNvSpPr>
           <p:nvPr>
             <p:ph type="title"/>
           </p:nvPr>
@@ -14874,12 +15195,12 @@
           </a:prstGeom>
         </p:spPr>
         <p:txBody>
-          <a:bodyPr anchorCtr="0" anchor="ctr" bIns="45700" lIns="91425" spcFirstLastPara="1" rIns="91425" wrap="square" tIns="45700">
+          <a:bodyPr spcFirstLastPara="1" wrap="square" lIns="91425" tIns="45700" rIns="91425" bIns="45700" anchor="ctr" anchorCtr="0">
             <a:normAutofit/>
           </a:bodyPr>
           <a:lstStyle/>
           <a:p>
-            <a:pPr indent="0" lvl="0" marL="0" rtl="0" algn="l">
+            <a:pPr marL="0" lvl="0" indent="0" algn="l" rtl="0">
               <a:spcBef>
                 <a:spcPts val="0"/>
               </a:spcBef>
@@ -14893,7 +15214,7 @@
               <a:t>                             </a:t>
             </a:r>
             <a:r>
-              <a:rPr b="1" lang="en-IN"/>
+              <a:rPr lang="en-IN" b="1"/>
               <a:t>References</a:t>
             </a:r>
             <a:endParaRPr b="1"/>
@@ -14909,7 +15230,288 @@
 </file>
 
 <file path=ppt/theme/theme1.xml><?xml version="1.0" encoding="utf-8"?>
-<a:theme xmlns:a="http://schemas.openxmlformats.org/drawingml/2006/main" xmlns:r="http://schemas.openxmlformats.org/officeDocument/2006/relationships">
+<a:theme xmlns:a="http://schemas.openxmlformats.org/drawingml/2006/main" name="Office Theme">
+  <a:themeElements>
+    <a:clrScheme name="Office">
+      <a:dk1>
+        <a:srgbClr val="000000"/>
+      </a:dk1>
+      <a:lt1>
+        <a:srgbClr val="FFFFFF"/>
+      </a:lt1>
+      <a:dk2>
+        <a:srgbClr val="44546A"/>
+      </a:dk2>
+      <a:lt2>
+        <a:srgbClr val="E7E6E6"/>
+      </a:lt2>
+      <a:accent1>
+        <a:srgbClr val="4472C4"/>
+      </a:accent1>
+      <a:accent2>
+        <a:srgbClr val="ED7D31"/>
+      </a:accent2>
+      <a:accent3>
+        <a:srgbClr val="A5A5A5"/>
+      </a:accent3>
+      <a:accent4>
+        <a:srgbClr val="FFC000"/>
+      </a:accent4>
+      <a:accent5>
+        <a:srgbClr val="5B9BD5"/>
+      </a:accent5>
+      <a:accent6>
+        <a:srgbClr val="70AD47"/>
+      </a:accent6>
+      <a:hlink>
+        <a:srgbClr val="0563C1"/>
+      </a:hlink>
+      <a:folHlink>
+        <a:srgbClr val="954F72"/>
+      </a:folHlink>
+    </a:clrScheme>
+    <a:fontScheme name="Office">
+      <a:majorFont>
+        <a:latin typeface="Arial"/>
+        <a:ea typeface=""/>
+        <a:cs typeface=""/>
+        <a:font script="Jpan" typeface="ＭＳ Ｐゴシック"/>
+        <a:font script="Hang" typeface="맑은 고딕"/>
+        <a:font script="Hans" typeface="宋体"/>
+        <a:font script="Hant" typeface="新細明體"/>
+        <a:font script="Arab" typeface="Times New Roman"/>
+        <a:font script="Hebr" typeface="Times New Roman"/>
+        <a:font script="Thai" typeface="Angsana New"/>
+        <a:font script="Ethi" typeface="Nyala"/>
+        <a:font script="Beng" typeface="Vrinda"/>
+        <a:font script="Gujr" typeface="Shruti"/>
+        <a:font script="Khmr" typeface="MoolBoran"/>
+        <a:font script="Knda" typeface="Tunga"/>
+        <a:font script="Guru" typeface="Raavi"/>
+        <a:font script="Cans" typeface="Euphemia"/>
+        <a:font script="Cher" typeface="Plantagenet Cherokee"/>
+        <a:font script="Yiii" typeface="Microsoft Yi Baiti"/>
+        <a:font script="Tibt" typeface="Microsoft Himalaya"/>
+        <a:font script="Thaa" typeface="MV Boli"/>
+        <a:font script="Deva" typeface="Mangal"/>
+        <a:font script="Telu" typeface="Gautami"/>
+        <a:font script="Taml" typeface="Latha"/>
+        <a:font script="Syrc" typeface="Estrangelo Edessa"/>
+        <a:font script="Orya" typeface="Kalinga"/>
+        <a:font script="Mlym" typeface="Kartika"/>
+        <a:font script="Laoo" typeface="DokChampa"/>
+        <a:font script="Sinh" typeface="Iskoola Pota"/>
+        <a:font script="Mong" typeface="Mongolian Baiti"/>
+        <a:font script="Viet" typeface="Times New Roman"/>
+        <a:font script="Uigh" typeface="Microsoft Uighur"/>
+        <a:font script="Geor" typeface="Sylfaen"/>
+      </a:majorFont>
+      <a:minorFont>
+        <a:latin typeface="Arial"/>
+        <a:ea typeface=""/>
+        <a:cs typeface=""/>
+        <a:font script="Jpan" typeface="ＭＳ Ｐゴシック"/>
+        <a:font script="Hang" typeface="맑은 고딕"/>
+        <a:font script="Hans" typeface="宋体"/>
+        <a:font script="Hant" typeface="新細明體"/>
+        <a:font script="Arab" typeface="Arial"/>
+        <a:font script="Hebr" typeface="Arial"/>
+        <a:font script="Thai" typeface="Cordia New"/>
+        <a:font script="Ethi" typeface="Nyala"/>
+        <a:font script="Beng" typeface="Vrinda"/>
+        <a:font script="Gujr" typeface="Shruti"/>
+        <a:font script="Khmr" typeface="DaunPenh"/>
+        <a:font script="Knda" typeface="Tunga"/>
+        <a:font script="Guru" typeface="Raavi"/>
+        <a:font script="Cans" typeface="Euphemia"/>
+        <a:font script="Cher" typeface="Plantagenet Cherokee"/>
+        <a:font script="Yiii" typeface="Microsoft Yi Baiti"/>
+        <a:font script="Tibt" typeface="Microsoft Himalaya"/>
+        <a:font script="Thaa" typeface="MV Boli"/>
+        <a:font script="Deva" typeface="Mangal"/>
+        <a:font script="Telu" typeface="Gautami"/>
+        <a:font script="Taml" typeface="Latha"/>
+        <a:font script="Syrc" typeface="Estrangelo Edessa"/>
+        <a:font script="Orya" typeface="Kalinga"/>
+        <a:font script="Mlym" typeface="Kartika"/>
+        <a:font script="Laoo" typeface="DokChampa"/>
+        <a:font script="Sinh" typeface="Iskoola Pota"/>
+        <a:font script="Mong" typeface="Mongolian Baiti"/>
+        <a:font script="Viet" typeface="Arial"/>
+        <a:font script="Uigh" typeface="Microsoft Uighur"/>
+        <a:font script="Geor" typeface="Sylfaen"/>
+      </a:minorFont>
+    </a:fontScheme>
+    <a:fmtScheme name="Office">
+      <a:fillStyleLst>
+        <a:solidFill>
+          <a:schemeClr val="phClr"/>
+        </a:solidFill>
+        <a:gradFill rotWithShape="1">
+          <a:gsLst>
+            <a:gs pos="0">
+              <a:schemeClr val="phClr">
+                <a:tint val="50000"/>
+                <a:satMod val="300000"/>
+              </a:schemeClr>
+            </a:gs>
+            <a:gs pos="35000">
+              <a:schemeClr val="phClr">
+                <a:tint val="37000"/>
+                <a:satMod val="300000"/>
+              </a:schemeClr>
+            </a:gs>
+            <a:gs pos="100000">
+              <a:schemeClr val="phClr">
+                <a:tint val="15000"/>
+                <a:satMod val="350000"/>
+              </a:schemeClr>
+            </a:gs>
+          </a:gsLst>
+          <a:lin ang="16200000" scaled="1"/>
+        </a:gradFill>
+        <a:gradFill rotWithShape="1">
+          <a:gsLst>
+            <a:gs pos="0">
+              <a:schemeClr val="phClr">
+                <a:tint val="100000"/>
+                <a:shade val="100000"/>
+                <a:satMod val="130000"/>
+              </a:schemeClr>
+            </a:gs>
+            <a:gs pos="100000">
+              <a:schemeClr val="phClr">
+                <a:tint val="50000"/>
+                <a:shade val="100000"/>
+                <a:satMod val="350000"/>
+              </a:schemeClr>
+            </a:gs>
+          </a:gsLst>
+          <a:lin ang="16200000" scaled="0"/>
+        </a:gradFill>
+      </a:fillStyleLst>
+      <a:lnStyleLst>
+        <a:ln w="9525" cap="flat" cmpd="sng" algn="ctr">
+          <a:solidFill>
+            <a:schemeClr val="phClr">
+              <a:shade val="95000"/>
+              <a:satMod val="105000"/>
+            </a:schemeClr>
+          </a:solidFill>
+          <a:prstDash val="solid"/>
+        </a:ln>
+        <a:ln w="25400" cap="flat" cmpd="sng" algn="ctr">
+          <a:solidFill>
+            <a:schemeClr val="phClr"/>
+          </a:solidFill>
+          <a:prstDash val="solid"/>
+        </a:ln>
+        <a:ln w="38100" cap="flat" cmpd="sng" algn="ctr">
+          <a:solidFill>
+            <a:schemeClr val="phClr"/>
+          </a:solidFill>
+          <a:prstDash val="solid"/>
+        </a:ln>
+      </a:lnStyleLst>
+      <a:effectStyleLst>
+        <a:effectStyle>
+          <a:effectLst>
+            <a:outerShdw blurRad="40000" dist="20000" dir="5400000" rotWithShape="0">
+              <a:srgbClr val="000000">
+                <a:alpha val="38000"/>
+              </a:srgbClr>
+            </a:outerShdw>
+          </a:effectLst>
+        </a:effectStyle>
+        <a:effectStyle>
+          <a:effectLst>
+            <a:outerShdw blurRad="40000" dist="23000" dir="5400000" rotWithShape="0">
+              <a:srgbClr val="000000">
+                <a:alpha val="35000"/>
+              </a:srgbClr>
+            </a:outerShdw>
+          </a:effectLst>
+        </a:effectStyle>
+        <a:effectStyle>
+          <a:effectLst>
+            <a:outerShdw blurRad="40000" dist="23000" dir="5400000" rotWithShape="0">
+              <a:srgbClr val="000000">
+                <a:alpha val="35000"/>
+              </a:srgbClr>
+            </a:outerShdw>
+          </a:effectLst>
+          <a:scene3d>
+            <a:camera prst="orthographicFront">
+              <a:rot lat="0" lon="0" rev="0"/>
+            </a:camera>
+            <a:lightRig rig="threePt" dir="t">
+              <a:rot lat="0" lon="0" rev="1200000"/>
+            </a:lightRig>
+          </a:scene3d>
+          <a:sp3d>
+            <a:bevelT w="63500" h="25400"/>
+          </a:sp3d>
+        </a:effectStyle>
+      </a:effectStyleLst>
+      <a:bgFillStyleLst>
+        <a:solidFill>
+          <a:schemeClr val="phClr"/>
+        </a:solidFill>
+        <a:gradFill rotWithShape="1">
+          <a:gsLst>
+            <a:gs pos="0">
+              <a:schemeClr val="phClr">
+                <a:tint val="40000"/>
+                <a:satMod val="350000"/>
+              </a:schemeClr>
+            </a:gs>
+            <a:gs pos="40000">
+              <a:schemeClr val="phClr">
+                <a:tint val="45000"/>
+                <a:shade val="99000"/>
+                <a:satMod val="350000"/>
+              </a:schemeClr>
+            </a:gs>
+            <a:gs pos="100000">
+              <a:schemeClr val="phClr">
+                <a:shade val="20000"/>
+                <a:satMod val="255000"/>
+              </a:schemeClr>
+            </a:gs>
+          </a:gsLst>
+          <a:path path="circle">
+            <a:fillToRect l="50000" t="-80000" r="50000" b="180000"/>
+          </a:path>
+        </a:gradFill>
+        <a:gradFill rotWithShape="1">
+          <a:gsLst>
+            <a:gs pos="0">
+              <a:schemeClr val="phClr">
+                <a:tint val="80000"/>
+                <a:satMod val="300000"/>
+              </a:schemeClr>
+            </a:gs>
+            <a:gs pos="100000">
+              <a:schemeClr val="phClr">
+                <a:shade val="30000"/>
+                <a:satMod val="200000"/>
+              </a:schemeClr>
+            </a:gs>
+          </a:gsLst>
+          <a:path path="circle">
+            <a:fillToRect l="50000" t="50000" r="50000" b="50000"/>
+          </a:path>
+        </a:gradFill>
+      </a:bgFillStyleLst>
+    </a:fmtScheme>
+  </a:themeElements>
+  <a:objectDefaults/>
+  <a:extraClrSchemeLst/>
+</a:theme>
+</file>
+
+<file path=ppt/theme/theme2.xml><?xml version="1.0" encoding="utf-8"?>
+<a:theme xmlns:a="http://schemas.openxmlformats.org/drawingml/2006/main">
   <a:themeElements>
     <a:clrScheme name="Default">
       <a:dk1>
@@ -15184,284 +15786,7 @@
       </a:bgFillStyleLst>
     </a:fmtScheme>
   </a:themeElements>
-</a:theme>
-</file>
-
-<file path=ppt/theme/theme2.xml><?xml version="1.0" encoding="utf-8"?>
-<a:theme xmlns:a="http://schemas.openxmlformats.org/drawingml/2006/main" xmlns:r="http://schemas.openxmlformats.org/officeDocument/2006/relationships" name="Office Theme">
-  <a:themeElements>
-    <a:clrScheme name="Office">
-      <a:dk1>
-        <a:srgbClr val="000000"/>
-      </a:dk1>
-      <a:lt1>
-        <a:srgbClr val="FFFFFF"/>
-      </a:lt1>
-      <a:dk2>
-        <a:srgbClr val="44546A"/>
-      </a:dk2>
-      <a:lt2>
-        <a:srgbClr val="E7E6E6"/>
-      </a:lt2>
-      <a:accent1>
-        <a:srgbClr val="4472C4"/>
-      </a:accent1>
-      <a:accent2>
-        <a:srgbClr val="ED7D31"/>
-      </a:accent2>
-      <a:accent3>
-        <a:srgbClr val="A5A5A5"/>
-      </a:accent3>
-      <a:accent4>
-        <a:srgbClr val="FFC000"/>
-      </a:accent4>
-      <a:accent5>
-        <a:srgbClr val="5B9BD5"/>
-      </a:accent5>
-      <a:accent6>
-        <a:srgbClr val="70AD47"/>
-      </a:accent6>
-      <a:hlink>
-        <a:srgbClr val="0563C1"/>
-      </a:hlink>
-      <a:folHlink>
-        <a:srgbClr val="954F72"/>
-      </a:folHlink>
-    </a:clrScheme>
-    <a:fontScheme name="Office">
-      <a:majorFont>
-        <a:latin typeface="Arial"/>
-        <a:ea typeface=""/>
-        <a:cs typeface=""/>
-        <a:font script="Jpan" typeface="ＭＳ Ｐゴシック"/>
-        <a:font script="Hang" typeface="맑은 고딕"/>
-        <a:font script="Hans" typeface="宋体"/>
-        <a:font script="Hant" typeface="新細明體"/>
-        <a:font script="Arab" typeface="Times New Roman"/>
-        <a:font script="Hebr" typeface="Times New Roman"/>
-        <a:font script="Thai" typeface="Angsana New"/>
-        <a:font script="Ethi" typeface="Nyala"/>
-        <a:font script="Beng" typeface="Vrinda"/>
-        <a:font script="Gujr" typeface="Shruti"/>
-        <a:font script="Khmr" typeface="MoolBoran"/>
-        <a:font script="Knda" typeface="Tunga"/>
-        <a:font script="Guru" typeface="Raavi"/>
-        <a:font script="Cans" typeface="Euphemia"/>
-        <a:font script="Cher" typeface="Plantagenet Cherokee"/>
-        <a:font script="Yiii" typeface="Microsoft Yi Baiti"/>
-        <a:font script="Tibt" typeface="Microsoft Himalaya"/>
-        <a:font script="Thaa" typeface="MV Boli"/>
-        <a:font script="Deva" typeface="Mangal"/>
-        <a:font script="Telu" typeface="Gautami"/>
-        <a:font script="Taml" typeface="Latha"/>
-        <a:font script="Syrc" typeface="Estrangelo Edessa"/>
-        <a:font script="Orya" typeface="Kalinga"/>
-        <a:font script="Mlym" typeface="Kartika"/>
-        <a:font script="Laoo" typeface="DokChampa"/>
-        <a:font script="Sinh" typeface="Iskoola Pota"/>
-        <a:font script="Mong" typeface="Mongolian Baiti"/>
-        <a:font script="Viet" typeface="Times New Roman"/>
-        <a:font script="Uigh" typeface="Microsoft Uighur"/>
-        <a:font script="Geor" typeface="Sylfaen"/>
-      </a:majorFont>
-      <a:minorFont>
-        <a:latin typeface="Arial"/>
-        <a:ea typeface=""/>
-        <a:cs typeface=""/>
-        <a:font script="Jpan" typeface="ＭＳ Ｐゴシック"/>
-        <a:font script="Hang" typeface="맑은 고딕"/>
-        <a:font script="Hans" typeface="宋体"/>
-        <a:font script="Hant" typeface="新細明體"/>
-        <a:font script="Arab" typeface="Arial"/>
-        <a:font script="Hebr" typeface="Arial"/>
-        <a:font script="Thai" typeface="Cordia New"/>
-        <a:font script="Ethi" typeface="Nyala"/>
-        <a:font script="Beng" typeface="Vrinda"/>
-        <a:font script="Gujr" typeface="Shruti"/>
-        <a:font script="Khmr" typeface="DaunPenh"/>
-        <a:font script="Knda" typeface="Tunga"/>
-        <a:font script="Guru" typeface="Raavi"/>
-        <a:font script="Cans" typeface="Euphemia"/>
-        <a:font script="Cher" typeface="Plantagenet Cherokee"/>
-        <a:font script="Yiii" typeface="Microsoft Yi Baiti"/>
-        <a:font script="Tibt" typeface="Microsoft Himalaya"/>
-        <a:font script="Thaa" typeface="MV Boli"/>
-        <a:font script="Deva" typeface="Mangal"/>
-        <a:font script="Telu" typeface="Gautami"/>
-        <a:font script="Taml" typeface="Latha"/>
-        <a:font script="Syrc" typeface="Estrangelo Edessa"/>
-        <a:font script="Orya" typeface="Kalinga"/>
-        <a:font script="Mlym" typeface="Kartika"/>
-        <a:font script="Laoo" typeface="DokChampa"/>
-        <a:font script="Sinh" typeface="Iskoola Pota"/>
-        <a:font script="Mong" typeface="Mongolian Baiti"/>
-        <a:font script="Viet" typeface="Arial"/>
-        <a:font script="Uigh" typeface="Microsoft Uighur"/>
-        <a:font script="Geor" typeface="Sylfaen"/>
-      </a:minorFont>
-    </a:fontScheme>
-    <a:fmtScheme name="Office">
-      <a:fillStyleLst>
-        <a:solidFill>
-          <a:schemeClr val="phClr"/>
-        </a:solidFill>
-        <a:gradFill rotWithShape="1">
-          <a:gsLst>
-            <a:gs pos="0">
-              <a:schemeClr val="phClr">
-                <a:tint val="50000"/>
-                <a:satMod val="300000"/>
-              </a:schemeClr>
-            </a:gs>
-            <a:gs pos="35000">
-              <a:schemeClr val="phClr">
-                <a:tint val="37000"/>
-                <a:satMod val="300000"/>
-              </a:schemeClr>
-            </a:gs>
-            <a:gs pos="100000">
-              <a:schemeClr val="phClr">
-                <a:tint val="15000"/>
-                <a:satMod val="350000"/>
-              </a:schemeClr>
-            </a:gs>
-          </a:gsLst>
-          <a:lin ang="16200000" scaled="1"/>
-        </a:gradFill>
-        <a:gradFill rotWithShape="1">
-          <a:gsLst>
-            <a:gs pos="0">
-              <a:schemeClr val="phClr">
-                <a:tint val="100000"/>
-                <a:shade val="100000"/>
-                <a:satMod val="130000"/>
-              </a:schemeClr>
-            </a:gs>
-            <a:gs pos="100000">
-              <a:schemeClr val="phClr">
-                <a:tint val="50000"/>
-                <a:shade val="100000"/>
-                <a:satMod val="350000"/>
-              </a:schemeClr>
-            </a:gs>
-          </a:gsLst>
-          <a:lin ang="16200000" scaled="0"/>
-        </a:gradFill>
-      </a:fillStyleLst>
-      <a:lnStyleLst>
-        <a:ln w="9525" cap="flat" cmpd="sng" algn="ctr">
-          <a:solidFill>
-            <a:schemeClr val="phClr">
-              <a:shade val="95000"/>
-              <a:satMod val="105000"/>
-            </a:schemeClr>
-          </a:solidFill>
-          <a:prstDash val="solid"/>
-        </a:ln>
-        <a:ln w="25400" cap="flat" cmpd="sng" algn="ctr">
-          <a:solidFill>
-            <a:schemeClr val="phClr"/>
-          </a:solidFill>
-          <a:prstDash val="solid"/>
-        </a:ln>
-        <a:ln w="38100" cap="flat" cmpd="sng" algn="ctr">
-          <a:solidFill>
-            <a:schemeClr val="phClr"/>
-          </a:solidFill>
-          <a:prstDash val="solid"/>
-        </a:ln>
-      </a:lnStyleLst>
-      <a:effectStyleLst>
-        <a:effectStyle>
-          <a:effectLst>
-            <a:outerShdw blurRad="40000" dist="20000" dir="5400000" rotWithShape="0">
-              <a:srgbClr val="000000">
-                <a:alpha val="38000"/>
-              </a:srgbClr>
-            </a:outerShdw>
-          </a:effectLst>
-        </a:effectStyle>
-        <a:effectStyle>
-          <a:effectLst>
-            <a:outerShdw blurRad="40000" dist="23000" dir="5400000" rotWithShape="0">
-              <a:srgbClr val="000000">
-                <a:alpha val="35000"/>
-              </a:srgbClr>
-            </a:outerShdw>
-          </a:effectLst>
-        </a:effectStyle>
-        <a:effectStyle>
-          <a:effectLst>
-            <a:outerShdw blurRad="40000" dist="23000" dir="5400000" rotWithShape="0">
-              <a:srgbClr val="000000">
-                <a:alpha val="35000"/>
-              </a:srgbClr>
-            </a:outerShdw>
-          </a:effectLst>
-          <a:scene3d>
-            <a:camera prst="orthographicFront">
-              <a:rot lat="0" lon="0" rev="0"/>
-            </a:camera>
-            <a:lightRig rig="threePt" dir="t">
-              <a:rot lat="0" lon="0" rev="1200000"/>
-            </a:lightRig>
-          </a:scene3d>
-          <a:sp3d>
-            <a:bevelT w="63500" h="25400"/>
-          </a:sp3d>
-        </a:effectStyle>
-      </a:effectStyleLst>
-      <a:bgFillStyleLst>
-        <a:solidFill>
-          <a:schemeClr val="phClr"/>
-        </a:solidFill>
-        <a:gradFill rotWithShape="1">
-          <a:gsLst>
-            <a:gs pos="0">
-              <a:schemeClr val="phClr">
-                <a:tint val="40000"/>
-                <a:satMod val="350000"/>
-              </a:schemeClr>
-            </a:gs>
-            <a:gs pos="40000">
-              <a:schemeClr val="phClr">
-                <a:tint val="45000"/>
-                <a:shade val="99000"/>
-                <a:satMod val="350000"/>
-              </a:schemeClr>
-            </a:gs>
-            <a:gs pos="100000">
-              <a:schemeClr val="phClr">
-                <a:shade val="20000"/>
-                <a:satMod val="255000"/>
-              </a:schemeClr>
-            </a:gs>
-          </a:gsLst>
-          <a:path path="circle">
-            <a:fillToRect l="50000" t="-80000" r="50000" b="180000"/>
-          </a:path>
-        </a:gradFill>
-        <a:gradFill rotWithShape="1">
-          <a:gsLst>
-            <a:gs pos="0">
-              <a:schemeClr val="phClr">
-                <a:tint val="80000"/>
-                <a:satMod val="300000"/>
-              </a:schemeClr>
-            </a:gs>
-            <a:gs pos="100000">
-              <a:schemeClr val="phClr">
-                <a:shade val="30000"/>
-                <a:satMod val="200000"/>
-              </a:schemeClr>
-            </a:gs>
-          </a:gsLst>
-          <a:path path="circle">
-            <a:fillToRect l="50000" t="50000" r="50000" b="50000"/>
-          </a:path>
-        </a:gradFill>
-      </a:bgFillStyleLst>
-    </a:fmtScheme>
-  </a:themeElements>
+  <a:objectDefaults/>
+  <a:extraClrSchemeLst/>
 </a:theme>
 </file>